--- a/SEMESTER -5/MODERN WEB APPLICATIONS INT-316/STUDY MATERIALS/UNIT II/Unit2-08 JS.pptx
+++ b/SEMESTER -5/MODERN WEB APPLICATIONS INT-316/STUDY MATERIALS/UNIT II/Unit2-08 JS.pptx
@@ -1,53 +1,53 @@
 
 <file path=ppt/presentation.xml><?xml version="1.0" encoding="utf-8"?>
-<p:presentation xmlns:a="http://schemas.openxmlformats.org/drawingml/2006/main" xmlns:r="http://schemas.openxmlformats.org/officeDocument/2006/relationships" xmlns:p="http://schemas.openxmlformats.org/presentationml/2006/main" saveSubsetFonts="1">
+<p:presentation xmlns:a="http://schemas.openxmlformats.org/drawingml/2006/main" xmlns:r="http://schemas.openxmlformats.org/officeDocument/2006/relationships" xmlns:p="http://schemas.openxmlformats.org/presentationml/2006/main">
   <p:sldMasterIdLst>
-    <p:sldMasterId id="2147483660" r:id="rId1"/>
-    <p:sldMasterId id="2147483675" r:id="rId2"/>
+    <p:sldMasterId id="2147483648" r:id="rId1"/>
+    <p:sldMasterId id="2147483653" r:id="rId3"/>
   </p:sldMasterIdLst>
   <p:notesMasterIdLst>
-    <p:notesMasterId r:id="rId39"/>
+    <p:notesMasterId r:id="rId40"/>
   </p:notesMasterIdLst>
   <p:handoutMasterIdLst>
-    <p:handoutMasterId r:id="rId40"/>
+    <p:handoutMasterId r:id="rId41"/>
   </p:handoutMasterIdLst>
   <p:sldIdLst>
-    <p:sldId id="290" r:id="rId3"/>
-    <p:sldId id="592" r:id="rId4"/>
-    <p:sldId id="603" r:id="rId5"/>
-    <p:sldId id="604" r:id="rId6"/>
-    <p:sldId id="605" r:id="rId7"/>
-    <p:sldId id="606" r:id="rId8"/>
-    <p:sldId id="620" r:id="rId9"/>
-    <p:sldId id="621" r:id="rId10"/>
-    <p:sldId id="622" r:id="rId11"/>
-    <p:sldId id="623" r:id="rId12"/>
-    <p:sldId id="626" r:id="rId13"/>
-    <p:sldId id="627" r:id="rId14"/>
-    <p:sldId id="628" r:id="rId15"/>
-    <p:sldId id="629" r:id="rId16"/>
-    <p:sldId id="630" r:id="rId17"/>
-    <p:sldId id="631" r:id="rId18"/>
-    <p:sldId id="632" r:id="rId19"/>
-    <p:sldId id="633" r:id="rId20"/>
-    <p:sldId id="634" r:id="rId21"/>
-    <p:sldId id="635" r:id="rId22"/>
-    <p:sldId id="636" r:id="rId23"/>
-    <p:sldId id="607" r:id="rId24"/>
-    <p:sldId id="608" r:id="rId25"/>
-    <p:sldId id="609" r:id="rId26"/>
-    <p:sldId id="610" r:id="rId27"/>
-    <p:sldId id="611" r:id="rId28"/>
-    <p:sldId id="614" r:id="rId29"/>
-    <p:sldId id="612" r:id="rId30"/>
-    <p:sldId id="613" r:id="rId31"/>
-    <p:sldId id="615" r:id="rId32"/>
-    <p:sldId id="637" r:id="rId33"/>
-    <p:sldId id="638" r:id="rId34"/>
-    <p:sldId id="639" r:id="rId35"/>
-    <p:sldId id="642" r:id="rId36"/>
-    <p:sldId id="640" r:id="rId37"/>
-    <p:sldId id="641" r:id="rId38"/>
+    <p:sldId id="290" r:id="rId4"/>
+    <p:sldId id="592" r:id="rId5"/>
+    <p:sldId id="603" r:id="rId6"/>
+    <p:sldId id="604" r:id="rId7"/>
+    <p:sldId id="605" r:id="rId8"/>
+    <p:sldId id="606" r:id="rId9"/>
+    <p:sldId id="620" r:id="rId10"/>
+    <p:sldId id="621" r:id="rId11"/>
+    <p:sldId id="622" r:id="rId12"/>
+    <p:sldId id="623" r:id="rId13"/>
+    <p:sldId id="626" r:id="rId14"/>
+    <p:sldId id="627" r:id="rId15"/>
+    <p:sldId id="628" r:id="rId16"/>
+    <p:sldId id="629" r:id="rId17"/>
+    <p:sldId id="630" r:id="rId18"/>
+    <p:sldId id="631" r:id="rId19"/>
+    <p:sldId id="632" r:id="rId20"/>
+    <p:sldId id="633" r:id="rId21"/>
+    <p:sldId id="634" r:id="rId22"/>
+    <p:sldId id="635" r:id="rId23"/>
+    <p:sldId id="636" r:id="rId24"/>
+    <p:sldId id="607" r:id="rId25"/>
+    <p:sldId id="608" r:id="rId26"/>
+    <p:sldId id="609" r:id="rId27"/>
+    <p:sldId id="610" r:id="rId28"/>
+    <p:sldId id="611" r:id="rId29"/>
+    <p:sldId id="614" r:id="rId30"/>
+    <p:sldId id="612" r:id="rId31"/>
+    <p:sldId id="613" r:id="rId32"/>
+    <p:sldId id="615" r:id="rId33"/>
+    <p:sldId id="637" r:id="rId34"/>
+    <p:sldId id="638" r:id="rId35"/>
+    <p:sldId id="639" r:id="rId36"/>
+    <p:sldId id="642" r:id="rId37"/>
+    <p:sldId id="640" r:id="rId38"/>
+    <p:sldId id="641" r:id="rId39"/>
   </p:sldIdLst>
   <p:sldSz cx="12192000" cy="6858000"/>
   <p:notesSz cx="6858000" cy="9144000"/>
@@ -247,7 +247,6 @@
           <a:p>
             <a:fld id="{4CA30CE7-D510-4936-8CEE-68A4FC0C0168}" type="datetimeFigureOut">
               <a:rPr lang="en-IN" smtClean="0"/>
-              <a:t>01-10-2021</a:t>
             </a:fld>
             <a:endParaRPr lang="en-IN"/>
           </a:p>
@@ -313,18 +312,12 @@
           <a:p>
             <a:fld id="{42DE82A3-CED3-4790-980E-A3704CE709C5}" type="slidenum">
               <a:rPr lang="en-IN" smtClean="0"/>
-              <a:t>‹#›</a:t>
             </a:fld>
             <a:endParaRPr lang="en-IN"/>
           </a:p>
         </p:txBody>
       </p:sp>
     </p:spTree>
-    <p:extLst>
-      <p:ext uri="{BB962C8B-B14F-4D97-AF65-F5344CB8AC3E}">
-        <p14:creationId xmlns:p14="http://schemas.microsoft.com/office/powerpoint/2010/main" val="455338637"/>
-      </p:ext>
-    </p:extLst>
   </p:cSld>
   <p:clrMap bg1="lt1" tx1="dk1" bg2="lt2" tx2="dk2" accent1="accent1" accent2="accent2" accent3="accent3" accent4="accent4" accent5="accent5" accent6="accent6" hlink="hlink" folHlink="folHlink"/>
 </p:handoutMaster>
@@ -338,7 +331,7 @@
         <inkml:traceFormat>
           <inkml:channel name="X" type="integer" max="1920" units="cm"/>
           <inkml:channel name="Y" type="integer" max="1080" units="cm"/>
-          <inkml:channel name="T" type="integer" max="2.14748E9" units="dev"/>
+          <inkml:channel name="T" type="integer" max="2147480000" units="dev"/>
         </inkml:traceFormat>
         <inkml:channelProperties>
           <inkml:channelProperty channel="X" name="resolution" value="62.13592" units="1/cm"/>
@@ -346,15 +339,15 @@
           <inkml:channelProperty channel="T" name="resolution" value="1" units="1/dev"/>
         </inkml:channelProperties>
       </inkml:inkSource>
-      <inkml:timestamp xml:id="ts0" timeString="2021-09-30T05:07:12.209"/>
+      <inkml:timestamp xml:id="ts0" timeString="2021-09-30T05:07:12"/>
     </inkml:context>
     <inkml:brush xml:id="br0">
       <inkml:brushProperty name="width" value="0.05292" units="cm"/>
       <inkml:brushProperty name="height" value="0.05292" units="cm"/>
-      <inkml:brushProperty name="color" value="#00B050"/>
+      <inkml:brushProperty name="color" value="#00b050"/>
     </inkml:brush>
   </inkml:definitions>
-  <inkml:trace contextRef="#ctx0" brushRef="#br0">3140 11130 0,'70'0'78,"89"0"-62,88 0-16,35 0 15,283 0 1,652 0 15,17 0 0,-669 0-15,35 0 15,-36 0-15,1 0-1,-89 0 1,18 0 0,-36 0-1,-17 0 1,-88 0 0,35 0-1,35 0 1,1 0-1,-1 0 1,-176 0 0,-71 0-1,1 0 1,-36 0 15,-106 0-15,0 0-1,-17 0 1,0 0 15,-1 0-15,1 0 0,-18 18 140,-18 17-156</inkml:trace>
+  <inkml:trace contextRef="#ctx0" brushRef="#br0">3140.000 11130.000 0,'70.000'0.000'78,"89.000"0.000"-62,88.000 0.000-16,35.000 0.000 15,283.000 0.000 1,652.000 0.000 15,17.000 0.000 0,-669.000 0.000-15,35.000 0.000 15,-36.000 0.000-15,1.000 0.000-1,-89.000 0.000 1,18.000 0.000 0,-36.000 0.000-1,-17.000 0.000 1,-88.000 0.000 0,35.000 0.000-1,35.000 0.000 1,1.000 0.000-1,-1.000 0.000 1,-176.000 0.000 0,-71.000 0.000-1,1.000 0.000 1,-36.000 0.000 15,-106.000 0.000-15,0.000 0.000-1,-17.000 0.000 1,0.000 0.000 15,-1.000 0.000-15,1.000 0.000 0,-18.000 18.000 140,-18.000 17.000-156</inkml:trace>
 </inkml:ink>
 </file>
 
@@ -366,7 +359,7 @@
         <inkml:traceFormat>
           <inkml:channel name="X" type="integer" max="1920" units="cm"/>
           <inkml:channel name="Y" type="integer" max="1080" units="cm"/>
-          <inkml:channel name="T" type="integer" max="2.14748E9" units="dev"/>
+          <inkml:channel name="T" type="integer" max="2147480000" units="dev"/>
         </inkml:traceFormat>
         <inkml:channelProperties>
           <inkml:channelProperty channel="X" name="resolution" value="62.13592" units="1/cm"/>
@@ -374,18 +367,18 @@
           <inkml:channelProperty channel="T" name="resolution" value="1" units="1/dev"/>
         </inkml:channelProperties>
       </inkml:inkSource>
-      <inkml:timestamp xml:id="ts0" timeString="2021-09-30T05:07:50.531"/>
+      <inkml:timestamp xml:id="ts0" timeString="2021-09-30T05:07:50"/>
     </inkml:context>
     <inkml:brush xml:id="br0">
       <inkml:brushProperty name="width" value="0.05292" units="cm"/>
       <inkml:brushProperty name="height" value="0.05292" units="cm"/>
-      <inkml:brushProperty name="color" value="#00B050"/>
+      <inkml:brushProperty name="color" value="#00b050"/>
     </inkml:brush>
   </inkml:definitions>
-  <inkml:trace contextRef="#ctx0" brushRef="#br0">5662 6244 0,'18'35'62,"52"-35"-46,36 0-1,70 0-15,1 0 16,299-17 0,635 17 15,-370 0 0,-529 0-31,123 0 16,-229 0-1,-71 0-15</inkml:trace>
-  <inkml:trace contextRef="#ctx0" brushRef="#br0" timeOffset="1559.843">5980 8184 0,'17'-17'109,"18"17"-93,71 0-16,0 17 15,53 1-15,17-18 16,1 53-16,70-53 16,-71 0-16,18 0 15,-18 0 1,-70 0-16,88 0 16,-176 0 15</inkml:trace>
-  <inkml:trace contextRef="#ctx0" brushRef="#br0" timeOffset="23193.0192">2593 10213 0,'0'-18'141,"18"18"-126,34 0-15,37-17 16,52 17-1,-71 0-15,36 0 16,35 0-16,-17 0 16,17 0-16,141 0 15,194 0 17,300-18 14,-458 18-30,105 0 0,-17 0-1,-89 0 1,72 0 0,-1 0-1,-36 0 1,36 0-1,18 0 1,17 0 0,1 0-1,34 0 1,-140 0 15,35 0-15,-36 0-1,-17 0 1,-88 0 0,35 0-1,17 0 1,-87 0 0,17 0-1,-18 0 1,53 0-1,18 0 1,0 0 0,53 0-1,-18 0 17,-35 0-32,-35 0 31,53 0-16,87 0 1,-70 0 0,-52 0-1,-54 0 1,-35 0 0,18-71-1,-35 54 1,-54 17-1,-35 0 1,-17 0 93,0 0-109</inkml:trace>
-  <inkml:trace contextRef="#ctx0" brushRef="#br0" timeOffset="29280.4406">5997 12471 0,'0'-36'63,"53"36"-63,0 0 16,18 0-1,105 0-15,-35 0 16,36 0-16,387 36 15,424-36 17,-406 0 15</inkml:trace>
+  <inkml:trace contextRef="#ctx0" brushRef="#br0">5662.000 6244.000 0,'18.000'35.000'62,"52.000"-35.000"-46,36.000 0.000-1,70.000 0.000-15,1.000 0.000 16,299.000-17.000 0,635.000 17.000 15,-370.000 0.000 0,-529.000 0.000-31,123.000 0.000 16,-229.000 0.000-1,-71.000 0.000-15</inkml:trace>
+  <inkml:trace contextRef="#ctx0" brushRef="#br0">5980.000 8184.000 0,'17.000'-17.000'109,"18.000"17.000"-93,71.000 0.000-16,0.000 17.000 15,53.000 1.000-15,17.000-18.000 16,1.000 53.000-16,70.000-53.000 16,-71.000 0.000-16,18.000 0.000 15,-18.000 0.000 1,-70.000 0.000-16,88.000 0.000 16,-176.000 0.000 15</inkml:trace>
+  <inkml:trace contextRef="#ctx0" brushRef="#br0">2593.000 10213.000 0,'0.000'-18.000'141,"18.000"18.000"-126,34.000 0.000-15,37.000-17.000 16,52.000 17.000-1,-71.000 0.000-15,36.000 0.000 16,35.000 0.000-16,-17.000 0.000 16,17.000 0.000-16,141.000 0.000 15,194.000 0.000 17,300.000-18.000 14,-458.000 18.000-30,105.000 0.000 0,-17.000 0.000-1,-89.000 0.000 1,72.000 0.000 0,-1.000 0.000-1,-36.000 0.000 1,36.000 0.000-1,18.000 0.000 1,17.000 0.000 0,1.000 0.000-1,34.000 0.000 1,-140.000 0.000 15,35.000 0.000-15,-36.000 0.000-1,-17.000 0.000 1,-88.000 0.000 0,35.000 0.000-1,17.000 0.000 1,-87.000 0.000 0,17.000 0.000-1,-18.000 0.000 1,53.000 0.000-1,18.000 0.000 1,0.000 0.000 0,53.000 0.000-1,-18.000 0.000 17,-35.000 0.000-32,-35.000 0.000 31,53.000 0.000-16,87.000 0.000 1,-70.000 0.000 0,-52.000 0.000-1,-54.000 0.000 1,-35.000 0.000 0,18.000-71.000-1,-35.000 54.000 1,-54.000 17.000-1,-35.000 0.000 1,-17.000 0.000 93,0.000 0.000-109</inkml:trace>
+  <inkml:trace contextRef="#ctx0" brushRef="#br0">5997.000 12471.000 0,'0.000'-36.000'63,"53.000"36.000"-63,0.000 0.000 16,18.000 0.000-1,105.000 0.000-15,-35.000 0.000 16,36.000 0.000-16,387.000 36.000 15,424.000-36.000 17,-406.000 0.000 15</inkml:trace>
 </inkml:ink>
 </file>
 
@@ -397,7 +390,7 @@
         <inkml:traceFormat>
           <inkml:channel name="X" type="integer" max="1920" units="cm"/>
           <inkml:channel name="Y" type="integer" max="1080" units="cm"/>
-          <inkml:channel name="T" type="integer" max="2.14748E9" units="dev"/>
+          <inkml:channel name="T" type="integer" max="2147480000" units="dev"/>
         </inkml:traceFormat>
         <inkml:channelProperties>
           <inkml:channelProperty channel="X" name="resolution" value="62.13592" units="1/cm"/>
@@ -405,18 +398,18 @@
           <inkml:channelProperty channel="T" name="resolution" value="1" units="1/dev"/>
         </inkml:channelProperties>
       </inkml:inkSource>
-      <inkml:timestamp xml:id="ts0" timeString="2021-09-30T05:09:22.817"/>
+      <inkml:timestamp xml:id="ts0" timeString="2021-09-30T05:09:22"/>
     </inkml:context>
     <inkml:brush xml:id="br0">
       <inkml:brushProperty name="width" value="0.05292" units="cm"/>
       <inkml:brushProperty name="height" value="0.05292" units="cm"/>
-      <inkml:brushProperty name="color" value="#00B050"/>
+      <inkml:brushProperty name="color" value="#00b050"/>
     </inkml:brush>
   </inkml:definitions>
-  <inkml:trace contextRef="#ctx0" brushRef="#br0">2999 7391 0,'17'-18'16,"1"18"15,0 0-31,17-18 15,0 18 17,53-35-32,53 0 15,671-18 17,-177 53-17,-35 0 1,34-18-1,-210 18 1,176 0 0,-1 0-1,-70 0 17,1 0-17,-36 0 1,-71 0-1,0 0 1,1 0 0,-36 0-1,-36-35 1,-52 17 0,-53 18-1,-35 0 1,-18 0-1,88 0 1,71 0 0,105 0-1,1 0 17,-71 0-17,106 0 1,0 0-1,-35 0 1,34 0 0,-122 0-1,-89 0 1,0 0 0,-35 0-1,-106 0 1,53 0-1,-88 0 1,-35-17 0,-36 17 15,-17-18 110,-18 0-141,-18-17 15</inkml:trace>
-  <inkml:trace contextRef="#ctx0" brushRef="#br0" timeOffset="2770.9773">12453 6138 0,'0'36'110,"0"-19"-95,0 19-15,0 34 16,0 54-16,0-89 15,0 18-15,0-18 16,0 53 0,0-35-16,0-18 15,0 1-15,0-1 16,0 106 15,0-88-31,53 70 31,-53-105-15,0 0-16,71 88 31,-36-36-15,53 18 0,-53-52-1,1-1 1,-19-17-1,1-18 17,-1 0-17,1 0-15,17 0 16,54 0 0,-1-159-1,-71 141-15,54-52 16,-71 17-1,35-36-15,-17 54 16,-18-35-16,0-1 16,0 1-1,0 17-15,0 17 0,0-52 16,0 35 0,0-53-1,-18 71-15,18-35 16,-17 70-16,-19-89 0,36 72 15,-35-1 1,17 0 0,-17-17-16,0 0 15,-18 17 1,18 1 0,-1 17-1,-17-36 1,36 36-1,17-17 17,-18 17-1,1 0 0,-1 0-15,-35 0-1,35 0 1,1 0 0,-19 0 31</inkml:trace>
-  <inkml:trace contextRef="#ctx0" brushRef="#br0" timeOffset="6076.4693">13970 7073 0,'18'0'78,"35"0"-62,52 0 0,-16 0-16,16 0 15,248-17 1,353 17 15,-477 0 0</inkml:trace>
-  <inkml:trace contextRef="#ctx0" brushRef="#br0" timeOffset="9496.9774">17498 7179 0,'0'-18'110,"35"18"-95,18-17-15,53 17 16,35-36-16,0 36 16,35 0-1,18 0-15,18 0 16,-36 0-16,177 0 16,494 0 15,-36 0 16,-352 0-32,-106 0 1,35 0 0,-53 0-1,18 0 1,-1 0-1,-34 0 1,-106 0 0,-89 0-1,-70 0 1,-35 0 0</inkml:trace>
+  <inkml:trace contextRef="#ctx0" brushRef="#br0">2999.000 7391.000 0,'17.000'-18.000'16,"1.000"18.000"15,0.000 0.000-31,17.000-18.000 15,0.000 18.000 17,53.000-35.000-32,53.000 0.000 15,671.000-18.000 17,-177.000 53.000-17,-35.000 0.000 1,34.000-18.000-1,-210.000 18.000 1,176.000 0.000 0,-1.000 0.000-1,-70.000 0.000 17,1.000 0.000-17,-36.000 0.000 1,-71.000 0.000-1,0.000 0.000 1,1.000 0.000 0,-36.000 0.000-1,-36.000-35.000 1,-52.000 17.000 0,-53.000 18.000-1,-35.000 0.000 1,-18.000 0.000-1,88.000 0.000 1,71.000 0.000 0,105.000 0.000-1,1.000 0.000 17,-71.000 0.000-17,106.000 0.000 1,0.000 0.000-1,-35.000 0.000 1,34.000 0.000 0,-122.000 0.000-1,-89.000 0.000 1,0.000 0.000 0,-35.000 0.000-1,-106.000 0.000 1,53.000 0.000-1,-88.000 0.000 1,-35.000-17.000 0,-36.000 17.000 15,-17.000-18.000 110,-18.000 0.000-141,-18.000-17.000 15</inkml:trace>
+  <inkml:trace contextRef="#ctx0" brushRef="#br0">12453.000 6138.000 0,'0.000'36.000'110,"0.000"-19.000"-95,0.000 19.000-15,0.000 34.000 16,0.000 54.000-16,0.000-89.000 15,0.000 18.000-15,0.000-18.000 16,0.000 53.000 0,0.000-35.000-16,0.000-18.000 15,0.000 1.000-15,0.000-1.000 16,0.000 106.000 15,0.000-88.000-31,53.000 70.000 31,-53.000-105.000-15,0.000 0.000-16,71.000 88.000 31,-36.000-36.000-15,53.000 18.000 0,-53.000-52.000-1,1.000-1.000 1,-19.000-17.000-1,1.000-18.000 17,-1.000 0.000-17,1.000 0.000-15,17.000 0.000 16,54.000 0.000 0,-1.000-159.000-1,-71.000 141.000-15,54.000-52.000 16,-71.000 17.000-1,35.000-36.000-15,-17.000 54.000 16,-18.000-35.000-16,0.000-1.000 16,0.000 1.000-1,0.000 17.000-15,0.000 17.000 0,0.000-52.000 16,0.000 35.000 0,0.000-53.000-1,-18.000 71.000-15,18.000-35.000 16,-17.000 70.000-16,-19.000-89.000 0,36.000 72.000 15,-35.000-1.000 1,17.000 0.000 0,-17.000-17.000-16,0.000 0.000 15,-18.000 17.000 1,18.000 1.000 0,-1.000 17.000-1,-17.000-36.000 1,36.000 36.000-1,17.000-17.000 17,-18.000 17.000-1,1.000 0.000 0,-1.000 0.000-15,-35.000 0.000-1,35.000 0.000 1,1.000 0.000 0,-19.000 0.000 31</inkml:trace>
+  <inkml:trace contextRef="#ctx0" brushRef="#br0">13970.000 7073.000 0,'18.000'0.000'78,"35.000"0.000"-62,52.000 0.000 0,-16.000 0.000-16,16.000 0.000 15,248.000-17.000 1,353.000 17.000 15,-477.000 0.000 0</inkml:trace>
+  <inkml:trace contextRef="#ctx0" brushRef="#br0">17498.000 7179.000 0,'0.000'-18.000'110,"35.000"18.000"-95,18.000-17.000-15,53.000 17.000 16,35.000-36.000-16,0.000 36.000 16,35.000 0.000-1,18.000 0.000-15,18.000 0.000 16,-36.000 0.000-16,177.000 0.000 16,494.000 0.000 15,-36.000 0.000 16,-352.000 0.000-32,-106.000 0.000 1,35.000 0.000 0,-53.000 0.000-1,18.000 0.000 1,-1.000 0.000-1,-34.000 0.000 1,-106.000 0.000 0,-89.000 0.000-1,-70.000 0.000 1,-35.000 0.000 0</inkml:trace>
 </inkml:ink>
 </file>
 
@@ -428,7 +421,7 @@
         <inkml:traceFormat>
           <inkml:channel name="X" type="integer" max="1920" units="cm"/>
           <inkml:channel name="Y" type="integer" max="1080" units="cm"/>
-          <inkml:channel name="T" type="integer" max="2.14748E9" units="dev"/>
+          <inkml:channel name="T" type="integer" max="2147480000" units="dev"/>
         </inkml:traceFormat>
         <inkml:channelProperties>
           <inkml:channelProperty channel="X" name="resolution" value="62.13592" units="1/cm"/>
@@ -436,16 +429,16 @@
           <inkml:channelProperty channel="T" name="resolution" value="1" units="1/dev"/>
         </inkml:channelProperties>
       </inkml:inkSource>
-      <inkml:timestamp xml:id="ts0" timeString="2021-09-30T05:10:55.277"/>
+      <inkml:timestamp xml:id="ts0" timeString="2021-09-30T05:10:55"/>
     </inkml:context>
     <inkml:brush xml:id="br0">
       <inkml:brushProperty name="width" value="0.05292" units="cm"/>
       <inkml:brushProperty name="height" value="0.05292" units="cm"/>
-      <inkml:brushProperty name="color" value="#00B050"/>
+      <inkml:brushProperty name="color" value="#00b050"/>
     </inkml:brush>
   </inkml:definitions>
-  <inkml:trace contextRef="#ctx0" brushRef="#br0">10478 4357 0,'0'-18'125,"17"18"-94,1-17-15,-1-1 46,1 0-46,0 18 46,-1 0-62,1 0 47,0 0-47,-1 0 16,1 0-16,0 0 16,17 0-1,-18 0 1,19 0 15,-19 0 0,1 0-15</inkml:trace>
-  <inkml:trace contextRef="#ctx0" brushRef="#br0" timeOffset="21070.1728">22966 10319 0,'17'0'156,"36"0"-140,-35 0-1,35 0-15,18 0 16,17 0-16,-18 0 0,1 0 16,-1 0-1,-34 0-15,17 0 16,-18 0-16,106 0 47,-123 0-16</inkml:trace>
+  <inkml:trace contextRef="#ctx0" brushRef="#br0">10478.000 4357.000 0,'0.000'-18.000'125,"17.000"18.000"-94,1.000-17.000-15,-1.000-1.000 46,1.000 0.000-46,0.000 18.000 46,-1.000 0.000-62,1.000 0.000 47,0.000 0.000-47,-1.000 0.000 16,1.000 0.000-16,0.000 0.000 16,17.000 0.000-1,-18.000 0.000 1,19.000 0.000 15,-19.000 0.000 0,1.000 0.000-15</inkml:trace>
+  <inkml:trace contextRef="#ctx0" brushRef="#br0">22966.000 10319.000 0,'17.000'0.000'156,"36.000"0.000"-140,-35.000 0.000-1,35.000 0.000-15,18.000 0.000 16,17.000 0.000-16,-18.000 0.000 0,1.000 0.000 16,-1.000 0.000-1,-34.000 0.000-15,17.000 0.000 16,-18.000 0.000-16,106.000 0.000 47,-123.000 0.000-16</inkml:trace>
 </inkml:ink>
 </file>
 
@@ -457,7 +450,7 @@
         <inkml:traceFormat>
           <inkml:channel name="X" type="integer" max="1920" units="cm"/>
           <inkml:channel name="Y" type="integer" max="1080" units="cm"/>
-          <inkml:channel name="T" type="integer" max="2.14748E9" units="dev"/>
+          <inkml:channel name="T" type="integer" max="2147480000" units="dev"/>
         </inkml:traceFormat>
         <inkml:channelProperties>
           <inkml:channelProperty channel="X" name="resolution" value="62.13592" units="1/cm"/>
@@ -465,17 +458,17 @@
           <inkml:channelProperty channel="T" name="resolution" value="1" units="1/dev"/>
         </inkml:channelProperties>
       </inkml:inkSource>
-      <inkml:timestamp xml:id="ts0" timeString="2021-09-30T05:12:22.017"/>
+      <inkml:timestamp xml:id="ts0" timeString="2021-09-30T05:12:22"/>
     </inkml:context>
     <inkml:brush xml:id="br0">
       <inkml:brushProperty name="width" value="0.05292" units="cm"/>
       <inkml:brushProperty name="height" value="0.05292" units="cm"/>
-      <inkml:brushProperty name="color" value="#00B050"/>
+      <inkml:brushProperty name="color" value="#00b050"/>
     </inkml:brush>
   </inkml:definitions>
-  <inkml:trace contextRef="#ctx0" brushRef="#br0">29263 4851 0,'53'-18'62,"159"18"-46,-18 0-16,105 0 15,107 0 1,264 0 15,-458 0-31,-53-18 31,-195 18 141</inkml:trace>
-  <inkml:trace contextRef="#ctx0" brushRef="#br0" timeOffset="696.7308">29439 5592 0,'53'0'47,"71"0"-47,34 0 16,-52 0-16,176 0 15,-70 0-15,70 0 16,-140 0-16,34 0 16,0-36-1,-140 36 16,-54 0 63,0 0-78,1 0-16</inkml:trace>
-  <inkml:trace contextRef="#ctx0" brushRef="#br0" timeOffset="9441.8934">16633 15893 0,'0'-18'62,"36"18"-62,34 0 16,71 0-16,1-18 16,34 18-16,36 0 15,-1 0-15,-34 0 16,1198-70 15,530 35 16,-105-1-31,-495-17-16,-88 53 15,-194-53-15,-229 53 16,0 0-16,-230 0 15,-123 0-15,-88 0 0,0 0 16,-36 0 0,36 0-1,-283 0-15,19 0 16,-37 0-16,1 0 16,-53-17 140</inkml:trace>
+  <inkml:trace contextRef="#ctx0" brushRef="#br0">29263.000 4851.000 0,'53.000'-18.000'62,"159.000"18.000"-46,-18.000 0.000-16,105.000 0.000 15,107.000 0.000 1,264.000 0.000 15,-458.000 0.000-31,-53.000-18.000 31,-195.000 18.000 141</inkml:trace>
+  <inkml:trace contextRef="#ctx0" brushRef="#br0">29439.000 5592.000 0,'53.000'0.000'47,"71.000"0.000"-47,34.000 0.000 16,-52.000 0.000-16,176.000 0.000 15,-70.000 0.000-15,70.000 0.000 16,-140.000 0.000-16,34.000 0.000 16,0.000-36.000-1,-140.000 36.000 16,-54.000 0.000 63,0.000 0.000-78,1.000 0.000-16</inkml:trace>
+  <inkml:trace contextRef="#ctx0" brushRef="#br0">16633.000 15893.000 0,'0.000'-18.000'62,"36.000"18.000"-62,34.000 0.000 16,71.000 0.000-16,1.000-18.000 16,34.000 18.000-16,36.000 0.000 15,-1.000 0.000-15,-34.000 0.000 16,1198.000-70.000 15,530.000 35.000 16,-105.000-1.000-31,-495.000-17.000-16,-88.000 53.000 15,-194.000-53.000-15,-229.000 53.000 16,0.000 0.000-16,-230.000 0.000 15,-123.000 0.000-15,-88.000 0.000 0,0.000 0.000 16,-36.000 0.000 0,36.000 0.000-1,-283.000 0.000-15,19.000 0.000 16,-37.000 0.000-16,1.000 0.000 16,-53.000-17.000 140</inkml:trace>
 </inkml:ink>
 </file>
 
@@ -487,7 +480,7 @@
         <inkml:traceFormat>
           <inkml:channel name="X" type="integer" max="1920" units="cm"/>
           <inkml:channel name="Y" type="integer" max="1080" units="cm"/>
-          <inkml:channel name="T" type="integer" max="2.14748E9" units="dev"/>
+          <inkml:channel name="T" type="integer" max="2147480000" units="dev"/>
         </inkml:traceFormat>
         <inkml:channelProperties>
           <inkml:channelProperty channel="X" name="resolution" value="62.13592" units="1/cm"/>
@@ -495,15 +488,15 @@
           <inkml:channelProperty channel="T" name="resolution" value="1" units="1/dev"/>
         </inkml:channelProperties>
       </inkml:inkSource>
-      <inkml:timestamp xml:id="ts0" timeString="2021-09-30T05:13:10.236"/>
+      <inkml:timestamp xml:id="ts0" timeString="2021-09-30T05:13:10"/>
     </inkml:context>
     <inkml:brush xml:id="br0">
       <inkml:brushProperty name="width" value="0.05292" units="cm"/>
       <inkml:brushProperty name="height" value="0.05292" units="cm"/>
-      <inkml:brushProperty name="color" value="#00B050"/>
+      <inkml:brushProperty name="color" value="#00b050"/>
     </inkml:brush>
   </inkml:definitions>
-  <inkml:trace contextRef="#ctx0" brushRef="#br0">22754 5750 0,'18'0'62,"17"0"-46,106 0-16,141 0 16,1 36-1,1657-36 17,794 0-1,-2293 0-31,-88 0 15,-177 0-15,-158 0 16</inkml:trace>
+  <inkml:trace contextRef="#ctx0" brushRef="#br0">22754.000 5750.000 0,'18.000'0.000'62,"17.000"0.000"-46,106.000 0.000-16,141.000 0.000 16,1.000 36.000-1,1657.000-36.000 17,794.000 0.000-1,-2293.000 0.000-31,-88.000 0.000 15,-177.000 0.000-15,-158.000 0.000 16</inkml:trace>
 </inkml:ink>
 </file>
 
@@ -515,7 +508,7 @@
         <inkml:traceFormat>
           <inkml:channel name="X" type="integer" max="1920" units="cm"/>
           <inkml:channel name="Y" type="integer" max="1080" units="cm"/>
-          <inkml:channel name="T" type="integer" max="2.14748E9" units="dev"/>
+          <inkml:channel name="T" type="integer" max="2147480000" units="dev"/>
         </inkml:traceFormat>
         <inkml:channelProperties>
           <inkml:channelProperty channel="X" name="resolution" value="62.13592" units="1/cm"/>
@@ -523,17 +516,17 @@
           <inkml:channelProperty channel="T" name="resolution" value="1" units="1/dev"/>
         </inkml:channelProperties>
       </inkml:inkSource>
-      <inkml:timestamp xml:id="ts0" timeString="2021-09-30T05:14:10.843"/>
+      <inkml:timestamp xml:id="ts0" timeString="2021-09-30T05:14:10"/>
     </inkml:context>
     <inkml:brush xml:id="br0">
       <inkml:brushProperty name="width" value="0.05292" units="cm"/>
       <inkml:brushProperty name="height" value="0.05292" units="cm"/>
-      <inkml:brushProperty name="color" value="#00B050"/>
+      <inkml:brushProperty name="color" value="#00b050"/>
     </inkml:brush>
   </inkml:definitions>
-  <inkml:trace contextRef="#ctx0" brushRef="#br0">15804 635 0,'0'35'46,"89"-35"-30,-19 0-16,71 0 16,-35 0-16,106 0 15,-36 0-15,1 0 16,264 0 15,-406 0 16,-18 18 47</inkml:trace>
-  <inkml:trace contextRef="#ctx0" brushRef="#br0" timeOffset="2135.9364">13529 8361 0,'106'0'93,"70"0"-77,1 0-16,70 0 16,617 0-1,-88 0 17,-529 0-17,811 0 16,-811 0-31,106 0 32,-247 0-17,-53 0 1,35 0-16,35 0 16,-52 0-16,52-35 15,54 35 1,34 0-1,-105 0 1,-35-18 0,105 18-1,-158 0 1</inkml:trace>
-  <inkml:trace contextRef="#ctx0" brushRef="#br0" timeOffset="4911.616">8167 10248 0,'17'0'47,"89"0"-31,-18 0-16,-17 0 15,70 0-15,0 0 16,459 18 15,264-18 1,-123 0-1,176 0 0,-652 0-15,52 0-1,54 0 1,-89 0 0,141 0-1,-211 0 1,141 0 15,-89 0-15,-87 0-1,17 53 1,-35-53 0,-18 0-1,-88 0 1,-18 0-1,53 0 1,88 17 0,-34-17-1,87 0 1,-123 0 0,17 0-1,-105 0 32,17 0-16,-17 0-15,-1 0 0,19 0-1,-19 0 1,54 0-1,-1 0 1,-34 0 0,-19 0 15</inkml:trace>
+  <inkml:trace contextRef="#ctx0" brushRef="#br0">15804.000 635.000 0,'0.000'35.000'46,"89.000"-35.000"-30,-19.000 0.000-16,71.000 0.000 16,-35.000 0.000-16,106.000 0.000 15,-36.000 0.000-15,1.000 0.000 16,264.000 0.000 15,-406.000 0.000 16,-18.000 18.000 47</inkml:trace>
+  <inkml:trace contextRef="#ctx0" brushRef="#br0">13529.000 8361.000 0,'106.000'0.000'93,"70.000"0.000"-77,1.000 0.000-16,70.000 0.000 16,617.000 0.000-1,-88.000 0.000 17,-529.000 0.000-17,811.000 0.000 16,-811.000 0.000-31,106.000 0.000 32,-247.000 0.000-17,-53.000 0.000 1,35.000 0.000-16,35.000 0.000 16,-52.000 0.000-16,52.000-35.000 15,54.000 35.000 1,34.000 0.000-1,-105.000 0.000 1,-35.000-18.000 0,105.000 18.000-1,-158.000 0.000 1</inkml:trace>
+  <inkml:trace contextRef="#ctx0" brushRef="#br0">8167.000 10248.000 0,'17.000'0.000'47,"89.000"0.000"-31,-18.000 0.000-16,-17.000 0.000 15,70.000 0.000-15,0.000 0.000 16,459.000 18.000 15,264.000-18.000 1,-123.000 0.000-1,176.000 0.000 0,-652.000 0.000-15,52.000 0.000-1,54.000 0.000 1,-89.000 0.000 0,141.000 0.000-1,-211.000 0.000 1,141.000 0.000 15,-89.000 0.000-15,-87.000 0.000-1,17.000 53.000 1,-35.000-53.000 0,-18.000 0.000-1,-88.000 0.000 1,-18.000 0.000-1,53.000 0.000 1,88.000 17.000 0,-34.000-17.000-1,87.000 0.000 1,-123.000 0.000 0,17.000 0.000-1,-105.000 0.000 32,17.000 0.000-16,-17.000 0.000-15,-1.000 0.000 0,19.000 0.000-1,-19.000 0.000 1,54.000 0.000-1,-1.000 0.000 1,-34.000 0.000 0,-19.000 0.000 15</inkml:trace>
 </inkml:ink>
 </file>
 
@@ -619,7 +612,6 @@
           <a:p>
             <a:fld id="{B654C382-6CD3-4120-A69D-564C1242255E}" type="datetimeFigureOut">
               <a:rPr lang="en-IN" smtClean="0"/>
-              <a:t>01-10-2021</a:t>
             </a:fld>
             <a:endParaRPr lang="en-IN"/>
           </a:p>
@@ -686,6 +678,7 @@
               <a:rPr lang="en-US" smtClean="0"/>
               <a:t>Edit Master text styles</a:t>
             </a:r>
+            <a:endParaRPr lang="en-US" smtClean="0"/>
           </a:p>
           <a:p>
             <a:pPr lvl="1"/>
@@ -693,6 +686,7 @@
               <a:rPr lang="en-US" smtClean="0"/>
               <a:t>Second level</a:t>
             </a:r>
+            <a:endParaRPr lang="en-US" smtClean="0"/>
           </a:p>
           <a:p>
             <a:pPr lvl="2"/>
@@ -700,6 +694,7 @@
               <a:rPr lang="en-US" smtClean="0"/>
               <a:t>Third level</a:t>
             </a:r>
+            <a:endParaRPr lang="en-US" smtClean="0"/>
           </a:p>
           <a:p>
             <a:pPr lvl="3"/>
@@ -707,6 +702,7 @@
               <a:rPr lang="en-US" smtClean="0"/>
               <a:t>Fourth level</a:t>
             </a:r>
+            <a:endParaRPr lang="en-US" smtClean="0"/>
           </a:p>
           <a:p>
             <a:pPr lvl="4"/>
@@ -778,18 +774,12 @@
           <a:p>
             <a:fld id="{13C96F28-CF6B-436A-8073-CB1086802043}" type="slidenum">
               <a:rPr lang="en-IN" smtClean="0"/>
-              <a:t>‹#›</a:t>
             </a:fld>
             <a:endParaRPr lang="en-IN"/>
           </a:p>
         </p:txBody>
       </p:sp>
     </p:spTree>
-    <p:extLst>
-      <p:ext uri="{BB962C8B-B14F-4D97-AF65-F5344CB8AC3E}">
-        <p14:creationId xmlns:p14="http://schemas.microsoft.com/office/powerpoint/2010/main" val="849967496"/>
-      </p:ext>
-    </p:extLst>
   </p:cSld>
   <p:clrMap bg1="lt1" tx1="dk1" bg2="lt2" tx2="dk2" accent1="accent1" accent2="accent2" accent3="accent3" accent4="accent4" accent5="accent5" accent6="accent6" hlink="hlink" folHlink="folHlink"/>
   <p:notesStyle>
@@ -951,10 +941,9 @@
               <a:buSzTx/>
               <a:buFontTx/>
               <a:buNone/>
-              <a:tabLst/>
               <a:defRPr/>
             </a:pPr>
-            <a:endParaRPr kumimoji="0" sz="1796" b="0" i="0" u="none" strike="noStrike" kern="1200" cap="none" spc="0" normalizeH="0" baseline="0" noProof="0">
+            <a:endParaRPr kumimoji="0" sz="1795" b="0" i="0" u="none" strike="noStrike" kern="1200" cap="none" spc="0" normalizeH="0" baseline="0" noProof="0">
               <a:ln>
                 <a:noFill/>
               </a:ln>
@@ -964,10 +953,10 @@
               <a:effectLst/>
               <a:uLnTx/>
               <a:uFillTx/>
-              <a:latin typeface="Arial"/>
-              <a:ea typeface="Arial"/>
-              <a:cs typeface="Arial"/>
-              <a:sym typeface="Arial"/>
+              <a:latin typeface="Arial" panose="020B0604020202020204"/>
+              <a:ea typeface="Arial" panose="020B0604020202020204"/>
+              <a:cs typeface="Arial" panose="020B0604020202020204"/>
+              <a:sym typeface="Arial" panose="020B0604020202020204"/>
             </a:endParaRPr>
           </a:p>
         </p:txBody>
@@ -1011,11 +1000,10 @@
               <a:buSzTx/>
               <a:buFontTx/>
               <a:buNone/>
-              <a:tabLst/>
               <a:defRPr/>
             </a:pPr>
             <a:r>
-              <a:rPr kumimoji="0" lang="en-US" sz="3506" b="1" i="0" u="none" strike="noStrike" kern="1200" cap="none" spc="0" normalizeH="0" baseline="0" noProof="0">
+              <a:rPr kumimoji="0" lang="en-US" sz="3505" b="1" i="0" u="none" strike="noStrike" kern="1200" cap="none" spc="0" normalizeH="0" baseline="0" noProof="0">
                 <a:ln>
                   <a:noFill/>
                 </a:ln>
@@ -1025,14 +1013,14 @@
                 <a:effectLst/>
                 <a:uLnTx/>
                 <a:uFillTx/>
-                <a:latin typeface="Arial"/>
-                <a:ea typeface="Arial"/>
-                <a:cs typeface="Arial"/>
-                <a:sym typeface="Arial"/>
+                <a:latin typeface="Arial" panose="020B0604020202020204"/>
+                <a:ea typeface="Arial" panose="020B0604020202020204"/>
+                <a:cs typeface="Arial" panose="020B0604020202020204"/>
+                <a:sym typeface="Arial" panose="020B0604020202020204"/>
               </a:rPr>
               <a:t>Template for Preparing Presentation</a:t>
             </a:r>
-            <a:endParaRPr kumimoji="0" sz="1539" b="0" i="0" u="none" strike="noStrike" kern="1200" cap="none" spc="0" normalizeH="0" baseline="0" noProof="0">
+            <a:endParaRPr kumimoji="0" sz="1540" b="0" i="0" u="none" strike="noStrike" kern="1200" cap="none" spc="0" normalizeH="0" baseline="0" noProof="0">
               <a:ln>
                 <a:noFill/>
               </a:ln>
@@ -1042,7 +1030,7 @@
               <a:effectLst/>
               <a:uLnTx/>
               <a:uFillTx/>
-              <a:latin typeface="Arial"/>
+              <a:latin typeface="Arial" panose="020B0604020202020204"/>
               <a:ea typeface="+mn-ea"/>
               <a:cs typeface="+mn-cs"/>
             </a:endParaRPr>
@@ -1053,7 +1041,7 @@
                 <a:spcPct val="150000"/>
               </a:lnSpc>
               <a:spcBef>
-                <a:spcPts val="1753"/>
+                <a:spcPts val="1755"/>
               </a:spcBef>
               <a:spcAft>
                 <a:spcPts val="0"/>
@@ -1062,11 +1050,10 @@
               <a:buSzTx/>
               <a:buFontTx/>
               <a:buNone/>
-              <a:tabLst/>
               <a:defRPr/>
             </a:pPr>
             <a:r>
-              <a:rPr kumimoji="0" lang="en-US" sz="3506" b="1" i="0" u="none" strike="noStrike" kern="1200" cap="none" spc="0" normalizeH="0" baseline="0" noProof="0">
+              <a:rPr kumimoji="0" lang="en-US" sz="3505" b="1" i="0" u="none" strike="noStrike" kern="1200" cap="none" spc="0" normalizeH="0" baseline="0" noProof="0">
                 <a:ln>
                   <a:noFill/>
                 </a:ln>
@@ -1076,14 +1063,14 @@
                 <a:effectLst/>
                 <a:uLnTx/>
                 <a:uFillTx/>
-                <a:latin typeface="Arial"/>
-                <a:ea typeface="Arial"/>
-                <a:cs typeface="Arial"/>
-                <a:sym typeface="Arial"/>
+                <a:latin typeface="Arial" panose="020B0604020202020204"/>
+                <a:ea typeface="Arial" panose="020B0604020202020204"/>
+                <a:cs typeface="Arial" panose="020B0604020202020204"/>
+                <a:sym typeface="Arial" panose="020B0604020202020204"/>
               </a:rPr>
               <a:t>Session 2</a:t>
             </a:r>
-            <a:endParaRPr kumimoji="0" sz="2309" b="0" i="0" u="none" strike="noStrike" kern="1200" cap="none" spc="0" normalizeH="0" baseline="0" noProof="0">
+            <a:endParaRPr kumimoji="0" sz="2310" b="0" i="0" u="none" strike="noStrike" kern="1200" cap="none" spc="0" normalizeH="0" baseline="0" noProof="0">
               <a:ln>
                 <a:noFill/>
               </a:ln>
@@ -1093,10 +1080,10 @@
               <a:effectLst/>
               <a:uLnTx/>
               <a:uFillTx/>
-              <a:latin typeface="Arial"/>
-              <a:ea typeface="Arial"/>
-              <a:cs typeface="Arial"/>
-              <a:sym typeface="Arial"/>
+              <a:latin typeface="Arial" panose="020B0604020202020204"/>
+              <a:ea typeface="Arial" panose="020B0604020202020204"/>
+              <a:cs typeface="Arial" panose="020B0604020202020204"/>
+              <a:sym typeface="Arial" panose="020B0604020202020204"/>
             </a:endParaRPr>
           </a:p>
           <a:p>
@@ -1114,11 +1101,10 @@
               <a:buSzTx/>
               <a:buFontTx/>
               <a:buNone/>
-              <a:tabLst/>
               <a:defRPr/>
             </a:pPr>
             <a:r>
-              <a:rPr kumimoji="0" lang="en-US" sz="2309" b="0" i="0" u="none" strike="noStrike" kern="1200" cap="none" spc="0" normalizeH="0" baseline="0" noProof="0">
+              <a:rPr kumimoji="0" lang="en-US" sz="2310" b="0" i="0" u="none" strike="noStrike" kern="1200" cap="none" spc="0" normalizeH="0" baseline="0" noProof="0">
                 <a:ln>
                   <a:noFill/>
                 </a:ln>
@@ -1128,14 +1114,14 @@
                 <a:effectLst/>
                 <a:uLnTx/>
                 <a:uFillTx/>
-                <a:latin typeface="Arial"/>
-                <a:ea typeface="Arial"/>
-                <a:cs typeface="Arial"/>
-                <a:sym typeface="Arial"/>
+                <a:latin typeface="Arial" panose="020B0604020202020204"/>
+                <a:ea typeface="Arial" panose="020B0604020202020204"/>
+                <a:cs typeface="Arial" panose="020B0604020202020204"/>
+                <a:sym typeface="Arial" panose="020B0604020202020204"/>
               </a:rPr>
               <a:t>SASTRA University</a:t>
             </a:r>
-            <a:endParaRPr kumimoji="0" sz="1539" b="0" i="0" u="none" strike="noStrike" kern="1200" cap="none" spc="0" normalizeH="0" baseline="0" noProof="0">
+            <a:endParaRPr kumimoji="0" sz="1540" b="0" i="0" u="none" strike="noStrike" kern="1200" cap="none" spc="0" normalizeH="0" baseline="0" noProof="0">
               <a:ln>
                 <a:noFill/>
               </a:ln>
@@ -1145,7 +1131,7 @@
               <a:effectLst/>
               <a:uLnTx/>
               <a:uFillTx/>
-              <a:latin typeface="Arial"/>
+              <a:latin typeface="Arial" panose="020B0604020202020204"/>
               <a:ea typeface="+mn-ea"/>
               <a:cs typeface="+mn-cs"/>
             </a:endParaRPr>
@@ -1191,11 +1177,10 @@
               <a:buSzTx/>
               <a:buFontTx/>
               <a:buNone/>
-              <a:tabLst/>
               <a:defRPr/>
             </a:pPr>
             <a:r>
-              <a:rPr kumimoji="0" lang="en-US" sz="2309" b="0" i="0" u="none" strike="noStrike" kern="1200" cap="none" spc="0" normalizeH="0" baseline="0" noProof="0">
+              <a:rPr kumimoji="0" lang="en-US" sz="2310" b="0" i="0" u="none" strike="noStrike" kern="1200" cap="none" spc="0" normalizeH="0" baseline="0" noProof="0">
                 <a:ln>
                   <a:noFill/>
                 </a:ln>
@@ -1212,7 +1197,7 @@
               </a:rPr>
               <a:t>Progress Through Quality Education</a:t>
             </a:r>
-            <a:endParaRPr kumimoji="0" sz="1539" b="0" i="0" u="none" strike="noStrike" kern="1200" cap="none" spc="0" normalizeH="0" baseline="0" noProof="0">
+            <a:endParaRPr kumimoji="0" sz="1540" b="0" i="0" u="none" strike="noStrike" kern="1200" cap="none" spc="0" normalizeH="0" baseline="0" noProof="0">
               <a:ln>
                 <a:noFill/>
               </a:ln>
@@ -1222,7 +1207,7 @@
               <a:effectLst/>
               <a:uLnTx/>
               <a:uFillTx/>
-              <a:latin typeface="Arial"/>
+              <a:latin typeface="Arial" panose="020B0604020202020204"/>
               <a:ea typeface="+mn-ea"/>
               <a:cs typeface="+mn-cs"/>
             </a:endParaRPr>
@@ -1230,23 +1215,18 @@
         </p:txBody>
       </p:sp>
     </p:spTree>
-    <p:extLst>
-      <p:ext uri="{BB962C8B-B14F-4D97-AF65-F5344CB8AC3E}">
-        <p14:creationId xmlns:p14="http://schemas.microsoft.com/office/powerpoint/2010/main" val="2390784485"/>
-      </p:ext>
-    </p:extLst>
   </p:cSld>
   <p:clrMapOvr>
     <a:masterClrMapping/>
   </p:clrMapOvr>
-  <mc:AlternateContent xmlns:mc="http://schemas.openxmlformats.org/markup-compatibility/2006" xmlns:p14="http://schemas.microsoft.com/office/powerpoint/2010/main">
-    <mc:Choice Requires="p14">
+  <mc:AlternateContent xmlns:mc="http://schemas.openxmlformats.org/markup-compatibility/2006">
+    <mc:Choice xmlns:p14="http://schemas.microsoft.com/office/powerpoint/2010/main" Requires="p14">
       <p:transition spd="med" p14:dur="700">
         <p:fade/>
       </p:transition>
     </mc:Choice>
-    <mc:Fallback xmlns="">
-      <p:transition spd="slow">
+    <mc:Fallback>
+      <p:transition spd="med">
         <p:fade/>
       </p:transition>
     </mc:Fallback>
@@ -1454,11 +1434,10 @@
               <a:buSzPts val="1400"/>
               <a:buFontTx/>
               <a:buNone/>
-              <a:tabLst/>
               <a:defRPr/>
             </a:pPr>
             <a:fld id="{5CA493BA-04C8-4574-ABFA-03E44AE531EB}" type="datetimeFigureOut">
-              <a:rPr kumimoji="0" lang="en-US" sz="1368" b="0" i="0" u="none" strike="noStrike" kern="1200" cap="none" spc="0" normalizeH="0" baseline="0" noProof="0" smtClean="0">
+              <a:rPr kumimoji="0" lang="en-US" sz="1370" b="0" i="0" u="none" strike="noStrike" kern="1200" cap="none" spc="0" normalizeH="0" baseline="0" noProof="0" smtClean="0">
                 <a:ln>
                   <a:noFill/>
                 </a:ln>
@@ -1468,30 +1447,12 @@
                 <a:effectLst/>
                 <a:uLnTx/>
                 <a:uFillTx/>
-                <a:latin typeface="Arial"/>
-                <a:cs typeface="Arial"/>
-                <a:sym typeface="Arial"/>
+                <a:latin typeface="Arial" panose="020B0604020202020204"/>
+                <a:cs typeface="Arial" panose="020B0604020202020204"/>
+                <a:sym typeface="Arial" panose="020B0604020202020204"/>
               </a:rPr>
-              <a:pPr marL="0" marR="0" lvl="0" indent="0" algn="l" defTabSz="914400" rtl="0" eaLnBrk="1" fontAlgn="auto" latinLnBrk="0" hangingPunct="1">
-                <a:lnSpc>
-                  <a:spcPct val="100000"/>
-                </a:lnSpc>
-                <a:spcBef>
-                  <a:spcPts val="0"/>
-                </a:spcBef>
-                <a:spcAft>
-                  <a:spcPts val="0"/>
-                </a:spcAft>
-                <a:buClrTx/>
-                <a:buSzPts val="1400"/>
-                <a:buFontTx/>
-                <a:buNone/>
-                <a:tabLst/>
-                <a:defRPr/>
-              </a:pPr>
-              <a:t>10/1/2021</a:t>
             </a:fld>
-            <a:endParaRPr kumimoji="0" lang="en-US" sz="1368" b="0" i="0" u="none" strike="noStrike" kern="1200" cap="none" spc="0" normalizeH="0" baseline="0" noProof="0">
+            <a:endParaRPr kumimoji="0" lang="en-US" sz="1370" b="0" i="0" u="none" strike="noStrike" kern="1200" cap="none" spc="0" normalizeH="0" baseline="0" noProof="0">
               <a:ln>
                 <a:noFill/>
               </a:ln>
@@ -1501,9 +1462,9 @@
               <a:effectLst/>
               <a:uLnTx/>
               <a:uFillTx/>
-              <a:latin typeface="Arial"/>
-              <a:cs typeface="Arial"/>
-              <a:sym typeface="Arial"/>
+              <a:latin typeface="Arial" panose="020B0604020202020204"/>
+              <a:cs typeface="Arial" panose="020B0604020202020204"/>
+              <a:sym typeface="Arial" panose="020B0604020202020204"/>
             </a:endParaRPr>
           </a:p>
         </p:txBody>
@@ -1537,7 +1498,6 @@
               <a:buSzTx/>
               <a:buFontTx/>
               <a:buNone/>
-              <a:tabLst/>
               <a:defRPr/>
             </a:pPr>
             <a:endParaRPr kumimoji="0" lang="en-US" sz="1800" b="0" i="0" u="none" strike="noStrike" kern="1200" cap="none" spc="0" normalizeH="0" baseline="0" noProof="0" dirty="0">
@@ -1550,7 +1510,7 @@
               <a:effectLst/>
               <a:uLnTx/>
               <a:uFillTx/>
-              <a:latin typeface="Arial"/>
+              <a:latin typeface="Arial" panose="020B0604020202020204"/>
               <a:ea typeface="+mn-ea"/>
               <a:cs typeface="+mn-cs"/>
             </a:endParaRPr>
@@ -1586,11 +1546,10 @@
               <a:buSzTx/>
               <a:buFontTx/>
               <a:buNone/>
-              <a:tabLst/>
               <a:defRPr/>
             </a:pPr>
             <a:fld id="{8FE0A883-076A-4371-A43F-43D4B3282AA6}" type="slidenum">
-              <a:rPr kumimoji="0" lang="en-US" sz="1368" b="0" i="0" u="none" strike="noStrike" kern="1200" cap="none" spc="0" normalizeH="0" baseline="0" noProof="0" smtClean="0">
+              <a:rPr kumimoji="0" lang="en-US" sz="1370" b="0" i="0" u="none" strike="noStrike" kern="1200" cap="none" spc="0" normalizeH="0" baseline="0" noProof="0" smtClean="0">
                 <a:ln>
                   <a:noFill/>
                 </a:ln>
@@ -1600,30 +1559,12 @@
                 <a:effectLst/>
                 <a:uLnTx/>
                 <a:uFillTx/>
-                <a:latin typeface="Arial"/>
-                <a:cs typeface="Arial"/>
-                <a:sym typeface="Arial"/>
+                <a:latin typeface="Arial" panose="020B0604020202020204"/>
+                <a:cs typeface="Arial" panose="020B0604020202020204"/>
+                <a:sym typeface="Arial" panose="020B0604020202020204"/>
               </a:rPr>
-              <a:pPr marL="0" marR="0" lvl="0" indent="0" algn="r" defTabSz="914400" rtl="0" eaLnBrk="1" fontAlgn="auto" latinLnBrk="0" hangingPunct="1">
-                <a:lnSpc>
-                  <a:spcPct val="100000"/>
-                </a:lnSpc>
-                <a:spcBef>
-                  <a:spcPts val="0"/>
-                </a:spcBef>
-                <a:spcAft>
-                  <a:spcPts val="0"/>
-                </a:spcAft>
-                <a:buClrTx/>
-                <a:buSzTx/>
-                <a:buFontTx/>
-                <a:buNone/>
-                <a:tabLst/>
-                <a:defRPr/>
-              </a:pPr>
-              <a:t>‹#›</a:t>
             </a:fld>
-            <a:endParaRPr kumimoji="0" lang="en-US" sz="1368" b="0" i="0" u="none" strike="noStrike" kern="1200" cap="none" spc="0" normalizeH="0" baseline="0" noProof="0">
+            <a:endParaRPr kumimoji="0" lang="en-US" sz="1370" b="0" i="0" u="none" strike="noStrike" kern="1200" cap="none" spc="0" normalizeH="0" baseline="0" noProof="0">
               <a:ln>
                 <a:noFill/>
               </a:ln>
@@ -1633,23 +1574,30 @@
               <a:effectLst/>
               <a:uLnTx/>
               <a:uFillTx/>
-              <a:latin typeface="Arial"/>
-              <a:cs typeface="Arial"/>
-              <a:sym typeface="Arial"/>
+              <a:latin typeface="Arial" panose="020B0604020202020204"/>
+              <a:cs typeface="Arial" panose="020B0604020202020204"/>
+              <a:sym typeface="Arial" panose="020B0604020202020204"/>
             </a:endParaRPr>
           </a:p>
         </p:txBody>
       </p:sp>
     </p:spTree>
-    <p:extLst>
-      <p:ext uri="{BB962C8B-B14F-4D97-AF65-F5344CB8AC3E}">
-        <p14:creationId xmlns:p14="http://schemas.microsoft.com/office/powerpoint/2010/main" val="3094030167"/>
-      </p:ext>
-    </p:extLst>
   </p:cSld>
   <p:clrMapOvr>
     <a:masterClrMapping/>
   </p:clrMapOvr>
+  <mc:AlternateContent xmlns:mc="http://schemas.openxmlformats.org/markup-compatibility/2006">
+    <mc:Choice xmlns:p14="http://schemas.microsoft.com/office/powerpoint/2010/main" Requires="p14">
+      <p:transition spd="med" p14:dur="700">
+        <p:fade/>
+      </p:transition>
+    </mc:Choice>
+    <mc:Fallback>
+      <p:transition spd="med">
+        <p:fade/>
+      </p:transition>
+    </mc:Fallback>
+  </mc:AlternateContent>
   <p:timing>
     <p:tnLst>
       <p:par>
@@ -1710,9 +1658,7 @@
             <p:ph type="dt" sz="half" idx="10"/>
           </p:nvPr>
         </p:nvSpPr>
-        <p:spPr>
-          <a:ln/>
-        </p:spPr>
+        <p:spPr/>
         <p:txBody>
           <a:bodyPr/>
           <a:lstStyle>
@@ -1738,9 +1684,7 @@
             <p:ph type="ftr" sz="quarter" idx="11"/>
           </p:nvPr>
         </p:nvSpPr>
-        <p:spPr>
-          <a:ln/>
-        </p:spPr>
+        <p:spPr/>
         <p:txBody>
           <a:bodyPr/>
           <a:lstStyle>
@@ -1766,9 +1710,7 @@
             <p:ph type="sldNum" sz="quarter" idx="12"/>
           </p:nvPr>
         </p:nvSpPr>
-        <p:spPr>
-          <a:ln/>
-        </p:spPr>
+        <p:spPr/>
         <p:txBody>
           <a:bodyPr/>
           <a:lstStyle>
@@ -1779,23 +1721,28 @@
           <a:p>
             <a:fld id="{E98CBE09-2349-4EE1-A219-AB8DA39AFE09}" type="slidenum">
               <a:rPr lang="en-US" altLang="en-US"/>
-              <a:pPr/>
-              <a:t>‹#›</a:t>
             </a:fld>
             <a:endParaRPr lang="en-US" altLang="en-US"/>
           </a:p>
         </p:txBody>
       </p:sp>
     </p:spTree>
-    <p:extLst>
-      <p:ext uri="{BB962C8B-B14F-4D97-AF65-F5344CB8AC3E}">
-        <p14:creationId xmlns:p14="http://schemas.microsoft.com/office/powerpoint/2010/main" val="690077226"/>
-      </p:ext>
-    </p:extLst>
   </p:cSld>
   <p:clrMapOvr>
     <a:masterClrMapping/>
   </p:clrMapOvr>
+  <mc:AlternateContent xmlns:mc="http://schemas.openxmlformats.org/markup-compatibility/2006">
+    <mc:Choice xmlns:p14="http://schemas.microsoft.com/office/powerpoint/2010/main" Requires="p14">
+      <p:transition spd="med" p14:dur="700">
+        <p:fade/>
+      </p:transition>
+    </mc:Choice>
+    <mc:Fallback>
+      <p:transition spd="med">
+        <p:fade/>
+      </p:transition>
+    </mc:Fallback>
+  </mc:AlternateContent>
 </p:sldLayout>
 </file>
 
@@ -1845,11 +1792,10 @@
               <a:buSzPts val="1400"/>
               <a:buFontTx/>
               <a:buNone/>
-              <a:tabLst/>
               <a:defRPr/>
             </a:pPr>
             <a:fld id="{5CA493BA-04C8-4574-ABFA-03E44AE531EB}" type="datetimeFigureOut">
-              <a:rPr kumimoji="0" lang="en-US" sz="1368" b="0" i="0" u="none" strike="noStrike" kern="1200" cap="none" spc="0" normalizeH="0" baseline="0" noProof="0" smtClean="0">
+              <a:rPr kumimoji="0" lang="en-US" sz="1370" b="0" i="0" u="none" strike="noStrike" kern="1200" cap="none" spc="0" normalizeH="0" baseline="0" noProof="0" smtClean="0">
                 <a:ln>
                   <a:noFill/>
                 </a:ln>
@@ -1859,30 +1805,12 @@
                 <a:effectLst/>
                 <a:uLnTx/>
                 <a:uFillTx/>
-                <a:latin typeface="Arial"/>
-                <a:cs typeface="Arial"/>
-                <a:sym typeface="Arial"/>
+                <a:latin typeface="Arial" panose="020B0604020202020204"/>
+                <a:cs typeface="Arial" panose="020B0604020202020204"/>
+                <a:sym typeface="Arial" panose="020B0604020202020204"/>
               </a:rPr>
-              <a:pPr marL="0" marR="0" lvl="0" indent="0" algn="l" defTabSz="914400" rtl="0" eaLnBrk="1" fontAlgn="auto" latinLnBrk="0" hangingPunct="1">
-                <a:lnSpc>
-                  <a:spcPct val="100000"/>
-                </a:lnSpc>
-                <a:spcBef>
-                  <a:spcPts val="0"/>
-                </a:spcBef>
-                <a:spcAft>
-                  <a:spcPts val="0"/>
-                </a:spcAft>
-                <a:buClrTx/>
-                <a:buSzPts val="1400"/>
-                <a:buFontTx/>
-                <a:buNone/>
-                <a:tabLst/>
-                <a:defRPr/>
-              </a:pPr>
-              <a:t>10/1/2021</a:t>
             </a:fld>
-            <a:endParaRPr kumimoji="0" lang="en-US" sz="1368" b="0" i="0" u="none" strike="noStrike" kern="1200" cap="none" spc="0" normalizeH="0" baseline="0" noProof="0">
+            <a:endParaRPr kumimoji="0" lang="en-US" sz="1370" b="0" i="0" u="none" strike="noStrike" kern="1200" cap="none" spc="0" normalizeH="0" baseline="0" noProof="0">
               <a:ln>
                 <a:noFill/>
               </a:ln>
@@ -1892,9 +1820,9 @@
               <a:effectLst/>
               <a:uLnTx/>
               <a:uFillTx/>
-              <a:latin typeface="Arial"/>
-              <a:cs typeface="Arial"/>
-              <a:sym typeface="Arial"/>
+              <a:latin typeface="Arial" panose="020B0604020202020204"/>
+              <a:cs typeface="Arial" panose="020B0604020202020204"/>
+              <a:sym typeface="Arial" panose="020B0604020202020204"/>
             </a:endParaRPr>
           </a:p>
         </p:txBody>
@@ -1928,11 +1856,10 @@
               <a:buSzTx/>
               <a:buFontTx/>
               <a:buNone/>
-              <a:tabLst/>
               <a:defRPr/>
             </a:pPr>
             <a:fld id="{8FE0A883-076A-4371-A43F-43D4B3282AA6}" type="slidenum">
-              <a:rPr kumimoji="0" lang="en-US" sz="1368" b="0" i="0" u="none" strike="noStrike" kern="1200" cap="none" spc="0" normalizeH="0" baseline="0" noProof="0" smtClean="0">
+              <a:rPr kumimoji="0" lang="en-US" sz="1370" b="0" i="0" u="none" strike="noStrike" kern="1200" cap="none" spc="0" normalizeH="0" baseline="0" noProof="0" smtClean="0">
                 <a:ln>
                   <a:noFill/>
                 </a:ln>
@@ -1942,30 +1869,12 @@
                 <a:effectLst/>
                 <a:uLnTx/>
                 <a:uFillTx/>
-                <a:latin typeface="Arial"/>
-                <a:cs typeface="Arial"/>
-                <a:sym typeface="Arial"/>
+                <a:latin typeface="Arial" panose="020B0604020202020204"/>
+                <a:cs typeface="Arial" panose="020B0604020202020204"/>
+                <a:sym typeface="Arial" panose="020B0604020202020204"/>
               </a:rPr>
-              <a:pPr marL="0" marR="0" lvl="0" indent="0" algn="r" defTabSz="914400" rtl="0" eaLnBrk="1" fontAlgn="auto" latinLnBrk="0" hangingPunct="1">
-                <a:lnSpc>
-                  <a:spcPct val="100000"/>
-                </a:lnSpc>
-                <a:spcBef>
-                  <a:spcPts val="0"/>
-                </a:spcBef>
-                <a:spcAft>
-                  <a:spcPts val="0"/>
-                </a:spcAft>
-                <a:buClrTx/>
-                <a:buSzTx/>
-                <a:buFontTx/>
-                <a:buNone/>
-                <a:tabLst/>
-                <a:defRPr/>
-              </a:pPr>
-              <a:t>‹#›</a:t>
             </a:fld>
-            <a:endParaRPr kumimoji="0" lang="en-US" sz="1368" b="0" i="0" u="none" strike="noStrike" kern="1200" cap="none" spc="0" normalizeH="0" baseline="0" noProof="0">
+            <a:endParaRPr kumimoji="0" lang="en-US" sz="1370" b="0" i="0" u="none" strike="noStrike" kern="1200" cap="none" spc="0" normalizeH="0" baseline="0" noProof="0">
               <a:ln>
                 <a:noFill/>
               </a:ln>
@@ -1975,9 +1884,9 @@
               <a:effectLst/>
               <a:uLnTx/>
               <a:uFillTx/>
-              <a:latin typeface="Arial"/>
-              <a:cs typeface="Arial"/>
-              <a:sym typeface="Arial"/>
+              <a:latin typeface="Arial" panose="020B0604020202020204"/>
+              <a:cs typeface="Arial" panose="020B0604020202020204"/>
+              <a:sym typeface="Arial" panose="020B0604020202020204"/>
             </a:endParaRPr>
           </a:p>
         </p:txBody>
@@ -2070,6 +1979,7 @@
               <a:rPr lang="en-US" dirty="0" smtClean="0"/>
               <a:t>Edit Master text styles</a:t>
             </a:r>
+            <a:endParaRPr lang="en-US" dirty="0" smtClean="0"/>
           </a:p>
           <a:p>
             <a:pPr lvl="1"/>
@@ -2077,6 +1987,7 @@
               <a:rPr lang="en-US" dirty="0" smtClean="0"/>
               <a:t>Second level</a:t>
             </a:r>
+            <a:endParaRPr lang="en-US" dirty="0" smtClean="0"/>
           </a:p>
           <a:p>
             <a:pPr lvl="2"/>
@@ -2084,6 +1995,7 @@
               <a:rPr lang="en-US" dirty="0" smtClean="0"/>
               <a:t>Third level</a:t>
             </a:r>
+            <a:endParaRPr lang="en-US" dirty="0" smtClean="0"/>
           </a:p>
           <a:p>
             <a:pPr lvl="3"/>
@@ -2091,6 +2003,7 @@
               <a:rPr lang="en-US" dirty="0" smtClean="0"/>
               <a:t>Fourth level</a:t>
             </a:r>
+            <a:endParaRPr lang="en-US" dirty="0" smtClean="0"/>
           </a:p>
           <a:p>
             <a:pPr lvl="4"/>
@@ -2190,6 +2103,7 @@
               <a:rPr lang="en-US" dirty="0" smtClean="0"/>
               <a:t>Edit Master text styles</a:t>
             </a:r>
+            <a:endParaRPr lang="en-US" dirty="0" smtClean="0"/>
           </a:p>
           <a:p>
             <a:pPr lvl="1"/>
@@ -2197,6 +2111,7 @@
               <a:rPr lang="en-US" dirty="0" smtClean="0"/>
               <a:t>Second level</a:t>
             </a:r>
+            <a:endParaRPr lang="en-US" dirty="0" smtClean="0"/>
           </a:p>
           <a:p>
             <a:pPr lvl="2"/>
@@ -2204,6 +2119,7 @@
               <a:rPr lang="en-US" dirty="0" smtClean="0"/>
               <a:t>Third level</a:t>
             </a:r>
+            <a:endParaRPr lang="en-US" dirty="0" smtClean="0"/>
           </a:p>
           <a:p>
             <a:pPr lvl="3"/>
@@ -2211,6 +2127,7 @@
               <a:rPr lang="en-US" dirty="0" smtClean="0"/>
               <a:t>Fourth level</a:t>
             </a:r>
+            <a:endParaRPr lang="en-US" dirty="0" smtClean="0"/>
           </a:p>
           <a:p>
             <a:pPr lvl="4"/>
@@ -2263,10 +2180,10 @@
                 <a:solidFill>
                   <a:schemeClr val="dk1"/>
                 </a:solidFill>
-                <a:latin typeface="Arial"/>
-                <a:ea typeface="Arial"/>
-                <a:cs typeface="Arial"/>
-                <a:sym typeface="Arial"/>
+                <a:latin typeface="Arial" panose="020B0604020202020204"/>
+                <a:ea typeface="Arial" panose="020B0604020202020204"/>
+                <a:cs typeface="Arial" panose="020B0604020202020204"/>
+                <a:sym typeface="Arial" panose="020B0604020202020204"/>
               </a:defRPr>
             </a:lvl1pPr>
             <a:lvl2pPr marR="0" lvl="1" algn="ctr" rtl="0">
@@ -2278,14 +2195,14 @@
               </a:spcAft>
               <a:buSzPts val="1400"/>
               <a:buNone/>
-              <a:defRPr sz="3079" b="0" i="0" u="none" strike="noStrike" cap="none">
+              <a:defRPr sz="3080" b="0" i="0" u="none" strike="noStrike" cap="none">
                 <a:solidFill>
                   <a:schemeClr val="dk1"/>
                 </a:solidFill>
-                <a:latin typeface="Arial"/>
-                <a:ea typeface="Arial"/>
-                <a:cs typeface="Arial"/>
-                <a:sym typeface="Arial"/>
+                <a:latin typeface="Arial" panose="020B0604020202020204"/>
+                <a:ea typeface="Arial" panose="020B0604020202020204"/>
+                <a:cs typeface="Arial" panose="020B0604020202020204"/>
+                <a:sym typeface="Arial" panose="020B0604020202020204"/>
               </a:defRPr>
             </a:lvl2pPr>
             <a:lvl3pPr marR="0" lvl="2" algn="ctr" rtl="0">
@@ -2297,14 +2214,14 @@
               </a:spcAft>
               <a:buSzPts val="1400"/>
               <a:buNone/>
-              <a:defRPr sz="3079" b="0" i="0" u="none" strike="noStrike" cap="none">
+              <a:defRPr sz="3080" b="0" i="0" u="none" strike="noStrike" cap="none">
                 <a:solidFill>
                   <a:schemeClr val="dk1"/>
                 </a:solidFill>
-                <a:latin typeface="Arial"/>
-                <a:ea typeface="Arial"/>
-                <a:cs typeface="Arial"/>
-                <a:sym typeface="Arial"/>
+                <a:latin typeface="Arial" panose="020B0604020202020204"/>
+                <a:ea typeface="Arial" panose="020B0604020202020204"/>
+                <a:cs typeface="Arial" panose="020B0604020202020204"/>
+                <a:sym typeface="Arial" panose="020B0604020202020204"/>
               </a:defRPr>
             </a:lvl3pPr>
             <a:lvl4pPr marR="0" lvl="3" algn="ctr" rtl="0">
@@ -2316,14 +2233,14 @@
               </a:spcAft>
               <a:buSzPts val="1400"/>
               <a:buNone/>
-              <a:defRPr sz="3079" b="0" i="0" u="none" strike="noStrike" cap="none">
+              <a:defRPr sz="3080" b="0" i="0" u="none" strike="noStrike" cap="none">
                 <a:solidFill>
                   <a:schemeClr val="dk1"/>
                 </a:solidFill>
-                <a:latin typeface="Arial"/>
-                <a:ea typeface="Arial"/>
-                <a:cs typeface="Arial"/>
-                <a:sym typeface="Arial"/>
+                <a:latin typeface="Arial" panose="020B0604020202020204"/>
+                <a:ea typeface="Arial" panose="020B0604020202020204"/>
+                <a:cs typeface="Arial" panose="020B0604020202020204"/>
+                <a:sym typeface="Arial" panose="020B0604020202020204"/>
               </a:defRPr>
             </a:lvl4pPr>
             <a:lvl5pPr marR="0" lvl="4" algn="ctr" rtl="0">
@@ -2335,14 +2252,14 @@
               </a:spcAft>
               <a:buSzPts val="1400"/>
               <a:buNone/>
-              <a:defRPr sz="3079" b="0" i="0" u="none" strike="noStrike" cap="none">
+              <a:defRPr sz="3080" b="0" i="0" u="none" strike="noStrike" cap="none">
                 <a:solidFill>
                   <a:schemeClr val="dk1"/>
                 </a:solidFill>
-                <a:latin typeface="Arial"/>
-                <a:ea typeface="Arial"/>
-                <a:cs typeface="Arial"/>
-                <a:sym typeface="Arial"/>
+                <a:latin typeface="Arial" panose="020B0604020202020204"/>
+                <a:ea typeface="Arial" panose="020B0604020202020204"/>
+                <a:cs typeface="Arial" panose="020B0604020202020204"/>
+                <a:sym typeface="Arial" panose="020B0604020202020204"/>
               </a:defRPr>
             </a:lvl5pPr>
             <a:lvl6pPr marR="0" lvl="5" algn="ctr" rtl="0">
@@ -2354,14 +2271,14 @@
               </a:spcAft>
               <a:buSzPts val="1400"/>
               <a:buNone/>
-              <a:defRPr sz="3079" b="0" i="0" u="none" strike="noStrike" cap="none">
+              <a:defRPr sz="3080" b="0" i="0" u="none" strike="noStrike" cap="none">
                 <a:solidFill>
                   <a:schemeClr val="lt1"/>
                 </a:solidFill>
-                <a:latin typeface="Arial"/>
-                <a:ea typeface="Arial"/>
-                <a:cs typeface="Arial"/>
-                <a:sym typeface="Arial"/>
+                <a:latin typeface="Arial" panose="020B0604020202020204"/>
+                <a:ea typeface="Arial" panose="020B0604020202020204"/>
+                <a:cs typeface="Arial" panose="020B0604020202020204"/>
+                <a:sym typeface="Arial" panose="020B0604020202020204"/>
               </a:defRPr>
             </a:lvl6pPr>
             <a:lvl7pPr marR="0" lvl="6" algn="ctr" rtl="0">
@@ -2373,14 +2290,14 @@
               </a:spcAft>
               <a:buSzPts val="1400"/>
               <a:buNone/>
-              <a:defRPr sz="3079" b="0" i="0" u="none" strike="noStrike" cap="none">
+              <a:defRPr sz="3080" b="0" i="0" u="none" strike="noStrike" cap="none">
                 <a:solidFill>
                   <a:schemeClr val="lt1"/>
                 </a:solidFill>
-                <a:latin typeface="Arial"/>
-                <a:ea typeface="Arial"/>
-                <a:cs typeface="Arial"/>
-                <a:sym typeface="Arial"/>
+                <a:latin typeface="Arial" panose="020B0604020202020204"/>
+                <a:ea typeface="Arial" panose="020B0604020202020204"/>
+                <a:cs typeface="Arial" panose="020B0604020202020204"/>
+                <a:sym typeface="Arial" panose="020B0604020202020204"/>
               </a:defRPr>
             </a:lvl7pPr>
             <a:lvl8pPr marR="0" lvl="7" algn="ctr" rtl="0">
@@ -2392,14 +2309,14 @@
               </a:spcAft>
               <a:buSzPts val="1400"/>
               <a:buNone/>
-              <a:defRPr sz="3079" b="0" i="0" u="none" strike="noStrike" cap="none">
+              <a:defRPr sz="3080" b="0" i="0" u="none" strike="noStrike" cap="none">
                 <a:solidFill>
                   <a:schemeClr val="lt1"/>
                 </a:solidFill>
-                <a:latin typeface="Arial"/>
-                <a:ea typeface="Arial"/>
-                <a:cs typeface="Arial"/>
-                <a:sym typeface="Arial"/>
+                <a:latin typeface="Arial" panose="020B0604020202020204"/>
+                <a:ea typeface="Arial" panose="020B0604020202020204"/>
+                <a:cs typeface="Arial" panose="020B0604020202020204"/>
+                <a:sym typeface="Arial" panose="020B0604020202020204"/>
               </a:defRPr>
             </a:lvl8pPr>
             <a:lvl9pPr marR="0" lvl="8" algn="ctr" rtl="0">
@@ -2411,14 +2328,14 @@
               </a:spcAft>
               <a:buSzPts val="1400"/>
               <a:buNone/>
-              <a:defRPr sz="3079" b="0" i="0" u="none" strike="noStrike" cap="none">
+              <a:defRPr sz="3080" b="0" i="0" u="none" strike="noStrike" cap="none">
                 <a:solidFill>
                   <a:schemeClr val="lt1"/>
                 </a:solidFill>
-                <a:latin typeface="Arial"/>
-                <a:ea typeface="Arial"/>
-                <a:cs typeface="Arial"/>
-                <a:sym typeface="Arial"/>
+                <a:latin typeface="Arial" panose="020B0604020202020204"/>
+                <a:ea typeface="Arial" panose="020B0604020202020204"/>
+                <a:cs typeface="Arial" panose="020B0604020202020204"/>
+                <a:sym typeface="Arial" panose="020B0604020202020204"/>
               </a:defRPr>
             </a:lvl9pPr>
           </a:lstStyle>
@@ -2432,23 +2349,18 @@
         </p:txBody>
       </p:sp>
     </p:spTree>
-    <p:extLst>
-      <p:ext uri="{BB962C8B-B14F-4D97-AF65-F5344CB8AC3E}">
-        <p14:creationId xmlns:p14="http://schemas.microsoft.com/office/powerpoint/2010/main" val="2816698674"/>
-      </p:ext>
-    </p:extLst>
   </p:cSld>
   <p:clrMapOvr>
     <a:masterClrMapping/>
   </p:clrMapOvr>
-  <mc:AlternateContent xmlns:mc="http://schemas.openxmlformats.org/markup-compatibility/2006" xmlns:p14="http://schemas.microsoft.com/office/powerpoint/2010/main">
-    <mc:Choice Requires="p14">
+  <mc:AlternateContent xmlns:mc="http://schemas.openxmlformats.org/markup-compatibility/2006">
+    <mc:Choice xmlns:p14="http://schemas.microsoft.com/office/powerpoint/2010/main" Requires="p14">
       <p:transition spd="med" p14:dur="700">
         <p:fade/>
       </p:transition>
     </mc:Choice>
-    <mc:Fallback xmlns="">
-      <p:transition spd="slow">
+    <mc:Fallback>
+      <p:transition spd="med">
         <p:fade/>
       </p:transition>
     </mc:Fallback>
@@ -2520,10 +2432,9 @@
               <a:buSzTx/>
               <a:buFontTx/>
               <a:buNone/>
-              <a:tabLst/>
               <a:defRPr/>
             </a:pPr>
-            <a:endParaRPr kumimoji="0" sz="1796" b="0" i="0" u="none" strike="noStrike" kern="1200" cap="none" spc="0" normalizeH="0" baseline="0" noProof="0">
+            <a:endParaRPr kumimoji="0" sz="1795" b="0" i="0" u="none" strike="noStrike" kern="1200" cap="none" spc="0" normalizeH="0" baseline="0" noProof="0">
               <a:ln>
                 <a:noFill/>
               </a:ln>
@@ -2533,10 +2444,10 @@
               <a:effectLst/>
               <a:uLnTx/>
               <a:uFillTx/>
-              <a:latin typeface="Arial"/>
-              <a:ea typeface="Arial"/>
-              <a:cs typeface="Arial"/>
-              <a:sym typeface="Arial"/>
+              <a:latin typeface="Arial" panose="020B0604020202020204"/>
+              <a:ea typeface="Arial" panose="020B0604020202020204"/>
+              <a:cs typeface="Arial" panose="020B0604020202020204"/>
+              <a:sym typeface="Arial" panose="020B0604020202020204"/>
             </a:endParaRPr>
           </a:p>
         </p:txBody>
@@ -2580,11 +2491,10 @@
               <a:buSzTx/>
               <a:buFontTx/>
               <a:buNone/>
-              <a:tabLst/>
               <a:defRPr/>
             </a:pPr>
             <a:r>
-              <a:rPr kumimoji="0" lang="en-US" sz="3506" b="1" i="0" u="none" strike="noStrike" kern="1200" cap="none" spc="0" normalizeH="0" baseline="0" noProof="0">
+              <a:rPr kumimoji="0" lang="en-US" sz="3505" b="1" i="0" u="none" strike="noStrike" kern="1200" cap="none" spc="0" normalizeH="0" baseline="0" noProof="0">
                 <a:ln>
                   <a:noFill/>
                 </a:ln>
@@ -2594,14 +2504,14 @@
                 <a:effectLst/>
                 <a:uLnTx/>
                 <a:uFillTx/>
-                <a:latin typeface="Arial"/>
-                <a:ea typeface="Arial"/>
-                <a:cs typeface="Arial"/>
-                <a:sym typeface="Arial"/>
+                <a:latin typeface="Arial" panose="020B0604020202020204"/>
+                <a:ea typeface="Arial" panose="020B0604020202020204"/>
+                <a:cs typeface="Arial" panose="020B0604020202020204"/>
+                <a:sym typeface="Arial" panose="020B0604020202020204"/>
               </a:rPr>
               <a:t>Template for Preparing Presentation</a:t>
             </a:r>
-            <a:endParaRPr kumimoji="0" sz="1539" b="0" i="0" u="none" strike="noStrike" kern="1200" cap="none" spc="0" normalizeH="0" baseline="0" noProof="0">
+            <a:endParaRPr kumimoji="0" sz="1540" b="0" i="0" u="none" strike="noStrike" kern="1200" cap="none" spc="0" normalizeH="0" baseline="0" noProof="0">
               <a:ln>
                 <a:noFill/>
               </a:ln>
@@ -2611,7 +2521,7 @@
               <a:effectLst/>
               <a:uLnTx/>
               <a:uFillTx/>
-              <a:latin typeface="Arial"/>
+              <a:latin typeface="Arial" panose="020B0604020202020204"/>
               <a:ea typeface="+mn-ea"/>
               <a:cs typeface="+mn-cs"/>
             </a:endParaRPr>
@@ -2622,7 +2532,7 @@
                 <a:spcPct val="150000"/>
               </a:lnSpc>
               <a:spcBef>
-                <a:spcPts val="1753"/>
+                <a:spcPts val="1755"/>
               </a:spcBef>
               <a:spcAft>
                 <a:spcPts val="0"/>
@@ -2631,11 +2541,10 @@
               <a:buSzTx/>
               <a:buFontTx/>
               <a:buNone/>
-              <a:tabLst/>
               <a:defRPr/>
             </a:pPr>
             <a:r>
-              <a:rPr kumimoji="0" lang="en-US" sz="3506" b="1" i="0" u="none" strike="noStrike" kern="1200" cap="none" spc="0" normalizeH="0" baseline="0" noProof="0">
+              <a:rPr kumimoji="0" lang="en-US" sz="3505" b="1" i="0" u="none" strike="noStrike" kern="1200" cap="none" spc="0" normalizeH="0" baseline="0" noProof="0">
                 <a:ln>
                   <a:noFill/>
                 </a:ln>
@@ -2645,14 +2554,14 @@
                 <a:effectLst/>
                 <a:uLnTx/>
                 <a:uFillTx/>
-                <a:latin typeface="Arial"/>
-                <a:ea typeface="Arial"/>
-                <a:cs typeface="Arial"/>
-                <a:sym typeface="Arial"/>
+                <a:latin typeface="Arial" panose="020B0604020202020204"/>
+                <a:ea typeface="Arial" panose="020B0604020202020204"/>
+                <a:cs typeface="Arial" panose="020B0604020202020204"/>
+                <a:sym typeface="Arial" panose="020B0604020202020204"/>
               </a:rPr>
               <a:t>Session 2</a:t>
             </a:r>
-            <a:endParaRPr kumimoji="0" sz="2309" b="0" i="0" u="none" strike="noStrike" kern="1200" cap="none" spc="0" normalizeH="0" baseline="0" noProof="0">
+            <a:endParaRPr kumimoji="0" sz="2310" b="0" i="0" u="none" strike="noStrike" kern="1200" cap="none" spc="0" normalizeH="0" baseline="0" noProof="0">
               <a:ln>
                 <a:noFill/>
               </a:ln>
@@ -2662,10 +2571,10 @@
               <a:effectLst/>
               <a:uLnTx/>
               <a:uFillTx/>
-              <a:latin typeface="Arial"/>
-              <a:ea typeface="Arial"/>
-              <a:cs typeface="Arial"/>
-              <a:sym typeface="Arial"/>
+              <a:latin typeface="Arial" panose="020B0604020202020204"/>
+              <a:ea typeface="Arial" panose="020B0604020202020204"/>
+              <a:cs typeface="Arial" panose="020B0604020202020204"/>
+              <a:sym typeface="Arial" panose="020B0604020202020204"/>
             </a:endParaRPr>
           </a:p>
           <a:p>
@@ -2683,11 +2592,10 @@
               <a:buSzTx/>
               <a:buFontTx/>
               <a:buNone/>
-              <a:tabLst/>
               <a:defRPr/>
             </a:pPr>
             <a:r>
-              <a:rPr kumimoji="0" lang="en-US" sz="2309" b="0" i="0" u="none" strike="noStrike" kern="1200" cap="none" spc="0" normalizeH="0" baseline="0" noProof="0">
+              <a:rPr kumimoji="0" lang="en-US" sz="2310" b="0" i="0" u="none" strike="noStrike" kern="1200" cap="none" spc="0" normalizeH="0" baseline="0" noProof="0">
                 <a:ln>
                   <a:noFill/>
                 </a:ln>
@@ -2697,14 +2605,14 @@
                 <a:effectLst/>
                 <a:uLnTx/>
                 <a:uFillTx/>
-                <a:latin typeface="Arial"/>
-                <a:ea typeface="Arial"/>
-                <a:cs typeface="Arial"/>
-                <a:sym typeface="Arial"/>
+                <a:latin typeface="Arial" panose="020B0604020202020204"/>
+                <a:ea typeface="Arial" panose="020B0604020202020204"/>
+                <a:cs typeface="Arial" panose="020B0604020202020204"/>
+                <a:sym typeface="Arial" panose="020B0604020202020204"/>
               </a:rPr>
               <a:t>SASTRA University</a:t>
             </a:r>
-            <a:endParaRPr kumimoji="0" sz="1539" b="0" i="0" u="none" strike="noStrike" kern="1200" cap="none" spc="0" normalizeH="0" baseline="0" noProof="0">
+            <a:endParaRPr kumimoji="0" sz="1540" b="0" i="0" u="none" strike="noStrike" kern="1200" cap="none" spc="0" normalizeH="0" baseline="0" noProof="0">
               <a:ln>
                 <a:noFill/>
               </a:ln>
@@ -2714,7 +2622,7 @@
               <a:effectLst/>
               <a:uLnTx/>
               <a:uFillTx/>
-              <a:latin typeface="Arial"/>
+              <a:latin typeface="Arial" panose="020B0604020202020204"/>
               <a:ea typeface="+mn-ea"/>
               <a:cs typeface="+mn-cs"/>
             </a:endParaRPr>
@@ -2760,11 +2668,10 @@
               <a:buSzTx/>
               <a:buFontTx/>
               <a:buNone/>
-              <a:tabLst/>
               <a:defRPr/>
             </a:pPr>
             <a:r>
-              <a:rPr kumimoji="0" lang="en-US" sz="2309" b="0" i="0" u="none" strike="noStrike" kern="1200" cap="none" spc="0" normalizeH="0" baseline="0" noProof="0">
+              <a:rPr kumimoji="0" lang="en-US" sz="2310" b="0" i="0" u="none" strike="noStrike" kern="1200" cap="none" spc="0" normalizeH="0" baseline="0" noProof="0">
                 <a:ln>
                   <a:noFill/>
                 </a:ln>
@@ -2781,7 +2688,7 @@
               </a:rPr>
               <a:t>Progress Through Quality Education</a:t>
             </a:r>
-            <a:endParaRPr kumimoji="0" sz="1539" b="0" i="0" u="none" strike="noStrike" kern="1200" cap="none" spc="0" normalizeH="0" baseline="0" noProof="0">
+            <a:endParaRPr kumimoji="0" sz="1540" b="0" i="0" u="none" strike="noStrike" kern="1200" cap="none" spc="0" normalizeH="0" baseline="0" noProof="0">
               <a:ln>
                 <a:noFill/>
               </a:ln>
@@ -2791,7 +2698,7 @@
               <a:effectLst/>
               <a:uLnTx/>
               <a:uFillTx/>
-              <a:latin typeface="Arial"/>
+              <a:latin typeface="Arial" panose="020B0604020202020204"/>
               <a:ea typeface="+mn-ea"/>
               <a:cs typeface="+mn-cs"/>
             </a:endParaRPr>
@@ -2799,23 +2706,18 @@
         </p:txBody>
       </p:sp>
     </p:spTree>
-    <p:extLst>
-      <p:ext uri="{BB962C8B-B14F-4D97-AF65-F5344CB8AC3E}">
-        <p14:creationId xmlns:p14="http://schemas.microsoft.com/office/powerpoint/2010/main" val="68929354"/>
-      </p:ext>
-    </p:extLst>
   </p:cSld>
   <p:clrMapOvr>
     <a:masterClrMapping/>
   </p:clrMapOvr>
-  <mc:AlternateContent xmlns:mc="http://schemas.openxmlformats.org/markup-compatibility/2006" xmlns:p14="http://schemas.microsoft.com/office/powerpoint/2010/main">
-    <mc:Choice Requires="p14">
+  <mc:AlternateContent xmlns:mc="http://schemas.openxmlformats.org/markup-compatibility/2006">
+    <mc:Choice xmlns:p14="http://schemas.microsoft.com/office/powerpoint/2010/main" Requires="p14">
       <p:transition spd="med" p14:dur="700">
         <p:fade/>
       </p:transition>
     </mc:Choice>
-    <mc:Fallback xmlns="">
-      <p:transition spd="slow">
+    <mc:Fallback>
+      <p:transition spd="med">
         <p:fade/>
       </p:transition>
     </mc:Fallback>
@@ -3023,11 +2925,10 @@
               <a:buSzPts val="1400"/>
               <a:buFontTx/>
               <a:buNone/>
-              <a:tabLst/>
               <a:defRPr/>
             </a:pPr>
             <a:fld id="{5CA493BA-04C8-4574-ABFA-03E44AE531EB}" type="datetimeFigureOut">
-              <a:rPr kumimoji="0" lang="en-US" sz="1368" b="0" i="0" u="none" strike="noStrike" kern="1200" cap="none" spc="0" normalizeH="0" baseline="0" noProof="0" smtClean="0">
+              <a:rPr kumimoji="0" lang="en-US" sz="1370" b="0" i="0" u="none" strike="noStrike" kern="1200" cap="none" spc="0" normalizeH="0" baseline="0" noProof="0" smtClean="0">
                 <a:ln>
                   <a:noFill/>
                 </a:ln>
@@ -3037,30 +2938,12 @@
                 <a:effectLst/>
                 <a:uLnTx/>
                 <a:uFillTx/>
-                <a:latin typeface="Arial"/>
-                <a:cs typeface="Arial"/>
-                <a:sym typeface="Arial"/>
+                <a:latin typeface="Arial" panose="020B0604020202020204"/>
+                <a:cs typeface="Arial" panose="020B0604020202020204"/>
+                <a:sym typeface="Arial" panose="020B0604020202020204"/>
               </a:rPr>
-              <a:pPr marL="0" marR="0" lvl="0" indent="0" algn="l" defTabSz="914400" rtl="0" eaLnBrk="1" fontAlgn="auto" latinLnBrk="0" hangingPunct="1">
-                <a:lnSpc>
-                  <a:spcPct val="100000"/>
-                </a:lnSpc>
-                <a:spcBef>
-                  <a:spcPts val="0"/>
-                </a:spcBef>
-                <a:spcAft>
-                  <a:spcPts val="0"/>
-                </a:spcAft>
-                <a:buClrTx/>
-                <a:buSzPts val="1400"/>
-                <a:buFontTx/>
-                <a:buNone/>
-                <a:tabLst/>
-                <a:defRPr/>
-              </a:pPr>
-              <a:t>10/1/2021</a:t>
             </a:fld>
-            <a:endParaRPr kumimoji="0" lang="en-US" sz="1368" b="0" i="0" u="none" strike="noStrike" kern="1200" cap="none" spc="0" normalizeH="0" baseline="0" noProof="0">
+            <a:endParaRPr kumimoji="0" lang="en-US" sz="1370" b="0" i="0" u="none" strike="noStrike" kern="1200" cap="none" spc="0" normalizeH="0" baseline="0" noProof="0">
               <a:ln>
                 <a:noFill/>
               </a:ln>
@@ -3070,9 +2953,9 @@
               <a:effectLst/>
               <a:uLnTx/>
               <a:uFillTx/>
-              <a:latin typeface="Arial"/>
-              <a:cs typeface="Arial"/>
-              <a:sym typeface="Arial"/>
+              <a:latin typeface="Arial" panose="020B0604020202020204"/>
+              <a:cs typeface="Arial" panose="020B0604020202020204"/>
+              <a:sym typeface="Arial" panose="020B0604020202020204"/>
             </a:endParaRPr>
           </a:p>
         </p:txBody>
@@ -3106,7 +2989,6 @@
               <a:buSzTx/>
               <a:buFontTx/>
               <a:buNone/>
-              <a:tabLst/>
               <a:defRPr/>
             </a:pPr>
             <a:endParaRPr kumimoji="0" lang="en-US" sz="1800" b="0" i="0" u="none" strike="noStrike" kern="1200" cap="none" spc="0" normalizeH="0" baseline="0" noProof="0" dirty="0">
@@ -3119,7 +3001,7 @@
               <a:effectLst/>
               <a:uLnTx/>
               <a:uFillTx/>
-              <a:latin typeface="Arial"/>
+              <a:latin typeface="Arial" panose="020B0604020202020204"/>
               <a:ea typeface="+mn-ea"/>
               <a:cs typeface="+mn-cs"/>
             </a:endParaRPr>
@@ -3155,11 +3037,10 @@
               <a:buSzTx/>
               <a:buFontTx/>
               <a:buNone/>
-              <a:tabLst/>
               <a:defRPr/>
             </a:pPr>
             <a:fld id="{8FE0A883-076A-4371-A43F-43D4B3282AA6}" type="slidenum">
-              <a:rPr kumimoji="0" lang="en-US" sz="1368" b="0" i="0" u="none" strike="noStrike" kern="1200" cap="none" spc="0" normalizeH="0" baseline="0" noProof="0" smtClean="0">
+              <a:rPr kumimoji="0" lang="en-US" sz="1370" b="0" i="0" u="none" strike="noStrike" kern="1200" cap="none" spc="0" normalizeH="0" baseline="0" noProof="0" smtClean="0">
                 <a:ln>
                   <a:noFill/>
                 </a:ln>
@@ -3169,30 +3050,12 @@
                 <a:effectLst/>
                 <a:uLnTx/>
                 <a:uFillTx/>
-                <a:latin typeface="Arial"/>
-                <a:cs typeface="Arial"/>
-                <a:sym typeface="Arial"/>
+                <a:latin typeface="Arial" panose="020B0604020202020204"/>
+                <a:cs typeface="Arial" panose="020B0604020202020204"/>
+                <a:sym typeface="Arial" panose="020B0604020202020204"/>
               </a:rPr>
-              <a:pPr marL="0" marR="0" lvl="0" indent="0" algn="r" defTabSz="914400" rtl="0" eaLnBrk="1" fontAlgn="auto" latinLnBrk="0" hangingPunct="1">
-                <a:lnSpc>
-                  <a:spcPct val="100000"/>
-                </a:lnSpc>
-                <a:spcBef>
-                  <a:spcPts val="0"/>
-                </a:spcBef>
-                <a:spcAft>
-                  <a:spcPts val="0"/>
-                </a:spcAft>
-                <a:buClrTx/>
-                <a:buSzTx/>
-                <a:buFontTx/>
-                <a:buNone/>
-                <a:tabLst/>
-                <a:defRPr/>
-              </a:pPr>
-              <a:t>‹#›</a:t>
             </a:fld>
-            <a:endParaRPr kumimoji="0" lang="en-US" sz="1368" b="0" i="0" u="none" strike="noStrike" kern="1200" cap="none" spc="0" normalizeH="0" baseline="0" noProof="0">
+            <a:endParaRPr kumimoji="0" lang="en-US" sz="1370" b="0" i="0" u="none" strike="noStrike" kern="1200" cap="none" spc="0" normalizeH="0" baseline="0" noProof="0">
               <a:ln>
                 <a:noFill/>
               </a:ln>
@@ -3202,23 +3065,30 @@
               <a:effectLst/>
               <a:uLnTx/>
               <a:uFillTx/>
-              <a:latin typeface="Arial"/>
-              <a:cs typeface="Arial"/>
-              <a:sym typeface="Arial"/>
+              <a:latin typeface="Arial" panose="020B0604020202020204"/>
+              <a:cs typeface="Arial" panose="020B0604020202020204"/>
+              <a:sym typeface="Arial" panose="020B0604020202020204"/>
             </a:endParaRPr>
           </a:p>
         </p:txBody>
       </p:sp>
     </p:spTree>
-    <p:extLst>
-      <p:ext uri="{BB962C8B-B14F-4D97-AF65-F5344CB8AC3E}">
-        <p14:creationId xmlns:p14="http://schemas.microsoft.com/office/powerpoint/2010/main" val="1907660451"/>
-      </p:ext>
-    </p:extLst>
   </p:cSld>
   <p:clrMapOvr>
     <a:masterClrMapping/>
   </p:clrMapOvr>
+  <mc:AlternateContent xmlns:mc="http://schemas.openxmlformats.org/markup-compatibility/2006">
+    <mc:Choice xmlns:p14="http://schemas.microsoft.com/office/powerpoint/2010/main" Requires="p14">
+      <p:transition spd="med" p14:dur="700">
+        <p:fade/>
+      </p:transition>
+    </mc:Choice>
+    <mc:Fallback>
+      <p:transition spd="med">
+        <p:fade/>
+      </p:transition>
+    </mc:Fallback>
+  </mc:AlternateContent>
   <p:timing>
     <p:tnLst>
       <p:par>
@@ -3230,7 +3100,7 @@
 </file>
 
 <file path=ppt/slideLayouts/slideLayout7.xml><?xml version="1.0" encoding="utf-8"?>
-<p:sldLayout xmlns:a="http://schemas.openxmlformats.org/drawingml/2006/main" xmlns:r="http://schemas.openxmlformats.org/officeDocument/2006/relationships" xmlns:p="http://schemas.openxmlformats.org/presentationml/2006/main" matchingName="Title and Content" userDrawn="1">
+<p:sldLayout xmlns:a="http://schemas.openxmlformats.org/drawingml/2006/main" xmlns:r="http://schemas.openxmlformats.org/officeDocument/2006/relationships" xmlns:p="http://schemas.openxmlformats.org/presentationml/2006/main" userDrawn="1" matchingName="Title and Content">
   <p:cSld name="Title and Content">
     <p:spTree>
       <p:nvGrpSpPr>
@@ -3287,10 +3157,10 @@
                 <a:solidFill>
                   <a:schemeClr val="dk1"/>
                 </a:solidFill>
-                <a:latin typeface="Arial"/>
-                <a:ea typeface="Arial"/>
-                <a:cs typeface="Arial"/>
-                <a:sym typeface="Arial"/>
+                <a:latin typeface="Arial" panose="020B0604020202020204"/>
+                <a:ea typeface="Arial" panose="020B0604020202020204"/>
+                <a:cs typeface="Arial" panose="020B0604020202020204"/>
+                <a:sym typeface="Arial" panose="020B0604020202020204"/>
               </a:defRPr>
             </a:lvl1pPr>
             <a:lvl2pPr marR="0" lvl="1" algn="ctr" rtl="0">
@@ -3302,14 +3172,14 @@
               </a:spcAft>
               <a:buSzPts val="1400"/>
               <a:buNone/>
-              <a:defRPr sz="3079" b="0" i="0" u="none" strike="noStrike" cap="none">
+              <a:defRPr sz="3080" b="0" i="0" u="none" strike="noStrike" cap="none">
                 <a:solidFill>
                   <a:schemeClr val="dk1"/>
                 </a:solidFill>
-                <a:latin typeface="Arial"/>
-                <a:ea typeface="Arial"/>
-                <a:cs typeface="Arial"/>
-                <a:sym typeface="Arial"/>
+                <a:latin typeface="Arial" panose="020B0604020202020204"/>
+                <a:ea typeface="Arial" panose="020B0604020202020204"/>
+                <a:cs typeface="Arial" panose="020B0604020202020204"/>
+                <a:sym typeface="Arial" panose="020B0604020202020204"/>
               </a:defRPr>
             </a:lvl2pPr>
             <a:lvl3pPr marR="0" lvl="2" algn="ctr" rtl="0">
@@ -3321,14 +3191,14 @@
               </a:spcAft>
               <a:buSzPts val="1400"/>
               <a:buNone/>
-              <a:defRPr sz="3079" b="0" i="0" u="none" strike="noStrike" cap="none">
+              <a:defRPr sz="3080" b="0" i="0" u="none" strike="noStrike" cap="none">
                 <a:solidFill>
                   <a:schemeClr val="dk1"/>
                 </a:solidFill>
-                <a:latin typeface="Arial"/>
-                <a:ea typeface="Arial"/>
-                <a:cs typeface="Arial"/>
-                <a:sym typeface="Arial"/>
+                <a:latin typeface="Arial" panose="020B0604020202020204"/>
+                <a:ea typeface="Arial" panose="020B0604020202020204"/>
+                <a:cs typeface="Arial" panose="020B0604020202020204"/>
+                <a:sym typeface="Arial" panose="020B0604020202020204"/>
               </a:defRPr>
             </a:lvl3pPr>
             <a:lvl4pPr marR="0" lvl="3" algn="ctr" rtl="0">
@@ -3340,14 +3210,14 @@
               </a:spcAft>
               <a:buSzPts val="1400"/>
               <a:buNone/>
-              <a:defRPr sz="3079" b="0" i="0" u="none" strike="noStrike" cap="none">
+              <a:defRPr sz="3080" b="0" i="0" u="none" strike="noStrike" cap="none">
                 <a:solidFill>
                   <a:schemeClr val="dk1"/>
                 </a:solidFill>
-                <a:latin typeface="Arial"/>
-                <a:ea typeface="Arial"/>
-                <a:cs typeface="Arial"/>
-                <a:sym typeface="Arial"/>
+                <a:latin typeface="Arial" panose="020B0604020202020204"/>
+                <a:ea typeface="Arial" panose="020B0604020202020204"/>
+                <a:cs typeface="Arial" panose="020B0604020202020204"/>
+                <a:sym typeface="Arial" panose="020B0604020202020204"/>
               </a:defRPr>
             </a:lvl4pPr>
             <a:lvl5pPr marR="0" lvl="4" algn="ctr" rtl="0">
@@ -3359,14 +3229,14 @@
               </a:spcAft>
               <a:buSzPts val="1400"/>
               <a:buNone/>
-              <a:defRPr sz="3079" b="0" i="0" u="none" strike="noStrike" cap="none">
+              <a:defRPr sz="3080" b="0" i="0" u="none" strike="noStrike" cap="none">
                 <a:solidFill>
                   <a:schemeClr val="dk1"/>
                 </a:solidFill>
-                <a:latin typeface="Arial"/>
-                <a:ea typeface="Arial"/>
-                <a:cs typeface="Arial"/>
-                <a:sym typeface="Arial"/>
+                <a:latin typeface="Arial" panose="020B0604020202020204"/>
+                <a:ea typeface="Arial" panose="020B0604020202020204"/>
+                <a:cs typeface="Arial" panose="020B0604020202020204"/>
+                <a:sym typeface="Arial" panose="020B0604020202020204"/>
               </a:defRPr>
             </a:lvl5pPr>
             <a:lvl6pPr marR="0" lvl="5" algn="ctr" rtl="0">
@@ -3378,14 +3248,14 @@
               </a:spcAft>
               <a:buSzPts val="1400"/>
               <a:buNone/>
-              <a:defRPr sz="3079" b="0" i="0" u="none" strike="noStrike" cap="none">
+              <a:defRPr sz="3080" b="0" i="0" u="none" strike="noStrike" cap="none">
                 <a:solidFill>
                   <a:schemeClr val="lt1"/>
                 </a:solidFill>
-                <a:latin typeface="Arial"/>
-                <a:ea typeface="Arial"/>
-                <a:cs typeface="Arial"/>
-                <a:sym typeface="Arial"/>
+                <a:latin typeface="Arial" panose="020B0604020202020204"/>
+                <a:ea typeface="Arial" panose="020B0604020202020204"/>
+                <a:cs typeface="Arial" panose="020B0604020202020204"/>
+                <a:sym typeface="Arial" panose="020B0604020202020204"/>
               </a:defRPr>
             </a:lvl6pPr>
             <a:lvl7pPr marR="0" lvl="6" algn="ctr" rtl="0">
@@ -3397,14 +3267,14 @@
               </a:spcAft>
               <a:buSzPts val="1400"/>
               <a:buNone/>
-              <a:defRPr sz="3079" b="0" i="0" u="none" strike="noStrike" cap="none">
+              <a:defRPr sz="3080" b="0" i="0" u="none" strike="noStrike" cap="none">
                 <a:solidFill>
                   <a:schemeClr val="lt1"/>
                 </a:solidFill>
-                <a:latin typeface="Arial"/>
-                <a:ea typeface="Arial"/>
-                <a:cs typeface="Arial"/>
-                <a:sym typeface="Arial"/>
+                <a:latin typeface="Arial" panose="020B0604020202020204"/>
+                <a:ea typeface="Arial" panose="020B0604020202020204"/>
+                <a:cs typeface="Arial" panose="020B0604020202020204"/>
+                <a:sym typeface="Arial" panose="020B0604020202020204"/>
               </a:defRPr>
             </a:lvl7pPr>
             <a:lvl8pPr marR="0" lvl="7" algn="ctr" rtl="0">
@@ -3416,14 +3286,14 @@
               </a:spcAft>
               <a:buSzPts val="1400"/>
               <a:buNone/>
-              <a:defRPr sz="3079" b="0" i="0" u="none" strike="noStrike" cap="none">
+              <a:defRPr sz="3080" b="0" i="0" u="none" strike="noStrike" cap="none">
                 <a:solidFill>
                   <a:schemeClr val="lt1"/>
                 </a:solidFill>
-                <a:latin typeface="Arial"/>
-                <a:ea typeface="Arial"/>
-                <a:cs typeface="Arial"/>
-                <a:sym typeface="Arial"/>
+                <a:latin typeface="Arial" panose="020B0604020202020204"/>
+                <a:ea typeface="Arial" panose="020B0604020202020204"/>
+                <a:cs typeface="Arial" panose="020B0604020202020204"/>
+                <a:sym typeface="Arial" panose="020B0604020202020204"/>
               </a:defRPr>
             </a:lvl8pPr>
             <a:lvl9pPr marR="0" lvl="8" algn="ctr" rtl="0">
@@ -3435,14 +3305,14 @@
               </a:spcAft>
               <a:buSzPts val="1400"/>
               <a:buNone/>
-              <a:defRPr sz="3079" b="0" i="0" u="none" strike="noStrike" cap="none">
+              <a:defRPr sz="3080" b="0" i="0" u="none" strike="noStrike" cap="none">
                 <a:solidFill>
                   <a:schemeClr val="lt1"/>
                 </a:solidFill>
-                <a:latin typeface="Arial"/>
-                <a:ea typeface="Arial"/>
-                <a:cs typeface="Arial"/>
-                <a:sym typeface="Arial"/>
+                <a:latin typeface="Arial" panose="020B0604020202020204"/>
+                <a:ea typeface="Arial" panose="020B0604020202020204"/>
+                <a:cs typeface="Arial" panose="020B0604020202020204"/>
+                <a:sym typeface="Arial" panose="020B0604020202020204"/>
               </a:defRPr>
             </a:lvl9pPr>
           </a:lstStyle>
@@ -3492,7 +3362,7 @@
               </a:spcAft>
               <a:buSzPts val="1400"/>
               <a:buNone/>
-              <a:defRPr sz="1197"/>
+              <a:defRPr sz="1195"/>
             </a:lvl1pPr>
             <a:lvl2pPr lvl="1" algn="l">
               <a:spcBef>
@@ -3598,10 +3468,9 @@
               <a:buSzPts val="1400"/>
               <a:buFontTx/>
               <a:buNone/>
-              <a:tabLst/>
               <a:defRPr/>
             </a:pPr>
-            <a:endParaRPr kumimoji="0" lang="en-US" altLang="en-US" sz="1197" b="0" i="0" u="none" strike="noStrike" kern="1200" cap="none" spc="0" normalizeH="0" baseline="0" noProof="0">
+            <a:endParaRPr kumimoji="0" lang="en-US" altLang="en-US" sz="1195" b="0" i="0" u="none" strike="noStrike" kern="1200" cap="none" spc="0" normalizeH="0" baseline="0" noProof="0">
               <a:ln>
                 <a:noFill/>
               </a:ln>
@@ -3611,9 +3480,9 @@
               <a:effectLst/>
               <a:uLnTx/>
               <a:uFillTx/>
-              <a:latin typeface="Arial"/>
-              <a:cs typeface="Arial"/>
-              <a:sym typeface="Arial"/>
+              <a:latin typeface="Arial" panose="020B0604020202020204"/>
+              <a:cs typeface="Arial" panose="020B0604020202020204"/>
+              <a:sym typeface="Arial" panose="020B0604020202020204"/>
             </a:endParaRPr>
           </a:p>
         </p:txBody>
@@ -3761,11 +3630,10 @@
               <a:buSzTx/>
               <a:buFontTx/>
               <a:buNone/>
-              <a:tabLst/>
               <a:defRPr/>
             </a:pPr>
             <a:fld id="{BE031832-36F5-4DF4-BA02-44C6886A1F16}" type="slidenum">
-              <a:rPr kumimoji="0" lang="en-US" altLang="en-US" sz="1368" b="0" i="0" u="none" strike="noStrike" kern="1200" cap="none" spc="0" normalizeH="0" baseline="0" noProof="0" smtClean="0">
+              <a:rPr kumimoji="0" lang="en-US" altLang="en-US" sz="1370" b="0" i="0" u="none" strike="noStrike" kern="1200" cap="none" spc="0" normalizeH="0" baseline="0" noProof="0" smtClean="0">
                 <a:ln>
                   <a:noFill/>
                 </a:ln>
@@ -3775,30 +3643,12 @@
                 <a:effectLst/>
                 <a:uLnTx/>
                 <a:uFillTx/>
-                <a:latin typeface="Arial"/>
-                <a:cs typeface="Arial"/>
-                <a:sym typeface="Arial"/>
+                <a:latin typeface="Arial" panose="020B0604020202020204"/>
+                <a:cs typeface="Arial" panose="020B0604020202020204"/>
+                <a:sym typeface="Arial" panose="020B0604020202020204"/>
               </a:rPr>
-              <a:pPr marL="0" marR="0" lvl="0" indent="0" algn="r" defTabSz="914400" rtl="0" eaLnBrk="1" fontAlgn="auto" latinLnBrk="0" hangingPunct="1">
-                <a:lnSpc>
-                  <a:spcPct val="100000"/>
-                </a:lnSpc>
-                <a:spcBef>
-                  <a:spcPts val="0"/>
-                </a:spcBef>
-                <a:spcAft>
-                  <a:spcPts val="0"/>
-                </a:spcAft>
-                <a:buClrTx/>
-                <a:buSzTx/>
-                <a:buFontTx/>
-                <a:buNone/>
-                <a:tabLst/>
-                <a:defRPr/>
-              </a:pPr>
-              <a:t>‹#›</a:t>
             </a:fld>
-            <a:endParaRPr kumimoji="0" lang="en-US" altLang="en-US" sz="1368" b="0" i="0" u="none" strike="noStrike" kern="1200" cap="none" spc="0" normalizeH="0" baseline="0" noProof="0">
+            <a:endParaRPr kumimoji="0" lang="en-US" altLang="en-US" sz="1370" b="0" i="0" u="none" strike="noStrike" kern="1200" cap="none" spc="0" normalizeH="0" baseline="0" noProof="0">
               <a:ln>
                 <a:noFill/>
               </a:ln>
@@ -3808,9 +3658,9 @@
               <a:effectLst/>
               <a:uLnTx/>
               <a:uFillTx/>
-              <a:latin typeface="Arial"/>
-              <a:cs typeface="Arial"/>
-              <a:sym typeface="Arial"/>
+              <a:latin typeface="Arial" panose="020B0604020202020204"/>
+              <a:cs typeface="Arial" panose="020B0604020202020204"/>
+              <a:sym typeface="Arial" panose="020B0604020202020204"/>
             </a:endParaRPr>
           </a:p>
         </p:txBody>
@@ -3919,6 +3769,7 @@
               <a:rPr lang="en-US" dirty="0" smtClean="0"/>
               <a:t>Edit Master text styles</a:t>
             </a:r>
+            <a:endParaRPr lang="en-US" dirty="0" smtClean="0"/>
           </a:p>
           <a:p>
             <a:pPr lvl="1"/>
@@ -3926,6 +3777,7 @@
               <a:rPr lang="en-US" dirty="0" smtClean="0"/>
               <a:t>Second level</a:t>
             </a:r>
+            <a:endParaRPr lang="en-US" dirty="0" smtClean="0"/>
           </a:p>
           <a:p>
             <a:pPr lvl="2"/>
@@ -3933,6 +3785,7 @@
               <a:rPr lang="en-US" dirty="0" smtClean="0"/>
               <a:t>Third level</a:t>
             </a:r>
+            <a:endParaRPr lang="en-US" dirty="0" smtClean="0"/>
           </a:p>
           <a:p>
             <a:pPr lvl="3"/>
@@ -3940,6 +3793,7 @@
               <a:rPr lang="en-US" dirty="0" smtClean="0"/>
               <a:t>Fourth level</a:t>
             </a:r>
+            <a:endParaRPr lang="en-US" dirty="0" smtClean="0"/>
           </a:p>
           <a:p>
             <a:pPr lvl="4"/>
@@ -3952,23 +3806,18 @@
         </p:txBody>
       </p:sp>
     </p:spTree>
-    <p:extLst>
-      <p:ext uri="{BB962C8B-B14F-4D97-AF65-F5344CB8AC3E}">
-        <p14:creationId xmlns:p14="http://schemas.microsoft.com/office/powerpoint/2010/main" val="323884035"/>
-      </p:ext>
-    </p:extLst>
   </p:cSld>
   <p:clrMapOvr>
     <a:masterClrMapping/>
   </p:clrMapOvr>
-  <mc:AlternateContent xmlns:mc="http://schemas.openxmlformats.org/markup-compatibility/2006" xmlns:p14="http://schemas.microsoft.com/office/powerpoint/2010/main">
-    <mc:Choice Requires="p14">
+  <mc:AlternateContent xmlns:mc="http://schemas.openxmlformats.org/markup-compatibility/2006">
+    <mc:Choice xmlns:p14="http://schemas.microsoft.com/office/powerpoint/2010/main" Requires="p14">
       <p:transition spd="med" p14:dur="700">
         <p:fade/>
       </p:transition>
     </mc:Choice>
-    <mc:Fallback xmlns="">
-      <p:transition spd="slow">
+    <mc:Fallback>
+      <p:transition spd="med">
         <p:fade/>
       </p:transition>
     </mc:Fallback>
@@ -4026,9 +3875,7 @@
             <p:ph type="dt" sz="half" idx="10"/>
           </p:nvPr>
         </p:nvSpPr>
-        <p:spPr>
-          <a:ln/>
-        </p:spPr>
+        <p:spPr/>
         <p:txBody>
           <a:bodyPr/>
           <a:lstStyle>
@@ -4051,10 +3898,9 @@
               <a:buSzPts val="1400"/>
               <a:buFontTx/>
               <a:buNone/>
-              <a:tabLst/>
               <a:defRPr/>
             </a:pPr>
-            <a:endParaRPr kumimoji="0" lang="en-US" altLang="en-US" sz="1368" b="0" i="0" u="none" strike="noStrike" kern="1200" cap="none" spc="0" normalizeH="0" baseline="0" noProof="0">
+            <a:endParaRPr kumimoji="0" lang="en-US" altLang="en-US" sz="1370" b="0" i="0" u="none" strike="noStrike" kern="1200" cap="none" spc="0" normalizeH="0" baseline="0" noProof="0">
               <a:ln>
                 <a:noFill/>
               </a:ln>
@@ -4064,9 +3910,9 @@
               <a:effectLst/>
               <a:uLnTx/>
               <a:uFillTx/>
-              <a:latin typeface="Arial"/>
-              <a:cs typeface="Arial"/>
-              <a:sym typeface="Arial"/>
+              <a:latin typeface="Arial" panose="020B0604020202020204"/>
+              <a:cs typeface="Arial" panose="020B0604020202020204"/>
+              <a:sym typeface="Arial" panose="020B0604020202020204"/>
             </a:endParaRPr>
           </a:p>
         </p:txBody>
@@ -4081,9 +3927,7 @@
             <p:ph type="ftr" sz="quarter" idx="11"/>
           </p:nvPr>
         </p:nvSpPr>
-        <p:spPr>
-          <a:ln/>
-        </p:spPr>
+        <p:spPr/>
         <p:txBody>
           <a:bodyPr/>
           <a:lstStyle>
@@ -4106,7 +3950,6 @@
               <a:buSzTx/>
               <a:buFontTx/>
               <a:buNone/>
-              <a:tabLst/>
               <a:defRPr/>
             </a:pPr>
             <a:endParaRPr kumimoji="0" lang="en-US" altLang="en-US" sz="1800" b="0" i="0" u="none" strike="noStrike" kern="1200" cap="none" spc="0" normalizeH="0" baseline="0" noProof="0">
@@ -4119,7 +3962,7 @@
               <a:effectLst/>
               <a:uLnTx/>
               <a:uFillTx/>
-              <a:latin typeface="Arial"/>
+              <a:latin typeface="Arial" panose="020B0604020202020204"/>
               <a:ea typeface="+mn-ea"/>
               <a:cs typeface="+mn-cs"/>
             </a:endParaRPr>
@@ -4136,9 +3979,7 @@
             <p:ph type="sldNum" sz="quarter" idx="12"/>
           </p:nvPr>
         </p:nvSpPr>
-        <p:spPr>
-          <a:ln/>
-        </p:spPr>
+        <p:spPr/>
         <p:txBody>
           <a:bodyPr/>
           <a:lstStyle>
@@ -4161,11 +4002,10 @@
               <a:buSzTx/>
               <a:buFontTx/>
               <a:buNone/>
-              <a:tabLst/>
               <a:defRPr/>
             </a:pPr>
             <a:fld id="{E98CBE09-2349-4EE1-A219-AB8DA39AFE09}" type="slidenum">
-              <a:rPr kumimoji="0" lang="en-US" altLang="en-US" sz="1368" b="0" i="0" u="none" strike="noStrike" kern="1200" cap="none" spc="0" normalizeH="0" baseline="0" noProof="0">
+              <a:rPr kumimoji="0" lang="en-US" altLang="en-US" sz="1370" b="0" i="0" u="none" strike="noStrike" kern="1200" cap="none" spc="0" normalizeH="0" baseline="0" noProof="0">
                 <a:ln>
                   <a:noFill/>
                 </a:ln>
@@ -4175,30 +4015,12 @@
                 <a:effectLst/>
                 <a:uLnTx/>
                 <a:uFillTx/>
-                <a:latin typeface="Arial"/>
-                <a:cs typeface="Arial"/>
-                <a:sym typeface="Arial"/>
+                <a:latin typeface="Arial" panose="020B0604020202020204"/>
+                <a:cs typeface="Arial" panose="020B0604020202020204"/>
+                <a:sym typeface="Arial" panose="020B0604020202020204"/>
               </a:rPr>
-              <a:pPr marL="0" marR="0" lvl="0" indent="0" algn="r" defTabSz="914400" rtl="0" eaLnBrk="1" fontAlgn="auto" latinLnBrk="0" hangingPunct="1">
-                <a:lnSpc>
-                  <a:spcPct val="100000"/>
-                </a:lnSpc>
-                <a:spcBef>
-                  <a:spcPts val="0"/>
-                </a:spcBef>
-                <a:spcAft>
-                  <a:spcPts val="0"/>
-                </a:spcAft>
-                <a:buClrTx/>
-                <a:buSzTx/>
-                <a:buFontTx/>
-                <a:buNone/>
-                <a:tabLst/>
-                <a:defRPr/>
-              </a:pPr>
-              <a:t>‹#›</a:t>
             </a:fld>
-            <a:endParaRPr kumimoji="0" lang="en-US" altLang="en-US" sz="1368" b="0" i="0" u="none" strike="noStrike" kern="1200" cap="none" spc="0" normalizeH="0" baseline="0" noProof="0">
+            <a:endParaRPr kumimoji="0" lang="en-US" altLang="en-US" sz="1370" b="0" i="0" u="none" strike="noStrike" kern="1200" cap="none" spc="0" normalizeH="0" baseline="0" noProof="0">
               <a:ln>
                 <a:noFill/>
               </a:ln>
@@ -4208,23 +4030,30 @@
               <a:effectLst/>
               <a:uLnTx/>
               <a:uFillTx/>
-              <a:latin typeface="Arial"/>
-              <a:cs typeface="Arial"/>
-              <a:sym typeface="Arial"/>
+              <a:latin typeface="Arial" panose="020B0604020202020204"/>
+              <a:cs typeface="Arial" panose="020B0604020202020204"/>
+              <a:sym typeface="Arial" panose="020B0604020202020204"/>
             </a:endParaRPr>
           </a:p>
         </p:txBody>
       </p:sp>
     </p:spTree>
-    <p:extLst>
-      <p:ext uri="{BB962C8B-B14F-4D97-AF65-F5344CB8AC3E}">
-        <p14:creationId xmlns:p14="http://schemas.microsoft.com/office/powerpoint/2010/main" val="2800516336"/>
-      </p:ext>
-    </p:extLst>
   </p:cSld>
   <p:clrMapOvr>
     <a:masterClrMapping/>
   </p:clrMapOvr>
+  <mc:AlternateContent xmlns:mc="http://schemas.openxmlformats.org/markup-compatibility/2006">
+    <mc:Choice xmlns:p14="http://schemas.microsoft.com/office/powerpoint/2010/main" Requires="p14">
+      <p:transition spd="med" p14:dur="700">
+        <p:fade/>
+      </p:transition>
+    </mc:Choice>
+    <mc:Fallback>
+      <p:transition spd="med">
+        <p:fade/>
+      </p:transition>
+    </mc:Fallback>
+  </mc:AlternateContent>
 </p:sldLayout>
 </file>
 
@@ -4274,11 +4103,10 @@
               <a:buSzPts val="1400"/>
               <a:buFontTx/>
               <a:buNone/>
-              <a:tabLst/>
               <a:defRPr/>
             </a:pPr>
             <a:fld id="{5CA493BA-04C8-4574-ABFA-03E44AE531EB}" type="datetimeFigureOut">
-              <a:rPr kumimoji="0" lang="en-US" sz="1368" b="0" i="0" u="none" strike="noStrike" kern="1200" cap="none" spc="0" normalizeH="0" baseline="0" noProof="0" smtClean="0">
+              <a:rPr kumimoji="0" lang="en-US" sz="1370" b="0" i="0" u="none" strike="noStrike" kern="1200" cap="none" spc="0" normalizeH="0" baseline="0" noProof="0" smtClean="0">
                 <a:ln>
                   <a:noFill/>
                 </a:ln>
@@ -4288,30 +4116,12 @@
                 <a:effectLst/>
                 <a:uLnTx/>
                 <a:uFillTx/>
-                <a:latin typeface="Arial"/>
-                <a:cs typeface="Arial"/>
-                <a:sym typeface="Arial"/>
+                <a:latin typeface="Arial" panose="020B0604020202020204"/>
+                <a:cs typeface="Arial" panose="020B0604020202020204"/>
+                <a:sym typeface="Arial" panose="020B0604020202020204"/>
               </a:rPr>
-              <a:pPr marL="0" marR="0" lvl="0" indent="0" algn="l" defTabSz="914400" rtl="0" eaLnBrk="1" fontAlgn="auto" latinLnBrk="0" hangingPunct="1">
-                <a:lnSpc>
-                  <a:spcPct val="100000"/>
-                </a:lnSpc>
-                <a:spcBef>
-                  <a:spcPts val="0"/>
-                </a:spcBef>
-                <a:spcAft>
-                  <a:spcPts val="0"/>
-                </a:spcAft>
-                <a:buClrTx/>
-                <a:buSzPts val="1400"/>
-                <a:buFontTx/>
-                <a:buNone/>
-                <a:tabLst/>
-                <a:defRPr/>
-              </a:pPr>
-              <a:t>10/1/2021</a:t>
             </a:fld>
-            <a:endParaRPr kumimoji="0" lang="en-US" sz="1368" b="0" i="0" u="none" strike="noStrike" kern="1200" cap="none" spc="0" normalizeH="0" baseline="0" noProof="0">
+            <a:endParaRPr kumimoji="0" lang="en-US" sz="1370" b="0" i="0" u="none" strike="noStrike" kern="1200" cap="none" spc="0" normalizeH="0" baseline="0" noProof="0">
               <a:ln>
                 <a:noFill/>
               </a:ln>
@@ -4321,9 +4131,9 @@
               <a:effectLst/>
               <a:uLnTx/>
               <a:uFillTx/>
-              <a:latin typeface="Arial"/>
-              <a:cs typeface="Arial"/>
-              <a:sym typeface="Arial"/>
+              <a:latin typeface="Arial" panose="020B0604020202020204"/>
+              <a:cs typeface="Arial" panose="020B0604020202020204"/>
+              <a:sym typeface="Arial" panose="020B0604020202020204"/>
             </a:endParaRPr>
           </a:p>
         </p:txBody>
@@ -4357,11 +4167,10 @@
               <a:buSzTx/>
               <a:buFontTx/>
               <a:buNone/>
-              <a:tabLst/>
               <a:defRPr/>
             </a:pPr>
             <a:fld id="{8FE0A883-076A-4371-A43F-43D4B3282AA6}" type="slidenum">
-              <a:rPr kumimoji="0" lang="en-US" sz="1368" b="0" i="0" u="none" strike="noStrike" kern="1200" cap="none" spc="0" normalizeH="0" baseline="0" noProof="0" smtClean="0">
+              <a:rPr kumimoji="0" lang="en-US" sz="1370" b="0" i="0" u="none" strike="noStrike" kern="1200" cap="none" spc="0" normalizeH="0" baseline="0" noProof="0" smtClean="0">
                 <a:ln>
                   <a:noFill/>
                 </a:ln>
@@ -4371,30 +4180,12 @@
                 <a:effectLst/>
                 <a:uLnTx/>
                 <a:uFillTx/>
-                <a:latin typeface="Arial"/>
-                <a:cs typeface="Arial"/>
-                <a:sym typeface="Arial"/>
+                <a:latin typeface="Arial" panose="020B0604020202020204"/>
+                <a:cs typeface="Arial" panose="020B0604020202020204"/>
+                <a:sym typeface="Arial" panose="020B0604020202020204"/>
               </a:rPr>
-              <a:pPr marL="0" marR="0" lvl="0" indent="0" algn="r" defTabSz="914400" rtl="0" eaLnBrk="1" fontAlgn="auto" latinLnBrk="0" hangingPunct="1">
-                <a:lnSpc>
-                  <a:spcPct val="100000"/>
-                </a:lnSpc>
-                <a:spcBef>
-                  <a:spcPts val="0"/>
-                </a:spcBef>
-                <a:spcAft>
-                  <a:spcPts val="0"/>
-                </a:spcAft>
-                <a:buClrTx/>
-                <a:buSzTx/>
-                <a:buFontTx/>
-                <a:buNone/>
-                <a:tabLst/>
-                <a:defRPr/>
-              </a:pPr>
-              <a:t>‹#›</a:t>
             </a:fld>
-            <a:endParaRPr kumimoji="0" lang="en-US" sz="1368" b="0" i="0" u="none" strike="noStrike" kern="1200" cap="none" spc="0" normalizeH="0" baseline="0" noProof="0">
+            <a:endParaRPr kumimoji="0" lang="en-US" sz="1370" b="0" i="0" u="none" strike="noStrike" kern="1200" cap="none" spc="0" normalizeH="0" baseline="0" noProof="0">
               <a:ln>
                 <a:noFill/>
               </a:ln>
@@ -4404,9 +4195,9 @@
               <a:effectLst/>
               <a:uLnTx/>
               <a:uFillTx/>
-              <a:latin typeface="Arial"/>
-              <a:cs typeface="Arial"/>
-              <a:sym typeface="Arial"/>
+              <a:latin typeface="Arial" panose="020B0604020202020204"/>
+              <a:cs typeface="Arial" panose="020B0604020202020204"/>
+              <a:sym typeface="Arial" panose="020B0604020202020204"/>
             </a:endParaRPr>
           </a:p>
         </p:txBody>
@@ -4499,6 +4290,7 @@
               <a:rPr lang="en-US" dirty="0" smtClean="0"/>
               <a:t>Edit Master text styles</a:t>
             </a:r>
+            <a:endParaRPr lang="en-US" dirty="0" smtClean="0"/>
           </a:p>
           <a:p>
             <a:pPr lvl="1"/>
@@ -4506,6 +4298,7 @@
               <a:rPr lang="en-US" dirty="0" smtClean="0"/>
               <a:t>Second level</a:t>
             </a:r>
+            <a:endParaRPr lang="en-US" dirty="0" smtClean="0"/>
           </a:p>
           <a:p>
             <a:pPr lvl="2"/>
@@ -4513,6 +4306,7 @@
               <a:rPr lang="en-US" dirty="0" smtClean="0"/>
               <a:t>Third level</a:t>
             </a:r>
+            <a:endParaRPr lang="en-US" dirty="0" smtClean="0"/>
           </a:p>
           <a:p>
             <a:pPr lvl="3"/>
@@ -4520,6 +4314,7 @@
               <a:rPr lang="en-US" dirty="0" smtClean="0"/>
               <a:t>Fourth level</a:t>
             </a:r>
+            <a:endParaRPr lang="en-US" dirty="0" smtClean="0"/>
           </a:p>
           <a:p>
             <a:pPr lvl="4"/>
@@ -4619,6 +4414,7 @@
               <a:rPr lang="en-US" dirty="0" smtClean="0"/>
               <a:t>Edit Master text styles</a:t>
             </a:r>
+            <a:endParaRPr lang="en-US" dirty="0" smtClean="0"/>
           </a:p>
           <a:p>
             <a:pPr lvl="1"/>
@@ -4626,6 +4422,7 @@
               <a:rPr lang="en-US" dirty="0" smtClean="0"/>
               <a:t>Second level</a:t>
             </a:r>
+            <a:endParaRPr lang="en-US" dirty="0" smtClean="0"/>
           </a:p>
           <a:p>
             <a:pPr lvl="2"/>
@@ -4633,6 +4430,7 @@
               <a:rPr lang="en-US" dirty="0" smtClean="0"/>
               <a:t>Third level</a:t>
             </a:r>
+            <a:endParaRPr lang="en-US" dirty="0" smtClean="0"/>
           </a:p>
           <a:p>
             <a:pPr lvl="3"/>
@@ -4640,6 +4438,7 @@
               <a:rPr lang="en-US" dirty="0" smtClean="0"/>
               <a:t>Fourth level</a:t>
             </a:r>
+            <a:endParaRPr lang="en-US" dirty="0" smtClean="0"/>
           </a:p>
           <a:p>
             <a:pPr lvl="4"/>
@@ -4692,10 +4491,10 @@
                 <a:solidFill>
                   <a:schemeClr val="dk1"/>
                 </a:solidFill>
-                <a:latin typeface="Arial"/>
-                <a:ea typeface="Arial"/>
-                <a:cs typeface="Arial"/>
-                <a:sym typeface="Arial"/>
+                <a:latin typeface="Arial" panose="020B0604020202020204"/>
+                <a:ea typeface="Arial" panose="020B0604020202020204"/>
+                <a:cs typeface="Arial" panose="020B0604020202020204"/>
+                <a:sym typeface="Arial" panose="020B0604020202020204"/>
               </a:defRPr>
             </a:lvl1pPr>
             <a:lvl2pPr marR="0" lvl="1" algn="ctr" rtl="0">
@@ -4707,14 +4506,14 @@
               </a:spcAft>
               <a:buSzPts val="1400"/>
               <a:buNone/>
-              <a:defRPr sz="3079" b="0" i="0" u="none" strike="noStrike" cap="none">
+              <a:defRPr sz="3080" b="0" i="0" u="none" strike="noStrike" cap="none">
                 <a:solidFill>
                   <a:schemeClr val="dk1"/>
                 </a:solidFill>
-                <a:latin typeface="Arial"/>
-                <a:ea typeface="Arial"/>
-                <a:cs typeface="Arial"/>
-                <a:sym typeface="Arial"/>
+                <a:latin typeface="Arial" panose="020B0604020202020204"/>
+                <a:ea typeface="Arial" panose="020B0604020202020204"/>
+                <a:cs typeface="Arial" panose="020B0604020202020204"/>
+                <a:sym typeface="Arial" panose="020B0604020202020204"/>
               </a:defRPr>
             </a:lvl2pPr>
             <a:lvl3pPr marR="0" lvl="2" algn="ctr" rtl="0">
@@ -4726,14 +4525,14 @@
               </a:spcAft>
               <a:buSzPts val="1400"/>
               <a:buNone/>
-              <a:defRPr sz="3079" b="0" i="0" u="none" strike="noStrike" cap="none">
+              <a:defRPr sz="3080" b="0" i="0" u="none" strike="noStrike" cap="none">
                 <a:solidFill>
                   <a:schemeClr val="dk1"/>
                 </a:solidFill>
-                <a:latin typeface="Arial"/>
-                <a:ea typeface="Arial"/>
-                <a:cs typeface="Arial"/>
-                <a:sym typeface="Arial"/>
+                <a:latin typeface="Arial" panose="020B0604020202020204"/>
+                <a:ea typeface="Arial" panose="020B0604020202020204"/>
+                <a:cs typeface="Arial" panose="020B0604020202020204"/>
+                <a:sym typeface="Arial" panose="020B0604020202020204"/>
               </a:defRPr>
             </a:lvl3pPr>
             <a:lvl4pPr marR="0" lvl="3" algn="ctr" rtl="0">
@@ -4745,14 +4544,14 @@
               </a:spcAft>
               <a:buSzPts val="1400"/>
               <a:buNone/>
-              <a:defRPr sz="3079" b="0" i="0" u="none" strike="noStrike" cap="none">
+              <a:defRPr sz="3080" b="0" i="0" u="none" strike="noStrike" cap="none">
                 <a:solidFill>
                   <a:schemeClr val="dk1"/>
                 </a:solidFill>
-                <a:latin typeface="Arial"/>
-                <a:ea typeface="Arial"/>
-                <a:cs typeface="Arial"/>
-                <a:sym typeface="Arial"/>
+                <a:latin typeface="Arial" panose="020B0604020202020204"/>
+                <a:ea typeface="Arial" panose="020B0604020202020204"/>
+                <a:cs typeface="Arial" panose="020B0604020202020204"/>
+                <a:sym typeface="Arial" panose="020B0604020202020204"/>
               </a:defRPr>
             </a:lvl4pPr>
             <a:lvl5pPr marR="0" lvl="4" algn="ctr" rtl="0">
@@ -4764,14 +4563,14 @@
               </a:spcAft>
               <a:buSzPts val="1400"/>
               <a:buNone/>
-              <a:defRPr sz="3079" b="0" i="0" u="none" strike="noStrike" cap="none">
+              <a:defRPr sz="3080" b="0" i="0" u="none" strike="noStrike" cap="none">
                 <a:solidFill>
                   <a:schemeClr val="dk1"/>
                 </a:solidFill>
-                <a:latin typeface="Arial"/>
-                <a:ea typeface="Arial"/>
-                <a:cs typeface="Arial"/>
-                <a:sym typeface="Arial"/>
+                <a:latin typeface="Arial" panose="020B0604020202020204"/>
+                <a:ea typeface="Arial" panose="020B0604020202020204"/>
+                <a:cs typeface="Arial" panose="020B0604020202020204"/>
+                <a:sym typeface="Arial" panose="020B0604020202020204"/>
               </a:defRPr>
             </a:lvl5pPr>
             <a:lvl6pPr marR="0" lvl="5" algn="ctr" rtl="0">
@@ -4783,14 +4582,14 @@
               </a:spcAft>
               <a:buSzPts val="1400"/>
               <a:buNone/>
-              <a:defRPr sz="3079" b="0" i="0" u="none" strike="noStrike" cap="none">
+              <a:defRPr sz="3080" b="0" i="0" u="none" strike="noStrike" cap="none">
                 <a:solidFill>
                   <a:schemeClr val="lt1"/>
                 </a:solidFill>
-                <a:latin typeface="Arial"/>
-                <a:ea typeface="Arial"/>
-                <a:cs typeface="Arial"/>
-                <a:sym typeface="Arial"/>
+                <a:latin typeface="Arial" panose="020B0604020202020204"/>
+                <a:ea typeface="Arial" panose="020B0604020202020204"/>
+                <a:cs typeface="Arial" panose="020B0604020202020204"/>
+                <a:sym typeface="Arial" panose="020B0604020202020204"/>
               </a:defRPr>
             </a:lvl6pPr>
             <a:lvl7pPr marR="0" lvl="6" algn="ctr" rtl="0">
@@ -4802,14 +4601,14 @@
               </a:spcAft>
               <a:buSzPts val="1400"/>
               <a:buNone/>
-              <a:defRPr sz="3079" b="0" i="0" u="none" strike="noStrike" cap="none">
+              <a:defRPr sz="3080" b="0" i="0" u="none" strike="noStrike" cap="none">
                 <a:solidFill>
                   <a:schemeClr val="lt1"/>
                 </a:solidFill>
-                <a:latin typeface="Arial"/>
-                <a:ea typeface="Arial"/>
-                <a:cs typeface="Arial"/>
-                <a:sym typeface="Arial"/>
+                <a:latin typeface="Arial" panose="020B0604020202020204"/>
+                <a:ea typeface="Arial" panose="020B0604020202020204"/>
+                <a:cs typeface="Arial" panose="020B0604020202020204"/>
+                <a:sym typeface="Arial" panose="020B0604020202020204"/>
               </a:defRPr>
             </a:lvl7pPr>
             <a:lvl8pPr marR="0" lvl="7" algn="ctr" rtl="0">
@@ -4821,14 +4620,14 @@
               </a:spcAft>
               <a:buSzPts val="1400"/>
               <a:buNone/>
-              <a:defRPr sz="3079" b="0" i="0" u="none" strike="noStrike" cap="none">
+              <a:defRPr sz="3080" b="0" i="0" u="none" strike="noStrike" cap="none">
                 <a:solidFill>
                   <a:schemeClr val="lt1"/>
                 </a:solidFill>
-                <a:latin typeface="Arial"/>
-                <a:ea typeface="Arial"/>
-                <a:cs typeface="Arial"/>
-                <a:sym typeface="Arial"/>
+                <a:latin typeface="Arial" panose="020B0604020202020204"/>
+                <a:ea typeface="Arial" panose="020B0604020202020204"/>
+                <a:cs typeface="Arial" panose="020B0604020202020204"/>
+                <a:sym typeface="Arial" panose="020B0604020202020204"/>
               </a:defRPr>
             </a:lvl8pPr>
             <a:lvl9pPr marR="0" lvl="8" algn="ctr" rtl="0">
@@ -4840,14 +4639,14 @@
               </a:spcAft>
               <a:buSzPts val="1400"/>
               <a:buNone/>
-              <a:defRPr sz="3079" b="0" i="0" u="none" strike="noStrike" cap="none">
+              <a:defRPr sz="3080" b="0" i="0" u="none" strike="noStrike" cap="none">
                 <a:solidFill>
                   <a:schemeClr val="lt1"/>
                 </a:solidFill>
-                <a:latin typeface="Arial"/>
-                <a:ea typeface="Arial"/>
-                <a:cs typeface="Arial"/>
-                <a:sym typeface="Arial"/>
+                <a:latin typeface="Arial" panose="020B0604020202020204"/>
+                <a:ea typeface="Arial" panose="020B0604020202020204"/>
+                <a:cs typeface="Arial" panose="020B0604020202020204"/>
+                <a:sym typeface="Arial" panose="020B0604020202020204"/>
               </a:defRPr>
             </a:lvl9pPr>
           </a:lstStyle>
@@ -4861,23 +4660,18 @@
         </p:txBody>
       </p:sp>
     </p:spTree>
-    <p:extLst>
-      <p:ext uri="{BB962C8B-B14F-4D97-AF65-F5344CB8AC3E}">
-        <p14:creationId xmlns:p14="http://schemas.microsoft.com/office/powerpoint/2010/main" val="3046697611"/>
-      </p:ext>
-    </p:extLst>
   </p:cSld>
   <p:clrMapOvr>
     <a:masterClrMapping/>
   </p:clrMapOvr>
-  <mc:AlternateContent xmlns:mc="http://schemas.openxmlformats.org/markup-compatibility/2006" xmlns:p14="http://schemas.microsoft.com/office/powerpoint/2010/main">
-    <mc:Choice Requires="p14">
+  <mc:AlternateContent xmlns:mc="http://schemas.openxmlformats.org/markup-compatibility/2006">
+    <mc:Choice xmlns:p14="http://schemas.microsoft.com/office/powerpoint/2010/main" Requires="p14">
       <p:transition spd="med" p14:dur="700">
         <p:fade/>
       </p:transition>
     </mc:Choice>
-    <mc:Fallback xmlns="">
-      <p:transition spd="slow">
+    <mc:Fallback>
+      <p:transition spd="med">
         <p:fade/>
       </p:transition>
     </mc:Fallback>
@@ -4957,10 +4751,9 @@
               <a:buSzTx/>
               <a:buFontTx/>
               <a:buNone/>
-              <a:tabLst/>
               <a:defRPr/>
             </a:pPr>
-            <a:endParaRPr kumimoji="0" sz="1796" b="0" i="0" u="none" strike="noStrike" kern="1200" cap="none" spc="0" normalizeH="0" baseline="0" noProof="0">
+            <a:endParaRPr kumimoji="0" sz="1795" b="0" i="0" u="none" strike="noStrike" kern="1200" cap="none" spc="0" normalizeH="0" baseline="0" noProof="0">
               <a:ln>
                 <a:noFill/>
               </a:ln>
@@ -4970,10 +4763,10 @@
               <a:effectLst/>
               <a:uLnTx/>
               <a:uFillTx/>
-              <a:latin typeface="Arial"/>
-              <a:ea typeface="Arial"/>
-              <a:cs typeface="Arial"/>
-              <a:sym typeface="Arial"/>
+              <a:latin typeface="Arial" panose="020B0604020202020204"/>
+              <a:ea typeface="Arial" panose="020B0604020202020204"/>
+              <a:cs typeface="Arial" panose="020B0604020202020204"/>
+              <a:sym typeface="Arial" panose="020B0604020202020204"/>
             </a:endParaRPr>
           </a:p>
         </p:txBody>
@@ -5008,7 +4801,7 @@
           <a:lstStyle>
             <a:lvl1pPr marL="457200" marR="0" lvl="0" indent="-431800" algn="l" rtl="0">
               <a:lnSpc>
-                <a:spcPct val="137500"/>
+                <a:spcPct val="138000"/>
               </a:lnSpc>
               <a:spcBef>
                 <a:spcPts val="0"/>
@@ -5020,21 +4813,21 @@
                 <a:srgbClr val="000097"/>
               </a:buClr>
               <a:buSzPts val="3200"/>
-              <a:buFont typeface="Arial"/>
+              <a:buFont typeface="Arial" panose="020B0604020202020204"/>
               <a:buChar char="•"/>
               <a:defRPr sz="3200" b="0" i="0" u="none" strike="noStrike" cap="none">
                 <a:solidFill>
                   <a:schemeClr val="dk1"/>
                 </a:solidFill>
-                <a:latin typeface="Arial"/>
-                <a:ea typeface="Arial"/>
-                <a:cs typeface="Arial"/>
-                <a:sym typeface="Arial"/>
+                <a:latin typeface="Arial" panose="020B0604020202020204"/>
+                <a:ea typeface="Arial" panose="020B0604020202020204"/>
+                <a:cs typeface="Arial" panose="020B0604020202020204"/>
+                <a:sym typeface="Arial" panose="020B0604020202020204"/>
               </a:defRPr>
             </a:lvl1pPr>
             <a:lvl2pPr marL="914400" marR="0" lvl="1" indent="-400050" algn="l" rtl="0">
               <a:lnSpc>
-                <a:spcPct val="162962"/>
+                <a:spcPct val="163000"/>
               </a:lnSpc>
               <a:spcBef>
                 <a:spcPts val="0"/>
@@ -5046,21 +4839,21 @@
                 <a:schemeClr val="dk1"/>
               </a:buClr>
               <a:buSzPts val="2700"/>
-              <a:buFont typeface="Arial"/>
+              <a:buFont typeface="Arial" panose="020B0604020202020204"/>
               <a:buChar char="–"/>
               <a:defRPr sz="2700" b="0" i="0" u="none" strike="noStrike" cap="none">
                 <a:solidFill>
                   <a:srgbClr val="000097"/>
                 </a:solidFill>
-                <a:latin typeface="Arial"/>
-                <a:ea typeface="Arial"/>
-                <a:cs typeface="Arial"/>
-                <a:sym typeface="Arial"/>
+                <a:latin typeface="Arial" panose="020B0604020202020204"/>
+                <a:ea typeface="Arial" panose="020B0604020202020204"/>
+                <a:cs typeface="Arial" panose="020B0604020202020204"/>
+                <a:sym typeface="Arial" panose="020B0604020202020204"/>
               </a:defRPr>
             </a:lvl2pPr>
             <a:lvl3pPr marL="1371600" marR="0" lvl="2" indent="-374650" algn="l" rtl="0">
               <a:lnSpc>
-                <a:spcPct val="191304"/>
+                <a:spcPct val="191000"/>
               </a:lnSpc>
               <a:spcBef>
                 <a:spcPts val="0"/>
@@ -5078,15 +4871,15 @@
                 <a:solidFill>
                   <a:schemeClr val="dk1"/>
                 </a:solidFill>
-                <a:latin typeface="Arial"/>
-                <a:ea typeface="Arial"/>
-                <a:cs typeface="Arial"/>
-                <a:sym typeface="Arial"/>
+                <a:latin typeface="Arial" panose="020B0604020202020204"/>
+                <a:ea typeface="Arial" panose="020B0604020202020204"/>
+                <a:cs typeface="Arial" panose="020B0604020202020204"/>
+                <a:sym typeface="Arial" panose="020B0604020202020204"/>
               </a:defRPr>
             </a:lvl3pPr>
             <a:lvl4pPr marL="1828800" marR="0" lvl="3" indent="-342900" algn="l" rtl="0">
               <a:lnSpc>
-                <a:spcPct val="244444"/>
+                <a:spcPct val="244000"/>
               </a:lnSpc>
               <a:spcBef>
                 <a:spcPts val="0"/>
@@ -5098,21 +4891,21 @@
                 <a:schemeClr val="dk1"/>
               </a:buClr>
               <a:buSzPts val="1800"/>
-              <a:buFont typeface="Arial"/>
+              <a:buFont typeface="Arial" panose="020B0604020202020204"/>
               <a:buChar char="–"/>
               <a:defRPr sz="1800" b="0" i="0" u="none" strike="noStrike" cap="none">
                 <a:solidFill>
                   <a:srgbClr val="000097"/>
                 </a:solidFill>
-                <a:latin typeface="Arial"/>
-                <a:ea typeface="Arial"/>
-                <a:cs typeface="Arial"/>
-                <a:sym typeface="Arial"/>
+                <a:latin typeface="Arial" panose="020B0604020202020204"/>
+                <a:ea typeface="Arial" panose="020B0604020202020204"/>
+                <a:cs typeface="Arial" panose="020B0604020202020204"/>
+                <a:sym typeface="Arial" panose="020B0604020202020204"/>
               </a:defRPr>
             </a:lvl4pPr>
             <a:lvl5pPr marL="2286000" marR="0" lvl="4" indent="-342900" algn="l" rtl="0">
               <a:lnSpc>
-                <a:spcPct val="244444"/>
+                <a:spcPct val="244000"/>
               </a:lnSpc>
               <a:spcBef>
                 <a:spcPts val="0"/>
@@ -5124,16 +4917,16 @@
                 <a:srgbClr val="000097"/>
               </a:buClr>
               <a:buSzPts val="1800"/>
-              <a:buFont typeface="Arial"/>
+              <a:buFont typeface="Arial" panose="020B0604020202020204"/>
               <a:buChar char="»"/>
               <a:defRPr sz="1800" b="0" i="0" u="none" strike="noStrike" cap="none">
                 <a:solidFill>
                   <a:schemeClr val="dk1"/>
                 </a:solidFill>
-                <a:latin typeface="Arial"/>
-                <a:ea typeface="Arial"/>
-                <a:cs typeface="Arial"/>
-                <a:sym typeface="Arial"/>
+                <a:latin typeface="Arial" panose="020B0604020202020204"/>
+                <a:ea typeface="Arial" panose="020B0604020202020204"/>
+                <a:cs typeface="Arial" panose="020B0604020202020204"/>
+                <a:sym typeface="Arial" panose="020B0604020202020204"/>
               </a:defRPr>
             </a:lvl5pPr>
             <a:lvl6pPr marL="2743200" marR="0" lvl="5" indent="-342900" algn="l" rtl="0">
@@ -5147,16 +4940,16 @@
                 <a:srgbClr val="000097"/>
               </a:buClr>
               <a:buSzPts val="1800"/>
-              <a:buFont typeface="Arial"/>
+              <a:buFont typeface="Arial" panose="020B0604020202020204"/>
               <a:buChar char="»"/>
               <a:defRPr sz="1800" b="0" i="0" u="none" strike="noStrike" cap="none">
                 <a:solidFill>
                   <a:schemeClr val="dk1"/>
                 </a:solidFill>
-                <a:latin typeface="Arial"/>
-                <a:ea typeface="Arial"/>
-                <a:cs typeface="Arial"/>
-                <a:sym typeface="Arial"/>
+                <a:latin typeface="Arial" panose="020B0604020202020204"/>
+                <a:ea typeface="Arial" panose="020B0604020202020204"/>
+                <a:cs typeface="Arial" panose="020B0604020202020204"/>
+                <a:sym typeface="Arial" panose="020B0604020202020204"/>
               </a:defRPr>
             </a:lvl6pPr>
             <a:lvl7pPr marL="3200400" marR="0" lvl="6" indent="-342900" algn="l" rtl="0">
@@ -5170,16 +4963,16 @@
                 <a:srgbClr val="000097"/>
               </a:buClr>
               <a:buSzPts val="1800"/>
-              <a:buFont typeface="Arial"/>
+              <a:buFont typeface="Arial" panose="020B0604020202020204"/>
               <a:buChar char="»"/>
               <a:defRPr sz="1800" b="0" i="0" u="none" strike="noStrike" cap="none">
                 <a:solidFill>
                   <a:schemeClr val="dk1"/>
                 </a:solidFill>
-                <a:latin typeface="Arial"/>
-                <a:ea typeface="Arial"/>
-                <a:cs typeface="Arial"/>
-                <a:sym typeface="Arial"/>
+                <a:latin typeface="Arial" panose="020B0604020202020204"/>
+                <a:ea typeface="Arial" panose="020B0604020202020204"/>
+                <a:cs typeface="Arial" panose="020B0604020202020204"/>
+                <a:sym typeface="Arial" panose="020B0604020202020204"/>
               </a:defRPr>
             </a:lvl7pPr>
             <a:lvl8pPr marL="3657600" marR="0" lvl="7" indent="-342900" algn="l" rtl="0">
@@ -5193,16 +4986,16 @@
                 <a:srgbClr val="000097"/>
               </a:buClr>
               <a:buSzPts val="1800"/>
-              <a:buFont typeface="Arial"/>
+              <a:buFont typeface="Arial" panose="020B0604020202020204"/>
               <a:buChar char="»"/>
               <a:defRPr sz="1800" b="0" i="0" u="none" strike="noStrike" cap="none">
                 <a:solidFill>
                   <a:schemeClr val="dk1"/>
                 </a:solidFill>
-                <a:latin typeface="Arial"/>
-                <a:ea typeface="Arial"/>
-                <a:cs typeface="Arial"/>
-                <a:sym typeface="Arial"/>
+                <a:latin typeface="Arial" panose="020B0604020202020204"/>
+                <a:ea typeface="Arial" panose="020B0604020202020204"/>
+                <a:cs typeface="Arial" panose="020B0604020202020204"/>
+                <a:sym typeface="Arial" panose="020B0604020202020204"/>
               </a:defRPr>
             </a:lvl8pPr>
             <a:lvl9pPr marL="4114800" marR="0" lvl="8" indent="-342900" algn="l" rtl="0">
@@ -5216,16 +5009,16 @@
                 <a:srgbClr val="000097"/>
               </a:buClr>
               <a:buSzPts val="1800"/>
-              <a:buFont typeface="Arial"/>
+              <a:buFont typeface="Arial" panose="020B0604020202020204"/>
               <a:buChar char="»"/>
               <a:defRPr sz="1800" b="0" i="0" u="none" strike="noStrike" cap="none">
                 <a:solidFill>
                   <a:schemeClr val="dk1"/>
                 </a:solidFill>
-                <a:latin typeface="Arial"/>
-                <a:ea typeface="Arial"/>
-                <a:cs typeface="Arial"/>
-                <a:sym typeface="Arial"/>
+                <a:latin typeface="Arial" panose="020B0604020202020204"/>
+                <a:ea typeface="Arial" panose="020B0604020202020204"/>
+                <a:cs typeface="Arial" panose="020B0604020202020204"/>
+                <a:sym typeface="Arial" panose="020B0604020202020204"/>
               </a:defRPr>
             </a:lvl9pPr>
           </a:lstStyle>
@@ -5269,7 +5062,7 @@
           <a:p>
             <a:pPr marL="0" marR="0" lvl="0" indent="0" algn="l" defTabSz="914400" rtl="0" eaLnBrk="1" fontAlgn="auto" latinLnBrk="0" hangingPunct="1">
               <a:lnSpc>
-                <a:spcPct val="171428"/>
+                <a:spcPct val="171000"/>
               </a:lnSpc>
               <a:spcBef>
                 <a:spcPts val="0"/>
@@ -5281,10 +5074,9 @@
               <a:buSzTx/>
               <a:buFontTx/>
               <a:buNone/>
-              <a:tabLst/>
               <a:defRPr/>
             </a:pPr>
-            <a:endParaRPr kumimoji="0" sz="1796" b="0" i="0" u="none" strike="noStrike" kern="1200" cap="none" spc="0" normalizeH="0" baseline="0" noProof="0">
+            <a:endParaRPr kumimoji="0" sz="1795" b="0" i="0" u="none" strike="noStrike" kern="1200" cap="none" spc="0" normalizeH="0" baseline="0" noProof="0">
               <a:ln>
                 <a:noFill/>
               </a:ln>
@@ -5294,10 +5086,10 @@
               <a:effectLst/>
               <a:uLnTx/>
               <a:uFillTx/>
-              <a:latin typeface="Arial"/>
-              <a:ea typeface="Arial"/>
-              <a:cs typeface="Arial"/>
-              <a:sym typeface="Arial"/>
+              <a:latin typeface="Arial" panose="020B0604020202020204"/>
+              <a:ea typeface="Arial" panose="020B0604020202020204"/>
+              <a:cs typeface="Arial" panose="020B0604020202020204"/>
+              <a:sym typeface="Arial" panose="020B0604020202020204"/>
             </a:endParaRPr>
           </a:p>
         </p:txBody>
@@ -5339,14 +5131,14 @@
               </a:spcAft>
               <a:buSzPts val="1400"/>
               <a:buNone/>
-              <a:defRPr sz="1368" b="0" i="0" u="none" strike="noStrike" cap="none">
+              <a:defRPr sz="1370" b="0" i="0" u="none" strike="noStrike" cap="none">
                 <a:solidFill>
                   <a:schemeClr val="lt1"/>
                 </a:solidFill>
-                <a:latin typeface="Arial"/>
-                <a:ea typeface="Arial"/>
-                <a:cs typeface="Arial"/>
-                <a:sym typeface="Arial"/>
+                <a:latin typeface="Arial" panose="020B0604020202020204"/>
+                <a:ea typeface="Arial" panose="020B0604020202020204"/>
+                <a:cs typeface="Arial" panose="020B0604020202020204"/>
+                <a:sym typeface="Arial" panose="020B0604020202020204"/>
               </a:defRPr>
             </a:lvl1pPr>
             <a:lvl2pPr marR="0" lvl="1" algn="l" rtl="0">
@@ -5358,14 +5150,14 @@
               </a:spcAft>
               <a:buSzPts val="1400"/>
               <a:buNone/>
-              <a:defRPr sz="1796" b="0" i="0" u="none" strike="noStrike" cap="none">
+              <a:defRPr sz="1795" b="0" i="0" u="none" strike="noStrike" cap="none">
                 <a:solidFill>
                   <a:schemeClr val="dk1"/>
                 </a:solidFill>
-                <a:latin typeface="Arial"/>
-                <a:ea typeface="Arial"/>
-                <a:cs typeface="Arial"/>
-                <a:sym typeface="Arial"/>
+                <a:latin typeface="Arial" panose="020B0604020202020204"/>
+                <a:ea typeface="Arial" panose="020B0604020202020204"/>
+                <a:cs typeface="Arial" panose="020B0604020202020204"/>
+                <a:sym typeface="Arial" panose="020B0604020202020204"/>
               </a:defRPr>
             </a:lvl2pPr>
             <a:lvl3pPr marR="0" lvl="2" algn="l" rtl="0">
@@ -5377,14 +5169,14 @@
               </a:spcAft>
               <a:buSzPts val="1400"/>
               <a:buNone/>
-              <a:defRPr sz="1796" b="0" i="0" u="none" strike="noStrike" cap="none">
+              <a:defRPr sz="1795" b="0" i="0" u="none" strike="noStrike" cap="none">
                 <a:solidFill>
                   <a:schemeClr val="dk1"/>
                 </a:solidFill>
-                <a:latin typeface="Arial"/>
-                <a:ea typeface="Arial"/>
-                <a:cs typeface="Arial"/>
-                <a:sym typeface="Arial"/>
+                <a:latin typeface="Arial" panose="020B0604020202020204"/>
+                <a:ea typeface="Arial" panose="020B0604020202020204"/>
+                <a:cs typeface="Arial" panose="020B0604020202020204"/>
+                <a:sym typeface="Arial" panose="020B0604020202020204"/>
               </a:defRPr>
             </a:lvl3pPr>
             <a:lvl4pPr marR="0" lvl="3" algn="l" rtl="0">
@@ -5396,14 +5188,14 @@
               </a:spcAft>
               <a:buSzPts val="1400"/>
               <a:buNone/>
-              <a:defRPr sz="1796" b="0" i="0" u="none" strike="noStrike" cap="none">
+              <a:defRPr sz="1795" b="0" i="0" u="none" strike="noStrike" cap="none">
                 <a:solidFill>
                   <a:schemeClr val="dk1"/>
                 </a:solidFill>
-                <a:latin typeface="Arial"/>
-                <a:ea typeface="Arial"/>
-                <a:cs typeface="Arial"/>
-                <a:sym typeface="Arial"/>
+                <a:latin typeface="Arial" panose="020B0604020202020204"/>
+                <a:ea typeface="Arial" panose="020B0604020202020204"/>
+                <a:cs typeface="Arial" panose="020B0604020202020204"/>
+                <a:sym typeface="Arial" panose="020B0604020202020204"/>
               </a:defRPr>
             </a:lvl4pPr>
             <a:lvl5pPr marR="0" lvl="4" algn="l" rtl="0">
@@ -5415,14 +5207,14 @@
               </a:spcAft>
               <a:buSzPts val="1400"/>
               <a:buNone/>
-              <a:defRPr sz="1796" b="0" i="0" u="none" strike="noStrike" cap="none">
+              <a:defRPr sz="1795" b="0" i="0" u="none" strike="noStrike" cap="none">
                 <a:solidFill>
                   <a:schemeClr val="dk1"/>
                 </a:solidFill>
-                <a:latin typeface="Arial"/>
-                <a:ea typeface="Arial"/>
-                <a:cs typeface="Arial"/>
-                <a:sym typeface="Arial"/>
+                <a:latin typeface="Arial" panose="020B0604020202020204"/>
+                <a:ea typeface="Arial" panose="020B0604020202020204"/>
+                <a:cs typeface="Arial" panose="020B0604020202020204"/>
+                <a:sym typeface="Arial" panose="020B0604020202020204"/>
               </a:defRPr>
             </a:lvl5pPr>
             <a:lvl6pPr marR="0" lvl="5" algn="l" rtl="0">
@@ -5434,14 +5226,14 @@
               </a:spcAft>
               <a:buSzPts val="1400"/>
               <a:buNone/>
-              <a:defRPr sz="1796" b="0" i="0" u="none" strike="noStrike" cap="none">
+              <a:defRPr sz="1795" b="0" i="0" u="none" strike="noStrike" cap="none">
                 <a:solidFill>
                   <a:schemeClr val="dk1"/>
                 </a:solidFill>
-                <a:latin typeface="Arial"/>
-                <a:ea typeface="Arial"/>
-                <a:cs typeface="Arial"/>
-                <a:sym typeface="Arial"/>
+                <a:latin typeface="Arial" panose="020B0604020202020204"/>
+                <a:ea typeface="Arial" panose="020B0604020202020204"/>
+                <a:cs typeface="Arial" panose="020B0604020202020204"/>
+                <a:sym typeface="Arial" panose="020B0604020202020204"/>
               </a:defRPr>
             </a:lvl6pPr>
             <a:lvl7pPr marR="0" lvl="6" algn="l" rtl="0">
@@ -5453,14 +5245,14 @@
               </a:spcAft>
               <a:buSzPts val="1400"/>
               <a:buNone/>
-              <a:defRPr sz="1796" b="0" i="0" u="none" strike="noStrike" cap="none">
+              <a:defRPr sz="1795" b="0" i="0" u="none" strike="noStrike" cap="none">
                 <a:solidFill>
                   <a:schemeClr val="dk1"/>
                 </a:solidFill>
-                <a:latin typeface="Arial"/>
-                <a:ea typeface="Arial"/>
-                <a:cs typeface="Arial"/>
-                <a:sym typeface="Arial"/>
+                <a:latin typeface="Arial" panose="020B0604020202020204"/>
+                <a:ea typeface="Arial" panose="020B0604020202020204"/>
+                <a:cs typeface="Arial" panose="020B0604020202020204"/>
+                <a:sym typeface="Arial" panose="020B0604020202020204"/>
               </a:defRPr>
             </a:lvl7pPr>
             <a:lvl8pPr marR="0" lvl="7" algn="l" rtl="0">
@@ -5472,14 +5264,14 @@
               </a:spcAft>
               <a:buSzPts val="1400"/>
               <a:buNone/>
-              <a:defRPr sz="1796" b="0" i="0" u="none" strike="noStrike" cap="none">
+              <a:defRPr sz="1795" b="0" i="0" u="none" strike="noStrike" cap="none">
                 <a:solidFill>
                   <a:schemeClr val="dk1"/>
                 </a:solidFill>
-                <a:latin typeface="Arial"/>
-                <a:ea typeface="Arial"/>
-                <a:cs typeface="Arial"/>
-                <a:sym typeface="Arial"/>
+                <a:latin typeface="Arial" panose="020B0604020202020204"/>
+                <a:ea typeface="Arial" panose="020B0604020202020204"/>
+                <a:cs typeface="Arial" panose="020B0604020202020204"/>
+                <a:sym typeface="Arial" panose="020B0604020202020204"/>
               </a:defRPr>
             </a:lvl8pPr>
             <a:lvl9pPr marR="0" lvl="8" algn="l" rtl="0">
@@ -5491,14 +5283,14 @@
               </a:spcAft>
               <a:buSzPts val="1400"/>
               <a:buNone/>
-              <a:defRPr sz="1796" b="0" i="0" u="none" strike="noStrike" cap="none">
+              <a:defRPr sz="1795" b="0" i="0" u="none" strike="noStrike" cap="none">
                 <a:solidFill>
                   <a:schemeClr val="dk1"/>
                 </a:solidFill>
-                <a:latin typeface="Arial"/>
-                <a:ea typeface="Arial"/>
-                <a:cs typeface="Arial"/>
-                <a:sym typeface="Arial"/>
+                <a:latin typeface="Arial" panose="020B0604020202020204"/>
+                <a:ea typeface="Arial" panose="020B0604020202020204"/>
+                <a:cs typeface="Arial" panose="020B0604020202020204"/>
+                <a:sym typeface="Arial" panose="020B0604020202020204"/>
               </a:defRPr>
             </a:lvl9pPr>
           </a:lstStyle>
@@ -5517,11 +5309,10 @@
               <a:buSzPts val="1400"/>
               <a:buFontTx/>
               <a:buNone/>
-              <a:tabLst/>
               <a:defRPr/>
             </a:pPr>
             <a:fld id="{5CA493BA-04C8-4574-ABFA-03E44AE531EB}" type="datetimeFigureOut">
-              <a:rPr kumimoji="0" lang="en-US" sz="1368" b="0" i="0" u="none" strike="noStrike" kern="1200" cap="none" spc="0" normalizeH="0" baseline="0" noProof="0" smtClean="0">
+              <a:rPr kumimoji="0" lang="en-US" sz="1370" b="0" i="0" u="none" strike="noStrike" kern="1200" cap="none" spc="0" normalizeH="0" baseline="0" noProof="0" smtClean="0">
                 <a:ln>
                   <a:noFill/>
                 </a:ln>
@@ -5531,30 +5322,12 @@
                 <a:effectLst/>
                 <a:uLnTx/>
                 <a:uFillTx/>
-                <a:latin typeface="Arial"/>
-                <a:cs typeface="Arial"/>
-                <a:sym typeface="Arial"/>
+                <a:latin typeface="Arial" panose="020B0604020202020204"/>
+                <a:cs typeface="Arial" panose="020B0604020202020204"/>
+                <a:sym typeface="Arial" panose="020B0604020202020204"/>
               </a:rPr>
-              <a:pPr marL="0" marR="0" lvl="0" indent="0" algn="l" defTabSz="914400" rtl="0" eaLnBrk="1" fontAlgn="auto" latinLnBrk="0" hangingPunct="1">
-                <a:lnSpc>
-                  <a:spcPct val="100000"/>
-                </a:lnSpc>
-                <a:spcBef>
-                  <a:spcPts val="0"/>
-                </a:spcBef>
-                <a:spcAft>
-                  <a:spcPts val="0"/>
-                </a:spcAft>
-                <a:buClrTx/>
-                <a:buSzPts val="1400"/>
-                <a:buFontTx/>
-                <a:buNone/>
-                <a:tabLst/>
-                <a:defRPr/>
-              </a:pPr>
-              <a:t>10/1/2021</a:t>
             </a:fld>
-            <a:endParaRPr kumimoji="0" lang="en-US" sz="1368" b="0" i="0" u="none" strike="noStrike" kern="1200" cap="none" spc="0" normalizeH="0" baseline="0" noProof="0">
+            <a:endParaRPr kumimoji="0" lang="en-US" sz="1370" b="0" i="0" u="none" strike="noStrike" kern="1200" cap="none" spc="0" normalizeH="0" baseline="0" noProof="0">
               <a:ln>
                 <a:noFill/>
               </a:ln>
@@ -5564,9 +5337,9 @@
               <a:effectLst/>
               <a:uLnTx/>
               <a:uFillTx/>
-              <a:latin typeface="Arial"/>
-              <a:cs typeface="Arial"/>
-              <a:sym typeface="Arial"/>
+              <a:latin typeface="Arial" panose="020B0604020202020204"/>
+              <a:cs typeface="Arial" panose="020B0604020202020204"/>
+              <a:sym typeface="Arial" panose="020B0604020202020204"/>
             </a:endParaRPr>
           </a:p>
         </p:txBody>
@@ -5607,14 +5380,14 @@
                 <a:spcPts val="0"/>
               </a:spcAft>
               <a:buNone/>
-              <a:defRPr sz="1368" b="0" i="0" u="none" strike="noStrike" cap="none">
+              <a:defRPr sz="1370" b="0" i="0" u="none" strike="noStrike" cap="none">
                 <a:solidFill>
                   <a:srgbClr val="FFFFFF"/>
                 </a:solidFill>
-                <a:latin typeface="Arial"/>
-                <a:ea typeface="Arial"/>
-                <a:cs typeface="Arial"/>
-                <a:sym typeface="Arial"/>
+                <a:latin typeface="Arial" panose="020B0604020202020204"/>
+                <a:ea typeface="Arial" panose="020B0604020202020204"/>
+                <a:cs typeface="Arial" panose="020B0604020202020204"/>
+                <a:sym typeface="Arial" panose="020B0604020202020204"/>
               </a:defRPr>
             </a:lvl1pPr>
             <a:lvl2pPr marL="0" marR="0" lvl="1" indent="0" algn="r" rtl="0">
@@ -5625,14 +5398,14 @@
                 <a:spcPts val="0"/>
               </a:spcAft>
               <a:buNone/>
-              <a:defRPr sz="1368" b="0" i="0" u="none" strike="noStrike" cap="none">
+              <a:defRPr sz="1370" b="0" i="0" u="none" strike="noStrike" cap="none">
                 <a:solidFill>
                   <a:srgbClr val="FFFFFF"/>
                 </a:solidFill>
-                <a:latin typeface="Arial"/>
-                <a:ea typeface="Arial"/>
-                <a:cs typeface="Arial"/>
-                <a:sym typeface="Arial"/>
+                <a:latin typeface="Arial" panose="020B0604020202020204"/>
+                <a:ea typeface="Arial" panose="020B0604020202020204"/>
+                <a:cs typeface="Arial" panose="020B0604020202020204"/>
+                <a:sym typeface="Arial" panose="020B0604020202020204"/>
               </a:defRPr>
             </a:lvl2pPr>
             <a:lvl3pPr marL="0" marR="0" lvl="2" indent="0" algn="r" rtl="0">
@@ -5643,14 +5416,14 @@
                 <a:spcPts val="0"/>
               </a:spcAft>
               <a:buNone/>
-              <a:defRPr sz="1368" b="0" i="0" u="none" strike="noStrike" cap="none">
+              <a:defRPr sz="1370" b="0" i="0" u="none" strike="noStrike" cap="none">
                 <a:solidFill>
                   <a:srgbClr val="FFFFFF"/>
                 </a:solidFill>
-                <a:latin typeface="Arial"/>
-                <a:ea typeface="Arial"/>
-                <a:cs typeface="Arial"/>
-                <a:sym typeface="Arial"/>
+                <a:latin typeface="Arial" panose="020B0604020202020204"/>
+                <a:ea typeface="Arial" panose="020B0604020202020204"/>
+                <a:cs typeface="Arial" panose="020B0604020202020204"/>
+                <a:sym typeface="Arial" panose="020B0604020202020204"/>
               </a:defRPr>
             </a:lvl3pPr>
             <a:lvl4pPr marL="0" marR="0" lvl="3" indent="0" algn="r" rtl="0">
@@ -5661,14 +5434,14 @@
                 <a:spcPts val="0"/>
               </a:spcAft>
               <a:buNone/>
-              <a:defRPr sz="1368" b="0" i="0" u="none" strike="noStrike" cap="none">
+              <a:defRPr sz="1370" b="0" i="0" u="none" strike="noStrike" cap="none">
                 <a:solidFill>
                   <a:srgbClr val="FFFFFF"/>
                 </a:solidFill>
-                <a:latin typeface="Arial"/>
-                <a:ea typeface="Arial"/>
-                <a:cs typeface="Arial"/>
-                <a:sym typeface="Arial"/>
+                <a:latin typeface="Arial" panose="020B0604020202020204"/>
+                <a:ea typeface="Arial" panose="020B0604020202020204"/>
+                <a:cs typeface="Arial" panose="020B0604020202020204"/>
+                <a:sym typeface="Arial" panose="020B0604020202020204"/>
               </a:defRPr>
             </a:lvl4pPr>
             <a:lvl5pPr marL="0" marR="0" lvl="4" indent="0" algn="r" rtl="0">
@@ -5679,14 +5452,14 @@
                 <a:spcPts val="0"/>
               </a:spcAft>
               <a:buNone/>
-              <a:defRPr sz="1368" b="0" i="0" u="none" strike="noStrike" cap="none">
+              <a:defRPr sz="1370" b="0" i="0" u="none" strike="noStrike" cap="none">
                 <a:solidFill>
                   <a:srgbClr val="FFFFFF"/>
                 </a:solidFill>
-                <a:latin typeface="Arial"/>
-                <a:ea typeface="Arial"/>
-                <a:cs typeface="Arial"/>
-                <a:sym typeface="Arial"/>
+                <a:latin typeface="Arial" panose="020B0604020202020204"/>
+                <a:ea typeface="Arial" panose="020B0604020202020204"/>
+                <a:cs typeface="Arial" panose="020B0604020202020204"/>
+                <a:sym typeface="Arial" panose="020B0604020202020204"/>
               </a:defRPr>
             </a:lvl5pPr>
             <a:lvl6pPr marL="0" marR="0" lvl="5" indent="0" algn="r" rtl="0">
@@ -5697,14 +5470,14 @@
                 <a:spcPts val="0"/>
               </a:spcAft>
               <a:buNone/>
-              <a:defRPr sz="1368" b="0" i="0" u="none" strike="noStrike" cap="none">
+              <a:defRPr sz="1370" b="0" i="0" u="none" strike="noStrike" cap="none">
                 <a:solidFill>
                   <a:srgbClr val="FFFFFF"/>
                 </a:solidFill>
-                <a:latin typeface="Arial"/>
-                <a:ea typeface="Arial"/>
-                <a:cs typeface="Arial"/>
-                <a:sym typeface="Arial"/>
+                <a:latin typeface="Arial" panose="020B0604020202020204"/>
+                <a:ea typeface="Arial" panose="020B0604020202020204"/>
+                <a:cs typeface="Arial" panose="020B0604020202020204"/>
+                <a:sym typeface="Arial" panose="020B0604020202020204"/>
               </a:defRPr>
             </a:lvl6pPr>
             <a:lvl7pPr marL="0" marR="0" lvl="6" indent="0" algn="r" rtl="0">
@@ -5715,14 +5488,14 @@
                 <a:spcPts val="0"/>
               </a:spcAft>
               <a:buNone/>
-              <a:defRPr sz="1368" b="0" i="0" u="none" strike="noStrike" cap="none">
+              <a:defRPr sz="1370" b="0" i="0" u="none" strike="noStrike" cap="none">
                 <a:solidFill>
                   <a:srgbClr val="FFFFFF"/>
                 </a:solidFill>
-                <a:latin typeface="Arial"/>
-                <a:ea typeface="Arial"/>
-                <a:cs typeface="Arial"/>
-                <a:sym typeface="Arial"/>
+                <a:latin typeface="Arial" panose="020B0604020202020204"/>
+                <a:ea typeface="Arial" panose="020B0604020202020204"/>
+                <a:cs typeface="Arial" panose="020B0604020202020204"/>
+                <a:sym typeface="Arial" panose="020B0604020202020204"/>
               </a:defRPr>
             </a:lvl7pPr>
             <a:lvl8pPr marL="0" marR="0" lvl="7" indent="0" algn="r" rtl="0">
@@ -5733,14 +5506,14 @@
                 <a:spcPts val="0"/>
               </a:spcAft>
               <a:buNone/>
-              <a:defRPr sz="1368" b="0" i="0" u="none" strike="noStrike" cap="none">
+              <a:defRPr sz="1370" b="0" i="0" u="none" strike="noStrike" cap="none">
                 <a:solidFill>
                   <a:srgbClr val="FFFFFF"/>
                 </a:solidFill>
-                <a:latin typeface="Arial"/>
-                <a:ea typeface="Arial"/>
-                <a:cs typeface="Arial"/>
-                <a:sym typeface="Arial"/>
+                <a:latin typeface="Arial" panose="020B0604020202020204"/>
+                <a:ea typeface="Arial" panose="020B0604020202020204"/>
+                <a:cs typeface="Arial" panose="020B0604020202020204"/>
+                <a:sym typeface="Arial" panose="020B0604020202020204"/>
               </a:defRPr>
             </a:lvl8pPr>
             <a:lvl9pPr marL="0" marR="0" lvl="8" indent="0" algn="r" rtl="0">
@@ -5751,14 +5524,14 @@
                 <a:spcPts val="0"/>
               </a:spcAft>
               <a:buNone/>
-              <a:defRPr sz="1368" b="0" i="0" u="none" strike="noStrike" cap="none">
+              <a:defRPr sz="1370" b="0" i="0" u="none" strike="noStrike" cap="none">
                 <a:solidFill>
                   <a:srgbClr val="FFFFFF"/>
                 </a:solidFill>
-                <a:latin typeface="Arial"/>
-                <a:ea typeface="Arial"/>
-                <a:cs typeface="Arial"/>
-                <a:sym typeface="Arial"/>
+                <a:latin typeface="Arial" panose="020B0604020202020204"/>
+                <a:ea typeface="Arial" panose="020B0604020202020204"/>
+                <a:cs typeface="Arial" panose="020B0604020202020204"/>
+                <a:sym typeface="Arial" panose="020B0604020202020204"/>
               </a:defRPr>
             </a:lvl9pPr>
           </a:lstStyle>
@@ -5777,11 +5550,10 @@
               <a:buSzTx/>
               <a:buFontTx/>
               <a:buNone/>
-              <a:tabLst/>
               <a:defRPr/>
             </a:pPr>
             <a:fld id="{8FE0A883-076A-4371-A43F-43D4B3282AA6}" type="slidenum">
-              <a:rPr kumimoji="0" lang="en-US" sz="1368" b="0" i="0" u="none" strike="noStrike" kern="1200" cap="none" spc="0" normalizeH="0" baseline="0" noProof="0" smtClean="0">
+              <a:rPr kumimoji="0" lang="en-US" sz="1370" b="0" i="0" u="none" strike="noStrike" kern="1200" cap="none" spc="0" normalizeH="0" baseline="0" noProof="0" smtClean="0">
                 <a:ln>
                   <a:noFill/>
                 </a:ln>
@@ -5791,30 +5563,12 @@
                 <a:effectLst/>
                 <a:uLnTx/>
                 <a:uFillTx/>
-                <a:latin typeface="Arial"/>
-                <a:cs typeface="Arial"/>
-                <a:sym typeface="Arial"/>
+                <a:latin typeface="Arial" panose="020B0604020202020204"/>
+                <a:cs typeface="Arial" panose="020B0604020202020204"/>
+                <a:sym typeface="Arial" panose="020B0604020202020204"/>
               </a:rPr>
-              <a:pPr marL="0" marR="0" lvl="0" indent="0" algn="r" defTabSz="914400" rtl="0" eaLnBrk="1" fontAlgn="auto" latinLnBrk="0" hangingPunct="1">
-                <a:lnSpc>
-                  <a:spcPct val="100000"/>
-                </a:lnSpc>
-                <a:spcBef>
-                  <a:spcPts val="0"/>
-                </a:spcBef>
-                <a:spcAft>
-                  <a:spcPts val="0"/>
-                </a:spcAft>
-                <a:buClrTx/>
-                <a:buSzTx/>
-                <a:buFontTx/>
-                <a:buNone/>
-                <a:tabLst/>
-                <a:defRPr/>
-              </a:pPr>
-              <a:t>‹#›</a:t>
             </a:fld>
-            <a:endParaRPr kumimoji="0" lang="en-US" sz="1368" b="0" i="0" u="none" strike="noStrike" kern="1200" cap="none" spc="0" normalizeH="0" baseline="0" noProof="0">
+            <a:endParaRPr kumimoji="0" lang="en-US" sz="1370" b="0" i="0" u="none" strike="noStrike" kern="1200" cap="none" spc="0" normalizeH="0" baseline="0" noProof="0">
               <a:ln>
                 <a:noFill/>
               </a:ln>
@@ -5824,9 +5578,9 @@
               <a:effectLst/>
               <a:uLnTx/>
               <a:uFillTx/>
-              <a:latin typeface="Arial"/>
-              <a:cs typeface="Arial"/>
-              <a:sym typeface="Arial"/>
+              <a:latin typeface="Arial" panose="020B0604020202020204"/>
+              <a:cs typeface="Arial" panose="020B0604020202020204"/>
+              <a:sym typeface="Arial" panose="020B0604020202020204"/>
             </a:endParaRPr>
           </a:p>
         </p:txBody>
@@ -5838,11 +5592,11 @@
           <p:nvPr/>
         </p:nvPicPr>
         <p:blipFill rotWithShape="1">
-          <a:blip r:embed="rId6">
-            <a:alphaModFix/>
-          </a:blip>
+          <a:blip r:embed="rId5"/>
           <a:srcRect t="8147" b="8028"/>
-          <a:stretch/>
+          <a:stretch>
+            <a:fillRect/>
+          </a:stretch>
         </p:blipFill>
         <p:spPr>
           <a:xfrm>
@@ -5897,7 +5651,6 @@
               <a:buSzTx/>
               <a:buFontTx/>
               <a:buNone/>
-              <a:tabLst/>
               <a:defRPr/>
             </a:pPr>
             <a:r>
@@ -5918,7 +5671,7 @@
               </a:rPr>
               <a:t>Progress Through Quality Education</a:t>
             </a:r>
-            <a:endParaRPr kumimoji="0" sz="1539" b="0" i="0" u="none" strike="noStrike" kern="1200" cap="none" spc="0" normalizeH="0" baseline="0" noProof="0">
+            <a:endParaRPr kumimoji="0" sz="1540" b="0" i="0" u="none" strike="noStrike" kern="1200" cap="none" spc="0" normalizeH="0" baseline="0" noProof="0">
               <a:ln>
                 <a:noFill/>
               </a:ln>
@@ -5928,7 +5681,7 @@
               <a:effectLst/>
               <a:uLnTx/>
               <a:uFillTx/>
-              <a:latin typeface="Arial"/>
+              <a:latin typeface="Arial" panose="020B0604020202020204"/>
               <a:ea typeface="+mn-ea"/>
               <a:cs typeface="+mn-cs"/>
             </a:endParaRPr>
@@ -5936,27 +5689,22 @@
         </p:txBody>
       </p:sp>
     </p:spTree>
-    <p:extLst>
-      <p:ext uri="{BB962C8B-B14F-4D97-AF65-F5344CB8AC3E}">
-        <p14:creationId xmlns:p14="http://schemas.microsoft.com/office/powerpoint/2010/main" val="3218472843"/>
-      </p:ext>
-    </p:extLst>
   </p:cSld>
   <p:clrMap bg1="lt1" tx1="dk1" bg2="dk2" tx2="lt2" accent1="accent1" accent2="accent2" accent3="accent3" accent4="accent4" accent5="accent5" accent6="accent6" hlink="hlink" folHlink="folHlink"/>
   <p:sldLayoutIdLst>
-    <p:sldLayoutId id="2147483661" r:id="rId1"/>
-    <p:sldLayoutId id="2147483664" r:id="rId2"/>
-    <p:sldLayoutId id="2147483668" r:id="rId3"/>
-    <p:sldLayoutId id="2147483669" r:id="rId4"/>
+    <p:sldLayoutId id="2147483649" r:id="rId1"/>
+    <p:sldLayoutId id="2147483650" r:id="rId2"/>
+    <p:sldLayoutId id="2147483651" r:id="rId3"/>
+    <p:sldLayoutId id="2147483652" r:id="rId4"/>
   </p:sldLayoutIdLst>
-  <mc:AlternateContent xmlns:mc="http://schemas.openxmlformats.org/markup-compatibility/2006" xmlns:p14="http://schemas.microsoft.com/office/powerpoint/2010/main">
-    <mc:Choice Requires="p14">
+  <mc:AlternateContent xmlns:mc="http://schemas.openxmlformats.org/markup-compatibility/2006">
+    <mc:Choice xmlns:p14="http://schemas.microsoft.com/office/powerpoint/2010/main" Requires="p14">
       <p:transition spd="med" p14:dur="700">
         <p:fade/>
       </p:transition>
     </mc:Choice>
-    <mc:Fallback xmlns="">
-      <p:transition spd="slow">
+    <mc:Fallback>
+      <p:transition spd="med">
         <p:fade/>
       </p:transition>
     </mc:Fallback>
@@ -5994,15 +5742,15 @@
         <a:buClr>
           <a:srgbClr val="000000"/>
         </a:buClr>
-        <a:buFont typeface="Arial"/>
-        <a:defRPr sz="1197" b="0" i="0" u="none" strike="noStrike" cap="none">
+        <a:buFont typeface="Arial" panose="020B0604020202020204"/>
+        <a:defRPr sz="1195" b="0" i="0" u="none" strike="noStrike" cap="none">
           <a:solidFill>
             <a:srgbClr val="000000"/>
           </a:solidFill>
-          <a:latin typeface="Arial"/>
-          <a:ea typeface="Arial"/>
-          <a:cs typeface="Arial"/>
-          <a:sym typeface="Arial"/>
+          <a:latin typeface="Arial" panose="020B0604020202020204"/>
+          <a:ea typeface="Arial" panose="020B0604020202020204"/>
+          <a:cs typeface="Arial" panose="020B0604020202020204"/>
+          <a:sym typeface="Arial" panose="020B0604020202020204"/>
         </a:defRPr>
       </a:lvl1pPr>
       <a:lvl2pPr marR="0" lvl="1" algn="l" rtl="0" eaLnBrk="1" hangingPunct="1">
@@ -6018,15 +5766,15 @@
         <a:buClr>
           <a:srgbClr val="000000"/>
         </a:buClr>
-        <a:buFont typeface="Arial"/>
-        <a:defRPr sz="1197" b="0" i="0" u="none" strike="noStrike" cap="none">
+        <a:buFont typeface="Arial" panose="020B0604020202020204"/>
+        <a:defRPr sz="1195" b="0" i="0" u="none" strike="noStrike" cap="none">
           <a:solidFill>
             <a:srgbClr val="000000"/>
           </a:solidFill>
-          <a:latin typeface="Arial"/>
-          <a:ea typeface="Arial"/>
-          <a:cs typeface="Arial"/>
-          <a:sym typeface="Arial"/>
+          <a:latin typeface="Arial" panose="020B0604020202020204"/>
+          <a:ea typeface="Arial" panose="020B0604020202020204"/>
+          <a:cs typeface="Arial" panose="020B0604020202020204"/>
+          <a:sym typeface="Arial" panose="020B0604020202020204"/>
         </a:defRPr>
       </a:lvl2pPr>
       <a:lvl3pPr marR="0" lvl="2" algn="l" rtl="0" eaLnBrk="1" hangingPunct="1">
@@ -6042,15 +5790,15 @@
         <a:buClr>
           <a:srgbClr val="000000"/>
         </a:buClr>
-        <a:buFont typeface="Arial"/>
-        <a:defRPr sz="1197" b="0" i="0" u="none" strike="noStrike" cap="none">
+        <a:buFont typeface="Arial" panose="020B0604020202020204"/>
+        <a:defRPr sz="1195" b="0" i="0" u="none" strike="noStrike" cap="none">
           <a:solidFill>
             <a:srgbClr val="000000"/>
           </a:solidFill>
-          <a:latin typeface="Arial"/>
-          <a:ea typeface="Arial"/>
-          <a:cs typeface="Arial"/>
-          <a:sym typeface="Arial"/>
+          <a:latin typeface="Arial" panose="020B0604020202020204"/>
+          <a:ea typeface="Arial" panose="020B0604020202020204"/>
+          <a:cs typeface="Arial" panose="020B0604020202020204"/>
+          <a:sym typeface="Arial" panose="020B0604020202020204"/>
         </a:defRPr>
       </a:lvl3pPr>
       <a:lvl4pPr marR="0" lvl="3" algn="l" rtl="0" eaLnBrk="1" hangingPunct="1">
@@ -6066,15 +5814,15 @@
         <a:buClr>
           <a:srgbClr val="000000"/>
         </a:buClr>
-        <a:buFont typeface="Arial"/>
-        <a:defRPr sz="1197" b="0" i="0" u="none" strike="noStrike" cap="none">
+        <a:buFont typeface="Arial" panose="020B0604020202020204"/>
+        <a:defRPr sz="1195" b="0" i="0" u="none" strike="noStrike" cap="none">
           <a:solidFill>
             <a:srgbClr val="000000"/>
           </a:solidFill>
-          <a:latin typeface="Arial"/>
-          <a:ea typeface="Arial"/>
-          <a:cs typeface="Arial"/>
-          <a:sym typeface="Arial"/>
+          <a:latin typeface="Arial" panose="020B0604020202020204"/>
+          <a:ea typeface="Arial" panose="020B0604020202020204"/>
+          <a:cs typeface="Arial" panose="020B0604020202020204"/>
+          <a:sym typeface="Arial" panose="020B0604020202020204"/>
         </a:defRPr>
       </a:lvl4pPr>
       <a:lvl5pPr marR="0" lvl="4" algn="l" rtl="0" eaLnBrk="1" hangingPunct="1">
@@ -6090,15 +5838,15 @@
         <a:buClr>
           <a:srgbClr val="000000"/>
         </a:buClr>
-        <a:buFont typeface="Arial"/>
-        <a:defRPr sz="1197" b="0" i="0" u="none" strike="noStrike" cap="none">
+        <a:buFont typeface="Arial" panose="020B0604020202020204"/>
+        <a:defRPr sz="1195" b="0" i="0" u="none" strike="noStrike" cap="none">
           <a:solidFill>
             <a:srgbClr val="000000"/>
           </a:solidFill>
-          <a:latin typeface="Arial"/>
-          <a:ea typeface="Arial"/>
-          <a:cs typeface="Arial"/>
-          <a:sym typeface="Arial"/>
+          <a:latin typeface="Arial" panose="020B0604020202020204"/>
+          <a:ea typeface="Arial" panose="020B0604020202020204"/>
+          <a:cs typeface="Arial" panose="020B0604020202020204"/>
+          <a:sym typeface="Arial" panose="020B0604020202020204"/>
         </a:defRPr>
       </a:lvl5pPr>
       <a:lvl6pPr marR="0" lvl="5" algn="l" rtl="0" eaLnBrk="1" hangingPunct="1">
@@ -6114,15 +5862,15 @@
         <a:buClr>
           <a:srgbClr val="000000"/>
         </a:buClr>
-        <a:buFont typeface="Arial"/>
-        <a:defRPr sz="1197" b="0" i="0" u="none" strike="noStrike" cap="none">
+        <a:buFont typeface="Arial" panose="020B0604020202020204"/>
+        <a:defRPr sz="1195" b="0" i="0" u="none" strike="noStrike" cap="none">
           <a:solidFill>
             <a:srgbClr val="000000"/>
           </a:solidFill>
-          <a:latin typeface="Arial"/>
-          <a:ea typeface="Arial"/>
-          <a:cs typeface="Arial"/>
-          <a:sym typeface="Arial"/>
+          <a:latin typeface="Arial" panose="020B0604020202020204"/>
+          <a:ea typeface="Arial" panose="020B0604020202020204"/>
+          <a:cs typeface="Arial" panose="020B0604020202020204"/>
+          <a:sym typeface="Arial" panose="020B0604020202020204"/>
         </a:defRPr>
       </a:lvl6pPr>
       <a:lvl7pPr marR="0" lvl="6" algn="l" rtl="0" eaLnBrk="1" hangingPunct="1">
@@ -6138,15 +5886,15 @@
         <a:buClr>
           <a:srgbClr val="000000"/>
         </a:buClr>
-        <a:buFont typeface="Arial"/>
-        <a:defRPr sz="1197" b="0" i="0" u="none" strike="noStrike" cap="none">
+        <a:buFont typeface="Arial" panose="020B0604020202020204"/>
+        <a:defRPr sz="1195" b="0" i="0" u="none" strike="noStrike" cap="none">
           <a:solidFill>
             <a:srgbClr val="000000"/>
           </a:solidFill>
-          <a:latin typeface="Arial"/>
-          <a:ea typeface="Arial"/>
-          <a:cs typeface="Arial"/>
-          <a:sym typeface="Arial"/>
+          <a:latin typeface="Arial" panose="020B0604020202020204"/>
+          <a:ea typeface="Arial" panose="020B0604020202020204"/>
+          <a:cs typeface="Arial" panose="020B0604020202020204"/>
+          <a:sym typeface="Arial" panose="020B0604020202020204"/>
         </a:defRPr>
       </a:lvl7pPr>
       <a:lvl8pPr marR="0" lvl="7" algn="l" rtl="0" eaLnBrk="1" hangingPunct="1">
@@ -6162,15 +5910,15 @@
         <a:buClr>
           <a:srgbClr val="000000"/>
         </a:buClr>
-        <a:buFont typeface="Arial"/>
-        <a:defRPr sz="1197" b="0" i="0" u="none" strike="noStrike" cap="none">
+        <a:buFont typeface="Arial" panose="020B0604020202020204"/>
+        <a:defRPr sz="1195" b="0" i="0" u="none" strike="noStrike" cap="none">
           <a:solidFill>
             <a:srgbClr val="000000"/>
           </a:solidFill>
-          <a:latin typeface="Arial"/>
-          <a:ea typeface="Arial"/>
-          <a:cs typeface="Arial"/>
-          <a:sym typeface="Arial"/>
+          <a:latin typeface="Arial" panose="020B0604020202020204"/>
+          <a:ea typeface="Arial" panose="020B0604020202020204"/>
+          <a:cs typeface="Arial" panose="020B0604020202020204"/>
+          <a:sym typeface="Arial" panose="020B0604020202020204"/>
         </a:defRPr>
       </a:lvl8pPr>
       <a:lvl9pPr marR="0" lvl="8" algn="l" rtl="0" eaLnBrk="1" hangingPunct="1">
@@ -6186,15 +5934,15 @@
         <a:buClr>
           <a:srgbClr val="000000"/>
         </a:buClr>
-        <a:buFont typeface="Arial"/>
-        <a:defRPr sz="1197" b="0" i="0" u="none" strike="noStrike" cap="none">
+        <a:buFont typeface="Arial" panose="020B0604020202020204"/>
+        <a:defRPr sz="1195" b="0" i="0" u="none" strike="noStrike" cap="none">
           <a:solidFill>
             <a:srgbClr val="000000"/>
           </a:solidFill>
-          <a:latin typeface="Arial"/>
-          <a:ea typeface="Arial"/>
-          <a:cs typeface="Arial"/>
-          <a:sym typeface="Arial"/>
+          <a:latin typeface="Arial" panose="020B0604020202020204"/>
+          <a:ea typeface="Arial" panose="020B0604020202020204"/>
+          <a:cs typeface="Arial" panose="020B0604020202020204"/>
+          <a:sym typeface="Arial" panose="020B0604020202020204"/>
         </a:defRPr>
       </a:lvl9pPr>
     </p:titleStyle>
@@ -6223,15 +5971,15 @@
         <a:buClr>
           <a:srgbClr val="000000"/>
         </a:buClr>
-        <a:buFont typeface="Arial"/>
-        <a:defRPr sz="1197" b="0" i="0" u="none" strike="noStrike" cap="none">
+        <a:buFont typeface="Arial" panose="020B0604020202020204"/>
+        <a:defRPr sz="1195" b="0" i="0" u="none" strike="noStrike" cap="none">
           <a:solidFill>
             <a:srgbClr val="000000"/>
           </a:solidFill>
-          <a:latin typeface="Arial"/>
-          <a:ea typeface="Arial"/>
-          <a:cs typeface="Arial"/>
-          <a:sym typeface="Arial"/>
+          <a:latin typeface="Arial" panose="020B0604020202020204"/>
+          <a:ea typeface="Arial" panose="020B0604020202020204"/>
+          <a:cs typeface="Arial" panose="020B0604020202020204"/>
+          <a:sym typeface="Arial" panose="020B0604020202020204"/>
         </a:defRPr>
       </a:lvl1pPr>
       <a:lvl2pPr marR="0" lvl="1" algn="l" rtl="0" eaLnBrk="1" hangingPunct="1">
@@ -6247,15 +5995,15 @@
         <a:buClr>
           <a:srgbClr val="000000"/>
         </a:buClr>
-        <a:buFont typeface="Arial"/>
-        <a:defRPr sz="1197" b="0" i="0" u="none" strike="noStrike" cap="none">
+        <a:buFont typeface="Arial" panose="020B0604020202020204"/>
+        <a:defRPr sz="1195" b="0" i="0" u="none" strike="noStrike" cap="none">
           <a:solidFill>
             <a:srgbClr val="000000"/>
           </a:solidFill>
-          <a:latin typeface="Arial"/>
-          <a:ea typeface="Arial"/>
-          <a:cs typeface="Arial"/>
-          <a:sym typeface="Arial"/>
+          <a:latin typeface="Arial" panose="020B0604020202020204"/>
+          <a:ea typeface="Arial" panose="020B0604020202020204"/>
+          <a:cs typeface="Arial" panose="020B0604020202020204"/>
+          <a:sym typeface="Arial" panose="020B0604020202020204"/>
         </a:defRPr>
       </a:lvl2pPr>
       <a:lvl3pPr marR="0" lvl="2" algn="l" rtl="0" eaLnBrk="1" hangingPunct="1">
@@ -6271,15 +6019,15 @@
         <a:buClr>
           <a:srgbClr val="000000"/>
         </a:buClr>
-        <a:buFont typeface="Arial"/>
-        <a:defRPr sz="1197" b="0" i="0" u="none" strike="noStrike" cap="none">
+        <a:buFont typeface="Arial" panose="020B0604020202020204"/>
+        <a:defRPr sz="1195" b="0" i="0" u="none" strike="noStrike" cap="none">
           <a:solidFill>
             <a:srgbClr val="000000"/>
           </a:solidFill>
-          <a:latin typeface="Arial"/>
-          <a:ea typeface="Arial"/>
-          <a:cs typeface="Arial"/>
-          <a:sym typeface="Arial"/>
+          <a:latin typeface="Arial" panose="020B0604020202020204"/>
+          <a:ea typeface="Arial" panose="020B0604020202020204"/>
+          <a:cs typeface="Arial" panose="020B0604020202020204"/>
+          <a:sym typeface="Arial" panose="020B0604020202020204"/>
         </a:defRPr>
       </a:lvl3pPr>
       <a:lvl4pPr marR="0" lvl="3" algn="l" rtl="0" eaLnBrk="1" hangingPunct="1">
@@ -6295,15 +6043,15 @@
         <a:buClr>
           <a:srgbClr val="000000"/>
         </a:buClr>
-        <a:buFont typeface="Arial"/>
-        <a:defRPr sz="1197" b="0" i="0" u="none" strike="noStrike" cap="none">
+        <a:buFont typeface="Arial" panose="020B0604020202020204"/>
+        <a:defRPr sz="1195" b="0" i="0" u="none" strike="noStrike" cap="none">
           <a:solidFill>
             <a:srgbClr val="000000"/>
           </a:solidFill>
-          <a:latin typeface="Arial"/>
-          <a:ea typeface="Arial"/>
-          <a:cs typeface="Arial"/>
-          <a:sym typeface="Arial"/>
+          <a:latin typeface="Arial" panose="020B0604020202020204"/>
+          <a:ea typeface="Arial" panose="020B0604020202020204"/>
+          <a:cs typeface="Arial" panose="020B0604020202020204"/>
+          <a:sym typeface="Arial" panose="020B0604020202020204"/>
         </a:defRPr>
       </a:lvl4pPr>
       <a:lvl5pPr marR="0" lvl="4" algn="l" rtl="0" eaLnBrk="1" hangingPunct="1">
@@ -6319,15 +6067,15 @@
         <a:buClr>
           <a:srgbClr val="000000"/>
         </a:buClr>
-        <a:buFont typeface="Arial"/>
-        <a:defRPr sz="1197" b="0" i="0" u="none" strike="noStrike" cap="none">
+        <a:buFont typeface="Arial" panose="020B0604020202020204"/>
+        <a:defRPr sz="1195" b="0" i="0" u="none" strike="noStrike" cap="none">
           <a:solidFill>
             <a:srgbClr val="000000"/>
           </a:solidFill>
-          <a:latin typeface="Arial"/>
-          <a:ea typeface="Arial"/>
-          <a:cs typeface="Arial"/>
-          <a:sym typeface="Arial"/>
+          <a:latin typeface="Arial" panose="020B0604020202020204"/>
+          <a:ea typeface="Arial" panose="020B0604020202020204"/>
+          <a:cs typeface="Arial" panose="020B0604020202020204"/>
+          <a:sym typeface="Arial" panose="020B0604020202020204"/>
         </a:defRPr>
       </a:lvl5pPr>
       <a:lvl6pPr marR="0" lvl="5" algn="l" rtl="0" eaLnBrk="1" hangingPunct="1">
@@ -6343,15 +6091,15 @@
         <a:buClr>
           <a:srgbClr val="000000"/>
         </a:buClr>
-        <a:buFont typeface="Arial"/>
-        <a:defRPr sz="1197" b="0" i="0" u="none" strike="noStrike" cap="none">
+        <a:buFont typeface="Arial" panose="020B0604020202020204"/>
+        <a:defRPr sz="1195" b="0" i="0" u="none" strike="noStrike" cap="none">
           <a:solidFill>
             <a:srgbClr val="000000"/>
           </a:solidFill>
-          <a:latin typeface="Arial"/>
-          <a:ea typeface="Arial"/>
-          <a:cs typeface="Arial"/>
-          <a:sym typeface="Arial"/>
+          <a:latin typeface="Arial" panose="020B0604020202020204"/>
+          <a:ea typeface="Arial" panose="020B0604020202020204"/>
+          <a:cs typeface="Arial" panose="020B0604020202020204"/>
+          <a:sym typeface="Arial" panose="020B0604020202020204"/>
         </a:defRPr>
       </a:lvl6pPr>
       <a:lvl7pPr marR="0" lvl="6" algn="l" rtl="0" eaLnBrk="1" hangingPunct="1">
@@ -6367,15 +6115,15 @@
         <a:buClr>
           <a:srgbClr val="000000"/>
         </a:buClr>
-        <a:buFont typeface="Arial"/>
-        <a:defRPr sz="1197" b="0" i="0" u="none" strike="noStrike" cap="none">
+        <a:buFont typeface="Arial" panose="020B0604020202020204"/>
+        <a:defRPr sz="1195" b="0" i="0" u="none" strike="noStrike" cap="none">
           <a:solidFill>
             <a:srgbClr val="000000"/>
           </a:solidFill>
-          <a:latin typeface="Arial"/>
-          <a:ea typeface="Arial"/>
-          <a:cs typeface="Arial"/>
-          <a:sym typeface="Arial"/>
+          <a:latin typeface="Arial" panose="020B0604020202020204"/>
+          <a:ea typeface="Arial" panose="020B0604020202020204"/>
+          <a:cs typeface="Arial" panose="020B0604020202020204"/>
+          <a:sym typeface="Arial" panose="020B0604020202020204"/>
         </a:defRPr>
       </a:lvl7pPr>
       <a:lvl8pPr marR="0" lvl="7" algn="l" rtl="0" eaLnBrk="1" hangingPunct="1">
@@ -6391,15 +6139,15 @@
         <a:buClr>
           <a:srgbClr val="000000"/>
         </a:buClr>
-        <a:buFont typeface="Arial"/>
-        <a:defRPr sz="1197" b="0" i="0" u="none" strike="noStrike" cap="none">
+        <a:buFont typeface="Arial" panose="020B0604020202020204"/>
+        <a:defRPr sz="1195" b="0" i="0" u="none" strike="noStrike" cap="none">
           <a:solidFill>
             <a:srgbClr val="000000"/>
           </a:solidFill>
-          <a:latin typeface="Arial"/>
-          <a:ea typeface="Arial"/>
-          <a:cs typeface="Arial"/>
-          <a:sym typeface="Arial"/>
+          <a:latin typeface="Arial" panose="020B0604020202020204"/>
+          <a:ea typeface="Arial" panose="020B0604020202020204"/>
+          <a:cs typeface="Arial" panose="020B0604020202020204"/>
+          <a:sym typeface="Arial" panose="020B0604020202020204"/>
         </a:defRPr>
       </a:lvl8pPr>
       <a:lvl9pPr marR="0" lvl="8" algn="l" rtl="0" eaLnBrk="1" hangingPunct="1">
@@ -6415,15 +6163,15 @@
         <a:buClr>
           <a:srgbClr val="000000"/>
         </a:buClr>
-        <a:buFont typeface="Arial"/>
-        <a:defRPr sz="1197" b="0" i="0" u="none" strike="noStrike" cap="none">
+        <a:buFont typeface="Arial" panose="020B0604020202020204"/>
+        <a:defRPr sz="1195" b="0" i="0" u="none" strike="noStrike" cap="none">
           <a:solidFill>
             <a:srgbClr val="000000"/>
           </a:solidFill>
-          <a:latin typeface="Arial"/>
-          <a:ea typeface="Arial"/>
-          <a:cs typeface="Arial"/>
-          <a:sym typeface="Arial"/>
+          <a:latin typeface="Arial" panose="020B0604020202020204"/>
+          <a:ea typeface="Arial" panose="020B0604020202020204"/>
+          <a:cs typeface="Arial" panose="020B0604020202020204"/>
+          <a:sym typeface="Arial" panose="020B0604020202020204"/>
         </a:defRPr>
       </a:lvl9pPr>
     </p:bodyStyle>
@@ -6452,15 +6200,15 @@
         <a:buClr>
           <a:srgbClr val="000000"/>
         </a:buClr>
-        <a:buFont typeface="Arial"/>
-        <a:defRPr sz="1197" b="0" i="0" u="none" strike="noStrike" cap="none">
+        <a:buFont typeface="Arial" panose="020B0604020202020204"/>
+        <a:defRPr sz="1195" b="0" i="0" u="none" strike="noStrike" cap="none">
           <a:solidFill>
             <a:srgbClr val="000000"/>
           </a:solidFill>
-          <a:latin typeface="Arial"/>
-          <a:ea typeface="Arial"/>
-          <a:cs typeface="Arial"/>
-          <a:sym typeface="Arial"/>
+          <a:latin typeface="Arial" panose="020B0604020202020204"/>
+          <a:ea typeface="Arial" panose="020B0604020202020204"/>
+          <a:cs typeface="Arial" panose="020B0604020202020204"/>
+          <a:sym typeface="Arial" panose="020B0604020202020204"/>
         </a:defRPr>
       </a:lvl1pPr>
       <a:lvl2pPr marR="0" lvl="1" algn="l" rtl="0" eaLnBrk="1" hangingPunct="1">
@@ -6476,15 +6224,15 @@
         <a:buClr>
           <a:srgbClr val="000000"/>
         </a:buClr>
-        <a:buFont typeface="Arial"/>
-        <a:defRPr sz="1197" b="0" i="0" u="none" strike="noStrike" cap="none">
+        <a:buFont typeface="Arial" panose="020B0604020202020204"/>
+        <a:defRPr sz="1195" b="0" i="0" u="none" strike="noStrike" cap="none">
           <a:solidFill>
             <a:srgbClr val="000000"/>
           </a:solidFill>
-          <a:latin typeface="Arial"/>
-          <a:ea typeface="Arial"/>
-          <a:cs typeface="Arial"/>
-          <a:sym typeface="Arial"/>
+          <a:latin typeface="Arial" panose="020B0604020202020204"/>
+          <a:ea typeface="Arial" panose="020B0604020202020204"/>
+          <a:cs typeface="Arial" panose="020B0604020202020204"/>
+          <a:sym typeface="Arial" panose="020B0604020202020204"/>
         </a:defRPr>
       </a:lvl2pPr>
       <a:lvl3pPr marR="0" lvl="2" algn="l" rtl="0" eaLnBrk="1" hangingPunct="1">
@@ -6500,15 +6248,15 @@
         <a:buClr>
           <a:srgbClr val="000000"/>
         </a:buClr>
-        <a:buFont typeface="Arial"/>
-        <a:defRPr sz="1197" b="0" i="0" u="none" strike="noStrike" cap="none">
+        <a:buFont typeface="Arial" panose="020B0604020202020204"/>
+        <a:defRPr sz="1195" b="0" i="0" u="none" strike="noStrike" cap="none">
           <a:solidFill>
             <a:srgbClr val="000000"/>
           </a:solidFill>
-          <a:latin typeface="Arial"/>
-          <a:ea typeface="Arial"/>
-          <a:cs typeface="Arial"/>
-          <a:sym typeface="Arial"/>
+          <a:latin typeface="Arial" panose="020B0604020202020204"/>
+          <a:ea typeface="Arial" panose="020B0604020202020204"/>
+          <a:cs typeface="Arial" panose="020B0604020202020204"/>
+          <a:sym typeface="Arial" panose="020B0604020202020204"/>
         </a:defRPr>
       </a:lvl3pPr>
       <a:lvl4pPr marR="0" lvl="3" algn="l" rtl="0" eaLnBrk="1" hangingPunct="1">
@@ -6524,15 +6272,15 @@
         <a:buClr>
           <a:srgbClr val="000000"/>
         </a:buClr>
-        <a:buFont typeface="Arial"/>
-        <a:defRPr sz="1197" b="0" i="0" u="none" strike="noStrike" cap="none">
+        <a:buFont typeface="Arial" panose="020B0604020202020204"/>
+        <a:defRPr sz="1195" b="0" i="0" u="none" strike="noStrike" cap="none">
           <a:solidFill>
             <a:srgbClr val="000000"/>
           </a:solidFill>
-          <a:latin typeface="Arial"/>
-          <a:ea typeface="Arial"/>
-          <a:cs typeface="Arial"/>
-          <a:sym typeface="Arial"/>
+          <a:latin typeface="Arial" panose="020B0604020202020204"/>
+          <a:ea typeface="Arial" panose="020B0604020202020204"/>
+          <a:cs typeface="Arial" panose="020B0604020202020204"/>
+          <a:sym typeface="Arial" panose="020B0604020202020204"/>
         </a:defRPr>
       </a:lvl4pPr>
       <a:lvl5pPr marR="0" lvl="4" algn="l" rtl="0" eaLnBrk="1" hangingPunct="1">
@@ -6548,15 +6296,15 @@
         <a:buClr>
           <a:srgbClr val="000000"/>
         </a:buClr>
-        <a:buFont typeface="Arial"/>
-        <a:defRPr sz="1197" b="0" i="0" u="none" strike="noStrike" cap="none">
+        <a:buFont typeface="Arial" panose="020B0604020202020204"/>
+        <a:defRPr sz="1195" b="0" i="0" u="none" strike="noStrike" cap="none">
           <a:solidFill>
             <a:srgbClr val="000000"/>
           </a:solidFill>
-          <a:latin typeface="Arial"/>
-          <a:ea typeface="Arial"/>
-          <a:cs typeface="Arial"/>
-          <a:sym typeface="Arial"/>
+          <a:latin typeface="Arial" panose="020B0604020202020204"/>
+          <a:ea typeface="Arial" panose="020B0604020202020204"/>
+          <a:cs typeface="Arial" panose="020B0604020202020204"/>
+          <a:sym typeface="Arial" panose="020B0604020202020204"/>
         </a:defRPr>
       </a:lvl5pPr>
       <a:lvl6pPr marR="0" lvl="5" algn="l" rtl="0" eaLnBrk="1" hangingPunct="1">
@@ -6572,15 +6320,15 @@
         <a:buClr>
           <a:srgbClr val="000000"/>
         </a:buClr>
-        <a:buFont typeface="Arial"/>
-        <a:defRPr sz="1197" b="0" i="0" u="none" strike="noStrike" cap="none">
+        <a:buFont typeface="Arial" panose="020B0604020202020204"/>
+        <a:defRPr sz="1195" b="0" i="0" u="none" strike="noStrike" cap="none">
           <a:solidFill>
             <a:srgbClr val="000000"/>
           </a:solidFill>
-          <a:latin typeface="Arial"/>
-          <a:ea typeface="Arial"/>
-          <a:cs typeface="Arial"/>
-          <a:sym typeface="Arial"/>
+          <a:latin typeface="Arial" panose="020B0604020202020204"/>
+          <a:ea typeface="Arial" panose="020B0604020202020204"/>
+          <a:cs typeface="Arial" panose="020B0604020202020204"/>
+          <a:sym typeface="Arial" panose="020B0604020202020204"/>
         </a:defRPr>
       </a:lvl6pPr>
       <a:lvl7pPr marR="0" lvl="6" algn="l" rtl="0" eaLnBrk="1" hangingPunct="1">
@@ -6596,15 +6344,15 @@
         <a:buClr>
           <a:srgbClr val="000000"/>
         </a:buClr>
-        <a:buFont typeface="Arial"/>
-        <a:defRPr sz="1197" b="0" i="0" u="none" strike="noStrike" cap="none">
+        <a:buFont typeface="Arial" panose="020B0604020202020204"/>
+        <a:defRPr sz="1195" b="0" i="0" u="none" strike="noStrike" cap="none">
           <a:solidFill>
             <a:srgbClr val="000000"/>
           </a:solidFill>
-          <a:latin typeface="Arial"/>
-          <a:ea typeface="Arial"/>
-          <a:cs typeface="Arial"/>
-          <a:sym typeface="Arial"/>
+          <a:latin typeface="Arial" panose="020B0604020202020204"/>
+          <a:ea typeface="Arial" panose="020B0604020202020204"/>
+          <a:cs typeface="Arial" panose="020B0604020202020204"/>
+          <a:sym typeface="Arial" panose="020B0604020202020204"/>
         </a:defRPr>
       </a:lvl7pPr>
       <a:lvl8pPr marR="0" lvl="7" algn="l" rtl="0" eaLnBrk="1" hangingPunct="1">
@@ -6620,15 +6368,15 @@
         <a:buClr>
           <a:srgbClr val="000000"/>
         </a:buClr>
-        <a:buFont typeface="Arial"/>
-        <a:defRPr sz="1197" b="0" i="0" u="none" strike="noStrike" cap="none">
+        <a:buFont typeface="Arial" panose="020B0604020202020204"/>
+        <a:defRPr sz="1195" b="0" i="0" u="none" strike="noStrike" cap="none">
           <a:solidFill>
             <a:srgbClr val="000000"/>
           </a:solidFill>
-          <a:latin typeface="Arial"/>
-          <a:ea typeface="Arial"/>
-          <a:cs typeface="Arial"/>
-          <a:sym typeface="Arial"/>
+          <a:latin typeface="Arial" panose="020B0604020202020204"/>
+          <a:ea typeface="Arial" panose="020B0604020202020204"/>
+          <a:cs typeface="Arial" panose="020B0604020202020204"/>
+          <a:sym typeface="Arial" panose="020B0604020202020204"/>
         </a:defRPr>
       </a:lvl8pPr>
       <a:lvl9pPr marR="0" lvl="8" algn="l" rtl="0" eaLnBrk="1" hangingPunct="1">
@@ -6644,15 +6392,15 @@
         <a:buClr>
           <a:srgbClr val="000000"/>
         </a:buClr>
-        <a:buFont typeface="Arial"/>
-        <a:defRPr sz="1197" b="0" i="0" u="none" strike="noStrike" cap="none">
+        <a:buFont typeface="Arial" panose="020B0604020202020204"/>
+        <a:defRPr sz="1195" b="0" i="0" u="none" strike="noStrike" cap="none">
           <a:solidFill>
             <a:srgbClr val="000000"/>
           </a:solidFill>
-          <a:latin typeface="Arial"/>
-          <a:ea typeface="Arial"/>
-          <a:cs typeface="Arial"/>
-          <a:sym typeface="Arial"/>
+          <a:latin typeface="Arial" panose="020B0604020202020204"/>
+          <a:ea typeface="Arial" panose="020B0604020202020204"/>
+          <a:cs typeface="Arial" panose="020B0604020202020204"/>
+          <a:sym typeface="Arial" panose="020B0604020202020204"/>
         </a:defRPr>
       </a:lvl9pPr>
     </p:otherStyle>
@@ -6732,10 +6480,9 @@
               <a:buSzTx/>
               <a:buFontTx/>
               <a:buNone/>
-              <a:tabLst/>
               <a:defRPr/>
             </a:pPr>
-            <a:endParaRPr kumimoji="0" sz="1796" b="0" i="0" u="none" strike="noStrike" kern="1200" cap="none" spc="0" normalizeH="0" baseline="0" noProof="0">
+            <a:endParaRPr kumimoji="0" sz="1795" b="0" i="0" u="none" strike="noStrike" kern="1200" cap="none" spc="0" normalizeH="0" baseline="0" noProof="0">
               <a:ln>
                 <a:noFill/>
               </a:ln>
@@ -6745,10 +6492,10 @@
               <a:effectLst/>
               <a:uLnTx/>
               <a:uFillTx/>
-              <a:latin typeface="Arial"/>
-              <a:ea typeface="Arial"/>
-              <a:cs typeface="Arial"/>
-              <a:sym typeface="Arial"/>
+              <a:latin typeface="Arial" panose="020B0604020202020204"/>
+              <a:ea typeface="Arial" panose="020B0604020202020204"/>
+              <a:cs typeface="Arial" panose="020B0604020202020204"/>
+              <a:sym typeface="Arial" panose="020B0604020202020204"/>
             </a:endParaRPr>
           </a:p>
         </p:txBody>
@@ -6783,7 +6530,7 @@
           <a:lstStyle>
             <a:lvl1pPr marL="457200" marR="0" lvl="0" indent="-431800" algn="l" rtl="0">
               <a:lnSpc>
-                <a:spcPct val="137500"/>
+                <a:spcPct val="138000"/>
               </a:lnSpc>
               <a:spcBef>
                 <a:spcPts val="0"/>
@@ -6795,21 +6542,21 @@
                 <a:srgbClr val="000097"/>
               </a:buClr>
               <a:buSzPts val="3200"/>
-              <a:buFont typeface="Arial"/>
+              <a:buFont typeface="Arial" panose="020B0604020202020204"/>
               <a:buChar char="•"/>
               <a:defRPr sz="3200" b="0" i="0" u="none" strike="noStrike" cap="none">
                 <a:solidFill>
                   <a:schemeClr val="dk1"/>
                 </a:solidFill>
-                <a:latin typeface="Arial"/>
-                <a:ea typeface="Arial"/>
-                <a:cs typeface="Arial"/>
-                <a:sym typeface="Arial"/>
+                <a:latin typeface="Arial" panose="020B0604020202020204"/>
+                <a:ea typeface="Arial" panose="020B0604020202020204"/>
+                <a:cs typeface="Arial" panose="020B0604020202020204"/>
+                <a:sym typeface="Arial" panose="020B0604020202020204"/>
               </a:defRPr>
             </a:lvl1pPr>
             <a:lvl2pPr marL="914400" marR="0" lvl="1" indent="-400050" algn="l" rtl="0">
               <a:lnSpc>
-                <a:spcPct val="162962"/>
+                <a:spcPct val="163000"/>
               </a:lnSpc>
               <a:spcBef>
                 <a:spcPts val="0"/>
@@ -6821,21 +6568,21 @@
                 <a:schemeClr val="dk1"/>
               </a:buClr>
               <a:buSzPts val="2700"/>
-              <a:buFont typeface="Arial"/>
+              <a:buFont typeface="Arial" panose="020B0604020202020204"/>
               <a:buChar char="–"/>
               <a:defRPr sz="2700" b="0" i="0" u="none" strike="noStrike" cap="none">
                 <a:solidFill>
                   <a:srgbClr val="000097"/>
                 </a:solidFill>
-                <a:latin typeface="Arial"/>
-                <a:ea typeface="Arial"/>
-                <a:cs typeface="Arial"/>
-                <a:sym typeface="Arial"/>
+                <a:latin typeface="Arial" panose="020B0604020202020204"/>
+                <a:ea typeface="Arial" panose="020B0604020202020204"/>
+                <a:cs typeface="Arial" panose="020B0604020202020204"/>
+                <a:sym typeface="Arial" panose="020B0604020202020204"/>
               </a:defRPr>
             </a:lvl2pPr>
             <a:lvl3pPr marL="1371600" marR="0" lvl="2" indent="-374650" algn="l" rtl="0">
               <a:lnSpc>
-                <a:spcPct val="191304"/>
+                <a:spcPct val="191000"/>
               </a:lnSpc>
               <a:spcBef>
                 <a:spcPts val="0"/>
@@ -6853,15 +6600,15 @@
                 <a:solidFill>
                   <a:schemeClr val="dk1"/>
                 </a:solidFill>
-                <a:latin typeface="Arial"/>
-                <a:ea typeface="Arial"/>
-                <a:cs typeface="Arial"/>
-                <a:sym typeface="Arial"/>
+                <a:latin typeface="Arial" panose="020B0604020202020204"/>
+                <a:ea typeface="Arial" panose="020B0604020202020204"/>
+                <a:cs typeface="Arial" panose="020B0604020202020204"/>
+                <a:sym typeface="Arial" panose="020B0604020202020204"/>
               </a:defRPr>
             </a:lvl3pPr>
             <a:lvl4pPr marL="1828800" marR="0" lvl="3" indent="-342900" algn="l" rtl="0">
               <a:lnSpc>
-                <a:spcPct val="244444"/>
+                <a:spcPct val="244000"/>
               </a:lnSpc>
               <a:spcBef>
                 <a:spcPts val="0"/>
@@ -6873,21 +6620,21 @@
                 <a:schemeClr val="dk1"/>
               </a:buClr>
               <a:buSzPts val="1800"/>
-              <a:buFont typeface="Arial"/>
+              <a:buFont typeface="Arial" panose="020B0604020202020204"/>
               <a:buChar char="–"/>
               <a:defRPr sz="1800" b="0" i="0" u="none" strike="noStrike" cap="none">
                 <a:solidFill>
                   <a:srgbClr val="000097"/>
                 </a:solidFill>
-                <a:latin typeface="Arial"/>
-                <a:ea typeface="Arial"/>
-                <a:cs typeface="Arial"/>
-                <a:sym typeface="Arial"/>
+                <a:latin typeface="Arial" panose="020B0604020202020204"/>
+                <a:ea typeface="Arial" panose="020B0604020202020204"/>
+                <a:cs typeface="Arial" panose="020B0604020202020204"/>
+                <a:sym typeface="Arial" panose="020B0604020202020204"/>
               </a:defRPr>
             </a:lvl4pPr>
             <a:lvl5pPr marL="2286000" marR="0" lvl="4" indent="-342900" algn="l" rtl="0">
               <a:lnSpc>
-                <a:spcPct val="244444"/>
+                <a:spcPct val="244000"/>
               </a:lnSpc>
               <a:spcBef>
                 <a:spcPts val="0"/>
@@ -6899,16 +6646,16 @@
                 <a:srgbClr val="000097"/>
               </a:buClr>
               <a:buSzPts val="1800"/>
-              <a:buFont typeface="Arial"/>
+              <a:buFont typeface="Arial" panose="020B0604020202020204"/>
               <a:buChar char="»"/>
               <a:defRPr sz="1800" b="0" i="0" u="none" strike="noStrike" cap="none">
                 <a:solidFill>
                   <a:schemeClr val="dk1"/>
                 </a:solidFill>
-                <a:latin typeface="Arial"/>
-                <a:ea typeface="Arial"/>
-                <a:cs typeface="Arial"/>
-                <a:sym typeface="Arial"/>
+                <a:latin typeface="Arial" panose="020B0604020202020204"/>
+                <a:ea typeface="Arial" panose="020B0604020202020204"/>
+                <a:cs typeface="Arial" panose="020B0604020202020204"/>
+                <a:sym typeface="Arial" panose="020B0604020202020204"/>
               </a:defRPr>
             </a:lvl5pPr>
             <a:lvl6pPr marL="2743200" marR="0" lvl="5" indent="-342900" algn="l" rtl="0">
@@ -6922,16 +6669,16 @@
                 <a:srgbClr val="000097"/>
               </a:buClr>
               <a:buSzPts val="1800"/>
-              <a:buFont typeface="Arial"/>
+              <a:buFont typeface="Arial" panose="020B0604020202020204"/>
               <a:buChar char="»"/>
               <a:defRPr sz="1800" b="0" i="0" u="none" strike="noStrike" cap="none">
                 <a:solidFill>
                   <a:schemeClr val="dk1"/>
                 </a:solidFill>
-                <a:latin typeface="Arial"/>
-                <a:ea typeface="Arial"/>
-                <a:cs typeface="Arial"/>
-                <a:sym typeface="Arial"/>
+                <a:latin typeface="Arial" panose="020B0604020202020204"/>
+                <a:ea typeface="Arial" panose="020B0604020202020204"/>
+                <a:cs typeface="Arial" panose="020B0604020202020204"/>
+                <a:sym typeface="Arial" panose="020B0604020202020204"/>
               </a:defRPr>
             </a:lvl6pPr>
             <a:lvl7pPr marL="3200400" marR="0" lvl="6" indent="-342900" algn="l" rtl="0">
@@ -6945,16 +6692,16 @@
                 <a:srgbClr val="000097"/>
               </a:buClr>
               <a:buSzPts val="1800"/>
-              <a:buFont typeface="Arial"/>
+              <a:buFont typeface="Arial" panose="020B0604020202020204"/>
               <a:buChar char="»"/>
               <a:defRPr sz="1800" b="0" i="0" u="none" strike="noStrike" cap="none">
                 <a:solidFill>
                   <a:schemeClr val="dk1"/>
                 </a:solidFill>
-                <a:latin typeface="Arial"/>
-                <a:ea typeface="Arial"/>
-                <a:cs typeface="Arial"/>
-                <a:sym typeface="Arial"/>
+                <a:latin typeface="Arial" panose="020B0604020202020204"/>
+                <a:ea typeface="Arial" panose="020B0604020202020204"/>
+                <a:cs typeface="Arial" panose="020B0604020202020204"/>
+                <a:sym typeface="Arial" panose="020B0604020202020204"/>
               </a:defRPr>
             </a:lvl7pPr>
             <a:lvl8pPr marL="3657600" marR="0" lvl="7" indent="-342900" algn="l" rtl="0">
@@ -6968,16 +6715,16 @@
                 <a:srgbClr val="000097"/>
               </a:buClr>
               <a:buSzPts val="1800"/>
-              <a:buFont typeface="Arial"/>
+              <a:buFont typeface="Arial" panose="020B0604020202020204"/>
               <a:buChar char="»"/>
               <a:defRPr sz="1800" b="0" i="0" u="none" strike="noStrike" cap="none">
                 <a:solidFill>
                   <a:schemeClr val="dk1"/>
                 </a:solidFill>
-                <a:latin typeface="Arial"/>
-                <a:ea typeface="Arial"/>
-                <a:cs typeface="Arial"/>
-                <a:sym typeface="Arial"/>
+                <a:latin typeface="Arial" panose="020B0604020202020204"/>
+                <a:ea typeface="Arial" panose="020B0604020202020204"/>
+                <a:cs typeface="Arial" panose="020B0604020202020204"/>
+                <a:sym typeface="Arial" panose="020B0604020202020204"/>
               </a:defRPr>
             </a:lvl8pPr>
             <a:lvl9pPr marL="4114800" marR="0" lvl="8" indent="-342900" algn="l" rtl="0">
@@ -6991,16 +6738,16 @@
                 <a:srgbClr val="000097"/>
               </a:buClr>
               <a:buSzPts val="1800"/>
-              <a:buFont typeface="Arial"/>
+              <a:buFont typeface="Arial" panose="020B0604020202020204"/>
               <a:buChar char="»"/>
               <a:defRPr sz="1800" b="0" i="0" u="none" strike="noStrike" cap="none">
                 <a:solidFill>
                   <a:schemeClr val="dk1"/>
                 </a:solidFill>
-                <a:latin typeface="Arial"/>
-                <a:ea typeface="Arial"/>
-                <a:cs typeface="Arial"/>
-                <a:sym typeface="Arial"/>
+                <a:latin typeface="Arial" panose="020B0604020202020204"/>
+                <a:ea typeface="Arial" panose="020B0604020202020204"/>
+                <a:cs typeface="Arial" panose="020B0604020202020204"/>
+                <a:sym typeface="Arial" panose="020B0604020202020204"/>
               </a:defRPr>
             </a:lvl9pPr>
           </a:lstStyle>
@@ -7044,7 +6791,7 @@
           <a:p>
             <a:pPr marL="0" marR="0" lvl="0" indent="0" algn="l" defTabSz="914400" rtl="0" eaLnBrk="1" fontAlgn="auto" latinLnBrk="0" hangingPunct="1">
               <a:lnSpc>
-                <a:spcPct val="171428"/>
+                <a:spcPct val="171000"/>
               </a:lnSpc>
               <a:spcBef>
                 <a:spcPts val="0"/>
@@ -7056,10 +6803,9 @@
               <a:buSzTx/>
               <a:buFontTx/>
               <a:buNone/>
-              <a:tabLst/>
               <a:defRPr/>
             </a:pPr>
-            <a:endParaRPr kumimoji="0" sz="1796" b="0" i="0" u="none" strike="noStrike" kern="1200" cap="none" spc="0" normalizeH="0" baseline="0" noProof="0">
+            <a:endParaRPr kumimoji="0" sz="1795" b="0" i="0" u="none" strike="noStrike" kern="1200" cap="none" spc="0" normalizeH="0" baseline="0" noProof="0">
               <a:ln>
                 <a:noFill/>
               </a:ln>
@@ -7069,10 +6815,10 @@
               <a:effectLst/>
               <a:uLnTx/>
               <a:uFillTx/>
-              <a:latin typeface="Arial"/>
-              <a:ea typeface="Arial"/>
-              <a:cs typeface="Arial"/>
-              <a:sym typeface="Arial"/>
+              <a:latin typeface="Arial" panose="020B0604020202020204"/>
+              <a:ea typeface="Arial" panose="020B0604020202020204"/>
+              <a:cs typeface="Arial" panose="020B0604020202020204"/>
+              <a:sym typeface="Arial" panose="020B0604020202020204"/>
             </a:endParaRPr>
           </a:p>
         </p:txBody>
@@ -7114,14 +6860,14 @@
               </a:spcAft>
               <a:buSzPts val="1400"/>
               <a:buNone/>
-              <a:defRPr sz="1368" b="0" i="0" u="none" strike="noStrike" cap="none">
+              <a:defRPr sz="1370" b="0" i="0" u="none" strike="noStrike" cap="none">
                 <a:solidFill>
                   <a:schemeClr val="lt1"/>
                 </a:solidFill>
-                <a:latin typeface="Arial"/>
-                <a:ea typeface="Arial"/>
-                <a:cs typeface="Arial"/>
-                <a:sym typeface="Arial"/>
+                <a:latin typeface="Arial" panose="020B0604020202020204"/>
+                <a:ea typeface="Arial" panose="020B0604020202020204"/>
+                <a:cs typeface="Arial" panose="020B0604020202020204"/>
+                <a:sym typeface="Arial" panose="020B0604020202020204"/>
               </a:defRPr>
             </a:lvl1pPr>
             <a:lvl2pPr marR="0" lvl="1" algn="l" rtl="0">
@@ -7133,14 +6879,14 @@
               </a:spcAft>
               <a:buSzPts val="1400"/>
               <a:buNone/>
-              <a:defRPr sz="1796" b="0" i="0" u="none" strike="noStrike" cap="none">
+              <a:defRPr sz="1795" b="0" i="0" u="none" strike="noStrike" cap="none">
                 <a:solidFill>
                   <a:schemeClr val="dk1"/>
                 </a:solidFill>
-                <a:latin typeface="Arial"/>
-                <a:ea typeface="Arial"/>
-                <a:cs typeface="Arial"/>
-                <a:sym typeface="Arial"/>
+                <a:latin typeface="Arial" panose="020B0604020202020204"/>
+                <a:ea typeface="Arial" panose="020B0604020202020204"/>
+                <a:cs typeface="Arial" panose="020B0604020202020204"/>
+                <a:sym typeface="Arial" panose="020B0604020202020204"/>
               </a:defRPr>
             </a:lvl2pPr>
             <a:lvl3pPr marR="0" lvl="2" algn="l" rtl="0">
@@ -7152,14 +6898,14 @@
               </a:spcAft>
               <a:buSzPts val="1400"/>
               <a:buNone/>
-              <a:defRPr sz="1796" b="0" i="0" u="none" strike="noStrike" cap="none">
+              <a:defRPr sz="1795" b="0" i="0" u="none" strike="noStrike" cap="none">
                 <a:solidFill>
                   <a:schemeClr val="dk1"/>
                 </a:solidFill>
-                <a:latin typeface="Arial"/>
-                <a:ea typeface="Arial"/>
-                <a:cs typeface="Arial"/>
-                <a:sym typeface="Arial"/>
+                <a:latin typeface="Arial" panose="020B0604020202020204"/>
+                <a:ea typeface="Arial" panose="020B0604020202020204"/>
+                <a:cs typeface="Arial" panose="020B0604020202020204"/>
+                <a:sym typeface="Arial" panose="020B0604020202020204"/>
               </a:defRPr>
             </a:lvl3pPr>
             <a:lvl4pPr marR="0" lvl="3" algn="l" rtl="0">
@@ -7171,14 +6917,14 @@
               </a:spcAft>
               <a:buSzPts val="1400"/>
               <a:buNone/>
-              <a:defRPr sz="1796" b="0" i="0" u="none" strike="noStrike" cap="none">
+              <a:defRPr sz="1795" b="0" i="0" u="none" strike="noStrike" cap="none">
                 <a:solidFill>
                   <a:schemeClr val="dk1"/>
                 </a:solidFill>
-                <a:latin typeface="Arial"/>
-                <a:ea typeface="Arial"/>
-                <a:cs typeface="Arial"/>
-                <a:sym typeface="Arial"/>
+                <a:latin typeface="Arial" panose="020B0604020202020204"/>
+                <a:ea typeface="Arial" panose="020B0604020202020204"/>
+                <a:cs typeface="Arial" panose="020B0604020202020204"/>
+                <a:sym typeface="Arial" panose="020B0604020202020204"/>
               </a:defRPr>
             </a:lvl4pPr>
             <a:lvl5pPr marR="0" lvl="4" algn="l" rtl="0">
@@ -7190,14 +6936,14 @@
               </a:spcAft>
               <a:buSzPts val="1400"/>
               <a:buNone/>
-              <a:defRPr sz="1796" b="0" i="0" u="none" strike="noStrike" cap="none">
+              <a:defRPr sz="1795" b="0" i="0" u="none" strike="noStrike" cap="none">
                 <a:solidFill>
                   <a:schemeClr val="dk1"/>
                 </a:solidFill>
-                <a:latin typeface="Arial"/>
-                <a:ea typeface="Arial"/>
-                <a:cs typeface="Arial"/>
-                <a:sym typeface="Arial"/>
+                <a:latin typeface="Arial" panose="020B0604020202020204"/>
+                <a:ea typeface="Arial" panose="020B0604020202020204"/>
+                <a:cs typeface="Arial" panose="020B0604020202020204"/>
+                <a:sym typeface="Arial" panose="020B0604020202020204"/>
               </a:defRPr>
             </a:lvl5pPr>
             <a:lvl6pPr marR="0" lvl="5" algn="l" rtl="0">
@@ -7209,14 +6955,14 @@
               </a:spcAft>
               <a:buSzPts val="1400"/>
               <a:buNone/>
-              <a:defRPr sz="1796" b="0" i="0" u="none" strike="noStrike" cap="none">
+              <a:defRPr sz="1795" b="0" i="0" u="none" strike="noStrike" cap="none">
                 <a:solidFill>
                   <a:schemeClr val="dk1"/>
                 </a:solidFill>
-                <a:latin typeface="Arial"/>
-                <a:ea typeface="Arial"/>
-                <a:cs typeface="Arial"/>
-                <a:sym typeface="Arial"/>
+                <a:latin typeface="Arial" panose="020B0604020202020204"/>
+                <a:ea typeface="Arial" panose="020B0604020202020204"/>
+                <a:cs typeface="Arial" panose="020B0604020202020204"/>
+                <a:sym typeface="Arial" panose="020B0604020202020204"/>
               </a:defRPr>
             </a:lvl6pPr>
             <a:lvl7pPr marR="0" lvl="6" algn="l" rtl="0">
@@ -7228,14 +6974,14 @@
               </a:spcAft>
               <a:buSzPts val="1400"/>
               <a:buNone/>
-              <a:defRPr sz="1796" b="0" i="0" u="none" strike="noStrike" cap="none">
+              <a:defRPr sz="1795" b="0" i="0" u="none" strike="noStrike" cap="none">
                 <a:solidFill>
                   <a:schemeClr val="dk1"/>
                 </a:solidFill>
-                <a:latin typeface="Arial"/>
-                <a:ea typeface="Arial"/>
-                <a:cs typeface="Arial"/>
-                <a:sym typeface="Arial"/>
+                <a:latin typeface="Arial" panose="020B0604020202020204"/>
+                <a:ea typeface="Arial" panose="020B0604020202020204"/>
+                <a:cs typeface="Arial" panose="020B0604020202020204"/>
+                <a:sym typeface="Arial" panose="020B0604020202020204"/>
               </a:defRPr>
             </a:lvl7pPr>
             <a:lvl8pPr marR="0" lvl="7" algn="l" rtl="0">
@@ -7247,14 +6993,14 @@
               </a:spcAft>
               <a:buSzPts val="1400"/>
               <a:buNone/>
-              <a:defRPr sz="1796" b="0" i="0" u="none" strike="noStrike" cap="none">
+              <a:defRPr sz="1795" b="0" i="0" u="none" strike="noStrike" cap="none">
                 <a:solidFill>
                   <a:schemeClr val="dk1"/>
                 </a:solidFill>
-                <a:latin typeface="Arial"/>
-                <a:ea typeface="Arial"/>
-                <a:cs typeface="Arial"/>
-                <a:sym typeface="Arial"/>
+                <a:latin typeface="Arial" panose="020B0604020202020204"/>
+                <a:ea typeface="Arial" panose="020B0604020202020204"/>
+                <a:cs typeface="Arial" panose="020B0604020202020204"/>
+                <a:sym typeface="Arial" panose="020B0604020202020204"/>
               </a:defRPr>
             </a:lvl8pPr>
             <a:lvl9pPr marR="0" lvl="8" algn="l" rtl="0">
@@ -7266,14 +7012,14 @@
               </a:spcAft>
               <a:buSzPts val="1400"/>
               <a:buNone/>
-              <a:defRPr sz="1796" b="0" i="0" u="none" strike="noStrike" cap="none">
+              <a:defRPr sz="1795" b="0" i="0" u="none" strike="noStrike" cap="none">
                 <a:solidFill>
                   <a:schemeClr val="dk1"/>
                 </a:solidFill>
-                <a:latin typeface="Arial"/>
-                <a:ea typeface="Arial"/>
-                <a:cs typeface="Arial"/>
-                <a:sym typeface="Arial"/>
+                <a:latin typeface="Arial" panose="020B0604020202020204"/>
+                <a:ea typeface="Arial" panose="020B0604020202020204"/>
+                <a:cs typeface="Arial" panose="020B0604020202020204"/>
+                <a:sym typeface="Arial" panose="020B0604020202020204"/>
               </a:defRPr>
             </a:lvl9pPr>
           </a:lstStyle>
@@ -7292,11 +7038,10 @@
               <a:buSzPts val="1400"/>
               <a:buFontTx/>
               <a:buNone/>
-              <a:tabLst/>
               <a:defRPr/>
             </a:pPr>
             <a:fld id="{5CA493BA-04C8-4574-ABFA-03E44AE531EB}" type="datetimeFigureOut">
-              <a:rPr kumimoji="0" lang="en-US" sz="1368" b="0" i="0" u="none" strike="noStrike" kern="1200" cap="none" spc="0" normalizeH="0" baseline="0" noProof="0" smtClean="0">
+              <a:rPr kumimoji="0" lang="en-US" sz="1370" b="0" i="0" u="none" strike="noStrike" kern="1200" cap="none" spc="0" normalizeH="0" baseline="0" noProof="0" smtClean="0">
                 <a:ln>
                   <a:noFill/>
                 </a:ln>
@@ -7306,30 +7051,12 @@
                 <a:effectLst/>
                 <a:uLnTx/>
                 <a:uFillTx/>
-                <a:latin typeface="Arial"/>
-                <a:cs typeface="Arial"/>
-                <a:sym typeface="Arial"/>
+                <a:latin typeface="Arial" panose="020B0604020202020204"/>
+                <a:cs typeface="Arial" panose="020B0604020202020204"/>
+                <a:sym typeface="Arial" panose="020B0604020202020204"/>
               </a:rPr>
-              <a:pPr marL="0" marR="0" lvl="0" indent="0" algn="l" defTabSz="914400" rtl="0" eaLnBrk="1" fontAlgn="auto" latinLnBrk="0" hangingPunct="1">
-                <a:lnSpc>
-                  <a:spcPct val="100000"/>
-                </a:lnSpc>
-                <a:spcBef>
-                  <a:spcPts val="0"/>
-                </a:spcBef>
-                <a:spcAft>
-                  <a:spcPts val="0"/>
-                </a:spcAft>
-                <a:buClrTx/>
-                <a:buSzPts val="1400"/>
-                <a:buFontTx/>
-                <a:buNone/>
-                <a:tabLst/>
-                <a:defRPr/>
-              </a:pPr>
-              <a:t>10/1/2021</a:t>
             </a:fld>
-            <a:endParaRPr kumimoji="0" lang="en-US" sz="1368" b="0" i="0" u="none" strike="noStrike" kern="1200" cap="none" spc="0" normalizeH="0" baseline="0" noProof="0">
+            <a:endParaRPr kumimoji="0" lang="en-US" sz="1370" b="0" i="0" u="none" strike="noStrike" kern="1200" cap="none" spc="0" normalizeH="0" baseline="0" noProof="0">
               <a:ln>
                 <a:noFill/>
               </a:ln>
@@ -7339,9 +7066,9 @@
               <a:effectLst/>
               <a:uLnTx/>
               <a:uFillTx/>
-              <a:latin typeface="Arial"/>
-              <a:cs typeface="Arial"/>
-              <a:sym typeface="Arial"/>
+              <a:latin typeface="Arial" panose="020B0604020202020204"/>
+              <a:cs typeface="Arial" panose="020B0604020202020204"/>
+              <a:sym typeface="Arial" panose="020B0604020202020204"/>
             </a:endParaRPr>
           </a:p>
         </p:txBody>
@@ -7382,14 +7109,14 @@
                 <a:spcPts val="0"/>
               </a:spcAft>
               <a:buNone/>
-              <a:defRPr sz="1368" b="0" i="0" u="none" strike="noStrike" cap="none">
+              <a:defRPr sz="1370" b="0" i="0" u="none" strike="noStrike" cap="none">
                 <a:solidFill>
                   <a:srgbClr val="FFFFFF"/>
                 </a:solidFill>
-                <a:latin typeface="Arial"/>
-                <a:ea typeface="Arial"/>
-                <a:cs typeface="Arial"/>
-                <a:sym typeface="Arial"/>
+                <a:latin typeface="Arial" panose="020B0604020202020204"/>
+                <a:ea typeface="Arial" panose="020B0604020202020204"/>
+                <a:cs typeface="Arial" panose="020B0604020202020204"/>
+                <a:sym typeface="Arial" panose="020B0604020202020204"/>
               </a:defRPr>
             </a:lvl1pPr>
             <a:lvl2pPr marL="0" marR="0" lvl="1" indent="0" algn="r" rtl="0">
@@ -7400,14 +7127,14 @@
                 <a:spcPts val="0"/>
               </a:spcAft>
               <a:buNone/>
-              <a:defRPr sz="1368" b="0" i="0" u="none" strike="noStrike" cap="none">
+              <a:defRPr sz="1370" b="0" i="0" u="none" strike="noStrike" cap="none">
                 <a:solidFill>
                   <a:srgbClr val="FFFFFF"/>
                 </a:solidFill>
-                <a:latin typeface="Arial"/>
-                <a:ea typeface="Arial"/>
-                <a:cs typeface="Arial"/>
-                <a:sym typeface="Arial"/>
+                <a:latin typeface="Arial" panose="020B0604020202020204"/>
+                <a:ea typeface="Arial" panose="020B0604020202020204"/>
+                <a:cs typeface="Arial" panose="020B0604020202020204"/>
+                <a:sym typeface="Arial" panose="020B0604020202020204"/>
               </a:defRPr>
             </a:lvl2pPr>
             <a:lvl3pPr marL="0" marR="0" lvl="2" indent="0" algn="r" rtl="0">
@@ -7418,14 +7145,14 @@
                 <a:spcPts val="0"/>
               </a:spcAft>
               <a:buNone/>
-              <a:defRPr sz="1368" b="0" i="0" u="none" strike="noStrike" cap="none">
+              <a:defRPr sz="1370" b="0" i="0" u="none" strike="noStrike" cap="none">
                 <a:solidFill>
                   <a:srgbClr val="FFFFFF"/>
                 </a:solidFill>
-                <a:latin typeface="Arial"/>
-                <a:ea typeface="Arial"/>
-                <a:cs typeface="Arial"/>
-                <a:sym typeface="Arial"/>
+                <a:latin typeface="Arial" panose="020B0604020202020204"/>
+                <a:ea typeface="Arial" panose="020B0604020202020204"/>
+                <a:cs typeface="Arial" panose="020B0604020202020204"/>
+                <a:sym typeface="Arial" panose="020B0604020202020204"/>
               </a:defRPr>
             </a:lvl3pPr>
             <a:lvl4pPr marL="0" marR="0" lvl="3" indent="0" algn="r" rtl="0">
@@ -7436,14 +7163,14 @@
                 <a:spcPts val="0"/>
               </a:spcAft>
               <a:buNone/>
-              <a:defRPr sz="1368" b="0" i="0" u="none" strike="noStrike" cap="none">
+              <a:defRPr sz="1370" b="0" i="0" u="none" strike="noStrike" cap="none">
                 <a:solidFill>
                   <a:srgbClr val="FFFFFF"/>
                 </a:solidFill>
-                <a:latin typeface="Arial"/>
-                <a:ea typeface="Arial"/>
-                <a:cs typeface="Arial"/>
-                <a:sym typeface="Arial"/>
+                <a:latin typeface="Arial" panose="020B0604020202020204"/>
+                <a:ea typeface="Arial" panose="020B0604020202020204"/>
+                <a:cs typeface="Arial" panose="020B0604020202020204"/>
+                <a:sym typeface="Arial" panose="020B0604020202020204"/>
               </a:defRPr>
             </a:lvl4pPr>
             <a:lvl5pPr marL="0" marR="0" lvl="4" indent="0" algn="r" rtl="0">
@@ -7454,14 +7181,14 @@
                 <a:spcPts val="0"/>
               </a:spcAft>
               <a:buNone/>
-              <a:defRPr sz="1368" b="0" i="0" u="none" strike="noStrike" cap="none">
+              <a:defRPr sz="1370" b="0" i="0" u="none" strike="noStrike" cap="none">
                 <a:solidFill>
                   <a:srgbClr val="FFFFFF"/>
                 </a:solidFill>
-                <a:latin typeface="Arial"/>
-                <a:ea typeface="Arial"/>
-                <a:cs typeface="Arial"/>
-                <a:sym typeface="Arial"/>
+                <a:latin typeface="Arial" panose="020B0604020202020204"/>
+                <a:ea typeface="Arial" panose="020B0604020202020204"/>
+                <a:cs typeface="Arial" panose="020B0604020202020204"/>
+                <a:sym typeface="Arial" panose="020B0604020202020204"/>
               </a:defRPr>
             </a:lvl5pPr>
             <a:lvl6pPr marL="0" marR="0" lvl="5" indent="0" algn="r" rtl="0">
@@ -7472,14 +7199,14 @@
                 <a:spcPts val="0"/>
               </a:spcAft>
               <a:buNone/>
-              <a:defRPr sz="1368" b="0" i="0" u="none" strike="noStrike" cap="none">
+              <a:defRPr sz="1370" b="0" i="0" u="none" strike="noStrike" cap="none">
                 <a:solidFill>
                   <a:srgbClr val="FFFFFF"/>
                 </a:solidFill>
-                <a:latin typeface="Arial"/>
-                <a:ea typeface="Arial"/>
-                <a:cs typeface="Arial"/>
-                <a:sym typeface="Arial"/>
+                <a:latin typeface="Arial" panose="020B0604020202020204"/>
+                <a:ea typeface="Arial" panose="020B0604020202020204"/>
+                <a:cs typeface="Arial" panose="020B0604020202020204"/>
+                <a:sym typeface="Arial" panose="020B0604020202020204"/>
               </a:defRPr>
             </a:lvl6pPr>
             <a:lvl7pPr marL="0" marR="0" lvl="6" indent="0" algn="r" rtl="0">
@@ -7490,14 +7217,14 @@
                 <a:spcPts val="0"/>
               </a:spcAft>
               <a:buNone/>
-              <a:defRPr sz="1368" b="0" i="0" u="none" strike="noStrike" cap="none">
+              <a:defRPr sz="1370" b="0" i="0" u="none" strike="noStrike" cap="none">
                 <a:solidFill>
                   <a:srgbClr val="FFFFFF"/>
                 </a:solidFill>
-                <a:latin typeface="Arial"/>
-                <a:ea typeface="Arial"/>
-                <a:cs typeface="Arial"/>
-                <a:sym typeface="Arial"/>
+                <a:latin typeface="Arial" panose="020B0604020202020204"/>
+                <a:ea typeface="Arial" panose="020B0604020202020204"/>
+                <a:cs typeface="Arial" panose="020B0604020202020204"/>
+                <a:sym typeface="Arial" panose="020B0604020202020204"/>
               </a:defRPr>
             </a:lvl7pPr>
             <a:lvl8pPr marL="0" marR="0" lvl="7" indent="0" algn="r" rtl="0">
@@ -7508,14 +7235,14 @@
                 <a:spcPts val="0"/>
               </a:spcAft>
               <a:buNone/>
-              <a:defRPr sz="1368" b="0" i="0" u="none" strike="noStrike" cap="none">
+              <a:defRPr sz="1370" b="0" i="0" u="none" strike="noStrike" cap="none">
                 <a:solidFill>
                   <a:srgbClr val="FFFFFF"/>
                 </a:solidFill>
-                <a:latin typeface="Arial"/>
-                <a:ea typeface="Arial"/>
-                <a:cs typeface="Arial"/>
-                <a:sym typeface="Arial"/>
+                <a:latin typeface="Arial" panose="020B0604020202020204"/>
+                <a:ea typeface="Arial" panose="020B0604020202020204"/>
+                <a:cs typeface="Arial" panose="020B0604020202020204"/>
+                <a:sym typeface="Arial" panose="020B0604020202020204"/>
               </a:defRPr>
             </a:lvl8pPr>
             <a:lvl9pPr marL="0" marR="0" lvl="8" indent="0" algn="r" rtl="0">
@@ -7526,14 +7253,14 @@
                 <a:spcPts val="0"/>
               </a:spcAft>
               <a:buNone/>
-              <a:defRPr sz="1368" b="0" i="0" u="none" strike="noStrike" cap="none">
+              <a:defRPr sz="1370" b="0" i="0" u="none" strike="noStrike" cap="none">
                 <a:solidFill>
                   <a:srgbClr val="FFFFFF"/>
                 </a:solidFill>
-                <a:latin typeface="Arial"/>
-                <a:ea typeface="Arial"/>
-                <a:cs typeface="Arial"/>
-                <a:sym typeface="Arial"/>
+                <a:latin typeface="Arial" panose="020B0604020202020204"/>
+                <a:ea typeface="Arial" panose="020B0604020202020204"/>
+                <a:cs typeface="Arial" panose="020B0604020202020204"/>
+                <a:sym typeface="Arial" panose="020B0604020202020204"/>
               </a:defRPr>
             </a:lvl9pPr>
           </a:lstStyle>
@@ -7552,11 +7279,10 @@
               <a:buSzTx/>
               <a:buFontTx/>
               <a:buNone/>
-              <a:tabLst/>
               <a:defRPr/>
             </a:pPr>
             <a:fld id="{8FE0A883-076A-4371-A43F-43D4B3282AA6}" type="slidenum">
-              <a:rPr kumimoji="0" lang="en-US" sz="1368" b="0" i="0" u="none" strike="noStrike" kern="1200" cap="none" spc="0" normalizeH="0" baseline="0" noProof="0" smtClean="0">
+              <a:rPr kumimoji="0" lang="en-US" sz="1370" b="0" i="0" u="none" strike="noStrike" kern="1200" cap="none" spc="0" normalizeH="0" baseline="0" noProof="0" smtClean="0">
                 <a:ln>
                   <a:noFill/>
                 </a:ln>
@@ -7566,30 +7292,12 @@
                 <a:effectLst/>
                 <a:uLnTx/>
                 <a:uFillTx/>
-                <a:latin typeface="Arial"/>
-                <a:cs typeface="Arial"/>
-                <a:sym typeface="Arial"/>
+                <a:latin typeface="Arial" panose="020B0604020202020204"/>
+                <a:cs typeface="Arial" panose="020B0604020202020204"/>
+                <a:sym typeface="Arial" panose="020B0604020202020204"/>
               </a:rPr>
-              <a:pPr marL="0" marR="0" lvl="0" indent="0" algn="r" defTabSz="914400" rtl="0" eaLnBrk="1" fontAlgn="auto" latinLnBrk="0" hangingPunct="1">
-                <a:lnSpc>
-                  <a:spcPct val="100000"/>
-                </a:lnSpc>
-                <a:spcBef>
-                  <a:spcPts val="0"/>
-                </a:spcBef>
-                <a:spcAft>
-                  <a:spcPts val="0"/>
-                </a:spcAft>
-                <a:buClrTx/>
-                <a:buSzTx/>
-                <a:buFontTx/>
-                <a:buNone/>
-                <a:tabLst/>
-                <a:defRPr/>
-              </a:pPr>
-              <a:t>‹#›</a:t>
             </a:fld>
-            <a:endParaRPr kumimoji="0" lang="en-US" sz="1368" b="0" i="0" u="none" strike="noStrike" kern="1200" cap="none" spc="0" normalizeH="0" baseline="0" noProof="0">
+            <a:endParaRPr kumimoji="0" lang="en-US" sz="1370" b="0" i="0" u="none" strike="noStrike" kern="1200" cap="none" spc="0" normalizeH="0" baseline="0" noProof="0">
               <a:ln>
                 <a:noFill/>
               </a:ln>
@@ -7599,9 +7307,9 @@
               <a:effectLst/>
               <a:uLnTx/>
               <a:uFillTx/>
-              <a:latin typeface="Arial"/>
-              <a:cs typeface="Arial"/>
-              <a:sym typeface="Arial"/>
+              <a:latin typeface="Arial" panose="020B0604020202020204"/>
+              <a:cs typeface="Arial" panose="020B0604020202020204"/>
+              <a:sym typeface="Arial" panose="020B0604020202020204"/>
             </a:endParaRPr>
           </a:p>
         </p:txBody>
@@ -7613,11 +7321,11 @@
           <p:nvPr/>
         </p:nvPicPr>
         <p:blipFill rotWithShape="1">
-          <a:blip r:embed="rId7">
-            <a:alphaModFix/>
-          </a:blip>
+          <a:blip r:embed="rId6"/>
           <a:srcRect t="8147" b="8028"/>
-          <a:stretch/>
+          <a:stretch>
+            <a:fillRect/>
+          </a:stretch>
         </p:blipFill>
         <p:spPr>
           <a:xfrm>
@@ -7672,7 +7380,6 @@
               <a:buSzTx/>
               <a:buFontTx/>
               <a:buNone/>
-              <a:tabLst/>
               <a:defRPr/>
             </a:pPr>
             <a:r>
@@ -7693,7 +7400,7 @@
               </a:rPr>
               <a:t>Progress Through Quality Education</a:t>
             </a:r>
-            <a:endParaRPr kumimoji="0" sz="1539" b="0" i="0" u="none" strike="noStrike" kern="1200" cap="none" spc="0" normalizeH="0" baseline="0" noProof="0">
+            <a:endParaRPr kumimoji="0" sz="1540" b="0" i="0" u="none" strike="noStrike" kern="1200" cap="none" spc="0" normalizeH="0" baseline="0" noProof="0">
               <a:ln>
                 <a:noFill/>
               </a:ln>
@@ -7703,7 +7410,7 @@
               <a:effectLst/>
               <a:uLnTx/>
               <a:uFillTx/>
-              <a:latin typeface="Arial"/>
+              <a:latin typeface="Arial" panose="020B0604020202020204"/>
               <a:ea typeface="+mn-ea"/>
               <a:cs typeface="+mn-cs"/>
             </a:endParaRPr>
@@ -7711,28 +7418,23 @@
         </p:txBody>
       </p:sp>
     </p:spTree>
-    <p:extLst>
-      <p:ext uri="{BB962C8B-B14F-4D97-AF65-F5344CB8AC3E}">
-        <p14:creationId xmlns:p14="http://schemas.microsoft.com/office/powerpoint/2010/main" val="1081046097"/>
-      </p:ext>
-    </p:extLst>
   </p:cSld>
   <p:clrMap bg1="lt1" tx1="dk1" bg2="dk2" tx2="lt2" accent1="accent1" accent2="accent2" accent3="accent3" accent4="accent4" accent5="accent5" accent6="accent6" hlink="hlink" folHlink="folHlink"/>
   <p:sldLayoutIdLst>
-    <p:sldLayoutId id="2147483676" r:id="rId1"/>
-    <p:sldLayoutId id="2147483677" r:id="rId2"/>
-    <p:sldLayoutId id="2147483678" r:id="rId3"/>
-    <p:sldLayoutId id="2147483679" r:id="rId4"/>
-    <p:sldLayoutId id="2147483680" r:id="rId5"/>
+    <p:sldLayoutId id="2147483654" r:id="rId1"/>
+    <p:sldLayoutId id="2147483655" r:id="rId2"/>
+    <p:sldLayoutId id="2147483656" r:id="rId3"/>
+    <p:sldLayoutId id="2147483657" r:id="rId4"/>
+    <p:sldLayoutId id="2147483658" r:id="rId5"/>
   </p:sldLayoutIdLst>
-  <mc:AlternateContent xmlns:mc="http://schemas.openxmlformats.org/markup-compatibility/2006" xmlns:p14="http://schemas.microsoft.com/office/powerpoint/2010/main">
-    <mc:Choice Requires="p14">
+  <mc:AlternateContent xmlns:mc="http://schemas.openxmlformats.org/markup-compatibility/2006">
+    <mc:Choice xmlns:p14="http://schemas.microsoft.com/office/powerpoint/2010/main" Requires="p14">
       <p:transition spd="med" p14:dur="700">
         <p:fade/>
       </p:transition>
     </mc:Choice>
-    <mc:Fallback xmlns="">
-      <p:transition spd="slow">
+    <mc:Fallback>
+      <p:transition spd="med">
         <p:fade/>
       </p:transition>
     </mc:Fallback>
@@ -7770,15 +7472,15 @@
         <a:buClr>
           <a:srgbClr val="000000"/>
         </a:buClr>
-        <a:buFont typeface="Arial"/>
-        <a:defRPr sz="1197" b="0" i="0" u="none" strike="noStrike" cap="none">
+        <a:buFont typeface="Arial" panose="020B0604020202020204"/>
+        <a:defRPr sz="1195" b="0" i="0" u="none" strike="noStrike" cap="none">
           <a:solidFill>
             <a:srgbClr val="000000"/>
           </a:solidFill>
-          <a:latin typeface="Arial"/>
-          <a:ea typeface="Arial"/>
-          <a:cs typeface="Arial"/>
-          <a:sym typeface="Arial"/>
+          <a:latin typeface="Arial" panose="020B0604020202020204"/>
+          <a:ea typeface="Arial" panose="020B0604020202020204"/>
+          <a:cs typeface="Arial" panose="020B0604020202020204"/>
+          <a:sym typeface="Arial" panose="020B0604020202020204"/>
         </a:defRPr>
       </a:lvl1pPr>
       <a:lvl2pPr marR="0" lvl="1" algn="l" rtl="0" eaLnBrk="1" hangingPunct="1">
@@ -7794,15 +7496,15 @@
         <a:buClr>
           <a:srgbClr val="000000"/>
         </a:buClr>
-        <a:buFont typeface="Arial"/>
-        <a:defRPr sz="1197" b="0" i="0" u="none" strike="noStrike" cap="none">
+        <a:buFont typeface="Arial" panose="020B0604020202020204"/>
+        <a:defRPr sz="1195" b="0" i="0" u="none" strike="noStrike" cap="none">
           <a:solidFill>
             <a:srgbClr val="000000"/>
           </a:solidFill>
-          <a:latin typeface="Arial"/>
-          <a:ea typeface="Arial"/>
-          <a:cs typeface="Arial"/>
-          <a:sym typeface="Arial"/>
+          <a:latin typeface="Arial" panose="020B0604020202020204"/>
+          <a:ea typeface="Arial" panose="020B0604020202020204"/>
+          <a:cs typeface="Arial" panose="020B0604020202020204"/>
+          <a:sym typeface="Arial" panose="020B0604020202020204"/>
         </a:defRPr>
       </a:lvl2pPr>
       <a:lvl3pPr marR="0" lvl="2" algn="l" rtl="0" eaLnBrk="1" hangingPunct="1">
@@ -7818,15 +7520,15 @@
         <a:buClr>
           <a:srgbClr val="000000"/>
         </a:buClr>
-        <a:buFont typeface="Arial"/>
-        <a:defRPr sz="1197" b="0" i="0" u="none" strike="noStrike" cap="none">
+        <a:buFont typeface="Arial" panose="020B0604020202020204"/>
+        <a:defRPr sz="1195" b="0" i="0" u="none" strike="noStrike" cap="none">
           <a:solidFill>
             <a:srgbClr val="000000"/>
           </a:solidFill>
-          <a:latin typeface="Arial"/>
-          <a:ea typeface="Arial"/>
-          <a:cs typeface="Arial"/>
-          <a:sym typeface="Arial"/>
+          <a:latin typeface="Arial" panose="020B0604020202020204"/>
+          <a:ea typeface="Arial" panose="020B0604020202020204"/>
+          <a:cs typeface="Arial" panose="020B0604020202020204"/>
+          <a:sym typeface="Arial" panose="020B0604020202020204"/>
         </a:defRPr>
       </a:lvl3pPr>
       <a:lvl4pPr marR="0" lvl="3" algn="l" rtl="0" eaLnBrk="1" hangingPunct="1">
@@ -7842,15 +7544,15 @@
         <a:buClr>
           <a:srgbClr val="000000"/>
         </a:buClr>
-        <a:buFont typeface="Arial"/>
-        <a:defRPr sz="1197" b="0" i="0" u="none" strike="noStrike" cap="none">
+        <a:buFont typeface="Arial" panose="020B0604020202020204"/>
+        <a:defRPr sz="1195" b="0" i="0" u="none" strike="noStrike" cap="none">
           <a:solidFill>
             <a:srgbClr val="000000"/>
           </a:solidFill>
-          <a:latin typeface="Arial"/>
-          <a:ea typeface="Arial"/>
-          <a:cs typeface="Arial"/>
-          <a:sym typeface="Arial"/>
+          <a:latin typeface="Arial" panose="020B0604020202020204"/>
+          <a:ea typeface="Arial" panose="020B0604020202020204"/>
+          <a:cs typeface="Arial" panose="020B0604020202020204"/>
+          <a:sym typeface="Arial" panose="020B0604020202020204"/>
         </a:defRPr>
       </a:lvl4pPr>
       <a:lvl5pPr marR="0" lvl="4" algn="l" rtl="0" eaLnBrk="1" hangingPunct="1">
@@ -7866,15 +7568,15 @@
         <a:buClr>
           <a:srgbClr val="000000"/>
         </a:buClr>
-        <a:buFont typeface="Arial"/>
-        <a:defRPr sz="1197" b="0" i="0" u="none" strike="noStrike" cap="none">
+        <a:buFont typeface="Arial" panose="020B0604020202020204"/>
+        <a:defRPr sz="1195" b="0" i="0" u="none" strike="noStrike" cap="none">
           <a:solidFill>
             <a:srgbClr val="000000"/>
           </a:solidFill>
-          <a:latin typeface="Arial"/>
-          <a:ea typeface="Arial"/>
-          <a:cs typeface="Arial"/>
-          <a:sym typeface="Arial"/>
+          <a:latin typeface="Arial" panose="020B0604020202020204"/>
+          <a:ea typeface="Arial" panose="020B0604020202020204"/>
+          <a:cs typeface="Arial" panose="020B0604020202020204"/>
+          <a:sym typeface="Arial" panose="020B0604020202020204"/>
         </a:defRPr>
       </a:lvl5pPr>
       <a:lvl6pPr marR="0" lvl="5" algn="l" rtl="0" eaLnBrk="1" hangingPunct="1">
@@ -7890,15 +7592,15 @@
         <a:buClr>
           <a:srgbClr val="000000"/>
         </a:buClr>
-        <a:buFont typeface="Arial"/>
-        <a:defRPr sz="1197" b="0" i="0" u="none" strike="noStrike" cap="none">
+        <a:buFont typeface="Arial" panose="020B0604020202020204"/>
+        <a:defRPr sz="1195" b="0" i="0" u="none" strike="noStrike" cap="none">
           <a:solidFill>
             <a:srgbClr val="000000"/>
           </a:solidFill>
-          <a:latin typeface="Arial"/>
-          <a:ea typeface="Arial"/>
-          <a:cs typeface="Arial"/>
-          <a:sym typeface="Arial"/>
+          <a:latin typeface="Arial" panose="020B0604020202020204"/>
+          <a:ea typeface="Arial" panose="020B0604020202020204"/>
+          <a:cs typeface="Arial" panose="020B0604020202020204"/>
+          <a:sym typeface="Arial" panose="020B0604020202020204"/>
         </a:defRPr>
       </a:lvl6pPr>
       <a:lvl7pPr marR="0" lvl="6" algn="l" rtl="0" eaLnBrk="1" hangingPunct="1">
@@ -7914,15 +7616,15 @@
         <a:buClr>
           <a:srgbClr val="000000"/>
         </a:buClr>
-        <a:buFont typeface="Arial"/>
-        <a:defRPr sz="1197" b="0" i="0" u="none" strike="noStrike" cap="none">
+        <a:buFont typeface="Arial" panose="020B0604020202020204"/>
+        <a:defRPr sz="1195" b="0" i="0" u="none" strike="noStrike" cap="none">
           <a:solidFill>
             <a:srgbClr val="000000"/>
           </a:solidFill>
-          <a:latin typeface="Arial"/>
-          <a:ea typeface="Arial"/>
-          <a:cs typeface="Arial"/>
-          <a:sym typeface="Arial"/>
+          <a:latin typeface="Arial" panose="020B0604020202020204"/>
+          <a:ea typeface="Arial" panose="020B0604020202020204"/>
+          <a:cs typeface="Arial" panose="020B0604020202020204"/>
+          <a:sym typeface="Arial" panose="020B0604020202020204"/>
         </a:defRPr>
       </a:lvl7pPr>
       <a:lvl8pPr marR="0" lvl="7" algn="l" rtl="0" eaLnBrk="1" hangingPunct="1">
@@ -7938,15 +7640,15 @@
         <a:buClr>
           <a:srgbClr val="000000"/>
         </a:buClr>
-        <a:buFont typeface="Arial"/>
-        <a:defRPr sz="1197" b="0" i="0" u="none" strike="noStrike" cap="none">
+        <a:buFont typeface="Arial" panose="020B0604020202020204"/>
+        <a:defRPr sz="1195" b="0" i="0" u="none" strike="noStrike" cap="none">
           <a:solidFill>
             <a:srgbClr val="000000"/>
           </a:solidFill>
-          <a:latin typeface="Arial"/>
-          <a:ea typeface="Arial"/>
-          <a:cs typeface="Arial"/>
-          <a:sym typeface="Arial"/>
+          <a:latin typeface="Arial" panose="020B0604020202020204"/>
+          <a:ea typeface="Arial" panose="020B0604020202020204"/>
+          <a:cs typeface="Arial" panose="020B0604020202020204"/>
+          <a:sym typeface="Arial" panose="020B0604020202020204"/>
         </a:defRPr>
       </a:lvl8pPr>
       <a:lvl9pPr marR="0" lvl="8" algn="l" rtl="0" eaLnBrk="1" hangingPunct="1">
@@ -7962,15 +7664,15 @@
         <a:buClr>
           <a:srgbClr val="000000"/>
         </a:buClr>
-        <a:buFont typeface="Arial"/>
-        <a:defRPr sz="1197" b="0" i="0" u="none" strike="noStrike" cap="none">
+        <a:buFont typeface="Arial" panose="020B0604020202020204"/>
+        <a:defRPr sz="1195" b="0" i="0" u="none" strike="noStrike" cap="none">
           <a:solidFill>
             <a:srgbClr val="000000"/>
           </a:solidFill>
-          <a:latin typeface="Arial"/>
-          <a:ea typeface="Arial"/>
-          <a:cs typeface="Arial"/>
-          <a:sym typeface="Arial"/>
+          <a:latin typeface="Arial" panose="020B0604020202020204"/>
+          <a:ea typeface="Arial" panose="020B0604020202020204"/>
+          <a:cs typeface="Arial" panose="020B0604020202020204"/>
+          <a:sym typeface="Arial" panose="020B0604020202020204"/>
         </a:defRPr>
       </a:lvl9pPr>
     </p:titleStyle>
@@ -7999,15 +7701,15 @@
         <a:buClr>
           <a:srgbClr val="000000"/>
         </a:buClr>
-        <a:buFont typeface="Arial"/>
-        <a:defRPr sz="1197" b="0" i="0" u="none" strike="noStrike" cap="none">
+        <a:buFont typeface="Arial" panose="020B0604020202020204"/>
+        <a:defRPr sz="1195" b="0" i="0" u="none" strike="noStrike" cap="none">
           <a:solidFill>
             <a:srgbClr val="000000"/>
           </a:solidFill>
-          <a:latin typeface="Arial"/>
-          <a:ea typeface="Arial"/>
-          <a:cs typeface="Arial"/>
-          <a:sym typeface="Arial"/>
+          <a:latin typeface="Arial" panose="020B0604020202020204"/>
+          <a:ea typeface="Arial" panose="020B0604020202020204"/>
+          <a:cs typeface="Arial" panose="020B0604020202020204"/>
+          <a:sym typeface="Arial" panose="020B0604020202020204"/>
         </a:defRPr>
       </a:lvl1pPr>
       <a:lvl2pPr marR="0" lvl="1" algn="l" rtl="0" eaLnBrk="1" hangingPunct="1">
@@ -8023,15 +7725,15 @@
         <a:buClr>
           <a:srgbClr val="000000"/>
         </a:buClr>
-        <a:buFont typeface="Arial"/>
-        <a:defRPr sz="1197" b="0" i="0" u="none" strike="noStrike" cap="none">
+        <a:buFont typeface="Arial" panose="020B0604020202020204"/>
+        <a:defRPr sz="1195" b="0" i="0" u="none" strike="noStrike" cap="none">
           <a:solidFill>
             <a:srgbClr val="000000"/>
           </a:solidFill>
-          <a:latin typeface="Arial"/>
-          <a:ea typeface="Arial"/>
-          <a:cs typeface="Arial"/>
-          <a:sym typeface="Arial"/>
+          <a:latin typeface="Arial" panose="020B0604020202020204"/>
+          <a:ea typeface="Arial" panose="020B0604020202020204"/>
+          <a:cs typeface="Arial" panose="020B0604020202020204"/>
+          <a:sym typeface="Arial" panose="020B0604020202020204"/>
         </a:defRPr>
       </a:lvl2pPr>
       <a:lvl3pPr marR="0" lvl="2" algn="l" rtl="0" eaLnBrk="1" hangingPunct="1">
@@ -8047,15 +7749,15 @@
         <a:buClr>
           <a:srgbClr val="000000"/>
         </a:buClr>
-        <a:buFont typeface="Arial"/>
-        <a:defRPr sz="1197" b="0" i="0" u="none" strike="noStrike" cap="none">
+        <a:buFont typeface="Arial" panose="020B0604020202020204"/>
+        <a:defRPr sz="1195" b="0" i="0" u="none" strike="noStrike" cap="none">
           <a:solidFill>
             <a:srgbClr val="000000"/>
           </a:solidFill>
-          <a:latin typeface="Arial"/>
-          <a:ea typeface="Arial"/>
-          <a:cs typeface="Arial"/>
-          <a:sym typeface="Arial"/>
+          <a:latin typeface="Arial" panose="020B0604020202020204"/>
+          <a:ea typeface="Arial" panose="020B0604020202020204"/>
+          <a:cs typeface="Arial" panose="020B0604020202020204"/>
+          <a:sym typeface="Arial" panose="020B0604020202020204"/>
         </a:defRPr>
       </a:lvl3pPr>
       <a:lvl4pPr marR="0" lvl="3" algn="l" rtl="0" eaLnBrk="1" hangingPunct="1">
@@ -8071,15 +7773,15 @@
         <a:buClr>
           <a:srgbClr val="000000"/>
         </a:buClr>
-        <a:buFont typeface="Arial"/>
-        <a:defRPr sz="1197" b="0" i="0" u="none" strike="noStrike" cap="none">
+        <a:buFont typeface="Arial" panose="020B0604020202020204"/>
+        <a:defRPr sz="1195" b="0" i="0" u="none" strike="noStrike" cap="none">
           <a:solidFill>
             <a:srgbClr val="000000"/>
           </a:solidFill>
-          <a:latin typeface="Arial"/>
-          <a:ea typeface="Arial"/>
-          <a:cs typeface="Arial"/>
-          <a:sym typeface="Arial"/>
+          <a:latin typeface="Arial" panose="020B0604020202020204"/>
+          <a:ea typeface="Arial" panose="020B0604020202020204"/>
+          <a:cs typeface="Arial" panose="020B0604020202020204"/>
+          <a:sym typeface="Arial" panose="020B0604020202020204"/>
         </a:defRPr>
       </a:lvl4pPr>
       <a:lvl5pPr marR="0" lvl="4" algn="l" rtl="0" eaLnBrk="1" hangingPunct="1">
@@ -8095,15 +7797,15 @@
         <a:buClr>
           <a:srgbClr val="000000"/>
         </a:buClr>
-        <a:buFont typeface="Arial"/>
-        <a:defRPr sz="1197" b="0" i="0" u="none" strike="noStrike" cap="none">
+        <a:buFont typeface="Arial" panose="020B0604020202020204"/>
+        <a:defRPr sz="1195" b="0" i="0" u="none" strike="noStrike" cap="none">
           <a:solidFill>
             <a:srgbClr val="000000"/>
           </a:solidFill>
-          <a:latin typeface="Arial"/>
-          <a:ea typeface="Arial"/>
-          <a:cs typeface="Arial"/>
-          <a:sym typeface="Arial"/>
+          <a:latin typeface="Arial" panose="020B0604020202020204"/>
+          <a:ea typeface="Arial" panose="020B0604020202020204"/>
+          <a:cs typeface="Arial" panose="020B0604020202020204"/>
+          <a:sym typeface="Arial" panose="020B0604020202020204"/>
         </a:defRPr>
       </a:lvl5pPr>
       <a:lvl6pPr marR="0" lvl="5" algn="l" rtl="0" eaLnBrk="1" hangingPunct="1">
@@ -8119,15 +7821,15 @@
         <a:buClr>
           <a:srgbClr val="000000"/>
         </a:buClr>
-        <a:buFont typeface="Arial"/>
-        <a:defRPr sz="1197" b="0" i="0" u="none" strike="noStrike" cap="none">
+        <a:buFont typeface="Arial" panose="020B0604020202020204"/>
+        <a:defRPr sz="1195" b="0" i="0" u="none" strike="noStrike" cap="none">
           <a:solidFill>
             <a:srgbClr val="000000"/>
           </a:solidFill>
-          <a:latin typeface="Arial"/>
-          <a:ea typeface="Arial"/>
-          <a:cs typeface="Arial"/>
-          <a:sym typeface="Arial"/>
+          <a:latin typeface="Arial" panose="020B0604020202020204"/>
+          <a:ea typeface="Arial" panose="020B0604020202020204"/>
+          <a:cs typeface="Arial" panose="020B0604020202020204"/>
+          <a:sym typeface="Arial" panose="020B0604020202020204"/>
         </a:defRPr>
       </a:lvl6pPr>
       <a:lvl7pPr marR="0" lvl="6" algn="l" rtl="0" eaLnBrk="1" hangingPunct="1">
@@ -8143,15 +7845,15 @@
         <a:buClr>
           <a:srgbClr val="000000"/>
         </a:buClr>
-        <a:buFont typeface="Arial"/>
-        <a:defRPr sz="1197" b="0" i="0" u="none" strike="noStrike" cap="none">
+        <a:buFont typeface="Arial" panose="020B0604020202020204"/>
+        <a:defRPr sz="1195" b="0" i="0" u="none" strike="noStrike" cap="none">
           <a:solidFill>
             <a:srgbClr val="000000"/>
           </a:solidFill>
-          <a:latin typeface="Arial"/>
-          <a:ea typeface="Arial"/>
-          <a:cs typeface="Arial"/>
-          <a:sym typeface="Arial"/>
+          <a:latin typeface="Arial" panose="020B0604020202020204"/>
+          <a:ea typeface="Arial" panose="020B0604020202020204"/>
+          <a:cs typeface="Arial" panose="020B0604020202020204"/>
+          <a:sym typeface="Arial" panose="020B0604020202020204"/>
         </a:defRPr>
       </a:lvl7pPr>
       <a:lvl8pPr marR="0" lvl="7" algn="l" rtl="0" eaLnBrk="1" hangingPunct="1">
@@ -8167,15 +7869,15 @@
         <a:buClr>
           <a:srgbClr val="000000"/>
         </a:buClr>
-        <a:buFont typeface="Arial"/>
-        <a:defRPr sz="1197" b="0" i="0" u="none" strike="noStrike" cap="none">
+        <a:buFont typeface="Arial" panose="020B0604020202020204"/>
+        <a:defRPr sz="1195" b="0" i="0" u="none" strike="noStrike" cap="none">
           <a:solidFill>
             <a:srgbClr val="000000"/>
           </a:solidFill>
-          <a:latin typeface="Arial"/>
-          <a:ea typeface="Arial"/>
-          <a:cs typeface="Arial"/>
-          <a:sym typeface="Arial"/>
+          <a:latin typeface="Arial" panose="020B0604020202020204"/>
+          <a:ea typeface="Arial" panose="020B0604020202020204"/>
+          <a:cs typeface="Arial" panose="020B0604020202020204"/>
+          <a:sym typeface="Arial" panose="020B0604020202020204"/>
         </a:defRPr>
       </a:lvl8pPr>
       <a:lvl9pPr marR="0" lvl="8" algn="l" rtl="0" eaLnBrk="1" hangingPunct="1">
@@ -8191,15 +7893,15 @@
         <a:buClr>
           <a:srgbClr val="000000"/>
         </a:buClr>
-        <a:buFont typeface="Arial"/>
-        <a:defRPr sz="1197" b="0" i="0" u="none" strike="noStrike" cap="none">
+        <a:buFont typeface="Arial" panose="020B0604020202020204"/>
+        <a:defRPr sz="1195" b="0" i="0" u="none" strike="noStrike" cap="none">
           <a:solidFill>
             <a:srgbClr val="000000"/>
           </a:solidFill>
-          <a:latin typeface="Arial"/>
-          <a:ea typeface="Arial"/>
-          <a:cs typeface="Arial"/>
-          <a:sym typeface="Arial"/>
+          <a:latin typeface="Arial" panose="020B0604020202020204"/>
+          <a:ea typeface="Arial" panose="020B0604020202020204"/>
+          <a:cs typeface="Arial" panose="020B0604020202020204"/>
+          <a:sym typeface="Arial" panose="020B0604020202020204"/>
         </a:defRPr>
       </a:lvl9pPr>
     </p:bodyStyle>
@@ -8228,15 +7930,15 @@
         <a:buClr>
           <a:srgbClr val="000000"/>
         </a:buClr>
-        <a:buFont typeface="Arial"/>
-        <a:defRPr sz="1197" b="0" i="0" u="none" strike="noStrike" cap="none">
+        <a:buFont typeface="Arial" panose="020B0604020202020204"/>
+        <a:defRPr sz="1195" b="0" i="0" u="none" strike="noStrike" cap="none">
           <a:solidFill>
             <a:srgbClr val="000000"/>
           </a:solidFill>
-          <a:latin typeface="Arial"/>
-          <a:ea typeface="Arial"/>
-          <a:cs typeface="Arial"/>
-          <a:sym typeface="Arial"/>
+          <a:latin typeface="Arial" panose="020B0604020202020204"/>
+          <a:ea typeface="Arial" panose="020B0604020202020204"/>
+          <a:cs typeface="Arial" panose="020B0604020202020204"/>
+          <a:sym typeface="Arial" panose="020B0604020202020204"/>
         </a:defRPr>
       </a:lvl1pPr>
       <a:lvl2pPr marR="0" lvl="1" algn="l" rtl="0" eaLnBrk="1" hangingPunct="1">
@@ -8252,15 +7954,15 @@
         <a:buClr>
           <a:srgbClr val="000000"/>
         </a:buClr>
-        <a:buFont typeface="Arial"/>
-        <a:defRPr sz="1197" b="0" i="0" u="none" strike="noStrike" cap="none">
+        <a:buFont typeface="Arial" panose="020B0604020202020204"/>
+        <a:defRPr sz="1195" b="0" i="0" u="none" strike="noStrike" cap="none">
           <a:solidFill>
             <a:srgbClr val="000000"/>
           </a:solidFill>
-          <a:latin typeface="Arial"/>
-          <a:ea typeface="Arial"/>
-          <a:cs typeface="Arial"/>
-          <a:sym typeface="Arial"/>
+          <a:latin typeface="Arial" panose="020B0604020202020204"/>
+          <a:ea typeface="Arial" panose="020B0604020202020204"/>
+          <a:cs typeface="Arial" panose="020B0604020202020204"/>
+          <a:sym typeface="Arial" panose="020B0604020202020204"/>
         </a:defRPr>
       </a:lvl2pPr>
       <a:lvl3pPr marR="0" lvl="2" algn="l" rtl="0" eaLnBrk="1" hangingPunct="1">
@@ -8276,15 +7978,15 @@
         <a:buClr>
           <a:srgbClr val="000000"/>
         </a:buClr>
-        <a:buFont typeface="Arial"/>
-        <a:defRPr sz="1197" b="0" i="0" u="none" strike="noStrike" cap="none">
+        <a:buFont typeface="Arial" panose="020B0604020202020204"/>
+        <a:defRPr sz="1195" b="0" i="0" u="none" strike="noStrike" cap="none">
           <a:solidFill>
             <a:srgbClr val="000000"/>
           </a:solidFill>
-          <a:latin typeface="Arial"/>
-          <a:ea typeface="Arial"/>
-          <a:cs typeface="Arial"/>
-          <a:sym typeface="Arial"/>
+          <a:latin typeface="Arial" panose="020B0604020202020204"/>
+          <a:ea typeface="Arial" panose="020B0604020202020204"/>
+          <a:cs typeface="Arial" panose="020B0604020202020204"/>
+          <a:sym typeface="Arial" panose="020B0604020202020204"/>
         </a:defRPr>
       </a:lvl3pPr>
       <a:lvl4pPr marR="0" lvl="3" algn="l" rtl="0" eaLnBrk="1" hangingPunct="1">
@@ -8300,15 +8002,15 @@
         <a:buClr>
           <a:srgbClr val="000000"/>
         </a:buClr>
-        <a:buFont typeface="Arial"/>
-        <a:defRPr sz="1197" b="0" i="0" u="none" strike="noStrike" cap="none">
+        <a:buFont typeface="Arial" panose="020B0604020202020204"/>
+        <a:defRPr sz="1195" b="0" i="0" u="none" strike="noStrike" cap="none">
           <a:solidFill>
             <a:srgbClr val="000000"/>
           </a:solidFill>
-          <a:latin typeface="Arial"/>
-          <a:ea typeface="Arial"/>
-          <a:cs typeface="Arial"/>
-          <a:sym typeface="Arial"/>
+          <a:latin typeface="Arial" panose="020B0604020202020204"/>
+          <a:ea typeface="Arial" panose="020B0604020202020204"/>
+          <a:cs typeface="Arial" panose="020B0604020202020204"/>
+          <a:sym typeface="Arial" panose="020B0604020202020204"/>
         </a:defRPr>
       </a:lvl4pPr>
       <a:lvl5pPr marR="0" lvl="4" algn="l" rtl="0" eaLnBrk="1" hangingPunct="1">
@@ -8324,15 +8026,15 @@
         <a:buClr>
           <a:srgbClr val="000000"/>
         </a:buClr>
-        <a:buFont typeface="Arial"/>
-        <a:defRPr sz="1197" b="0" i="0" u="none" strike="noStrike" cap="none">
+        <a:buFont typeface="Arial" panose="020B0604020202020204"/>
+        <a:defRPr sz="1195" b="0" i="0" u="none" strike="noStrike" cap="none">
           <a:solidFill>
             <a:srgbClr val="000000"/>
           </a:solidFill>
-          <a:latin typeface="Arial"/>
-          <a:ea typeface="Arial"/>
-          <a:cs typeface="Arial"/>
-          <a:sym typeface="Arial"/>
+          <a:latin typeface="Arial" panose="020B0604020202020204"/>
+          <a:ea typeface="Arial" panose="020B0604020202020204"/>
+          <a:cs typeface="Arial" panose="020B0604020202020204"/>
+          <a:sym typeface="Arial" panose="020B0604020202020204"/>
         </a:defRPr>
       </a:lvl5pPr>
       <a:lvl6pPr marR="0" lvl="5" algn="l" rtl="0" eaLnBrk="1" hangingPunct="1">
@@ -8348,15 +8050,15 @@
         <a:buClr>
           <a:srgbClr val="000000"/>
         </a:buClr>
-        <a:buFont typeface="Arial"/>
-        <a:defRPr sz="1197" b="0" i="0" u="none" strike="noStrike" cap="none">
+        <a:buFont typeface="Arial" panose="020B0604020202020204"/>
+        <a:defRPr sz="1195" b="0" i="0" u="none" strike="noStrike" cap="none">
           <a:solidFill>
             <a:srgbClr val="000000"/>
           </a:solidFill>
-          <a:latin typeface="Arial"/>
-          <a:ea typeface="Arial"/>
-          <a:cs typeface="Arial"/>
-          <a:sym typeface="Arial"/>
+          <a:latin typeface="Arial" panose="020B0604020202020204"/>
+          <a:ea typeface="Arial" panose="020B0604020202020204"/>
+          <a:cs typeface="Arial" panose="020B0604020202020204"/>
+          <a:sym typeface="Arial" panose="020B0604020202020204"/>
         </a:defRPr>
       </a:lvl6pPr>
       <a:lvl7pPr marR="0" lvl="6" algn="l" rtl="0" eaLnBrk="1" hangingPunct="1">
@@ -8372,15 +8074,15 @@
         <a:buClr>
           <a:srgbClr val="000000"/>
         </a:buClr>
-        <a:buFont typeface="Arial"/>
-        <a:defRPr sz="1197" b="0" i="0" u="none" strike="noStrike" cap="none">
+        <a:buFont typeface="Arial" panose="020B0604020202020204"/>
+        <a:defRPr sz="1195" b="0" i="0" u="none" strike="noStrike" cap="none">
           <a:solidFill>
             <a:srgbClr val="000000"/>
           </a:solidFill>
-          <a:latin typeface="Arial"/>
-          <a:ea typeface="Arial"/>
-          <a:cs typeface="Arial"/>
-          <a:sym typeface="Arial"/>
+          <a:latin typeface="Arial" panose="020B0604020202020204"/>
+          <a:ea typeface="Arial" panose="020B0604020202020204"/>
+          <a:cs typeface="Arial" panose="020B0604020202020204"/>
+          <a:sym typeface="Arial" panose="020B0604020202020204"/>
         </a:defRPr>
       </a:lvl7pPr>
       <a:lvl8pPr marR="0" lvl="7" algn="l" rtl="0" eaLnBrk="1" hangingPunct="1">
@@ -8396,15 +8098,15 @@
         <a:buClr>
           <a:srgbClr val="000000"/>
         </a:buClr>
-        <a:buFont typeface="Arial"/>
-        <a:defRPr sz="1197" b="0" i="0" u="none" strike="noStrike" cap="none">
+        <a:buFont typeface="Arial" panose="020B0604020202020204"/>
+        <a:defRPr sz="1195" b="0" i="0" u="none" strike="noStrike" cap="none">
           <a:solidFill>
             <a:srgbClr val="000000"/>
           </a:solidFill>
-          <a:latin typeface="Arial"/>
-          <a:ea typeface="Arial"/>
-          <a:cs typeface="Arial"/>
-          <a:sym typeface="Arial"/>
+          <a:latin typeface="Arial" panose="020B0604020202020204"/>
+          <a:ea typeface="Arial" panose="020B0604020202020204"/>
+          <a:cs typeface="Arial" panose="020B0604020202020204"/>
+          <a:sym typeface="Arial" panose="020B0604020202020204"/>
         </a:defRPr>
       </a:lvl8pPr>
       <a:lvl9pPr marR="0" lvl="8" algn="l" rtl="0" eaLnBrk="1" hangingPunct="1">
@@ -8420,15 +8122,15 @@
         <a:buClr>
           <a:srgbClr val="000000"/>
         </a:buClr>
-        <a:buFont typeface="Arial"/>
-        <a:defRPr sz="1197" b="0" i="0" u="none" strike="noStrike" cap="none">
+        <a:buFont typeface="Arial" panose="020B0604020202020204"/>
+        <a:defRPr sz="1195" b="0" i="0" u="none" strike="noStrike" cap="none">
           <a:solidFill>
             <a:srgbClr val="000000"/>
           </a:solidFill>
-          <a:latin typeface="Arial"/>
-          <a:ea typeface="Arial"/>
-          <a:cs typeface="Arial"/>
-          <a:sym typeface="Arial"/>
+          <a:latin typeface="Arial" panose="020B0604020202020204"/>
+          <a:ea typeface="Arial" panose="020B0604020202020204"/>
+          <a:cs typeface="Arial" panose="020B0604020202020204"/>
+          <a:sym typeface="Arial" panose="020B0604020202020204"/>
         </a:defRPr>
       </a:lvl9pPr>
     </p:otherStyle>
@@ -8481,15 +8183,18 @@
               </a:rPr>
               <a:t>II Year M.C.A </a:t>
             </a:r>
+            <a:endParaRPr lang="en-IN" sz="3500" b="1" dirty="0">
+              <a:solidFill>
+                <a:schemeClr val="accent6"/>
+              </a:solidFill>
+            </a:endParaRPr>
           </a:p>
         </p:txBody>
       </p:sp>
       <p:sp>
         <p:nvSpPr>
           <p:cNvPr id="7" name="Title 5"/>
-          <p:cNvSpPr txBox="1">
-            <a:spLocks/>
-          </p:cNvSpPr>
+          <p:cNvSpPr txBox="1"/>
           <p:nvPr/>
         </p:nvSpPr>
         <p:spPr>
@@ -8521,7 +8226,6 @@
               <a:buSzTx/>
               <a:buFontTx/>
               <a:buNone/>
-              <a:tabLst/>
               <a:defRPr/>
             </a:pPr>
             <a:r>
@@ -8535,7 +8239,7 @@
                 <a:effectLst/>
                 <a:uLnTx/>
                 <a:uFillTx/>
-                <a:latin typeface="Arial"/>
+                <a:latin typeface="Arial" panose="020B0604020202020204"/>
                 <a:ea typeface="+mn-ea"/>
                 <a:cs typeface="+mn-cs"/>
               </a:rPr>
@@ -8552,21 +8256,33 @@
                 <a:effectLst/>
                 <a:uLnTx/>
                 <a:uFillTx/>
-                <a:latin typeface="Arial"/>
+                <a:latin typeface="Arial" panose="020B0604020202020204"/>
                 <a:ea typeface="+mn-ea"/>
                 <a:cs typeface="+mn-cs"/>
               </a:rPr>
               <a:t> Web Technology</a:t>
             </a:r>
+            <a:endParaRPr kumimoji="0" lang="en-IN" sz="4000" b="1" i="0" u="none" strike="noStrike" kern="1200" cap="none" spc="0" normalizeH="0" baseline="0" noProof="0" dirty="0">
+              <a:ln>
+                <a:noFill/>
+              </a:ln>
+              <a:solidFill>
+                <a:schemeClr val="accent6"/>
+              </a:solidFill>
+              <a:effectLst/>
+              <a:uLnTx/>
+              <a:uFillTx/>
+              <a:latin typeface="Arial" panose="020B0604020202020204"/>
+              <a:ea typeface="+mn-ea"/>
+              <a:cs typeface="+mn-cs"/>
+            </a:endParaRPr>
           </a:p>
         </p:txBody>
       </p:sp>
       <p:sp>
         <p:nvSpPr>
           <p:cNvPr id="9" name="Title 3"/>
-          <p:cNvSpPr txBox="1">
-            <a:spLocks/>
-          </p:cNvSpPr>
+          <p:cNvSpPr txBox="1"/>
           <p:nvPr/>
         </p:nvSpPr>
         <p:spPr bwMode="auto">
@@ -8581,17 +8297,11 @@
           <a:ln w="9525">
             <a:noFill/>
             <a:miter lim="800000"/>
-            <a:headEnd/>
-            <a:tailEnd/>
           </a:ln>
           <a:effectLst/>
         </p:spPr>
         <p:txBody>
-          <a:bodyPr vert="horz" wrap="square" lIns="91440" tIns="45720" rIns="91440" bIns="45720" numCol="1" anchor="ctr" anchorCtr="0" compatLnSpc="1">
-            <a:prstTxWarp prst="textNoShape">
-              <a:avLst/>
-            </a:prstTxWarp>
-          </a:bodyPr>
+          <a:bodyPr vert="horz" wrap="square" lIns="91440" tIns="45720" rIns="91440" bIns="45720" numCol="1" anchor="ctr" anchorCtr="0" compatLnSpc="1"/>
           <a:lstStyle/>
           <a:p>
             <a:pPr marL="0" marR="0" lvl="0" indent="0" algn="ctr" defTabSz="914400" rtl="0" eaLnBrk="1" fontAlgn="base" latinLnBrk="0" hangingPunct="1">
@@ -8608,7 +8318,6 @@
               <a:buSzTx/>
               <a:buFontTx/>
               <a:buNone/>
-              <a:tabLst/>
               <a:defRPr/>
             </a:pPr>
             <a:r>
@@ -8622,7 +8331,7 @@
                 <a:effectLst/>
                 <a:uLnTx/>
                 <a:uFillTx/>
-                <a:latin typeface="Arial"/>
+                <a:latin typeface="Arial" panose="020B0604020202020204"/>
                 <a:ea typeface="+mn-ea"/>
                 <a:cs typeface="+mn-cs"/>
               </a:rPr>
@@ -8639,7 +8348,7 @@
                 <a:effectLst/>
                 <a:uLnTx/>
                 <a:uFillTx/>
-                <a:latin typeface="Arial"/>
+                <a:latin typeface="Arial" panose="020B0604020202020204"/>
                 <a:ea typeface="+mn-ea"/>
                 <a:cs typeface="+mn-cs"/>
               </a:rPr>
@@ -8655,7 +8364,7 @@
               <a:effectLst/>
               <a:uLnTx/>
               <a:uFillTx/>
-              <a:latin typeface="Arial"/>
+              <a:latin typeface="Arial" panose="020B0604020202020204"/>
               <a:ea typeface="+mn-ea"/>
               <a:cs typeface="+mn-cs"/>
             </a:endParaRPr>
@@ -8665,9 +8374,7 @@
       <p:sp>
         <p:nvSpPr>
           <p:cNvPr id="6" name="Title 3"/>
-          <p:cNvSpPr txBox="1">
-            <a:spLocks/>
-          </p:cNvSpPr>
+          <p:cNvSpPr txBox="1"/>
           <p:nvPr/>
         </p:nvSpPr>
         <p:spPr bwMode="auto">
@@ -8682,17 +8389,11 @@
           <a:ln w="9525">
             <a:noFill/>
             <a:miter lim="800000"/>
-            <a:headEnd/>
-            <a:tailEnd/>
           </a:ln>
           <a:effectLst/>
         </p:spPr>
         <p:txBody>
-          <a:bodyPr vert="horz" wrap="square" lIns="91440" tIns="45720" rIns="91440" bIns="45720" numCol="1" anchor="ctr" anchorCtr="0" compatLnSpc="1">
-            <a:prstTxWarp prst="textNoShape">
-              <a:avLst/>
-            </a:prstTxWarp>
-          </a:bodyPr>
+          <a:bodyPr vert="horz" wrap="square" lIns="91440" tIns="45720" rIns="91440" bIns="45720" numCol="1" anchor="ctr" anchorCtr="0" compatLnSpc="1"/>
           <a:lstStyle/>
           <a:p>
             <a:pPr marL="0" marR="0" lvl="0" indent="0" algn="ctr" defTabSz="914400" rtl="0" eaLnBrk="1" fontAlgn="base" latinLnBrk="0" hangingPunct="1">
@@ -8709,7 +8410,6 @@
               <a:buSzTx/>
               <a:buFontTx/>
               <a:buNone/>
-              <a:tabLst/>
               <a:defRPr/>
             </a:pPr>
             <a:r>
@@ -8723,7 +8423,7 @@
                 <a:effectLst/>
                 <a:uLnTx/>
                 <a:uFillTx/>
-                <a:latin typeface="Arial"/>
+                <a:latin typeface="Arial" panose="020B0604020202020204"/>
                 <a:ea typeface="+mn-ea"/>
                 <a:cs typeface="+mn-cs"/>
               </a:rPr>
@@ -8739,7 +8439,7 @@
               <a:effectLst/>
               <a:uLnTx/>
               <a:uFillTx/>
-              <a:latin typeface="Arial"/>
+              <a:latin typeface="Arial" panose="020B0604020202020204"/>
               <a:ea typeface="+mn-ea"/>
               <a:cs typeface="+mn-cs"/>
             </a:endParaRPr>
@@ -8747,15 +8447,22 @@
         </p:txBody>
       </p:sp>
     </p:spTree>
-    <p:extLst>
-      <p:ext uri="{BB962C8B-B14F-4D97-AF65-F5344CB8AC3E}">
-        <p14:creationId xmlns:p14="http://schemas.microsoft.com/office/powerpoint/2010/main" val="426760104"/>
-      </p:ext>
-    </p:extLst>
   </p:cSld>
   <p:clrMapOvr>
     <a:masterClrMapping/>
   </p:clrMapOvr>
+  <mc:AlternateContent xmlns:mc="http://schemas.openxmlformats.org/markup-compatibility/2006">
+    <mc:Choice xmlns:p14="http://schemas.microsoft.com/office/powerpoint/2010/main" Requires="p14">
+      <p:transition spd="med" p14:dur="700">
+        <p:fade/>
+      </p:transition>
+    </mc:Choice>
+    <mc:Fallback>
+      <p:transition spd="med">
+        <p:fade/>
+      </p:transition>
+    </mc:Fallback>
+  </mc:AlternateContent>
   <p:timing>
     <p:tnLst>
       <p:par>
@@ -8825,6 +8532,7 @@
               <a:rPr lang="en-IN" dirty="0" smtClean="0"/>
               <a:t>() method:</a:t>
             </a:r>
+            <a:endParaRPr lang="en-IN" dirty="0" smtClean="0"/>
           </a:p>
           <a:p>
             <a:pPr lvl="1"/>
@@ -8848,6 +8556,7 @@
               <a:rPr lang="en-US" dirty="0"/>
               <a:t> object.</a:t>
             </a:r>
+            <a:endParaRPr lang="en-US" dirty="0"/>
           </a:p>
           <a:p>
             <a:pPr lvl="1"/>
@@ -8867,6 +8576,7 @@
               <a:rPr lang="en-US" dirty="0" smtClean="0"/>
               <a:t>.</a:t>
             </a:r>
+            <a:endParaRPr lang="en-US" dirty="0" smtClean="0"/>
           </a:p>
           <a:p>
             <a:pPr lvl="1"/>
@@ -8882,6 +8592,7 @@
               <a:rPr lang="en-US" dirty="0"/>
               <a:t> object):</a:t>
             </a:r>
+            <a:endParaRPr lang="en-US" dirty="0"/>
           </a:p>
           <a:p>
             <a:pPr marL="514350" lvl="1" indent="0">
@@ -8917,7 +8628,7 @@
       </p:sp>
       <mc:AlternateContent xmlns:mc="http://schemas.openxmlformats.org/markup-compatibility/2006" xmlns:p14="http://schemas.microsoft.com/office/powerpoint/2010/main">
         <mc:Choice Requires="p14">
-          <p:contentPart p14:bwMode="auto" r:id="rId2">
+          <p:contentPart r:id="rId1" p14:bwMode="auto">
             <p14:nvContentPartPr>
               <p14:cNvPr id="4" name="Ink 3"/>
               <p14:cNvContentPartPr/>
@@ -8933,45 +8644,33 @@
           <p:pic>
             <p:nvPicPr>
               <p:cNvPr id="4" name="Ink 3"/>
-              <p:cNvPicPr/>
-              <p:nvPr/>
             </p:nvPicPr>
             <p:blipFill>
-              <a:blip r:embed="rId3"/>
-              <a:stretch>
-                <a:fillRect/>
-              </a:stretch>
+              <a:blip r:embed="rId2"/>
             </p:blipFill>
             <p:spPr>
               <a:xfrm>
-                <a:off x="3762720" y="1533600"/>
-                <a:ext cx="4800600" cy="2190960"/>
+                <a:off x="3772080" y="1542960"/>
+                <a:ext cx="4781880" cy="2172240"/>
               </a:xfrm>
-              <a:prstGeom prst="rect">
-                <a:avLst/>
-              </a:prstGeom>
+              <a:prstGeom prst="rect"/>
             </p:spPr>
           </p:pic>
         </mc:Fallback>
       </mc:AlternateContent>
     </p:spTree>
-    <p:extLst>
-      <p:ext uri="{BB962C8B-B14F-4D97-AF65-F5344CB8AC3E}">
-        <p14:creationId xmlns:p14="http://schemas.microsoft.com/office/powerpoint/2010/main" val="2131364125"/>
-      </p:ext>
-    </p:extLst>
   </p:cSld>
   <p:clrMapOvr>
     <a:masterClrMapping/>
   </p:clrMapOvr>
-  <mc:AlternateContent xmlns:mc="http://schemas.openxmlformats.org/markup-compatibility/2006" xmlns:p14="http://schemas.microsoft.com/office/powerpoint/2010/main">
-    <mc:Choice Requires="p14">
+  <mc:AlternateContent xmlns:mc="http://schemas.openxmlformats.org/markup-compatibility/2006">
+    <mc:Choice xmlns:p14="http://schemas.microsoft.com/office/powerpoint/2010/main" Requires="p14">
       <p:transition spd="med" p14:dur="700">
         <p:fade/>
       </p:transition>
     </mc:Choice>
-    <mc:Fallback xmlns="">
-      <p:transition spd="slow">
+    <mc:Fallback>
+      <p:transition spd="med">
         <p:fade/>
       </p:transition>
     </mc:Fallback>
@@ -9078,7 +8777,7 @@
           <p:nvPr/>
         </p:nvPicPr>
         <p:blipFill>
-          <a:blip r:embed="rId2"/>
+          <a:blip r:embed="rId1"/>
           <a:stretch>
             <a:fillRect/>
           </a:stretch>
@@ -9102,7 +8801,7 @@
           <p:nvPr/>
         </p:nvPicPr>
         <p:blipFill>
-          <a:blip r:embed="rId3"/>
+          <a:blip r:embed="rId2"/>
           <a:stretch>
             <a:fillRect/>
           </a:stretch>
@@ -9126,7 +8825,7 @@
           <p:nvPr/>
         </p:nvPicPr>
         <p:blipFill>
-          <a:blip r:embed="rId4"/>
+          <a:blip r:embed="rId3"/>
           <a:stretch>
             <a:fillRect/>
           </a:stretch>
@@ -9143,7 +8842,7 @@
       </p:pic>
       <mc:AlternateContent xmlns:mc="http://schemas.openxmlformats.org/markup-compatibility/2006" xmlns:p14="http://schemas.microsoft.com/office/powerpoint/2010/main">
         <mc:Choice Requires="p14">
-          <p:contentPart p14:bwMode="auto" r:id="rId5">
+          <p:contentPart r:id="rId4" p14:bwMode="auto">
             <p14:nvContentPartPr>
               <p14:cNvPr id="2" name="Ink 1"/>
               <p14:cNvContentPartPr/>
@@ -9159,45 +8858,33 @@
           <p:pic>
             <p:nvPicPr>
               <p:cNvPr id="2" name="Ink 1"/>
-              <p:cNvPicPr/>
-              <p:nvPr/>
             </p:nvPicPr>
             <p:blipFill>
-              <a:blip r:embed="rId6"/>
-              <a:stretch>
-                <a:fillRect/>
-              </a:stretch>
+              <a:blip r:embed="rId5"/>
             </p:blipFill>
             <p:spPr>
               <a:xfrm>
-                <a:off x="5978520" y="1724040"/>
-                <a:ext cx="5359680" cy="4007160"/>
+                <a:off x="5987880" y="1733400"/>
+                <a:ext cx="5340960" cy="3988440"/>
               </a:xfrm>
-              <a:prstGeom prst="rect">
-                <a:avLst/>
-              </a:prstGeom>
+              <a:prstGeom prst="rect"/>
             </p:spPr>
           </p:pic>
         </mc:Fallback>
       </mc:AlternateContent>
     </p:spTree>
-    <p:extLst>
-      <p:ext uri="{BB962C8B-B14F-4D97-AF65-F5344CB8AC3E}">
-        <p14:creationId xmlns:p14="http://schemas.microsoft.com/office/powerpoint/2010/main" val="3612403173"/>
-      </p:ext>
-    </p:extLst>
   </p:cSld>
   <p:clrMapOvr>
     <a:masterClrMapping/>
   </p:clrMapOvr>
-  <mc:AlternateContent xmlns:mc="http://schemas.openxmlformats.org/markup-compatibility/2006" xmlns:p14="http://schemas.microsoft.com/office/powerpoint/2010/main">
-    <mc:Choice Requires="p14">
+  <mc:AlternateContent xmlns:mc="http://schemas.openxmlformats.org/markup-compatibility/2006">
+    <mc:Choice xmlns:p14="http://schemas.microsoft.com/office/powerpoint/2010/main" Requires="p14">
       <p:transition spd="med" p14:dur="700">
         <p:fade/>
       </p:transition>
     </mc:Choice>
-    <mc:Fallback xmlns="">
-      <p:transition spd="slow">
+    <mc:Fallback>
+      <p:transition spd="med">
         <p:fade/>
       </p:transition>
     </mc:Fallback>
@@ -9280,6 +8967,7 @@
               <a:rPr lang="en-US" dirty="0" smtClean="0"/>
               <a:t>method:</a:t>
             </a:r>
+            <a:endParaRPr lang="en-US" dirty="0" smtClean="0"/>
           </a:p>
           <a:p>
             <a:pPr lvl="1">
@@ -9396,23 +9084,18 @@
         </p:txBody>
       </p:sp>
     </p:spTree>
-    <p:extLst>
-      <p:ext uri="{BB962C8B-B14F-4D97-AF65-F5344CB8AC3E}">
-        <p14:creationId xmlns:p14="http://schemas.microsoft.com/office/powerpoint/2010/main" val="1504222809"/>
-      </p:ext>
-    </p:extLst>
   </p:cSld>
   <p:clrMapOvr>
     <a:masterClrMapping/>
   </p:clrMapOvr>
-  <mc:AlternateContent xmlns:mc="http://schemas.openxmlformats.org/markup-compatibility/2006" xmlns:p14="http://schemas.microsoft.com/office/powerpoint/2010/main">
-    <mc:Choice Requires="p14">
+  <mc:AlternateContent xmlns:mc="http://schemas.openxmlformats.org/markup-compatibility/2006">
+    <mc:Choice xmlns:p14="http://schemas.microsoft.com/office/powerpoint/2010/main" Requires="p14">
       <p:transition spd="med" p14:dur="700">
         <p:fade/>
       </p:transition>
     </mc:Choice>
-    <mc:Fallback xmlns="">
-      <p:transition spd="slow">
+    <mc:Fallback>
+      <p:transition spd="med">
         <p:fade/>
       </p:transition>
     </mc:Fallback>
@@ -9499,6 +9182,7 @@
               <a:rPr lang="en-US" dirty="0"/>
               <a:t>() method, the JavaScript is separated from the HTML markup, for better readability and allows you to add event listeners even when you do not control the HTML markup.</a:t>
             </a:r>
+            <a:endParaRPr lang="en-US" dirty="0"/>
           </a:p>
           <a:p>
             <a:pPr lvl="1">
@@ -9530,23 +9214,18 @@
         </p:txBody>
       </p:sp>
     </p:spTree>
-    <p:extLst>
-      <p:ext uri="{BB962C8B-B14F-4D97-AF65-F5344CB8AC3E}">
-        <p14:creationId xmlns:p14="http://schemas.microsoft.com/office/powerpoint/2010/main" val="1033734502"/>
-      </p:ext>
-    </p:extLst>
   </p:cSld>
   <p:clrMapOvr>
     <a:masterClrMapping/>
   </p:clrMapOvr>
-  <mc:AlternateContent xmlns:mc="http://schemas.openxmlformats.org/markup-compatibility/2006" xmlns:p14="http://schemas.microsoft.com/office/powerpoint/2010/main">
-    <mc:Choice Requires="p14">
+  <mc:AlternateContent xmlns:mc="http://schemas.openxmlformats.org/markup-compatibility/2006">
+    <mc:Choice xmlns:p14="http://schemas.microsoft.com/office/powerpoint/2010/main" Requires="p14">
       <p:transition spd="med" p14:dur="700">
         <p:fade/>
       </p:transition>
     </mc:Choice>
-    <mc:Fallback xmlns="">
-      <p:transition spd="slow">
+    <mc:Fallback>
+      <p:transition spd="med">
         <p:fade/>
       </p:transition>
     </mc:Fallback>
@@ -9617,6 +9296,7 @@
               <a:rPr lang="en-US" dirty="0"/>
               <a:t>Syntax</a:t>
             </a:r>
+            <a:endParaRPr lang="en-US" dirty="0"/>
           </a:p>
           <a:p>
             <a:pPr marL="25400" indent="0">
@@ -9646,6 +9326,7 @@
               <a:rPr lang="en-US" dirty="0"/>
               <a:t>);</a:t>
             </a:r>
+            <a:endParaRPr lang="en-US" dirty="0"/>
           </a:p>
           <a:p>
             <a:pPr lvl="1"/>
@@ -9665,6 +9346,7 @@
               <a:rPr lang="en-US" dirty="0"/>
               <a:t>" or any other HTML DOM Event.)</a:t>
             </a:r>
+            <a:endParaRPr lang="en-US" dirty="0"/>
           </a:p>
           <a:p>
             <a:pPr lvl="1"/>
@@ -9676,6 +9358,7 @@
               <a:rPr lang="en-US" dirty="0"/>
               <a:t>second parameter is the function we want to call when the event occurs.</a:t>
             </a:r>
+            <a:endParaRPr lang="en-US" dirty="0"/>
           </a:p>
           <a:p>
             <a:pPr lvl="1"/>
@@ -9695,6 +9378,7 @@
               <a:rPr lang="en-US" dirty="0"/>
               <a:t> value specifying whether to use event bubbling or event capturing. This parameter is optional.</a:t>
             </a:r>
+            <a:endParaRPr lang="en-US" dirty="0"/>
           </a:p>
           <a:p>
             <a:pPr lvl="1"/>
@@ -9714,6 +9398,7 @@
               <a:rPr lang="en-US" b="1" dirty="0"/>
               <a:t>".</a:t>
             </a:r>
+            <a:endParaRPr lang="en-US" b="1" dirty="0"/>
           </a:p>
           <a:p>
             <a:endParaRPr lang="en-IN" dirty="0"/>
@@ -9722,7 +9407,7 @@
       </p:sp>
       <mc:AlternateContent xmlns:mc="http://schemas.openxmlformats.org/markup-compatibility/2006" xmlns:p14="http://schemas.microsoft.com/office/powerpoint/2010/main">
         <mc:Choice Requires="p14">
-          <p:contentPart p14:bwMode="auto" r:id="rId2">
+          <p:contentPart r:id="rId1" p14:bwMode="auto">
             <p14:nvContentPartPr>
               <p14:cNvPr id="4" name="Ink 3"/>
               <p14:cNvContentPartPr/>
@@ -9738,45 +9423,33 @@
           <p:pic>
             <p:nvPicPr>
               <p:cNvPr id="4" name="Ink 3"/>
-              <p:cNvPicPr/>
-              <p:nvPr/>
             </p:nvPicPr>
             <p:blipFill>
-              <a:blip r:embed="rId3"/>
-              <a:stretch>
-                <a:fillRect/>
-              </a:stretch>
+              <a:blip r:embed="rId2"/>
             </p:blipFill>
             <p:spPr>
               <a:xfrm>
-                <a:off x="8182080" y="2060640"/>
-                <a:ext cx="2330640" cy="32040"/>
+                <a:off x="8191440" y="2070000"/>
+                <a:ext cx="2311920" cy="13320"/>
               </a:xfrm>
-              <a:prstGeom prst="rect">
-                <a:avLst/>
-              </a:prstGeom>
+              <a:prstGeom prst="rect"/>
             </p:spPr>
           </p:pic>
         </mc:Fallback>
       </mc:AlternateContent>
     </p:spTree>
-    <p:extLst>
-      <p:ext uri="{BB962C8B-B14F-4D97-AF65-F5344CB8AC3E}">
-        <p14:creationId xmlns:p14="http://schemas.microsoft.com/office/powerpoint/2010/main" val="889204136"/>
-      </p:ext>
-    </p:extLst>
   </p:cSld>
   <p:clrMapOvr>
     <a:masterClrMapping/>
   </p:clrMapOvr>
-  <mc:AlternateContent xmlns:mc="http://schemas.openxmlformats.org/markup-compatibility/2006" xmlns:p14="http://schemas.microsoft.com/office/powerpoint/2010/main">
-    <mc:Choice Requires="p14">
+  <mc:AlternateContent xmlns:mc="http://schemas.openxmlformats.org/markup-compatibility/2006">
+    <mc:Choice xmlns:p14="http://schemas.microsoft.com/office/powerpoint/2010/main" Requires="p14">
       <p:transition spd="med" p14:dur="700">
         <p:fade/>
       </p:transition>
     </mc:Choice>
-    <mc:Fallback xmlns="">
-      <p:transition spd="slow">
+    <mc:Fallback>
+      <p:transition spd="med">
         <p:fade/>
       </p:transition>
     </mc:Fallback>
@@ -9855,7 +9528,7 @@
           <p:nvPr/>
         </p:nvPicPr>
         <p:blipFill>
-          <a:blip r:embed="rId2"/>
+          <a:blip r:embed="rId1"/>
           <a:stretch>
             <a:fillRect/>
           </a:stretch>
@@ -9871,23 +9544,18 @@
         </p:spPr>
       </p:pic>
     </p:spTree>
-    <p:extLst>
-      <p:ext uri="{BB962C8B-B14F-4D97-AF65-F5344CB8AC3E}">
-        <p14:creationId xmlns:p14="http://schemas.microsoft.com/office/powerpoint/2010/main" val="3894428757"/>
-      </p:ext>
-    </p:extLst>
   </p:cSld>
   <p:clrMapOvr>
     <a:masterClrMapping/>
   </p:clrMapOvr>
-  <mc:AlternateContent xmlns:mc="http://schemas.openxmlformats.org/markup-compatibility/2006" xmlns:p14="http://schemas.microsoft.com/office/powerpoint/2010/main">
-    <mc:Choice Requires="p14">
+  <mc:AlternateContent xmlns:mc="http://schemas.openxmlformats.org/markup-compatibility/2006">
+    <mc:Choice xmlns:p14="http://schemas.microsoft.com/office/powerpoint/2010/main" Requires="p14">
       <p:transition spd="med" p14:dur="700">
         <p:fade/>
       </p:transition>
     </mc:Choice>
-    <mc:Fallback xmlns="">
-      <p:transition spd="slow">
+    <mc:Fallback>
+      <p:transition spd="med">
         <p:fade/>
       </p:transition>
     </mc:Fallback>
@@ -9966,7 +9634,7 @@
           <p:nvPr/>
         </p:nvPicPr>
         <p:blipFill>
-          <a:blip r:embed="rId2"/>
+          <a:blip r:embed="rId1"/>
           <a:stretch>
             <a:fillRect/>
           </a:stretch>
@@ -9990,7 +9658,7 @@
           <p:nvPr/>
         </p:nvPicPr>
         <p:blipFill>
-          <a:blip r:embed="rId3"/>
+          <a:blip r:embed="rId2"/>
           <a:stretch>
             <a:fillRect/>
           </a:stretch>
@@ -10006,23 +9674,18 @@
         </p:spPr>
       </p:pic>
     </p:spTree>
-    <p:extLst>
-      <p:ext uri="{BB962C8B-B14F-4D97-AF65-F5344CB8AC3E}">
-        <p14:creationId xmlns:p14="http://schemas.microsoft.com/office/powerpoint/2010/main" val="528413834"/>
-      </p:ext>
-    </p:extLst>
   </p:cSld>
   <p:clrMapOvr>
     <a:masterClrMapping/>
   </p:clrMapOvr>
-  <mc:AlternateContent xmlns:mc="http://schemas.openxmlformats.org/markup-compatibility/2006" xmlns:p14="http://schemas.microsoft.com/office/powerpoint/2010/main">
-    <mc:Choice Requires="p14">
+  <mc:AlternateContent xmlns:mc="http://schemas.openxmlformats.org/markup-compatibility/2006">
+    <mc:Choice xmlns:p14="http://schemas.microsoft.com/office/powerpoint/2010/main" Requires="p14">
       <p:transition spd="med" p14:dur="700">
         <p:fade/>
       </p:transition>
     </mc:Choice>
-    <mc:Fallback xmlns="">
-      <p:transition spd="slow">
+    <mc:Fallback>
+      <p:transition spd="med">
         <p:fade/>
       </p:transition>
     </mc:Fallback>
@@ -10096,6 +9759,7 @@
               <a:rPr lang="en-IN" dirty="0"/>
               <a:t>() Method</a:t>
             </a:r>
+            <a:endParaRPr lang="en-IN" dirty="0"/>
           </a:p>
           <a:p>
             <a:pPr lvl="1"/>
@@ -10111,6 +9775,7 @@
               <a:rPr lang="en-US" dirty="0"/>
               <a:t>() method creates an Element Node with the specified name.</a:t>
             </a:r>
+            <a:endParaRPr lang="en-US" dirty="0"/>
           </a:p>
           <a:p>
             <a:pPr lvl="1"/>
@@ -10142,6 +9807,7 @@
               <a:rPr lang="en-US" b="1" dirty="0" smtClean="0"/>
               <a:t>.</a:t>
             </a:r>
+            <a:endParaRPr lang="en-US" b="1" dirty="0" smtClean="0"/>
           </a:p>
           <a:p>
             <a:pPr lvl="1"/>
@@ -10149,6 +9815,7 @@
               <a:rPr lang="en-IN" b="1" dirty="0"/>
               <a:t>Syntax</a:t>
             </a:r>
+            <a:endParaRPr lang="en-IN" b="1" dirty="0"/>
           </a:p>
           <a:p>
             <a:pPr marL="25400" indent="0">
@@ -10174,6 +9841,7 @@
               <a:rPr lang="en-IN" dirty="0"/>
               <a:t>)</a:t>
             </a:r>
+            <a:endParaRPr lang="en-IN" dirty="0"/>
           </a:p>
           <a:p>
             <a:pPr lvl="1"/>
@@ -10182,23 +9850,18 @@
         </p:txBody>
       </p:sp>
     </p:spTree>
-    <p:extLst>
-      <p:ext uri="{BB962C8B-B14F-4D97-AF65-F5344CB8AC3E}">
-        <p14:creationId xmlns:p14="http://schemas.microsoft.com/office/powerpoint/2010/main" val="2167521722"/>
-      </p:ext>
-    </p:extLst>
   </p:cSld>
   <p:clrMapOvr>
     <a:masterClrMapping/>
   </p:clrMapOvr>
-  <mc:AlternateContent xmlns:mc="http://schemas.openxmlformats.org/markup-compatibility/2006" xmlns:p14="http://schemas.microsoft.com/office/powerpoint/2010/main">
-    <mc:Choice Requires="p14">
+  <mc:AlternateContent xmlns:mc="http://schemas.openxmlformats.org/markup-compatibility/2006">
+    <mc:Choice xmlns:p14="http://schemas.microsoft.com/office/powerpoint/2010/main" Requires="p14">
       <p:transition spd="med" p14:dur="700">
         <p:fade/>
       </p:transition>
     </mc:Choice>
-    <mc:Fallback xmlns="">
-      <p:transition spd="slow">
+    <mc:Fallback>
+      <p:transition spd="med">
         <p:fade/>
       </p:transition>
     </mc:Fallback>
@@ -10277,7 +9940,7 @@
           <p:nvPr/>
         </p:nvPicPr>
         <p:blipFill>
-          <a:blip r:embed="rId2"/>
+          <a:blip r:embed="rId1"/>
           <a:stretch>
             <a:fillRect/>
           </a:stretch>
@@ -10301,7 +9964,7 @@
           <p:nvPr/>
         </p:nvPicPr>
         <p:blipFill>
-          <a:blip r:embed="rId3"/>
+          <a:blip r:embed="rId2"/>
           <a:stretch>
             <a:fillRect/>
           </a:stretch>
@@ -10325,7 +9988,7 @@
           <p:nvPr/>
         </p:nvPicPr>
         <p:blipFill>
-          <a:blip r:embed="rId4"/>
+          <a:blip r:embed="rId3"/>
           <a:stretch>
             <a:fillRect/>
           </a:stretch>
@@ -10342,7 +10005,7 @@
       </p:pic>
       <mc:AlternateContent xmlns:mc="http://schemas.openxmlformats.org/markup-compatibility/2006" xmlns:p14="http://schemas.microsoft.com/office/powerpoint/2010/main">
         <mc:Choice Requires="p14">
-          <p:contentPart p14:bwMode="auto" r:id="rId5">
+          <p:contentPart r:id="rId4" p14:bwMode="auto">
             <p14:nvContentPartPr>
               <p14:cNvPr id="4" name="Ink 3"/>
               <p14:cNvContentPartPr/>
@@ -10358,45 +10021,33 @@
           <p:pic>
             <p:nvPicPr>
               <p:cNvPr id="4" name="Ink 3"/>
-              <p:cNvPicPr/>
-              <p:nvPr/>
             </p:nvPicPr>
             <p:blipFill>
-              <a:blip r:embed="rId6"/>
-              <a:stretch>
-                <a:fillRect/>
-              </a:stretch>
+              <a:blip r:embed="rId5"/>
             </p:blipFill>
             <p:spPr>
               <a:xfrm>
-                <a:off x="2930760" y="219240"/>
-                <a:ext cx="3956040" cy="3511440"/>
+                <a:off x="2940120" y="228600"/>
+                <a:ext cx="3937320" cy="3492720"/>
               </a:xfrm>
-              <a:prstGeom prst="rect">
-                <a:avLst/>
-              </a:prstGeom>
+              <a:prstGeom prst="rect"/>
             </p:spPr>
           </p:pic>
         </mc:Fallback>
       </mc:AlternateContent>
     </p:spTree>
-    <p:extLst>
-      <p:ext uri="{BB962C8B-B14F-4D97-AF65-F5344CB8AC3E}">
-        <p14:creationId xmlns:p14="http://schemas.microsoft.com/office/powerpoint/2010/main" val="254666955"/>
-      </p:ext>
-    </p:extLst>
   </p:cSld>
   <p:clrMapOvr>
     <a:masterClrMapping/>
   </p:clrMapOvr>
-  <mc:AlternateContent xmlns:mc="http://schemas.openxmlformats.org/markup-compatibility/2006" xmlns:p14="http://schemas.microsoft.com/office/powerpoint/2010/main">
-    <mc:Choice Requires="p14">
+  <mc:AlternateContent xmlns:mc="http://schemas.openxmlformats.org/markup-compatibility/2006">
+    <mc:Choice xmlns:p14="http://schemas.microsoft.com/office/powerpoint/2010/main" Requires="p14">
       <p:transition spd="med" p14:dur="700">
         <p:fade/>
       </p:transition>
     </mc:Choice>
-    <mc:Fallback xmlns="">
-      <p:transition spd="slow">
+    <mc:Fallback>
+      <p:transition spd="med">
         <p:fade/>
       </p:transition>
     </mc:Fallback>
@@ -10470,6 +10121,7 @@
               <a:rPr lang="en-US" dirty="0"/>
               <a:t>() Method</a:t>
             </a:r>
+            <a:endParaRPr lang="en-US" dirty="0"/>
           </a:p>
           <a:p>
             <a:pPr lvl="1"/>
@@ -10485,6 +10137,7 @@
               <a:rPr lang="en-US" dirty="0"/>
               <a:t>() method returns the first element that matches a specified CSS selector(s) in the document.</a:t>
             </a:r>
+            <a:endParaRPr lang="en-US" dirty="0"/>
           </a:p>
           <a:p>
             <a:pPr lvl="1"/>
@@ -10512,6 +10165,7 @@
               <a:rPr lang="en-US" dirty="0"/>
               <a:t>() method instead.</a:t>
             </a:r>
+            <a:endParaRPr lang="en-US" dirty="0"/>
           </a:p>
           <a:p>
             <a:pPr lvl="1"/>
@@ -10528,23 +10182,18 @@
         </p:txBody>
       </p:sp>
     </p:spTree>
-    <p:extLst>
-      <p:ext uri="{BB962C8B-B14F-4D97-AF65-F5344CB8AC3E}">
-        <p14:creationId xmlns:p14="http://schemas.microsoft.com/office/powerpoint/2010/main" val="971743135"/>
-      </p:ext>
-    </p:extLst>
   </p:cSld>
   <p:clrMapOvr>
     <a:masterClrMapping/>
   </p:clrMapOvr>
-  <mc:AlternateContent xmlns:mc="http://schemas.openxmlformats.org/markup-compatibility/2006" xmlns:p14="http://schemas.microsoft.com/office/powerpoint/2010/main">
-    <mc:Choice Requires="p14">
+  <mc:AlternateContent xmlns:mc="http://schemas.openxmlformats.org/markup-compatibility/2006">
+    <mc:Choice xmlns:p14="http://schemas.microsoft.com/office/powerpoint/2010/main" Requires="p14">
       <p:transition spd="med" p14:dur="700">
         <p:fade/>
       </p:transition>
     </mc:Choice>
-    <mc:Fallback xmlns="">
-      <p:transition spd="slow">
+    <mc:Fallback>
+      <p:transition spd="med">
         <p:fade/>
       </p:transition>
     </mc:Fallback>
@@ -10618,12 +10267,14 @@
               <a:rPr lang="en-US" sz="2000" dirty="0" smtClean="0"/>
               <a:t>Java Script</a:t>
             </a:r>
+            <a:endParaRPr lang="en-US" sz="2000" dirty="0" smtClean="0"/>
           </a:p>
           <a:p>
             <a:r>
               <a:rPr lang="en-US" sz="2000" dirty="0" smtClean="0"/>
               <a:t>Standard Objects</a:t>
             </a:r>
+            <a:endParaRPr lang="en-US" sz="2000" dirty="0" smtClean="0"/>
           </a:p>
           <a:p>
             <a:pPr lvl="1"/>
@@ -10631,6 +10282,7 @@
               <a:rPr lang="en-US" sz="1900" dirty="0" smtClean="0"/>
               <a:t>String Objects</a:t>
             </a:r>
+            <a:endParaRPr lang="en-US" sz="1900" dirty="0" smtClean="0"/>
           </a:p>
           <a:p>
             <a:pPr lvl="1"/>
@@ -10638,6 +10290,7 @@
               <a:rPr lang="en-US" sz="1900" dirty="0"/>
               <a:t>Array Objects</a:t>
             </a:r>
+            <a:endParaRPr lang="en-US" sz="1900" dirty="0"/>
           </a:p>
           <a:p>
             <a:pPr lvl="1"/>
@@ -10645,6 +10298,7 @@
               <a:rPr lang="en-US" sz="1900" dirty="0"/>
               <a:t>Date Objects</a:t>
             </a:r>
+            <a:endParaRPr lang="en-US" sz="1900" dirty="0"/>
           </a:p>
           <a:p>
             <a:pPr lvl="1"/>
@@ -10652,6 +10306,7 @@
               <a:rPr lang="en-US" sz="1900" dirty="0"/>
               <a:t>Math Object</a:t>
             </a:r>
+            <a:endParaRPr lang="en-US" sz="1900" dirty="0"/>
           </a:p>
           <a:p>
             <a:pPr lvl="1"/>
@@ -10659,6 +10314,7 @@
               <a:rPr lang="en-US" sz="1900" dirty="0"/>
               <a:t>Window Object</a:t>
             </a:r>
+            <a:endParaRPr lang="en-US" sz="1900" dirty="0"/>
           </a:p>
           <a:p>
             <a:pPr lvl="1"/>
@@ -10666,6 +10322,7 @@
               <a:rPr lang="en-US" sz="1900" b="1" dirty="0"/>
               <a:t>Document Object</a:t>
             </a:r>
+            <a:endParaRPr lang="en-US" sz="1900" b="1" dirty="0"/>
           </a:p>
           <a:p>
             <a:pPr lvl="1"/>
@@ -10682,23 +10339,18 @@
         </p:txBody>
       </p:sp>
     </p:spTree>
-    <p:extLst>
-      <p:ext uri="{BB962C8B-B14F-4D97-AF65-F5344CB8AC3E}">
-        <p14:creationId xmlns:p14="http://schemas.microsoft.com/office/powerpoint/2010/main" val="1078233278"/>
-      </p:ext>
-    </p:extLst>
   </p:cSld>
   <p:clrMapOvr>
     <a:masterClrMapping/>
   </p:clrMapOvr>
-  <mc:AlternateContent xmlns:mc="http://schemas.openxmlformats.org/markup-compatibility/2006" xmlns:p14="http://schemas.microsoft.com/office/powerpoint/2010/main">
-    <mc:Choice Requires="p14">
+  <mc:AlternateContent xmlns:mc="http://schemas.openxmlformats.org/markup-compatibility/2006">
+    <mc:Choice xmlns:p14="http://schemas.microsoft.com/office/powerpoint/2010/main" Requires="p14">
       <p:transition spd="med" p14:dur="700">
         <p:fade/>
       </p:transition>
     </mc:Choice>
-    <mc:Fallback xmlns="">
-      <p:transition spd="slow">
+    <mc:Fallback>
+      <p:transition spd="med">
         <p:fade/>
       </p:transition>
     </mc:Fallback>
@@ -10777,7 +10429,7 @@
           <p:nvPr/>
         </p:nvPicPr>
         <p:blipFill>
-          <a:blip r:embed="rId2"/>
+          <a:blip r:embed="rId1"/>
           <a:stretch>
             <a:fillRect/>
           </a:stretch>
@@ -10793,23 +10445,18 @@
         </p:spPr>
       </p:pic>
     </p:spTree>
-    <p:extLst>
-      <p:ext uri="{BB962C8B-B14F-4D97-AF65-F5344CB8AC3E}">
-        <p14:creationId xmlns:p14="http://schemas.microsoft.com/office/powerpoint/2010/main" val="3742533014"/>
-      </p:ext>
-    </p:extLst>
   </p:cSld>
   <p:clrMapOvr>
     <a:masterClrMapping/>
   </p:clrMapOvr>
-  <mc:AlternateContent xmlns:mc="http://schemas.openxmlformats.org/markup-compatibility/2006" xmlns:p14="http://schemas.microsoft.com/office/powerpoint/2010/main">
-    <mc:Choice Requires="p14">
+  <mc:AlternateContent xmlns:mc="http://schemas.openxmlformats.org/markup-compatibility/2006">
+    <mc:Choice xmlns:p14="http://schemas.microsoft.com/office/powerpoint/2010/main" Requires="p14">
       <p:transition spd="med" p14:dur="700">
         <p:fade/>
       </p:transition>
     </mc:Choice>
-    <mc:Fallback xmlns="">
-      <p:transition spd="slow">
+    <mc:Fallback>
+      <p:transition spd="med">
         <p:fade/>
       </p:transition>
     </mc:Fallback>
@@ -10888,7 +10535,7 @@
           <p:nvPr/>
         </p:nvPicPr>
         <p:blipFill>
-          <a:blip r:embed="rId2"/>
+          <a:blip r:embed="rId1"/>
           <a:stretch>
             <a:fillRect/>
           </a:stretch>
@@ -10912,7 +10559,7 @@
           <p:nvPr/>
         </p:nvPicPr>
         <p:blipFill>
-          <a:blip r:embed="rId3"/>
+          <a:blip r:embed="rId2"/>
           <a:stretch>
             <a:fillRect/>
           </a:stretch>
@@ -10928,23 +10575,18 @@
         </p:spPr>
       </p:pic>
     </p:spTree>
-    <p:extLst>
-      <p:ext uri="{BB962C8B-B14F-4D97-AF65-F5344CB8AC3E}">
-        <p14:creationId xmlns:p14="http://schemas.microsoft.com/office/powerpoint/2010/main" val="2161541942"/>
-      </p:ext>
-    </p:extLst>
   </p:cSld>
   <p:clrMapOvr>
     <a:masterClrMapping/>
   </p:clrMapOvr>
-  <mc:AlternateContent xmlns:mc="http://schemas.openxmlformats.org/markup-compatibility/2006" xmlns:p14="http://schemas.microsoft.com/office/powerpoint/2010/main">
-    <mc:Choice Requires="p14">
+  <mc:AlternateContent xmlns:mc="http://schemas.openxmlformats.org/markup-compatibility/2006">
+    <mc:Choice xmlns:p14="http://schemas.microsoft.com/office/powerpoint/2010/main" Requires="p14">
       <p:transition spd="med" p14:dur="700">
         <p:fade/>
       </p:transition>
     </mc:Choice>
-    <mc:Fallback xmlns="">
-      <p:transition spd="slow">
+    <mc:Fallback>
+      <p:transition spd="med">
         <p:fade/>
       </p:transition>
     </mc:Fallback>
@@ -11033,6 +10675,7 @@
               <a:rPr lang="en-US" dirty="0"/>
               <a:t>the HTML DOM, the Element object represents an HTML element, like P, DIV, A, TABLE, or any other HTML element.</a:t>
             </a:r>
+            <a:endParaRPr lang="en-US" dirty="0"/>
           </a:p>
           <a:p>
             <a:pPr>
@@ -11051,6 +10694,7 @@
               <a:rPr lang="en-US" dirty="0"/>
               <a:t>following properties and methods can be used on all HTML elements:</a:t>
             </a:r>
+            <a:endParaRPr lang="en-US" dirty="0"/>
           </a:p>
           <a:p>
             <a:pPr>
@@ -11065,6 +10709,7 @@
               <a:rPr lang="en-US" b="1" u="sng" dirty="0"/>
               <a:t>Property / Method 	Description</a:t>
             </a:r>
+            <a:endParaRPr lang="en-US" b="1" u="sng" dirty="0"/>
           </a:p>
           <a:p>
             <a:pPr>
@@ -11099,6 +10744,7 @@
               <a:rPr lang="en-US" dirty="0"/>
               <a:t> attribute of an element</a:t>
             </a:r>
+            <a:endParaRPr lang="en-US" dirty="0"/>
           </a:p>
           <a:p>
             <a:pPr>
@@ -11117,6 +10763,7 @@
               <a:rPr lang="en-US" dirty="0"/>
               <a:t>() 	Attaches an event handler to the specified element</a:t>
             </a:r>
+            <a:endParaRPr lang="en-US" dirty="0"/>
           </a:p>
           <a:p>
             <a:pPr>
@@ -11147,6 +10794,7 @@
               <a:rPr lang="en-US" dirty="0" smtClean="0"/>
               <a:t>				node</a:t>
             </a:r>
+            <a:endParaRPr lang="en-US" dirty="0" smtClean="0"/>
           </a:p>
           <a:p>
             <a:pPr>
@@ -11169,6 +10817,7 @@
               <a:rPr lang="en-US" dirty="0"/>
               <a:t> of an element's attributes</a:t>
             </a:r>
+            <a:endParaRPr lang="en-US" dirty="0"/>
           </a:p>
           <a:p>
             <a:pPr>
@@ -11183,6 +10832,7 @@
               <a:rPr lang="en-US" dirty="0"/>
               <a:t>blur() 	Removes focus from an element</a:t>
             </a:r>
+            <a:endParaRPr lang="en-US" dirty="0"/>
           </a:p>
           <a:p>
             <a:pPr>
@@ -11209,6 +10859,7 @@
               <a:rPr lang="en-US" dirty="0" smtClean="0"/>
               <a:t>has</a:t>
             </a:r>
+            <a:endParaRPr lang="en-US" dirty="0" smtClean="0"/>
           </a:p>
           <a:p>
             <a:pPr>
@@ -11248,23 +10899,18 @@
         </p:txBody>
       </p:sp>
     </p:spTree>
-    <p:extLst>
-      <p:ext uri="{BB962C8B-B14F-4D97-AF65-F5344CB8AC3E}">
-        <p14:creationId xmlns:p14="http://schemas.microsoft.com/office/powerpoint/2010/main" val="3315844376"/>
-      </p:ext>
-    </p:extLst>
   </p:cSld>
   <p:clrMapOvr>
     <a:masterClrMapping/>
   </p:clrMapOvr>
-  <mc:AlternateContent xmlns:mc="http://schemas.openxmlformats.org/markup-compatibility/2006" xmlns:p14="http://schemas.microsoft.com/office/powerpoint/2010/main">
-    <mc:Choice Requires="p14">
+  <mc:AlternateContent xmlns:mc="http://schemas.openxmlformats.org/markup-compatibility/2006">
+    <mc:Choice xmlns:p14="http://schemas.microsoft.com/office/powerpoint/2010/main" Requires="p14">
       <p:transition spd="med" p14:dur="700">
         <p:fade/>
       </p:transition>
     </mc:Choice>
-    <mc:Fallback xmlns="">
-      <p:transition spd="slow">
+    <mc:Fallback>
+      <p:transition spd="med">
         <p:fade/>
       </p:transition>
     </mc:Fallback>
@@ -11342,6 +10988,7 @@
               <a:rPr lang="en-US" b="1" u="sng" dirty="0"/>
               <a:t>Property / Method 	Description</a:t>
             </a:r>
+            <a:endParaRPr lang="en-US" b="1" u="sng" dirty="0"/>
           </a:p>
           <a:p>
             <a:pPr>
@@ -11372,6 +11019,7 @@
               <a:rPr lang="en-US" dirty="0"/>
               <a:t>comment nodes)</a:t>
             </a:r>
+            <a:endParaRPr lang="en-US" dirty="0"/>
           </a:p>
           <a:p>
             <a:pPr>
@@ -11398,6 +11046,7 @@
               <a:rPr lang="en-US" dirty="0"/>
               <a:t>the class name(s) of an element</a:t>
             </a:r>
+            <a:endParaRPr lang="en-US" dirty="0"/>
           </a:p>
           <a:p>
             <a:pPr>
@@ -11416,6 +11065,7 @@
               <a:rPr lang="en-US" dirty="0"/>
               <a:t> 	Sets or returns the value of the class attribute of an element</a:t>
             </a:r>
+            <a:endParaRPr lang="en-US" dirty="0"/>
           </a:p>
           <a:p>
             <a:pPr>
@@ -11438,6 +11088,7 @@
               <a:rPr lang="en-US" dirty="0"/>
               <a:t>a mouse-click on an element</a:t>
             </a:r>
+            <a:endParaRPr lang="en-US" dirty="0"/>
           </a:p>
           <a:p>
             <a:pPr>
@@ -11456,6 +11107,7 @@
               <a:rPr lang="en-US" dirty="0"/>
               <a:t> 	Returns the height of an element, including padding</a:t>
             </a:r>
+            <a:endParaRPr lang="en-US" dirty="0"/>
           </a:p>
           <a:p>
             <a:pPr>
@@ -11482,6 +11134,7 @@
               <a:rPr lang="en-US" dirty="0"/>
               <a:t>the width of the left border of an element</a:t>
             </a:r>
+            <a:endParaRPr lang="en-US" dirty="0"/>
           </a:p>
           <a:p>
             <a:pPr>
@@ -11508,6 +11161,7 @@
               <a:rPr lang="en-US" dirty="0"/>
               <a:t>	Returns the width of the top border of an element</a:t>
             </a:r>
+            <a:endParaRPr lang="en-US" dirty="0"/>
           </a:p>
           <a:p>
             <a:pPr>
@@ -11526,6 +11180,7 @@
               <a:rPr lang="en-US" dirty="0"/>
               <a:t> 	Returns the width of an element, including padding</a:t>
             </a:r>
+            <a:endParaRPr lang="en-US" dirty="0"/>
           </a:p>
           <a:p>
             <a:pPr>
@@ -11548,6 +11203,7 @@
               <a:rPr lang="en-US" dirty="0" smtClean="0"/>
               <a:t>element</a:t>
             </a:r>
+            <a:endParaRPr lang="en-US" dirty="0" smtClean="0"/>
           </a:p>
           <a:p>
             <a:pPr>
@@ -11583,23 +11239,18 @@
         </p:txBody>
       </p:sp>
     </p:spTree>
-    <p:extLst>
-      <p:ext uri="{BB962C8B-B14F-4D97-AF65-F5344CB8AC3E}">
-        <p14:creationId xmlns:p14="http://schemas.microsoft.com/office/powerpoint/2010/main" val="2234211638"/>
-      </p:ext>
-    </p:extLst>
   </p:cSld>
   <p:clrMapOvr>
     <a:masterClrMapping/>
   </p:clrMapOvr>
-  <mc:AlternateContent xmlns:mc="http://schemas.openxmlformats.org/markup-compatibility/2006" xmlns:p14="http://schemas.microsoft.com/office/powerpoint/2010/main">
-    <mc:Choice Requires="p14">
+  <mc:AlternateContent xmlns:mc="http://schemas.openxmlformats.org/markup-compatibility/2006">
+    <mc:Choice xmlns:p14="http://schemas.microsoft.com/office/powerpoint/2010/main" Requires="p14">
       <p:transition spd="med" p14:dur="700">
         <p:fade/>
       </p:transition>
     </mc:Choice>
-    <mc:Fallback xmlns="">
-      <p:transition spd="slow">
+    <mc:Fallback>
+      <p:transition spd="med">
         <p:fade/>
       </p:transition>
     </mc:Fallback>
@@ -11677,6 +11328,7 @@
               <a:rPr lang="en-US" b="1" u="sng" dirty="0"/>
               <a:t>Property / Method 	Description</a:t>
             </a:r>
+            <a:endParaRPr lang="en-US" b="1" u="sng" dirty="0"/>
           </a:p>
           <a:p>
             <a:pPr>
@@ -11695,6 +11347,7 @@
               <a:rPr lang="en-US" dirty="0"/>
               <a:t>() 	Compares the document position of two elements</a:t>
             </a:r>
+            <a:endParaRPr lang="en-US" dirty="0"/>
           </a:p>
           <a:p>
             <a:pPr>
@@ -11725,6 +11378,7 @@
               <a:rPr lang="en-US" dirty="0"/>
               <a:t>false</a:t>
             </a:r>
+            <a:endParaRPr lang="en-US" dirty="0"/>
           </a:p>
           <a:p>
             <a:pPr>
@@ -11790,6 +11444,7 @@
               <a:rPr lang="en-US" dirty="0"/>
               <a:t> attribute of an element</a:t>
             </a:r>
+            <a:endParaRPr lang="en-US" dirty="0"/>
           </a:p>
           <a:p>
             <a:pPr>
@@ -11824,6 +11479,7 @@
               <a:rPr lang="en-US" dirty="0"/>
               <a:t> mode</a:t>
             </a:r>
+            <a:endParaRPr lang="en-US" dirty="0"/>
           </a:p>
           <a:p>
             <a:pPr>
@@ -11850,6 +11506,7 @@
               <a:rPr lang="en-US" dirty="0"/>
               <a:t>the first child node of an element</a:t>
             </a:r>
+            <a:endParaRPr lang="en-US" dirty="0"/>
           </a:p>
           <a:p>
             <a:pPr>
@@ -11868,6 +11525,7 @@
               <a:rPr lang="en-US" dirty="0"/>
               <a:t> 	Returns the first child element of an element</a:t>
             </a:r>
+            <a:endParaRPr lang="en-US" dirty="0"/>
           </a:p>
           <a:p>
             <a:pPr>
@@ -11890,6 +11548,7 @@
               <a:rPr lang="en-US" dirty="0"/>
               <a:t>focus to an element</a:t>
             </a:r>
+            <a:endParaRPr lang="en-US" dirty="0"/>
           </a:p>
           <a:p>
             <a:pPr>
@@ -11921,23 +11580,18 @@
         </p:txBody>
       </p:sp>
     </p:spTree>
-    <p:extLst>
-      <p:ext uri="{BB962C8B-B14F-4D97-AF65-F5344CB8AC3E}">
-        <p14:creationId xmlns:p14="http://schemas.microsoft.com/office/powerpoint/2010/main" val="1371979764"/>
-      </p:ext>
-    </p:extLst>
   </p:cSld>
   <p:clrMapOvr>
     <a:masterClrMapping/>
   </p:clrMapOvr>
-  <mc:AlternateContent xmlns:mc="http://schemas.openxmlformats.org/markup-compatibility/2006" xmlns:p14="http://schemas.microsoft.com/office/powerpoint/2010/main">
-    <mc:Choice Requires="p14">
+  <mc:AlternateContent xmlns:mc="http://schemas.openxmlformats.org/markup-compatibility/2006">
+    <mc:Choice xmlns:p14="http://schemas.microsoft.com/office/powerpoint/2010/main" Requires="p14">
       <p:transition spd="med" p14:dur="700">
         <p:fade/>
       </p:transition>
     </mc:Choice>
-    <mc:Fallback xmlns="">
-      <p:transition spd="slow">
+    <mc:Fallback>
+      <p:transition spd="med">
         <p:fade/>
       </p:transition>
     </mc:Fallback>
@@ -12008,6 +11662,7 @@
               <a:rPr lang="en-US" sz="2200" b="1" u="sng" dirty="0"/>
               <a:t>Property / Method 	Description</a:t>
             </a:r>
+            <a:endParaRPr lang="en-US" sz="2200" b="1" u="sng" dirty="0"/>
           </a:p>
           <a:p>
             <a:pPr>
@@ -12026,6 +11681,7 @@
               <a:rPr lang="en-US" sz="2200" dirty="0"/>
               <a:t>() 	Returns the specified attribute node</a:t>
             </a:r>
+            <a:endParaRPr lang="en-US" sz="2200" dirty="0"/>
           </a:p>
           <a:p>
             <a:pPr>
@@ -12075,6 +11731,7 @@
               <a:rPr lang="en-US" sz="2200" dirty="0"/>
               <a:t>class name</a:t>
             </a:r>
+            <a:endParaRPr lang="en-US" sz="2200" dirty="0"/>
           </a:p>
           <a:p>
             <a:pPr>
@@ -12101,6 +11758,7 @@
               <a:rPr lang="en-US" sz="2200" dirty="0"/>
               <a:t>tag name</a:t>
             </a:r>
+            <a:endParaRPr lang="en-US" sz="2200" dirty="0"/>
           </a:p>
           <a:p>
             <a:pPr>
@@ -12158,6 +11816,7 @@
               <a:rPr lang="en-US" sz="2200" dirty="0"/>
               <a:t>true if an element has any attributes, otherwise false</a:t>
             </a:r>
+            <a:endParaRPr lang="en-US" sz="2200" dirty="0"/>
           </a:p>
           <a:p>
             <a:pPr>
@@ -12184,6 +11843,7 @@
               <a:rPr lang="en-US" sz="2200" dirty="0"/>
               <a:t>	Returns true if an element has any child nodes, otherwise false</a:t>
             </a:r>
+            <a:endParaRPr lang="en-US" sz="2200" dirty="0"/>
           </a:p>
           <a:p>
             <a:pPr>
@@ -12206,6 +11866,7 @@
               <a:rPr lang="en-US" sz="2200" dirty="0"/>
               <a:t>or returns the value of the id attribute of an element</a:t>
             </a:r>
+            <a:endParaRPr lang="en-US" sz="2200" dirty="0"/>
           </a:p>
           <a:p>
             <a:pPr>
@@ -12232,6 +11893,7 @@
               <a:rPr lang="en-US" sz="2200" dirty="0"/>
               <a:t>or returns the content of an element</a:t>
             </a:r>
+            <a:endParaRPr lang="en-US" sz="2200" dirty="0"/>
           </a:p>
           <a:p>
             <a:pPr>
@@ -12267,23 +11929,18 @@
         </p:txBody>
       </p:sp>
     </p:spTree>
-    <p:extLst>
-      <p:ext uri="{BB962C8B-B14F-4D97-AF65-F5344CB8AC3E}">
-        <p14:creationId xmlns:p14="http://schemas.microsoft.com/office/powerpoint/2010/main" val="1680150386"/>
-      </p:ext>
-    </p:extLst>
   </p:cSld>
   <p:clrMapOvr>
     <a:masterClrMapping/>
   </p:clrMapOvr>
-  <mc:AlternateContent xmlns:mc="http://schemas.openxmlformats.org/markup-compatibility/2006" xmlns:p14="http://schemas.microsoft.com/office/powerpoint/2010/main">
-    <mc:Choice Requires="p14">
+  <mc:AlternateContent xmlns:mc="http://schemas.openxmlformats.org/markup-compatibility/2006">
+    <mc:Choice xmlns:p14="http://schemas.microsoft.com/office/powerpoint/2010/main" Requires="p14">
       <p:transition spd="med" p14:dur="700">
         <p:fade/>
       </p:transition>
     </mc:Choice>
-    <mc:Fallback xmlns="">
-      <p:transition spd="slow">
+    <mc:Fallback>
+      <p:transition spd="med">
         <p:fade/>
       </p:transition>
     </mc:Fallback>
@@ -12354,6 +12011,7 @@
               <a:rPr lang="en-US" sz="2200" b="1" u="sng" dirty="0"/>
               <a:t>Property / Method 	Description</a:t>
             </a:r>
+            <a:endParaRPr lang="en-US" sz="2200" b="1" u="sng" dirty="0"/>
           </a:p>
           <a:p>
             <a:pPr>
@@ -12380,6 +12038,7 @@
               <a:rPr lang="en-US" sz="2200" dirty="0"/>
               <a:t>element</a:t>
             </a:r>
+            <a:endParaRPr lang="en-US" sz="2200" dirty="0"/>
           </a:p>
           <a:p>
             <a:pPr>
@@ -12456,6 +12115,7 @@
               <a:rPr lang="en-US" sz="2200" dirty="0"/>
               <a:t>a new child node before a specified, existing, child node</a:t>
             </a:r>
+            <a:endParaRPr lang="en-US" sz="2200" dirty="0"/>
           </a:p>
           <a:p>
             <a:pPr>
@@ -12521,6 +12181,7 @@
               <a:rPr lang="en-US" sz="2200" dirty="0"/>
               <a:t>false</a:t>
             </a:r>
+            <a:endParaRPr lang="en-US" sz="2200" dirty="0"/>
           </a:p>
           <a:p>
             <a:pPr>
@@ -12547,6 +12208,7 @@
               <a:rPr lang="en-US" sz="2200" dirty="0"/>
               <a:t>if two elements are equal</a:t>
             </a:r>
+            <a:endParaRPr lang="en-US" sz="2200" dirty="0"/>
           </a:p>
           <a:p>
             <a:pPr>
@@ -12573,6 +12235,7 @@
               <a:rPr lang="en-US" sz="2200" dirty="0"/>
               <a:t>if two elements are the same node</a:t>
             </a:r>
+            <a:endParaRPr lang="en-US" sz="2200" dirty="0"/>
           </a:p>
           <a:p>
             <a:pPr>
@@ -12608,23 +12271,18 @@
         </p:txBody>
       </p:sp>
     </p:spTree>
-    <p:extLst>
-      <p:ext uri="{BB962C8B-B14F-4D97-AF65-F5344CB8AC3E}">
-        <p14:creationId xmlns:p14="http://schemas.microsoft.com/office/powerpoint/2010/main" val="1389917895"/>
-      </p:ext>
-    </p:extLst>
   </p:cSld>
   <p:clrMapOvr>
     <a:masterClrMapping/>
   </p:clrMapOvr>
-  <mc:AlternateContent xmlns:mc="http://schemas.openxmlformats.org/markup-compatibility/2006" xmlns:p14="http://schemas.microsoft.com/office/powerpoint/2010/main">
-    <mc:Choice Requires="p14">
+  <mc:AlternateContent xmlns:mc="http://schemas.openxmlformats.org/markup-compatibility/2006">
+    <mc:Choice xmlns:p14="http://schemas.microsoft.com/office/powerpoint/2010/main" Requires="p14">
       <p:transition spd="med" p14:dur="700">
         <p:fade/>
       </p:transition>
     </mc:Choice>
-    <mc:Fallback xmlns="">
-      <p:transition spd="slow">
+    <mc:Fallback>
+      <p:transition spd="med">
         <p:fade/>
       </p:transition>
     </mc:Fallback>
@@ -12695,6 +12353,7 @@
               <a:rPr lang="en-US" sz="2200" b="1" u="sng" dirty="0"/>
               <a:t>Property / Method 	Description</a:t>
             </a:r>
+            <a:endParaRPr lang="en-US" sz="2200" b="1" u="sng" dirty="0"/>
           </a:p>
           <a:p>
             <a:pPr>
@@ -12725,6 +12384,7 @@
               <a:rPr lang="en-US" sz="2200" dirty="0"/>
               <a:t>by a specific CSS selector or not</a:t>
             </a:r>
+            <a:endParaRPr lang="en-US" sz="2200" dirty="0"/>
           </a:p>
           <a:p>
             <a:pPr>
@@ -12751,6 +12411,7 @@
               <a:rPr lang="en-US" sz="2200" dirty="0"/>
               <a:t>the namespace URI of an element</a:t>
             </a:r>
+            <a:endParaRPr lang="en-US" sz="2200" dirty="0"/>
           </a:p>
           <a:p>
             <a:pPr>
@@ -12777,6 +12438,7 @@
               <a:rPr lang="en-US" sz="2200" dirty="0"/>
               <a:t>the next node at the same node tree level</a:t>
             </a:r>
+            <a:endParaRPr lang="en-US" sz="2200" dirty="0"/>
           </a:p>
           <a:p>
             <a:pPr>
@@ -12795,6 +12457,7 @@
               <a:rPr lang="en-US" sz="2200" dirty="0"/>
               <a:t> 	Returns the next element at the same node tree level</a:t>
             </a:r>
+            <a:endParaRPr lang="en-US" sz="2200" dirty="0"/>
           </a:p>
           <a:p>
             <a:pPr>
@@ -12821,6 +12484,7 @@
               <a:rPr lang="en-US" sz="2200" dirty="0"/>
               <a:t>the name of a node</a:t>
             </a:r>
+            <a:endParaRPr lang="en-US" sz="2200" dirty="0"/>
           </a:p>
           <a:p>
             <a:pPr>
@@ -12847,6 +12511,7 @@
               <a:rPr lang="en-US" sz="2200" dirty="0"/>
               <a:t>the node type of a node</a:t>
             </a:r>
+            <a:endParaRPr lang="en-US" sz="2200" dirty="0"/>
           </a:p>
           <a:p>
             <a:pPr>
@@ -12873,6 +12538,7 @@
               <a:rPr lang="en-US" sz="2200" dirty="0"/>
               <a:t>or returns the value of a node</a:t>
             </a:r>
+            <a:endParaRPr lang="en-US" sz="2200" dirty="0"/>
           </a:p>
           <a:p>
             <a:pPr>
@@ -12966,23 +12632,18 @@
         </p:txBody>
       </p:sp>
     </p:spTree>
-    <p:extLst>
-      <p:ext uri="{BB962C8B-B14F-4D97-AF65-F5344CB8AC3E}">
-        <p14:creationId xmlns:p14="http://schemas.microsoft.com/office/powerpoint/2010/main" val="154006825"/>
-      </p:ext>
-    </p:extLst>
   </p:cSld>
   <p:clrMapOvr>
     <a:masterClrMapping/>
   </p:clrMapOvr>
-  <mc:AlternateContent xmlns:mc="http://schemas.openxmlformats.org/markup-compatibility/2006" xmlns:p14="http://schemas.microsoft.com/office/powerpoint/2010/main">
-    <mc:Choice Requires="p14">
+  <mc:AlternateContent xmlns:mc="http://schemas.openxmlformats.org/markup-compatibility/2006">
+    <mc:Choice xmlns:p14="http://schemas.microsoft.com/office/powerpoint/2010/main" Requires="p14">
       <p:transition spd="med" p14:dur="700">
         <p:fade/>
       </p:transition>
     </mc:Choice>
-    <mc:Fallback xmlns="">
-      <p:transition spd="slow">
+    <mc:Fallback>
+      <p:transition spd="med">
         <p:fade/>
       </p:transition>
     </mc:Fallback>
@@ -13053,6 +12714,7 @@
               <a:rPr lang="en-US" sz="2200" b="1" u="sng" dirty="0"/>
               <a:t>Property / Method 	Description</a:t>
             </a:r>
+            <a:endParaRPr lang="en-US" sz="2200" b="1" u="sng" dirty="0"/>
           </a:p>
           <a:p>
             <a:pPr>
@@ -13087,6 +12749,7 @@
               <a:rPr lang="en-US" sz="2200" dirty="0"/>
               <a:t>the horizontal offset position of an element</a:t>
             </a:r>
+            <a:endParaRPr lang="en-US" sz="2200" dirty="0"/>
           </a:p>
           <a:p>
             <a:pPr>
@@ -13113,6 +12776,7 @@
               <a:rPr lang="en-US" sz="2200" dirty="0"/>
               <a:t>the offset container of an element</a:t>
             </a:r>
+            <a:endParaRPr lang="en-US" sz="2200" dirty="0"/>
           </a:p>
           <a:p>
             <a:pPr>
@@ -13139,6 +12803,7 @@
               <a:rPr lang="en-US" sz="2200" dirty="0"/>
               <a:t>the vertical offset position of an element</a:t>
             </a:r>
+            <a:endParaRPr lang="en-US" sz="2200" dirty="0"/>
           </a:p>
           <a:p>
             <a:pPr>
@@ -13173,6 +12838,7 @@
               <a:rPr lang="en-US" sz="2200" dirty="0"/>
               <a:t>the end tag)</a:t>
             </a:r>
+            <a:endParaRPr lang="en-US" sz="2200" dirty="0"/>
           </a:p>
           <a:p>
             <a:pPr>
@@ -13230,6 +12896,7 @@
               <a:rPr lang="en-US" sz="2200" dirty="0"/>
               <a:t>the root element (document object) for an element</a:t>
             </a:r>
+            <a:endParaRPr lang="en-US" sz="2200" dirty="0"/>
           </a:p>
           <a:p>
             <a:pPr>
@@ -13256,6 +12923,7 @@
               <a:rPr lang="en-US" sz="2200" dirty="0"/>
               <a:t>the parent node of an element</a:t>
             </a:r>
+            <a:endParaRPr lang="en-US" sz="2200" dirty="0"/>
           </a:p>
           <a:p>
             <a:pPr>
@@ -13282,6 +12950,7 @@
               <a:rPr lang="en-US" sz="2200" dirty="0"/>
               <a:t>the parent element node of an element</a:t>
             </a:r>
+            <a:endParaRPr lang="en-US" sz="2200" dirty="0"/>
           </a:p>
           <a:p>
             <a:pPr>
@@ -13312,6 +12981,7 @@
               <a:rPr lang="en-US" sz="2200" dirty="0" smtClean="0"/>
               <a:t>level</a:t>
             </a:r>
+            <a:endParaRPr lang="en-US" sz="2200" dirty="0" smtClean="0"/>
           </a:p>
           <a:p>
             <a:pPr>
@@ -13335,23 +13005,18 @@
         </p:txBody>
       </p:sp>
     </p:spTree>
-    <p:extLst>
-      <p:ext uri="{BB962C8B-B14F-4D97-AF65-F5344CB8AC3E}">
-        <p14:creationId xmlns:p14="http://schemas.microsoft.com/office/powerpoint/2010/main" val="3603590067"/>
-      </p:ext>
-    </p:extLst>
   </p:cSld>
   <p:clrMapOvr>
     <a:masterClrMapping/>
   </p:clrMapOvr>
-  <mc:AlternateContent xmlns:mc="http://schemas.openxmlformats.org/markup-compatibility/2006" xmlns:p14="http://schemas.microsoft.com/office/powerpoint/2010/main">
-    <mc:Choice Requires="p14">
+  <mc:AlternateContent xmlns:mc="http://schemas.openxmlformats.org/markup-compatibility/2006">
+    <mc:Choice xmlns:p14="http://schemas.microsoft.com/office/powerpoint/2010/main" Requires="p14">
       <p:transition spd="med" p14:dur="700">
         <p:fade/>
       </p:transition>
     </mc:Choice>
-    <mc:Fallback xmlns="">
-      <p:transition spd="slow">
+    <mc:Fallback>
+      <p:transition spd="med">
         <p:fade/>
       </p:transition>
     </mc:Fallback>
@@ -13422,6 +13087,7 @@
               <a:rPr lang="en-US" sz="2200" b="1" u="sng" dirty="0"/>
               <a:t>Property / Method 	Description</a:t>
             </a:r>
+            <a:endParaRPr lang="en-US" sz="2200" b="1" u="sng" dirty="0"/>
           </a:p>
           <a:p>
             <a:pPr>
@@ -13456,6 +13122,7 @@
               <a:rPr lang="en-US" sz="2200" dirty="0"/>
               <a:t>) of an element</a:t>
             </a:r>
+            <a:endParaRPr lang="en-US" sz="2200" dirty="0"/>
           </a:p>
           <a:p>
             <a:pPr>
@@ -13482,6 +13149,7 @@
               <a:rPr lang="en-US" sz="2200" dirty="0"/>
               <a:t>) of an element</a:t>
             </a:r>
+            <a:endParaRPr lang="en-US" sz="2200" dirty="0"/>
           </a:p>
           <a:p>
             <a:pPr>
@@ -13504,6 +13172,7 @@
               <a:rPr lang="en-US" sz="2200" dirty="0"/>
               <a:t>the element from the DOM</a:t>
             </a:r>
+            <a:endParaRPr lang="en-US" sz="2200" dirty="0"/>
           </a:p>
           <a:p>
             <a:pPr>
@@ -13530,6 +13199,7 @@
               <a:rPr lang="en-US" sz="2200" dirty="0"/>
               <a:t>a specified attribute from an element</a:t>
             </a:r>
+            <a:endParaRPr lang="en-US" sz="2200" dirty="0"/>
           </a:p>
           <a:p>
             <a:pPr>
@@ -13579,6 +13249,7 @@
               <a:rPr lang="en-US" sz="2200" dirty="0"/>
               <a:t>a child node from an element</a:t>
             </a:r>
+            <a:endParaRPr lang="en-US" sz="2200" dirty="0"/>
           </a:p>
           <a:p>
             <a:pPr>
@@ -13609,6 +13280,7 @@
               <a:rPr lang="en-US" sz="2200" dirty="0"/>
               <a:t>() method</a:t>
             </a:r>
+            <a:endParaRPr lang="en-US" sz="2200" dirty="0"/>
           </a:p>
           <a:p>
             <a:pPr>
@@ -13635,6 +13307,7 @@
               <a:rPr lang="en-US" sz="2200" dirty="0"/>
               <a:t>a child node in an element</a:t>
             </a:r>
+            <a:endParaRPr lang="en-US" sz="2200" dirty="0"/>
           </a:p>
           <a:p>
             <a:pPr>
@@ -13661,6 +13334,7 @@
               <a:rPr lang="en-US" sz="2200" dirty="0"/>
               <a:t> mode</a:t>
             </a:r>
+            <a:endParaRPr lang="en-US" sz="2200" dirty="0"/>
           </a:p>
           <a:p>
             <a:pPr>
@@ -13700,23 +13374,18 @@
         </p:txBody>
       </p:sp>
     </p:spTree>
-    <p:extLst>
-      <p:ext uri="{BB962C8B-B14F-4D97-AF65-F5344CB8AC3E}">
-        <p14:creationId xmlns:p14="http://schemas.microsoft.com/office/powerpoint/2010/main" val="2957418196"/>
-      </p:ext>
-    </p:extLst>
   </p:cSld>
   <p:clrMapOvr>
     <a:masterClrMapping/>
   </p:clrMapOvr>
-  <mc:AlternateContent xmlns:mc="http://schemas.openxmlformats.org/markup-compatibility/2006" xmlns:p14="http://schemas.microsoft.com/office/powerpoint/2010/main">
-    <mc:Choice Requires="p14">
+  <mc:AlternateContent xmlns:mc="http://schemas.openxmlformats.org/markup-compatibility/2006">
+    <mc:Choice xmlns:p14="http://schemas.microsoft.com/office/powerpoint/2010/main" Requires="p14">
       <p:transition spd="med" p14:dur="700">
         <p:fade/>
       </p:transition>
     </mc:Choice>
-    <mc:Fallback xmlns="">
-      <p:transition spd="slow">
+    <mc:Fallback>
+      <p:transition spd="med">
         <p:fade/>
       </p:transition>
     </mc:Fallback>
@@ -13760,6 +13429,7 @@
               <a:rPr lang="en-IN" dirty="0"/>
               <a:t>DOM Document Object</a:t>
             </a:r>
+            <a:endParaRPr lang="en-IN" dirty="0"/>
           </a:p>
         </p:txBody>
       </p:sp>
@@ -13790,6 +13460,7 @@
               <a:rPr lang="en-US" dirty="0"/>
               <a:t>The document object represents your web page.</a:t>
             </a:r>
+            <a:endParaRPr lang="en-US" dirty="0"/>
           </a:p>
           <a:p>
             <a:pPr>
@@ -13808,6 +13479,7 @@
               <a:rPr lang="en-US" dirty="0"/>
               <a:t>you want to access any element in an HTML page, you always start with accessing the document object.</a:t>
             </a:r>
+            <a:endParaRPr lang="en-US" dirty="0"/>
           </a:p>
           <a:p>
             <a:pPr>
@@ -13826,6 +13498,7 @@
               <a:rPr lang="en-US" dirty="0"/>
               <a:t>are some examples of how you can use the document object to access and manipulate HTML.</a:t>
             </a:r>
+            <a:endParaRPr lang="en-US" dirty="0"/>
           </a:p>
           <a:p>
             <a:pPr>
@@ -13840,6 +13513,7 @@
               <a:rPr lang="en-US" b="1" u="sng" dirty="0"/>
               <a:t>Finding HTML Elements</a:t>
             </a:r>
+            <a:endParaRPr lang="en-US" b="1" u="sng" dirty="0"/>
           </a:p>
           <a:p>
             <a:pPr>
@@ -13885,6 +13559,7 @@
               <a:rPr lang="en-US" dirty="0"/>
               <a:t>	Find an element by element id</a:t>
             </a:r>
+            <a:endParaRPr lang="en-US" dirty="0"/>
           </a:p>
           <a:p>
             <a:pPr>
@@ -13903,6 +13578,7 @@
               <a:rPr lang="en-US" dirty="0"/>
               <a:t>(name) 	Find elements by tag name</a:t>
             </a:r>
+            <a:endParaRPr lang="en-US" dirty="0"/>
           </a:p>
           <a:p>
             <a:pPr>
@@ -13935,7 +13611,7 @@
       </p:sp>
       <mc:AlternateContent xmlns:mc="http://schemas.openxmlformats.org/markup-compatibility/2006" xmlns:p14="http://schemas.microsoft.com/office/powerpoint/2010/main">
         <mc:Choice Requires="p14">
-          <p:contentPart p14:bwMode="auto" r:id="rId2">
+          <p:contentPart r:id="rId1" p14:bwMode="auto">
             <p14:nvContentPartPr>
               <p14:cNvPr id="4" name="Ink 3"/>
               <p14:cNvContentPartPr/>
@@ -13951,45 +13627,33 @@
           <p:pic>
             <p:nvPicPr>
               <p:cNvPr id="4" name="Ink 3"/>
-              <p:cNvPicPr/>
-              <p:nvPr/>
             </p:nvPicPr>
             <p:blipFill>
-              <a:blip r:embed="rId3"/>
-              <a:stretch>
-                <a:fillRect/>
-              </a:stretch>
+              <a:blip r:embed="rId2"/>
             </p:blipFill>
             <p:spPr>
               <a:xfrm>
-                <a:off x="1121040" y="3997440"/>
-                <a:ext cx="3917880" cy="38160"/>
+                <a:off x="1130400" y="4006800"/>
+                <a:ext cx="3899160" cy="19440"/>
               </a:xfrm>
-              <a:prstGeom prst="rect">
-                <a:avLst/>
-              </a:prstGeom>
+              <a:prstGeom prst="rect"/>
             </p:spPr>
           </p:pic>
         </mc:Fallback>
       </mc:AlternateContent>
     </p:spTree>
-    <p:extLst>
-      <p:ext uri="{BB962C8B-B14F-4D97-AF65-F5344CB8AC3E}">
-        <p14:creationId xmlns:p14="http://schemas.microsoft.com/office/powerpoint/2010/main" val="589654954"/>
-      </p:ext>
-    </p:extLst>
   </p:cSld>
   <p:clrMapOvr>
     <a:masterClrMapping/>
   </p:clrMapOvr>
-  <mc:AlternateContent xmlns:mc="http://schemas.openxmlformats.org/markup-compatibility/2006" xmlns:p14="http://schemas.microsoft.com/office/powerpoint/2010/main">
-    <mc:Choice Requires="p14">
+  <mc:AlternateContent xmlns:mc="http://schemas.openxmlformats.org/markup-compatibility/2006">
+    <mc:Choice xmlns:p14="http://schemas.microsoft.com/office/powerpoint/2010/main" Requires="p14">
       <p:transition spd="med" p14:dur="700">
         <p:fade/>
       </p:transition>
     </mc:Choice>
-    <mc:Fallback xmlns="">
-      <p:transition spd="slow">
+    <mc:Fallback>
+      <p:transition spd="med">
         <p:fade/>
       </p:transition>
     </mc:Fallback>
@@ -14067,6 +13731,7 @@
               <a:rPr lang="en-US" sz="2200" b="1" u="sng" dirty="0"/>
               <a:t>Property / Method 	Description</a:t>
             </a:r>
+            <a:endParaRPr lang="en-US" sz="2200" b="1" u="sng" dirty="0"/>
           </a:p>
           <a:p>
             <a:pPr>
@@ -14170,6 +13835,7 @@
               <a:rPr lang="en-US" sz="2200" dirty="0"/>
               <a:t> 	Returns the entire width of an element, including padding</a:t>
             </a:r>
+            <a:endParaRPr lang="en-US" sz="2200" dirty="0"/>
           </a:p>
           <a:p>
             <a:pPr>
@@ -14188,6 +13854,7 @@
               <a:rPr lang="en-US" sz="2200" dirty="0"/>
               <a:t>() 	Sets or changes the specified attribute, to the specified value</a:t>
             </a:r>
+            <a:endParaRPr lang="en-US" sz="2200" dirty="0"/>
           </a:p>
           <a:p>
             <a:pPr>
@@ -14206,6 +13873,7 @@
               <a:rPr lang="en-US" sz="2200" dirty="0"/>
               <a:t>() 	Sets or changes the specified attribute node</a:t>
             </a:r>
+            <a:endParaRPr lang="en-US" sz="2200" dirty="0"/>
           </a:p>
           <a:p>
             <a:pPr>
@@ -14228,6 +13896,7 @@
               <a:rPr lang="en-US" sz="2200" dirty="0"/>
               <a:t>or returns the value of the style attribute of an element</a:t>
             </a:r>
+            <a:endParaRPr lang="en-US" sz="2200" dirty="0"/>
           </a:p>
           <a:p>
             <a:pPr>
@@ -14262,6 +13931,7 @@
               <a:rPr lang="en-US" sz="2200" dirty="0"/>
               <a:t> attribute of an element</a:t>
             </a:r>
+            <a:endParaRPr lang="en-US" sz="2200" dirty="0"/>
           </a:p>
           <a:p>
             <a:pPr>
@@ -14288,6 +13958,7 @@
               <a:rPr lang="en-US" sz="2200" dirty="0"/>
               <a:t>the tag name of an element</a:t>
             </a:r>
+            <a:endParaRPr lang="en-US" sz="2200" dirty="0"/>
           </a:p>
           <a:p>
             <a:pPr>
@@ -14306,6 +13977,7 @@
               <a:rPr lang="en-US" sz="2200" dirty="0"/>
               <a:t> 	Sets or returns the textual content of a node and its descendants</a:t>
             </a:r>
+            <a:endParaRPr lang="en-US" sz="2200" dirty="0"/>
           </a:p>
           <a:p>
             <a:pPr>
@@ -14328,6 +14000,7 @@
               <a:rPr lang="en-US" sz="2200" dirty="0"/>
               <a:t>or returns the value of the title attribute of an element</a:t>
             </a:r>
+            <a:endParaRPr lang="en-US" sz="2200" dirty="0"/>
           </a:p>
           <a:p>
             <a:pPr>
@@ -14354,6 +14027,7 @@
               <a:rPr lang="en-US" sz="2200" dirty="0"/>
               <a:t>an element to a string</a:t>
             </a:r>
+            <a:endParaRPr lang="en-US" sz="2200" dirty="0"/>
           </a:p>
           <a:p>
             <a:pPr>
@@ -14369,23 +14043,18 @@
         </p:txBody>
       </p:sp>
     </p:spTree>
-    <p:extLst>
-      <p:ext uri="{BB962C8B-B14F-4D97-AF65-F5344CB8AC3E}">
-        <p14:creationId xmlns:p14="http://schemas.microsoft.com/office/powerpoint/2010/main" val="1133653090"/>
-      </p:ext>
-    </p:extLst>
   </p:cSld>
   <p:clrMapOvr>
     <a:masterClrMapping/>
   </p:clrMapOvr>
-  <mc:AlternateContent xmlns:mc="http://schemas.openxmlformats.org/markup-compatibility/2006" xmlns:p14="http://schemas.microsoft.com/office/powerpoint/2010/main">
-    <mc:Choice Requires="p14">
+  <mc:AlternateContent xmlns:mc="http://schemas.openxmlformats.org/markup-compatibility/2006">
+    <mc:Choice xmlns:p14="http://schemas.microsoft.com/office/powerpoint/2010/main" Requires="p14">
       <p:transition spd="med" p14:dur="700">
         <p:fade/>
       </p:transition>
     </mc:Choice>
-    <mc:Fallback xmlns="">
-      <p:transition spd="slow">
+    <mc:Fallback>
+      <p:transition spd="med">
         <p:fade/>
       </p:transition>
     </mc:Fallback>
@@ -14429,6 +14098,7 @@
               <a:rPr lang="en-IN" dirty="0"/>
               <a:t>JavaScript Events</a:t>
             </a:r>
+            <a:endParaRPr lang="en-IN" dirty="0"/>
           </a:p>
         </p:txBody>
       </p:sp>
@@ -14451,6 +14121,7 @@
               <a:rPr lang="en-US" dirty="0"/>
               <a:t>HTML events are "things" that happen to HTML elements.</a:t>
             </a:r>
+            <a:endParaRPr lang="en-US" dirty="0"/>
           </a:p>
           <a:p>
             <a:r>
@@ -14461,6 +14132,7 @@
               <a:rPr lang="en-US" dirty="0"/>
               <a:t>JavaScript is used in HTML pages, JavaScript can "react" on these events.</a:t>
             </a:r>
+            <a:endParaRPr lang="en-US" dirty="0"/>
           </a:p>
           <a:p>
             <a:r>
@@ -14471,6 +14143,7 @@
               <a:rPr lang="en-US" dirty="0"/>
               <a:t>HTML event can be something the browser does, or something a user does.</a:t>
             </a:r>
+            <a:endParaRPr lang="en-US" dirty="0"/>
           </a:p>
           <a:p>
             <a:r>
@@ -14481,6 +14154,7 @@
               <a:rPr lang="en-US" dirty="0"/>
               <a:t>are some examples of HTML events:</a:t>
             </a:r>
+            <a:endParaRPr lang="en-US" dirty="0"/>
           </a:p>
           <a:p>
             <a:pPr lvl="1"/>
@@ -14492,6 +14166,7 @@
               <a:rPr lang="en-US" dirty="0"/>
               <a:t>HTML web page has finished loading</a:t>
             </a:r>
+            <a:endParaRPr lang="en-US" dirty="0"/>
           </a:p>
           <a:p>
             <a:pPr lvl="1"/>
@@ -14503,6 +14178,7 @@
               <a:rPr lang="en-US" dirty="0"/>
               <a:t>HTML input field was changed</a:t>
             </a:r>
+            <a:endParaRPr lang="en-US" dirty="0"/>
           </a:p>
           <a:p>
             <a:pPr lvl="1"/>
@@ -14519,23 +14195,18 @@
         </p:txBody>
       </p:sp>
     </p:spTree>
-    <p:extLst>
-      <p:ext uri="{BB962C8B-B14F-4D97-AF65-F5344CB8AC3E}">
-        <p14:creationId xmlns:p14="http://schemas.microsoft.com/office/powerpoint/2010/main" val="2308987468"/>
-      </p:ext>
-    </p:extLst>
   </p:cSld>
   <p:clrMapOvr>
     <a:masterClrMapping/>
   </p:clrMapOvr>
-  <mc:AlternateContent xmlns:mc="http://schemas.openxmlformats.org/markup-compatibility/2006" xmlns:p14="http://schemas.microsoft.com/office/powerpoint/2010/main">
-    <mc:Choice Requires="p14">
+  <mc:AlternateContent xmlns:mc="http://schemas.openxmlformats.org/markup-compatibility/2006">
+    <mc:Choice xmlns:p14="http://schemas.microsoft.com/office/powerpoint/2010/main" Requires="p14">
       <p:transition spd="med" p14:dur="700">
         <p:fade/>
       </p:transition>
     </mc:Choice>
-    <mc:Fallback xmlns="">
-      <p:transition spd="slow">
+    <mc:Fallback>
+      <p:transition spd="med">
         <p:fade/>
       </p:transition>
     </mc:Fallback>
@@ -14598,6 +14269,7 @@
               <a:rPr lang="en-IN" dirty="0"/>
               <a:t>JavaScript lets you execute code when events are detected.</a:t>
             </a:r>
+            <a:endParaRPr lang="en-IN" dirty="0"/>
           </a:p>
           <a:p>
             <a:r>
@@ -14608,6 +14280,7 @@
               <a:rPr lang="en-IN" dirty="0"/>
               <a:t>allows event handler attributes, with JavaScript code, to be added to HTML elements.</a:t>
             </a:r>
+            <a:endParaRPr lang="en-IN" dirty="0"/>
           </a:p>
           <a:p>
             <a:pPr lvl="1"/>
@@ -14619,6 +14292,7 @@
               <a:rPr lang="en-IN" dirty="0"/>
               <a:t>single quotes:</a:t>
             </a:r>
+            <a:endParaRPr lang="en-IN" dirty="0"/>
           </a:p>
           <a:p>
             <a:pPr marL="25400" indent="0">
@@ -14632,6 +14306,7 @@
               <a:rPr lang="en-IN" dirty="0"/>
               <a:t>element event='some JavaScript'&gt;</a:t>
             </a:r>
+            <a:endParaRPr lang="en-IN" dirty="0"/>
           </a:p>
           <a:p>
             <a:pPr lvl="1"/>
@@ -14643,6 +14318,7 @@
               <a:rPr lang="en-IN" dirty="0"/>
               <a:t>double quotes:</a:t>
             </a:r>
+            <a:endParaRPr lang="en-IN" dirty="0"/>
           </a:p>
           <a:p>
             <a:pPr marL="25400" indent="0">
@@ -14656,6 +14332,7 @@
               <a:rPr lang="en-IN" dirty="0"/>
               <a:t>element event="some JavaScript"&gt;</a:t>
             </a:r>
+            <a:endParaRPr lang="en-IN" dirty="0"/>
           </a:p>
           <a:p>
             <a:endParaRPr lang="en-IN" dirty="0"/>
@@ -14663,23 +14340,18 @@
         </p:txBody>
       </p:sp>
     </p:spTree>
-    <p:extLst>
-      <p:ext uri="{BB962C8B-B14F-4D97-AF65-F5344CB8AC3E}">
-        <p14:creationId xmlns:p14="http://schemas.microsoft.com/office/powerpoint/2010/main" val="136619744"/>
-      </p:ext>
-    </p:extLst>
   </p:cSld>
   <p:clrMapOvr>
     <a:masterClrMapping/>
   </p:clrMapOvr>
-  <mc:AlternateContent xmlns:mc="http://schemas.openxmlformats.org/markup-compatibility/2006" xmlns:p14="http://schemas.microsoft.com/office/powerpoint/2010/main">
-    <mc:Choice Requires="p14">
+  <mc:AlternateContent xmlns:mc="http://schemas.openxmlformats.org/markup-compatibility/2006">
+    <mc:Choice xmlns:p14="http://schemas.microsoft.com/office/powerpoint/2010/main" Requires="p14">
       <p:transition spd="med" p14:dur="700">
         <p:fade/>
       </p:transition>
     </mc:Choice>
-    <mc:Fallback xmlns="">
-      <p:transition spd="slow">
+    <mc:Fallback>
+      <p:transition spd="med">
         <p:fade/>
       </p:transition>
     </mc:Fallback>
@@ -14750,6 +14422,7 @@
               <a:rPr lang="en-US" dirty="0"/>
               <a:t> attribute (with code), is added to a &lt;button&gt; element:</a:t>
             </a:r>
+            <a:endParaRPr lang="en-US" dirty="0"/>
           </a:p>
           <a:p>
             <a:pPr lvl="1"/>
@@ -14757,6 +14430,7 @@
               <a:rPr lang="en-US" dirty="0"/>
               <a:t>Example</a:t>
             </a:r>
+            <a:endParaRPr lang="en-US" dirty="0"/>
           </a:p>
           <a:p>
             <a:pPr marL="25400" indent="0">
@@ -14802,6 +14476,7 @@
               <a:rPr lang="en-US" dirty="0"/>
               <a:t>is?&lt;/button&gt;</a:t>
             </a:r>
+            <a:endParaRPr lang="en-US" dirty="0"/>
           </a:p>
           <a:p>
             <a:r>
@@ -14812,6 +14487,7 @@
               <a:rPr lang="en-US" dirty="0"/>
               <a:t>the example above, the JavaScript code changes the content of the element with id="demo".</a:t>
             </a:r>
+            <a:endParaRPr lang="en-US" dirty="0"/>
           </a:p>
           <a:p>
             <a:endParaRPr lang="en-IN" dirty="0"/>
@@ -14827,7 +14503,7 @@
           <p:nvPr/>
         </p:nvPicPr>
         <p:blipFill>
-          <a:blip r:embed="rId2"/>
+          <a:blip r:embed="rId1"/>
           <a:stretch>
             <a:fillRect/>
           </a:stretch>
@@ -14851,7 +14527,7 @@
           <p:nvPr/>
         </p:nvPicPr>
         <p:blipFill>
-          <a:blip r:embed="rId3"/>
+          <a:blip r:embed="rId2"/>
           <a:stretch>
             <a:fillRect/>
           </a:stretch>
@@ -14867,23 +14543,18 @@
         </p:spPr>
       </p:pic>
     </p:spTree>
-    <p:extLst>
-      <p:ext uri="{BB962C8B-B14F-4D97-AF65-F5344CB8AC3E}">
-        <p14:creationId xmlns:p14="http://schemas.microsoft.com/office/powerpoint/2010/main" val="2750810266"/>
-      </p:ext>
-    </p:extLst>
   </p:cSld>
   <p:clrMapOvr>
     <a:masterClrMapping/>
   </p:clrMapOvr>
-  <mc:AlternateContent xmlns:mc="http://schemas.openxmlformats.org/markup-compatibility/2006" xmlns:p14="http://schemas.microsoft.com/office/powerpoint/2010/main">
-    <mc:Choice Requires="p14">
+  <mc:AlternateContent xmlns:mc="http://schemas.openxmlformats.org/markup-compatibility/2006">
+    <mc:Choice xmlns:p14="http://schemas.microsoft.com/office/powerpoint/2010/main" Requires="p14">
       <p:transition spd="med" p14:dur="700">
         <p:fade/>
       </p:transition>
     </mc:Choice>
-    <mc:Fallback xmlns="">
-      <p:transition spd="slow">
+    <mc:Fallback>
+      <p:transition spd="med">
         <p:fade/>
       </p:transition>
     </mc:Fallback>
@@ -14954,6 +14625,7 @@
               <a:rPr lang="en-US" dirty="0"/>
               <a:t>):</a:t>
             </a:r>
+            <a:endParaRPr lang="en-US" dirty="0"/>
           </a:p>
           <a:p>
             <a:pPr lvl="1"/>
@@ -14961,6 +14633,7 @@
               <a:rPr lang="en-US" dirty="0"/>
               <a:t>Example</a:t>
             </a:r>
+            <a:endParaRPr lang="en-US" dirty="0"/>
           </a:p>
           <a:p>
             <a:pPr marL="25400" indent="0">
@@ -14986,6 +14659,7 @@
               <a:rPr lang="en-US" dirty="0"/>
               <a:t> = Date()"&gt;The time is?&lt;/button&gt;</a:t>
             </a:r>
+            <a:endParaRPr lang="en-US" dirty="0"/>
           </a:p>
           <a:p>
             <a:endParaRPr lang="en-IN" dirty="0"/>
@@ -15001,7 +14675,7 @@
           <p:nvPr/>
         </p:nvPicPr>
         <p:blipFill>
-          <a:blip r:embed="rId2"/>
+          <a:blip r:embed="rId1"/>
           <a:stretch>
             <a:fillRect/>
           </a:stretch>
@@ -15025,7 +14699,7 @@
           <p:nvPr/>
         </p:nvPicPr>
         <p:blipFill>
-          <a:blip r:embed="rId3"/>
+          <a:blip r:embed="rId2"/>
           <a:stretch>
             <a:fillRect/>
           </a:stretch>
@@ -15041,23 +14715,18 @@
         </p:spPr>
       </p:pic>
     </p:spTree>
-    <p:extLst>
-      <p:ext uri="{BB962C8B-B14F-4D97-AF65-F5344CB8AC3E}">
-        <p14:creationId xmlns:p14="http://schemas.microsoft.com/office/powerpoint/2010/main" val="3444723619"/>
-      </p:ext>
-    </p:extLst>
   </p:cSld>
   <p:clrMapOvr>
     <a:masterClrMapping/>
   </p:clrMapOvr>
-  <mc:AlternateContent xmlns:mc="http://schemas.openxmlformats.org/markup-compatibility/2006" xmlns:p14="http://schemas.microsoft.com/office/powerpoint/2010/main">
-    <mc:Choice Requires="p14">
+  <mc:AlternateContent xmlns:mc="http://schemas.openxmlformats.org/markup-compatibility/2006">
+    <mc:Choice xmlns:p14="http://schemas.microsoft.com/office/powerpoint/2010/main" Requires="p14">
       <p:transition spd="med" p14:dur="700">
         <p:fade/>
       </p:transition>
     </mc:Choice>
-    <mc:Fallback xmlns="">
-      <p:transition spd="slow">
+    <mc:Fallback>
+      <p:transition spd="med">
         <p:fade/>
       </p:transition>
     </mc:Fallback>
@@ -15120,6 +14789,7 @@
               <a:rPr lang="en-US" dirty="0"/>
               <a:t>JavaScript code is often several lines long. It is more common to see event attributes calling functions:</a:t>
             </a:r>
+            <a:endParaRPr lang="en-US" dirty="0"/>
           </a:p>
           <a:p>
             <a:pPr lvl="1"/>
@@ -15127,6 +14797,7 @@
               <a:rPr lang="en-US" dirty="0"/>
               <a:t>Example</a:t>
             </a:r>
+            <a:endParaRPr lang="en-US" dirty="0"/>
           </a:p>
           <a:p>
             <a:pPr marL="25400" indent="0">
@@ -15169,7 +14840,7 @@
           <p:nvPr/>
         </p:nvPicPr>
         <p:blipFill>
-          <a:blip r:embed="rId2"/>
+          <a:blip r:embed="rId1"/>
           <a:stretch>
             <a:fillRect/>
           </a:stretch>
@@ -15193,7 +14864,7 @@
           <p:nvPr/>
         </p:nvPicPr>
         <p:blipFill>
-          <a:blip r:embed="rId3"/>
+          <a:blip r:embed="rId2"/>
           <a:stretch>
             <a:fillRect/>
           </a:stretch>
@@ -15209,23 +14880,18 @@
         </p:spPr>
       </p:pic>
     </p:spTree>
-    <p:extLst>
-      <p:ext uri="{BB962C8B-B14F-4D97-AF65-F5344CB8AC3E}">
-        <p14:creationId xmlns:p14="http://schemas.microsoft.com/office/powerpoint/2010/main" val="3544351592"/>
-      </p:ext>
-    </p:extLst>
   </p:cSld>
   <p:clrMapOvr>
     <a:masterClrMapping/>
   </p:clrMapOvr>
-  <mc:AlternateContent xmlns:mc="http://schemas.openxmlformats.org/markup-compatibility/2006" xmlns:p14="http://schemas.microsoft.com/office/powerpoint/2010/main">
-    <mc:Choice Requires="p14">
+  <mc:AlternateContent xmlns:mc="http://schemas.openxmlformats.org/markup-compatibility/2006">
+    <mc:Choice xmlns:p14="http://schemas.microsoft.com/office/powerpoint/2010/main" Requires="p14">
       <p:transition spd="med" p14:dur="700">
         <p:fade/>
       </p:transition>
     </mc:Choice>
-    <mc:Fallback xmlns="">
-      <p:transition spd="slow">
+    <mc:Fallback>
+      <p:transition spd="med">
         <p:fade/>
       </p:transition>
     </mc:Fallback>
@@ -15288,6 +14954,7 @@
               <a:rPr lang="en-US" dirty="0"/>
               <a:t>Common HTML Events</a:t>
             </a:r>
+            <a:endParaRPr lang="en-US" dirty="0"/>
           </a:p>
           <a:p>
             <a:r>
@@ -15313,6 +14980,7 @@
               <a:rPr lang="en-US" dirty="0"/>
               <a:t> 	An HTML element has been changed</a:t>
             </a:r>
+            <a:endParaRPr lang="en-US" dirty="0"/>
           </a:p>
           <a:p>
             <a:r>
@@ -15331,6 +14999,7 @@
               <a:rPr lang="en-US" dirty="0"/>
               <a:t>user clicks an HTML element</a:t>
             </a:r>
+            <a:endParaRPr lang="en-US" dirty="0"/>
           </a:p>
           <a:p>
             <a:r>
@@ -15341,6 +15010,7 @@
               <a:rPr lang="en-US" dirty="0"/>
               <a:t> 	The user moves the mouse over an HTML element</a:t>
             </a:r>
+            <a:endParaRPr lang="en-US" dirty="0"/>
           </a:p>
           <a:p>
             <a:r>
@@ -15351,6 +15021,7 @@
               <a:rPr lang="en-US" dirty="0"/>
               <a:t> 	The user moves the mouse away from an HTML element</a:t>
             </a:r>
+            <a:endParaRPr lang="en-US" dirty="0"/>
           </a:p>
           <a:p>
             <a:r>
@@ -15361,6 +15032,7 @@
               <a:rPr lang="en-US" dirty="0"/>
               <a:t> 	The user pushes a keyboard key</a:t>
             </a:r>
+            <a:endParaRPr lang="en-US" dirty="0"/>
           </a:p>
           <a:p>
             <a:r>
@@ -15384,23 +15056,18 @@
         </p:txBody>
       </p:sp>
     </p:spTree>
-    <p:extLst>
-      <p:ext uri="{BB962C8B-B14F-4D97-AF65-F5344CB8AC3E}">
-        <p14:creationId xmlns:p14="http://schemas.microsoft.com/office/powerpoint/2010/main" val="656601978"/>
-      </p:ext>
-    </p:extLst>
   </p:cSld>
   <p:clrMapOvr>
     <a:masterClrMapping/>
   </p:clrMapOvr>
-  <mc:AlternateContent xmlns:mc="http://schemas.openxmlformats.org/markup-compatibility/2006" xmlns:p14="http://schemas.microsoft.com/office/powerpoint/2010/main">
-    <mc:Choice Requires="p14">
+  <mc:AlternateContent xmlns:mc="http://schemas.openxmlformats.org/markup-compatibility/2006">
+    <mc:Choice xmlns:p14="http://schemas.microsoft.com/office/powerpoint/2010/main" Requires="p14">
       <p:transition spd="med" p14:dur="700">
         <p:fade/>
       </p:transition>
     </mc:Choice>
-    <mc:Fallback xmlns="">
-      <p:transition spd="slow">
+    <mc:Fallback>
+      <p:transition spd="med">
         <p:fade/>
       </p:transition>
     </mc:Fallback>
@@ -15471,6 +15138,7 @@
               <a:rPr lang="en-IN" b="1" u="sng" dirty="0"/>
               <a:t>Changing HTML Elements</a:t>
             </a:r>
+            <a:endParaRPr lang="en-IN" b="1" u="sng" dirty="0"/>
           </a:p>
           <a:p>
             <a:pPr>
@@ -15551,6 +15219,7 @@
               <a:rPr lang="en-IN" dirty="0"/>
               <a:t>element</a:t>
             </a:r>
+            <a:endParaRPr lang="en-IN" dirty="0"/>
           </a:p>
           <a:p>
             <a:pPr>
@@ -15577,6 +15246,7 @@
               <a:rPr lang="en-IN" dirty="0"/>
               <a:t>the style of an HTML element</a:t>
             </a:r>
+            <a:endParaRPr lang="en-IN" dirty="0"/>
           </a:p>
           <a:p>
             <a:pPr>
@@ -15591,6 +15261,7 @@
               <a:rPr lang="en-IN" b="1" dirty="0"/>
               <a:t>Method 	Description</a:t>
             </a:r>
+            <a:endParaRPr lang="en-IN" b="1" dirty="0"/>
           </a:p>
           <a:p>
             <a:pPr>
@@ -15625,12 +15296,13 @@
               <a:rPr lang="en-IN" dirty="0"/>
               <a:t>element</a:t>
             </a:r>
+            <a:endParaRPr lang="en-IN" dirty="0"/>
           </a:p>
         </p:txBody>
       </p:sp>
       <mc:AlternateContent xmlns:mc="http://schemas.openxmlformats.org/markup-compatibility/2006" xmlns:p14="http://schemas.microsoft.com/office/powerpoint/2010/main">
         <mc:Choice Requires="p14">
-          <p:contentPart p14:bwMode="auto" r:id="rId2">
+          <p:contentPart r:id="rId1" p14:bwMode="auto">
             <p14:nvContentPartPr>
               <p14:cNvPr id="4" name="Ink 3"/>
               <p14:cNvContentPartPr/>
@@ -15646,45 +15318,33 @@
           <p:pic>
             <p:nvPicPr>
               <p:cNvPr id="4" name="Ink 3"/>
-              <p:cNvPicPr/>
-              <p:nvPr/>
             </p:nvPicPr>
             <p:blipFill>
-              <a:blip r:embed="rId3"/>
-              <a:stretch>
-                <a:fillRect/>
-              </a:stretch>
+              <a:blip r:embed="rId2"/>
             </p:blipFill>
             <p:spPr>
               <a:xfrm>
-                <a:off x="924120" y="2238480"/>
-                <a:ext cx="4807080" cy="2260800"/>
+                <a:off x="933480" y="2247840"/>
+                <a:ext cx="4788360" cy="2242080"/>
               </a:xfrm>
-              <a:prstGeom prst="rect">
-                <a:avLst/>
-              </a:prstGeom>
+              <a:prstGeom prst="rect"/>
             </p:spPr>
           </p:pic>
         </mc:Fallback>
       </mc:AlternateContent>
     </p:spTree>
-    <p:extLst>
-      <p:ext uri="{BB962C8B-B14F-4D97-AF65-F5344CB8AC3E}">
-        <p14:creationId xmlns:p14="http://schemas.microsoft.com/office/powerpoint/2010/main" val="3845082714"/>
-      </p:ext>
-    </p:extLst>
   </p:cSld>
   <p:clrMapOvr>
     <a:masterClrMapping/>
   </p:clrMapOvr>
-  <mc:AlternateContent xmlns:mc="http://schemas.openxmlformats.org/markup-compatibility/2006" xmlns:p14="http://schemas.microsoft.com/office/powerpoint/2010/main">
-    <mc:Choice Requires="p14">
+  <mc:AlternateContent xmlns:mc="http://schemas.openxmlformats.org/markup-compatibility/2006">
+    <mc:Choice xmlns:p14="http://schemas.microsoft.com/office/powerpoint/2010/main" Requires="p14">
       <p:transition spd="med" p14:dur="700">
         <p:fade/>
       </p:transition>
     </mc:Choice>
-    <mc:Fallback xmlns="">
-      <p:transition spd="slow">
+    <mc:Fallback>
+      <p:transition spd="med">
         <p:fade/>
       </p:transition>
     </mc:Fallback>
@@ -15762,6 +15422,7 @@
               <a:rPr lang="en-IN" b="1" u="sng" dirty="0"/>
               <a:t>Adding and Deleting Elements</a:t>
             </a:r>
+            <a:endParaRPr lang="en-IN" b="1" u="sng" dirty="0"/>
           </a:p>
           <a:p>
             <a:pPr>
@@ -15799,6 +15460,7 @@
               <a:rPr lang="en-IN" dirty="0"/>
               <a:t>(element) 	Create an HTML element</a:t>
             </a:r>
+            <a:endParaRPr lang="en-IN" dirty="0"/>
           </a:p>
           <a:p>
             <a:pPr>
@@ -15817,6 +15479,7 @@
               <a:rPr lang="en-IN" dirty="0"/>
               <a:t>(element) 	Remove an HTML element</a:t>
             </a:r>
+            <a:endParaRPr lang="en-IN" dirty="0"/>
           </a:p>
           <a:p>
             <a:pPr>
@@ -15835,6 +15498,7 @@
               <a:rPr lang="en-IN" dirty="0"/>
               <a:t>(element) 	Add an HTML element</a:t>
             </a:r>
+            <a:endParaRPr lang="en-IN" dirty="0"/>
           </a:p>
           <a:p>
             <a:pPr>
@@ -15853,6 +15517,7 @@
               <a:rPr lang="en-IN" dirty="0"/>
               <a:t>(new, old) 	Replace an HTML element</a:t>
             </a:r>
+            <a:endParaRPr lang="en-IN" dirty="0"/>
           </a:p>
           <a:p>
             <a:pPr>
@@ -15879,27 +15544,23 @@
               <a:rPr lang="en-IN" dirty="0"/>
               <a:t>into the HTML output stream</a:t>
             </a:r>
+            <a:endParaRPr lang="en-IN" dirty="0"/>
           </a:p>
         </p:txBody>
       </p:sp>
     </p:spTree>
-    <p:extLst>
-      <p:ext uri="{BB962C8B-B14F-4D97-AF65-F5344CB8AC3E}">
-        <p14:creationId xmlns:p14="http://schemas.microsoft.com/office/powerpoint/2010/main" val="773582872"/>
-      </p:ext>
-    </p:extLst>
   </p:cSld>
   <p:clrMapOvr>
     <a:masterClrMapping/>
   </p:clrMapOvr>
-  <mc:AlternateContent xmlns:mc="http://schemas.openxmlformats.org/markup-compatibility/2006" xmlns:p14="http://schemas.microsoft.com/office/powerpoint/2010/main">
-    <mc:Choice Requires="p14">
+  <mc:AlternateContent xmlns:mc="http://schemas.openxmlformats.org/markup-compatibility/2006">
+    <mc:Choice xmlns:p14="http://schemas.microsoft.com/office/powerpoint/2010/main" Requires="p14">
       <p:transition spd="med" p14:dur="700">
         <p:fade/>
       </p:transition>
     </mc:Choice>
-    <mc:Fallback xmlns="">
-      <p:transition spd="slow">
+    <mc:Fallback>
+      <p:transition spd="med">
         <p:fade/>
       </p:transition>
     </mc:Fallback>
@@ -15969,6 +15630,7 @@
               <a:rPr lang="en-IN" b="1" u="sng" dirty="0"/>
               <a:t>Adding Events Handlers</a:t>
             </a:r>
+            <a:endParaRPr lang="en-IN" b="1" u="sng" dirty="0"/>
           </a:p>
           <a:p>
             <a:r>
@@ -16014,6 +15676,7 @@
               <a:rPr lang="en-IN" dirty="0"/>
               <a:t> event</a:t>
             </a:r>
+            <a:endParaRPr lang="en-IN" dirty="0"/>
           </a:p>
           <a:p>
             <a:endParaRPr lang="en-IN" dirty="0"/>
@@ -16022,7 +15685,7 @@
       </p:sp>
       <mc:AlternateContent xmlns:mc="http://schemas.openxmlformats.org/markup-compatibility/2006" xmlns:p14="http://schemas.microsoft.com/office/powerpoint/2010/main">
         <mc:Choice Requires="p14">
-          <p:contentPart p14:bwMode="auto" r:id="rId2">
+          <p:contentPart r:id="rId1" p14:bwMode="auto">
             <p14:nvContentPartPr>
               <p14:cNvPr id="4" name="Ink 3"/>
               <p14:cNvContentPartPr/>
@@ -16038,45 +15701,33 @@
           <p:pic>
             <p:nvPicPr>
               <p:cNvPr id="4" name="Ink 3"/>
-              <p:cNvPicPr/>
-              <p:nvPr/>
             </p:nvPicPr>
             <p:blipFill>
-              <a:blip r:embed="rId3"/>
-              <a:stretch>
-                <a:fillRect/>
-              </a:stretch>
+              <a:blip r:embed="rId2"/>
             </p:blipFill>
             <p:spPr>
               <a:xfrm>
-                <a:off x="1070280" y="2194200"/>
-                <a:ext cx="7473960" cy="514440"/>
+                <a:off x="1079640" y="2203560"/>
+                <a:ext cx="7455240" cy="495720"/>
               </a:xfrm>
-              <a:prstGeom prst="rect">
-                <a:avLst/>
-              </a:prstGeom>
+              <a:prstGeom prst="rect"/>
             </p:spPr>
           </p:pic>
         </mc:Fallback>
       </mc:AlternateContent>
     </p:spTree>
-    <p:extLst>
-      <p:ext uri="{BB962C8B-B14F-4D97-AF65-F5344CB8AC3E}">
-        <p14:creationId xmlns:p14="http://schemas.microsoft.com/office/powerpoint/2010/main" val="376255409"/>
-      </p:ext>
-    </p:extLst>
   </p:cSld>
   <p:clrMapOvr>
     <a:masterClrMapping/>
   </p:clrMapOvr>
-  <mc:AlternateContent xmlns:mc="http://schemas.openxmlformats.org/markup-compatibility/2006" xmlns:p14="http://schemas.microsoft.com/office/powerpoint/2010/main">
-    <mc:Choice Requires="p14">
+  <mc:AlternateContent xmlns:mc="http://schemas.openxmlformats.org/markup-compatibility/2006">
+    <mc:Choice xmlns:p14="http://schemas.microsoft.com/office/powerpoint/2010/main" Requires="p14">
       <p:transition spd="med" p14:dur="700">
         <p:fade/>
       </p:transition>
     </mc:Choice>
-    <mc:Fallback xmlns="">
-      <p:transition spd="slow">
+    <mc:Fallback>
+      <p:transition spd="med">
         <p:fade/>
       </p:transition>
     </mc:Fallback>
@@ -16127,6 +15778,7 @@
               <a:rPr lang="en-IN" dirty="0" smtClean="0"/>
               <a:t>Last modified: </a:t>
             </a:r>
+            <a:endParaRPr lang="en-IN" dirty="0" smtClean="0"/>
           </a:p>
           <a:p>
             <a:pPr lvl="1"/>
@@ -16142,6 +15794,7 @@
               <a:rPr lang="en-US" dirty="0"/>
               <a:t> property returns the date and time the current document was last modified.</a:t>
             </a:r>
+            <a:endParaRPr lang="en-US" dirty="0"/>
           </a:p>
           <a:p>
             <a:pPr lvl="1"/>
@@ -16153,6 +15806,7 @@
               <a:rPr lang="en-US" dirty="0"/>
               <a:t> This property is read-only.</a:t>
             </a:r>
+            <a:endParaRPr lang="en-US" dirty="0"/>
           </a:p>
           <a:p>
             <a:pPr marL="25400" indent="0">
@@ -16216,6 +15870,7 @@
               <a:rPr lang="en-IN" sz="2000" dirty="0" smtClean="0"/>
               <a:t>()"&gt;</a:t>
             </a:r>
+            <a:endParaRPr lang="en-IN" sz="2000" dirty="0" smtClean="0"/>
           </a:p>
           <a:p>
             <a:pPr marL="25400" indent="0">
@@ -16235,6 +15890,7 @@
               <a:rPr lang="en-IN" sz="2000" dirty="0"/>
               <a:t> last modified&lt;/button&gt;</a:t>
             </a:r>
+            <a:endParaRPr lang="en-IN" sz="2000" dirty="0"/>
           </a:p>
           <a:p>
             <a:pPr marL="25400" indent="0">
@@ -16254,6 +15910,7 @@
               <a:rPr lang="en-IN" sz="2000" dirty="0"/>
               <a:t>p id="demo" style="font-size: 24px;"&gt;  &lt;/p&gt;</a:t>
             </a:r>
+            <a:endParaRPr lang="en-IN" sz="2000" dirty="0"/>
           </a:p>
           <a:p>
             <a:pPr marL="25400" indent="0">
@@ -16273,6 +15930,7 @@
               <a:rPr lang="en-IN" sz="2000" dirty="0"/>
               <a:t>&gt;</a:t>
             </a:r>
+            <a:endParaRPr lang="en-IN" sz="2000" dirty="0"/>
           </a:p>
           <a:p>
             <a:pPr marL="25400" indent="0">
@@ -16300,6 +15958,7 @@
               <a:rPr lang="en-IN" sz="2000" dirty="0"/>
               <a:t>() {</a:t>
             </a:r>
+            <a:endParaRPr lang="en-IN" sz="2000" dirty="0"/>
           </a:p>
           <a:p>
             <a:pPr marL="25400" indent="0">
@@ -16331,6 +15990,7 @@
               <a:rPr lang="en-IN" sz="2000" dirty="0"/>
               <a:t>);</a:t>
             </a:r>
+            <a:endParaRPr lang="en-IN" sz="2000" dirty="0"/>
           </a:p>
           <a:p>
             <a:pPr marL="25400" indent="0">
@@ -16358,6 +16018,7 @@
               <a:rPr lang="en-IN" sz="2000" dirty="0"/>
               <a:t> = x;</a:t>
             </a:r>
+            <a:endParaRPr lang="en-IN" sz="2000" dirty="0"/>
           </a:p>
           <a:p>
             <a:pPr marL="25400" indent="0">
@@ -16393,6 +16054,7 @@
               <a:rPr lang="en-IN" sz="2000" dirty="0"/>
               <a:t>script&gt;  </a:t>
             </a:r>
+            <a:endParaRPr lang="en-IN" sz="2000" dirty="0"/>
           </a:p>
           <a:p>
             <a:pPr marL="25400" indent="0">
@@ -16439,7 +16101,7 @@
           <p:nvPr/>
         </p:nvPicPr>
         <p:blipFill>
-          <a:blip r:embed="rId2"/>
+          <a:blip r:embed="rId1"/>
           <a:stretch>
             <a:fillRect/>
           </a:stretch>
@@ -16455,23 +16117,18 @@
         </p:spPr>
       </p:pic>
     </p:spTree>
-    <p:extLst>
-      <p:ext uri="{BB962C8B-B14F-4D97-AF65-F5344CB8AC3E}">
-        <p14:creationId xmlns:p14="http://schemas.microsoft.com/office/powerpoint/2010/main" val="2590830953"/>
-      </p:ext>
-    </p:extLst>
   </p:cSld>
   <p:clrMapOvr>
     <a:masterClrMapping/>
   </p:clrMapOvr>
-  <mc:AlternateContent xmlns:mc="http://schemas.openxmlformats.org/markup-compatibility/2006" xmlns:p14="http://schemas.microsoft.com/office/powerpoint/2010/main">
-    <mc:Choice Requires="p14">
+  <mc:AlternateContent xmlns:mc="http://schemas.openxmlformats.org/markup-compatibility/2006">
+    <mc:Choice xmlns:p14="http://schemas.microsoft.com/office/powerpoint/2010/main" Requires="p14">
       <p:transition spd="med" p14:dur="700">
         <p:fade/>
       </p:transition>
     </mc:Choice>
-    <mc:Fallback xmlns="">
-      <p:transition spd="slow">
+    <mc:Fallback>
+      <p:transition spd="med">
         <p:fade/>
       </p:transition>
     </mc:Fallback>
@@ -16545,6 +16202,7 @@
               <a:rPr lang="en-IN" dirty="0" smtClean="0"/>
               <a:t>(id) method:</a:t>
             </a:r>
+            <a:endParaRPr lang="en-IN" dirty="0" smtClean="0"/>
           </a:p>
           <a:p>
             <a:pPr lvl="1"/>
@@ -16560,6 +16218,7 @@
               <a:rPr lang="en-US" dirty="0"/>
               <a:t>() method returns the element that has the ID attribute with the specified value.</a:t>
             </a:r>
+            <a:endParaRPr lang="en-US" dirty="0"/>
           </a:p>
           <a:p>
             <a:pPr lvl="1"/>
@@ -16567,6 +16226,7 @@
               <a:rPr lang="en-US" dirty="0"/>
               <a:t>This method is one of the most common methods in the HTML DOM, and is used almost every time you want to manipulate, or get info from, an element on your document.</a:t>
             </a:r>
+            <a:endParaRPr lang="en-US" dirty="0"/>
           </a:p>
           <a:p>
             <a:pPr lvl="1"/>
@@ -16582,6 +16242,7 @@
               <a:rPr lang="en-US" dirty="0"/>
               <a:t> if no elements with the specified ID exists.</a:t>
             </a:r>
+            <a:endParaRPr lang="en-US" dirty="0"/>
           </a:p>
           <a:p>
             <a:pPr lvl="1"/>
@@ -16597,6 +16258,7 @@
               <a:rPr lang="en-US" dirty="0"/>
               <a:t>() method returns the first element in the source code.</a:t>
             </a:r>
+            <a:endParaRPr lang="en-US" dirty="0"/>
           </a:p>
           <a:p>
             <a:endParaRPr lang="en-IN" dirty="0"/>
@@ -16604,23 +16266,18 @@
         </p:txBody>
       </p:sp>
     </p:spTree>
-    <p:extLst>
-      <p:ext uri="{BB962C8B-B14F-4D97-AF65-F5344CB8AC3E}">
-        <p14:creationId xmlns:p14="http://schemas.microsoft.com/office/powerpoint/2010/main" val="277071693"/>
-      </p:ext>
-    </p:extLst>
   </p:cSld>
   <p:clrMapOvr>
     <a:masterClrMapping/>
   </p:clrMapOvr>
-  <mc:AlternateContent xmlns:mc="http://schemas.openxmlformats.org/markup-compatibility/2006" xmlns:p14="http://schemas.microsoft.com/office/powerpoint/2010/main">
-    <mc:Choice Requires="p14">
+  <mc:AlternateContent xmlns:mc="http://schemas.openxmlformats.org/markup-compatibility/2006">
+    <mc:Choice xmlns:p14="http://schemas.microsoft.com/office/powerpoint/2010/main" Requires="p14">
       <p:transition spd="med" p14:dur="700">
         <p:fade/>
       </p:transition>
     </mc:Choice>
-    <mc:Fallback xmlns="">
-      <p:transition spd="slow">
+    <mc:Fallback>
+      <p:transition spd="med">
         <p:fade/>
       </p:transition>
     </mc:Fallback>
@@ -16763,6 +16420,7 @@
               <a:rPr lang="en-IN" dirty="0"/>
               <a:t>&lt;script&gt;</a:t>
             </a:r>
+            <a:endParaRPr lang="en-IN" dirty="0"/>
           </a:p>
           <a:p>
             <a:pPr marL="25400" indent="0">
@@ -16786,6 +16444,7 @@
               <a:rPr lang="en-IN" dirty="0"/>
               <a:t>() {</a:t>
             </a:r>
+            <a:endParaRPr lang="en-IN" dirty="0"/>
           </a:p>
           <a:p>
             <a:pPr marL="25400" indent="0">
@@ -16825,6 +16484,7 @@
               <a:rPr lang="en-IN" dirty="0"/>
               <a:t>("demo");</a:t>
             </a:r>
+            <a:endParaRPr lang="en-IN" dirty="0"/>
           </a:p>
           <a:p>
             <a:pPr marL="25400" indent="0">
@@ -16860,6 +16520,7 @@
               <a:rPr lang="en-IN" dirty="0" smtClean="0"/>
               <a:t>";</a:t>
             </a:r>
+            <a:endParaRPr lang="en-IN" dirty="0" smtClean="0"/>
           </a:p>
           <a:p>
             <a:pPr marL="25400" indent="0">
@@ -16891,6 +16552,7 @@
               <a:rPr lang="en-IN" dirty="0"/>
               <a:t>&lt;/script&gt;</a:t>
             </a:r>
+            <a:endParaRPr lang="en-IN" dirty="0"/>
           </a:p>
         </p:txBody>
       </p:sp>
@@ -16903,7 +16565,7 @@
           <p:nvPr/>
         </p:nvPicPr>
         <p:blipFill>
-          <a:blip r:embed="rId2"/>
+          <a:blip r:embed="rId1"/>
           <a:stretch>
             <a:fillRect/>
           </a:stretch>
@@ -16927,7 +16589,7 @@
           <p:nvPr/>
         </p:nvPicPr>
         <p:blipFill>
-          <a:blip r:embed="rId3"/>
+          <a:blip r:embed="rId2"/>
           <a:stretch>
             <a:fillRect/>
           </a:stretch>
@@ -16943,23 +16605,18 @@
         </p:spPr>
       </p:pic>
     </p:spTree>
-    <p:extLst>
-      <p:ext uri="{BB962C8B-B14F-4D97-AF65-F5344CB8AC3E}">
-        <p14:creationId xmlns:p14="http://schemas.microsoft.com/office/powerpoint/2010/main" val="2717874967"/>
-      </p:ext>
-    </p:extLst>
   </p:cSld>
   <p:clrMapOvr>
     <a:masterClrMapping/>
   </p:clrMapOvr>
-  <mc:AlternateContent xmlns:mc="http://schemas.openxmlformats.org/markup-compatibility/2006" xmlns:p14="http://schemas.microsoft.com/office/powerpoint/2010/main">
-    <mc:Choice Requires="p14">
+  <mc:AlternateContent xmlns:mc="http://schemas.openxmlformats.org/markup-compatibility/2006">
+    <mc:Choice xmlns:p14="http://schemas.microsoft.com/office/powerpoint/2010/main" Requires="p14">
       <p:transition spd="med" p14:dur="700">
         <p:fade/>
       </p:transition>
     </mc:Choice>
-    <mc:Fallback xmlns="">
-      <p:transition spd="slow">
+    <mc:Fallback>
+      <p:transition spd="med">
         <p:fade/>
       </p:transition>
     </mc:Fallback>
@@ -17250,8 +16907,11 @@
       </a:bgFillStyleLst>
     </a:fmtScheme>
   </a:themeElements>
-  <a:objectDefaults/>
-  <a:extraClrSchemeLst/>
+  <a:extLst>
+    <a:ext uri="{05A4C25C-085E-4340-85A3-A5531E510DB2}">
+      <thm15:themeFamily xmlns:thm15="http://schemas.microsoft.com/office/thememl/2012/main" name="Office Theme" id="{62F939B6-93AF-4DB8-9C6B-D6C7DFDC589F}" vid="{4A3C46E8-61CC-4603-A589-7422A47A8E4A}"/>
+    </a:ext>
+  </a:extLst>
 </a:theme>
 </file>
 
@@ -17531,8 +17191,11 @@
       </a:bgFillStyleLst>
     </a:fmtScheme>
   </a:themeElements>
-  <a:objectDefaults/>
-  <a:extraClrSchemeLst/>
+  <a:extLst>
+    <a:ext uri="{05A4C25C-085E-4340-85A3-A5531E510DB2}">
+      <thm15:themeFamily xmlns:thm15="http://schemas.microsoft.com/office/thememl/2012/main" name="Office Theme" id="{62F939B6-93AF-4DB8-9C6B-D6C7DFDC589F}" vid="{4A3C46E8-61CC-4603-A589-7422A47A8E4A}"/>
+    </a:ext>
+  </a:extLst>
 </a:theme>
 </file>
 
@@ -17579,7 +17242,7 @@
     </a:clrScheme>
     <a:fontScheme name="Office">
       <a:majorFont>
-        <a:latin typeface="Calibri Light" panose="020F0302020204030204"/>
+        <a:latin typeface="Calibri Light"/>
         <a:ea typeface=""/>
         <a:cs typeface=""/>
         <a:font script="Jpan" typeface="游ゴシック Light"/>
@@ -17614,7 +17277,7 @@
         <a:font script="Geor" typeface="Sylfaen"/>
       </a:majorFont>
       <a:minorFont>
-        <a:latin typeface="Calibri" panose="020F0502020204030204"/>
+        <a:latin typeface="Calibri"/>
         <a:ea typeface=""/>
         <a:cs typeface=""/>
         <a:font script="Jpan" typeface="游ゴシック"/>
@@ -17787,8 +17450,6 @@
       </a:bgFillStyleLst>
     </a:fmtScheme>
   </a:themeElements>
-  <a:objectDefaults/>
-  <a:extraClrSchemeLst/>
   <a:extLst>
     <a:ext uri="{05A4C25C-085E-4340-85A3-A5531E510DB2}">
       <thm15:themeFamily xmlns:thm15="http://schemas.microsoft.com/office/thememl/2012/main" name="Office Theme" id="{62F939B6-93AF-4DB8-9C6B-D6C7DFDC589F}" vid="{4A3C46E8-61CC-4603-A589-7422A47A8E4A}"/>
@@ -17840,7 +17501,7 @@
     </a:clrScheme>
     <a:fontScheme name="Office">
       <a:majorFont>
-        <a:latin typeface="Calibri Light" panose="020F0302020204030204"/>
+        <a:latin typeface="Calibri Light"/>
         <a:ea typeface=""/>
         <a:cs typeface=""/>
         <a:font script="Jpan" typeface="游ゴシック Light"/>
@@ -17875,7 +17536,7 @@
         <a:font script="Geor" typeface="Sylfaen"/>
       </a:majorFont>
       <a:minorFont>
-        <a:latin typeface="Calibri" panose="020F0502020204030204"/>
+        <a:latin typeface="Calibri"/>
         <a:ea typeface=""/>
         <a:cs typeface=""/>
         <a:font script="Jpan" typeface="游ゴシック"/>
@@ -18048,8 +17709,6 @@
       </a:bgFillStyleLst>
     </a:fmtScheme>
   </a:themeElements>
-  <a:objectDefaults/>
-  <a:extraClrSchemeLst/>
   <a:extLst>
     <a:ext uri="{05A4C25C-085E-4340-85A3-A5531E510DB2}">
       <thm15:themeFamily xmlns:thm15="http://schemas.microsoft.com/office/thememl/2012/main" name="Office Theme" id="{62F939B6-93AF-4DB8-9C6B-D6C7DFDC589F}" vid="{4A3C46E8-61CC-4603-A589-7422A47A8E4A}"/>
